--- a/session7/G-Window_queries.pptx
+++ b/session7/G-Window_queries.pptx
@@ -5,36 +5,39 @@
     <p:sldMasterId id="2147483648" r:id="rId1"/>
   </p:sldMasterIdLst>
   <p:notesMasterIdLst>
-    <p:notesMasterId r:id="rId5"/>
+    <p:notesMasterId r:id="rId8"/>
   </p:notesMasterIdLst>
   <p:sldIdLst>
     <p:sldId id="256" r:id="rId2"/>
     <p:sldId id="258" r:id="rId3"/>
-    <p:sldId id="283" r:id="rId4"/>
+    <p:sldId id="285" r:id="rId4"/>
+    <p:sldId id="283" r:id="rId5"/>
+    <p:sldId id="286" r:id="rId6"/>
+    <p:sldId id="284" r:id="rId7"/>
   </p:sldIdLst>
   <p:sldSz cx="9144000" cy="6858000" type="screen4x3"/>
   <p:notesSz cx="7315200" cy="9601200"/>
   <p:embeddedFontLst>
     <p:embeddedFont>
       <p:font typeface="Arimo" panose="020B0604020202020204" charset="0"/>
-      <p:regular r:id="rId6"/>
-      <p:bold r:id="rId7"/>
-      <p:italic r:id="rId8"/>
-      <p:boldItalic r:id="rId9"/>
+      <p:regular r:id="rId9"/>
+      <p:bold r:id="rId10"/>
+      <p:italic r:id="rId11"/>
+      <p:boldItalic r:id="rId12"/>
     </p:embeddedFont>
     <p:embeddedFont>
       <p:font typeface="Calibri" panose="020F0502020204030204" pitchFamily="34" charset="0"/>
-      <p:regular r:id="rId10"/>
-      <p:bold r:id="rId11"/>
-      <p:italic r:id="rId12"/>
-      <p:boldItalic r:id="rId13"/>
+      <p:regular r:id="rId13"/>
+      <p:bold r:id="rId14"/>
+      <p:italic r:id="rId15"/>
+      <p:boldItalic r:id="rId16"/>
     </p:embeddedFont>
     <p:embeddedFont>
-      <p:font typeface="Montserrat" panose="020B0604020202020204" pitchFamily="2" charset="0"/>
-      <p:regular r:id="rId14"/>
-      <p:bold r:id="rId15"/>
-      <p:italic r:id="rId16"/>
-      <p:boldItalic r:id="rId17"/>
+      <p:font typeface="Montserrat" panose="00000500000000000000" pitchFamily="2" charset="0"/>
+      <p:regular r:id="rId17"/>
+      <p:bold r:id="rId18"/>
+      <p:italic r:id="rId19"/>
+      <p:boldItalic r:id="rId20"/>
     </p:embeddedFont>
   </p:embeddedFontLst>
   <p:defaultTextStyle>
@@ -267,8 +270,11 @@
     </a:lvl9pPr>
   </p:defaultTextStyle>
   <p:extLst>
+    <p:ext uri="{EFAFB233-063F-42B5-8137-9DF3F51BA10A}">
+      <p15:sldGuideLst xmlns:p15="http://schemas.microsoft.com/office/powerpoint/2012/main"/>
+    </p:ext>
     <p:ext uri="http://customooxmlschemas.google.com/">
-      <go:slidesCustomData xmlns:go="http://customooxmlschemas.google.com/" xmlns:ahyp="http://schemas.microsoft.com/office/drawing/2018/hyperlinkcolor" xmlns:p15="http://schemas.microsoft.com/office/powerpoint/2012/main" xmlns:p14="http://schemas.microsoft.com/office/powerpoint/2010/main" xmlns:com="http://schemas.openxmlformats.org/drawingml/2006/compatibility" xmlns:pvml="urn:schemas-microsoft-com:office:powerpoint" xmlns:v="urn:schemas-microsoft-com:vml" xmlns:o="urn:schemas-microsoft-com:office:office" xmlns:dgm="http://schemas.openxmlformats.org/drawingml/2006/diagram" xmlns:c="http://schemas.openxmlformats.org/drawingml/2006/chart" xmlns:mv="urn:schemas-microsoft-com:mac:vml" xmlns:mc="http://schemas.openxmlformats.org/markup-compatibility/2006" xmlns="" r:id="rId40" roundtripDataSignature="AMtx7mj3ZLvO33oq78s+YwLT1n/iDoW9fA=="/>
+      <go:slidesCustomData xmlns="" xmlns:mc="http://schemas.openxmlformats.org/markup-compatibility/2006" xmlns:mv="urn:schemas-microsoft-com:mac:vml" xmlns:c="http://schemas.openxmlformats.org/drawingml/2006/chart" xmlns:dgm="http://schemas.openxmlformats.org/drawingml/2006/diagram" xmlns:o="urn:schemas-microsoft-com:office:office" xmlns:v="urn:schemas-microsoft-com:vml" xmlns:pvml="urn:schemas-microsoft-com:office:powerpoint" xmlns:com="http://schemas.openxmlformats.org/drawingml/2006/compatibility" xmlns:p14="http://schemas.microsoft.com/office/powerpoint/2010/main" xmlns:p15="http://schemas.microsoft.com/office/powerpoint/2012/main" xmlns:ahyp="http://schemas.microsoft.com/office/drawing/2018/hyperlinkcolor" xmlns:go="http://customooxmlschemas.google.com/" r:id="rId40" roundtripDataSignature="AMtx7mj3ZLvO33oq78s+YwLT1n/iDoW9fA=="/>
     </p:ext>
   </p:extLst>
 </p:presentation>
@@ -1694,6 +1700,129 @@
   <p:cSld>
     <p:spTree>
       <p:nvGrpSpPr>
+        <p:cNvPr id="1" name="Shape 95"/>
+        <p:cNvGrpSpPr/>
+        <p:nvPr/>
+      </p:nvGrpSpPr>
+      <p:grpSpPr>
+        <a:xfrm>
+          <a:off x="0" y="0"/>
+          <a:ext cx="0" cy="0"/>
+          <a:chOff x="0" y="0"/>
+          <a:chExt cx="0" cy="0"/>
+        </a:xfrm>
+      </p:grpSpPr>
+      <p:sp>
+        <p:nvSpPr>
+          <p:cNvPr id="96" name="Google Shape;96;g12c30a3ea24_0_4:notes"/>
+          <p:cNvSpPr>
+            <a:spLocks noGrp="1" noRot="1" noChangeAspect="1"/>
+          </p:cNvSpPr>
+          <p:nvPr>
+            <p:ph type="sldImg" idx="2"/>
+          </p:nvPr>
+        </p:nvSpPr>
+        <p:spPr>
+          <a:xfrm>
+            <a:off x="1497013" y="1200150"/>
+            <a:ext cx="4321175" cy="3240088"/>
+          </a:xfrm>
+          <a:custGeom>
+            <a:avLst/>
+            <a:gdLst/>
+            <a:ahLst/>
+            <a:cxnLst/>
+            <a:rect l="l" t="t" r="r" b="b"/>
+            <a:pathLst>
+              <a:path w="120000" h="120000" extrusionOk="0">
+                <a:moveTo>
+                  <a:pt x="0" y="0"/>
+                </a:moveTo>
+                <a:lnTo>
+                  <a:pt x="120000" y="0"/>
+                </a:lnTo>
+                <a:lnTo>
+                  <a:pt x="120000" y="120000"/>
+                </a:lnTo>
+                <a:lnTo>
+                  <a:pt x="0" y="120000"/>
+                </a:lnTo>
+                <a:close/>
+              </a:path>
+            </a:pathLst>
+          </a:custGeom>
+          <a:noFill/>
+          <a:ln w="12700" cap="flat" cmpd="sng">
+            <a:solidFill>
+              <a:srgbClr val="000000"/>
+            </a:solidFill>
+            <a:prstDash val="solid"/>
+            <a:round/>
+            <a:headEnd type="none" w="sm" len="sm"/>
+            <a:tailEnd type="none" w="sm" len="sm"/>
+          </a:ln>
+        </p:spPr>
+      </p:sp>
+      <p:sp>
+        <p:nvSpPr>
+          <p:cNvPr id="97" name="Google Shape;97;g12c30a3ea24_0_4:notes"/>
+          <p:cNvSpPr txBox="1">
+            <a:spLocks noGrp="1"/>
+          </p:cNvSpPr>
+          <p:nvPr>
+            <p:ph type="body" idx="1"/>
+          </p:nvPr>
+        </p:nvSpPr>
+        <p:spPr>
+          <a:xfrm>
+            <a:off x="731520" y="4620577"/>
+            <a:ext cx="5852100" cy="3780600"/>
+          </a:xfrm>
+          <a:prstGeom prst="rect">
+            <a:avLst/>
+          </a:prstGeom>
+          <a:noFill/>
+          <a:ln>
+            <a:noFill/>
+          </a:ln>
+        </p:spPr>
+        <p:txBody>
+          <a:bodyPr spcFirstLastPara="1" wrap="square" lIns="96650" tIns="48325" rIns="96650" bIns="48325" anchor="t" anchorCtr="0">
+            <a:noAutofit/>
+          </a:bodyPr>
+          <a:lstStyle/>
+          <a:p>
+            <a:pPr marL="0" lvl="0" indent="0" algn="l" rtl="0">
+              <a:spcBef>
+                <a:spcPts val="0"/>
+              </a:spcBef>
+              <a:spcAft>
+                <a:spcPts val="0"/>
+              </a:spcAft>
+              <a:buNone/>
+            </a:pPr>
+            <a:endParaRPr/>
+          </a:p>
+        </p:txBody>
+      </p:sp>
+    </p:spTree>
+    <p:extLst>
+      <p:ext uri="{BB962C8B-B14F-4D97-AF65-F5344CB8AC3E}">
+        <p14:creationId xmlns:p14="http://schemas.microsoft.com/office/powerpoint/2010/main" val="2464144628"/>
+      </p:ext>
+    </p:extLst>
+  </p:cSld>
+  <p:clrMapOvr>
+    <a:masterClrMapping/>
+  </p:clrMapOvr>
+</p:notes>
+</file>
+
+<file path=ppt/notesSlides/notesSlide4.xml><?xml version="1.0" encoding="utf-8"?>
+<p:notes xmlns:a="http://schemas.openxmlformats.org/drawingml/2006/main" xmlns:r="http://schemas.openxmlformats.org/officeDocument/2006/relationships" xmlns:p="http://schemas.openxmlformats.org/presentationml/2006/main" showMasterSp="0" showMasterPhAnim="0">
+  <p:cSld>
+    <p:spTree>
+      <p:nvGrpSpPr>
         <p:cNvPr id="1" name="Shape 102"/>
         <p:cNvGrpSpPr/>
         <p:nvPr/>
@@ -1803,6 +1932,252 @@
     <p:extLst>
       <p:ext uri="{BB962C8B-B14F-4D97-AF65-F5344CB8AC3E}">
         <p14:creationId xmlns:p14="http://schemas.microsoft.com/office/powerpoint/2010/main" val="781407869"/>
+      </p:ext>
+    </p:extLst>
+  </p:cSld>
+  <p:clrMapOvr>
+    <a:masterClrMapping/>
+  </p:clrMapOvr>
+</p:notes>
+</file>
+
+<file path=ppt/notesSlides/notesSlide5.xml><?xml version="1.0" encoding="utf-8"?>
+<p:notes xmlns:a="http://schemas.openxmlformats.org/drawingml/2006/main" xmlns:r="http://schemas.openxmlformats.org/officeDocument/2006/relationships" xmlns:p="http://schemas.openxmlformats.org/presentationml/2006/main" showMasterSp="0" showMasterPhAnim="0">
+  <p:cSld>
+    <p:spTree>
+      <p:nvGrpSpPr>
+        <p:cNvPr id="1" name="Shape 102"/>
+        <p:cNvGrpSpPr/>
+        <p:nvPr/>
+      </p:nvGrpSpPr>
+      <p:grpSpPr>
+        <a:xfrm>
+          <a:off x="0" y="0"/>
+          <a:ext cx="0" cy="0"/>
+          <a:chOff x="0" y="0"/>
+          <a:chExt cx="0" cy="0"/>
+        </a:xfrm>
+      </p:grpSpPr>
+      <p:sp>
+        <p:nvSpPr>
+          <p:cNvPr id="103" name="Google Shape;103;g12c30a3ea24_0_12:notes"/>
+          <p:cNvSpPr>
+            <a:spLocks noGrp="1" noRot="1" noChangeAspect="1"/>
+          </p:cNvSpPr>
+          <p:nvPr>
+            <p:ph type="sldImg" idx="2"/>
+          </p:nvPr>
+        </p:nvSpPr>
+        <p:spPr>
+          <a:xfrm>
+            <a:off x="1497013" y="1200150"/>
+            <a:ext cx="4321175" cy="3240088"/>
+          </a:xfrm>
+          <a:custGeom>
+            <a:avLst/>
+            <a:gdLst/>
+            <a:ahLst/>
+            <a:cxnLst/>
+            <a:rect l="l" t="t" r="r" b="b"/>
+            <a:pathLst>
+              <a:path w="120000" h="120000" extrusionOk="0">
+                <a:moveTo>
+                  <a:pt x="0" y="0"/>
+                </a:moveTo>
+                <a:lnTo>
+                  <a:pt x="120000" y="0"/>
+                </a:lnTo>
+                <a:lnTo>
+                  <a:pt x="120000" y="120000"/>
+                </a:lnTo>
+                <a:lnTo>
+                  <a:pt x="0" y="120000"/>
+                </a:lnTo>
+                <a:close/>
+              </a:path>
+            </a:pathLst>
+          </a:custGeom>
+          <a:noFill/>
+          <a:ln w="12700" cap="flat" cmpd="sng">
+            <a:solidFill>
+              <a:srgbClr val="000000"/>
+            </a:solidFill>
+            <a:prstDash val="solid"/>
+            <a:round/>
+            <a:headEnd type="none" w="sm" len="sm"/>
+            <a:tailEnd type="none" w="sm" len="sm"/>
+          </a:ln>
+        </p:spPr>
+      </p:sp>
+      <p:sp>
+        <p:nvSpPr>
+          <p:cNvPr id="104" name="Google Shape;104;g12c30a3ea24_0_12:notes"/>
+          <p:cNvSpPr txBox="1">
+            <a:spLocks noGrp="1"/>
+          </p:cNvSpPr>
+          <p:nvPr>
+            <p:ph type="body" idx="1"/>
+          </p:nvPr>
+        </p:nvSpPr>
+        <p:spPr>
+          <a:xfrm>
+            <a:off x="731520" y="4620577"/>
+            <a:ext cx="5852100" cy="3780600"/>
+          </a:xfrm>
+          <a:prstGeom prst="rect">
+            <a:avLst/>
+          </a:prstGeom>
+          <a:noFill/>
+          <a:ln>
+            <a:noFill/>
+          </a:ln>
+        </p:spPr>
+        <p:txBody>
+          <a:bodyPr spcFirstLastPara="1" wrap="square" lIns="96650" tIns="48325" rIns="96650" bIns="48325" anchor="t" anchorCtr="0">
+            <a:noAutofit/>
+          </a:bodyPr>
+          <a:lstStyle/>
+          <a:p>
+            <a:pPr marL="0" lvl="0" indent="0" algn="l" rtl="0">
+              <a:spcBef>
+                <a:spcPts val="0"/>
+              </a:spcBef>
+              <a:spcAft>
+                <a:spcPts val="0"/>
+              </a:spcAft>
+              <a:buNone/>
+            </a:pPr>
+            <a:endParaRPr/>
+          </a:p>
+        </p:txBody>
+      </p:sp>
+    </p:spTree>
+    <p:extLst>
+      <p:ext uri="{BB962C8B-B14F-4D97-AF65-F5344CB8AC3E}">
+        <p14:creationId xmlns:p14="http://schemas.microsoft.com/office/powerpoint/2010/main" val="2152753419"/>
+      </p:ext>
+    </p:extLst>
+  </p:cSld>
+  <p:clrMapOvr>
+    <a:masterClrMapping/>
+  </p:clrMapOvr>
+</p:notes>
+</file>
+
+<file path=ppt/notesSlides/notesSlide6.xml><?xml version="1.0" encoding="utf-8"?>
+<p:notes xmlns:a="http://schemas.openxmlformats.org/drawingml/2006/main" xmlns:r="http://schemas.openxmlformats.org/officeDocument/2006/relationships" xmlns:p="http://schemas.openxmlformats.org/presentationml/2006/main" showMasterSp="0" showMasterPhAnim="0">
+  <p:cSld>
+    <p:spTree>
+      <p:nvGrpSpPr>
+        <p:cNvPr id="1" name="Shape 102"/>
+        <p:cNvGrpSpPr/>
+        <p:nvPr/>
+      </p:nvGrpSpPr>
+      <p:grpSpPr>
+        <a:xfrm>
+          <a:off x="0" y="0"/>
+          <a:ext cx="0" cy="0"/>
+          <a:chOff x="0" y="0"/>
+          <a:chExt cx="0" cy="0"/>
+        </a:xfrm>
+      </p:grpSpPr>
+      <p:sp>
+        <p:nvSpPr>
+          <p:cNvPr id="103" name="Google Shape;103;g12c30a3ea24_0_12:notes"/>
+          <p:cNvSpPr>
+            <a:spLocks noGrp="1" noRot="1" noChangeAspect="1"/>
+          </p:cNvSpPr>
+          <p:nvPr>
+            <p:ph type="sldImg" idx="2"/>
+          </p:nvPr>
+        </p:nvSpPr>
+        <p:spPr>
+          <a:xfrm>
+            <a:off x="1497013" y="1200150"/>
+            <a:ext cx="4321175" cy="3240088"/>
+          </a:xfrm>
+          <a:custGeom>
+            <a:avLst/>
+            <a:gdLst/>
+            <a:ahLst/>
+            <a:cxnLst/>
+            <a:rect l="l" t="t" r="r" b="b"/>
+            <a:pathLst>
+              <a:path w="120000" h="120000" extrusionOk="0">
+                <a:moveTo>
+                  <a:pt x="0" y="0"/>
+                </a:moveTo>
+                <a:lnTo>
+                  <a:pt x="120000" y="0"/>
+                </a:lnTo>
+                <a:lnTo>
+                  <a:pt x="120000" y="120000"/>
+                </a:lnTo>
+                <a:lnTo>
+                  <a:pt x="0" y="120000"/>
+                </a:lnTo>
+                <a:close/>
+              </a:path>
+            </a:pathLst>
+          </a:custGeom>
+          <a:noFill/>
+          <a:ln w="12700" cap="flat" cmpd="sng">
+            <a:solidFill>
+              <a:srgbClr val="000000"/>
+            </a:solidFill>
+            <a:prstDash val="solid"/>
+            <a:round/>
+            <a:headEnd type="none" w="sm" len="sm"/>
+            <a:tailEnd type="none" w="sm" len="sm"/>
+          </a:ln>
+        </p:spPr>
+      </p:sp>
+      <p:sp>
+        <p:nvSpPr>
+          <p:cNvPr id="104" name="Google Shape;104;g12c30a3ea24_0_12:notes"/>
+          <p:cNvSpPr txBox="1">
+            <a:spLocks noGrp="1"/>
+          </p:cNvSpPr>
+          <p:nvPr>
+            <p:ph type="body" idx="1"/>
+          </p:nvPr>
+        </p:nvSpPr>
+        <p:spPr>
+          <a:xfrm>
+            <a:off x="731520" y="4620577"/>
+            <a:ext cx="5852100" cy="3780600"/>
+          </a:xfrm>
+          <a:prstGeom prst="rect">
+            <a:avLst/>
+          </a:prstGeom>
+          <a:noFill/>
+          <a:ln>
+            <a:noFill/>
+          </a:ln>
+        </p:spPr>
+        <p:txBody>
+          <a:bodyPr spcFirstLastPara="1" wrap="square" lIns="96650" tIns="48325" rIns="96650" bIns="48325" anchor="t" anchorCtr="0">
+            <a:noAutofit/>
+          </a:bodyPr>
+          <a:lstStyle/>
+          <a:p>
+            <a:pPr marL="0" lvl="0" indent="0" algn="l" rtl="0">
+              <a:spcBef>
+                <a:spcPts val="0"/>
+              </a:spcBef>
+              <a:spcAft>
+                <a:spcPts val="0"/>
+              </a:spcAft>
+              <a:buNone/>
+            </a:pPr>
+            <a:endParaRPr/>
+          </a:p>
+        </p:txBody>
+      </p:sp>
+    </p:spTree>
+    <p:extLst>
+      <p:ext uri="{BB962C8B-B14F-4D97-AF65-F5344CB8AC3E}">
+        <p14:creationId xmlns:p14="http://schemas.microsoft.com/office/powerpoint/2010/main" val="1059541467"/>
       </p:ext>
     </p:extLst>
   </p:cSld>
@@ -12126,18 +12501,6 @@
               <a:buFont typeface="Arimo"/>
               <a:buNone/>
             </a:pPr>
-            <a:r>
-              <a:rPr lang="en-US" sz="5300" b="1" dirty="0">
-                <a:solidFill>
-                  <a:srgbClr val="57068C"/>
-                </a:solidFill>
-                <a:latin typeface="Montserrat"/>
-                <a:ea typeface="Montserrat"/>
-                <a:cs typeface="Montserrat"/>
-                <a:sym typeface="Montserrat"/>
-              </a:rPr>
-              <a:t>SQL</a:t>
-            </a:r>
             <a:br>
               <a:rPr lang="en-US" sz="5300" b="1" dirty="0">
                 <a:solidFill>
@@ -12207,7 +12570,7 @@
         <p:spPr>
           <a:xfrm>
             <a:off x="386308" y="147496"/>
-            <a:ext cx="7757400" cy="554100"/>
+            <a:ext cx="8710800" cy="554100"/>
           </a:xfrm>
           <a:prstGeom prst="rect">
             <a:avLst/>
@@ -12242,7 +12605,7 @@
                 <a:cs typeface="Montserrat"/>
                 <a:sym typeface="Montserrat"/>
               </a:rPr>
-              <a:t>What are window queries?</a:t>
+              <a:t>Aggregation vs window functions</a:t>
             </a:r>
             <a:endParaRPr dirty="0">
               <a:solidFill>
@@ -12311,7 +12674,7 @@
         <p:spPr>
           <a:xfrm>
             <a:off x="183174" y="1376725"/>
-            <a:ext cx="8612033" cy="1477287"/>
+            <a:ext cx="8612033" cy="1754286"/>
           </a:xfrm>
           <a:prstGeom prst="rect">
             <a:avLst/>
@@ -12351,7 +12714,31 @@
                 <a:cs typeface="Calibri"/>
                 <a:sym typeface="Calibri"/>
               </a:rPr>
-              <a:t>When using aggregation queries, we calculate one value per group</a:t>
+              <a:t>In aggregation functions, have as input a group of rows, and we get back one value per group (e.g., count rows in group, avg value of an attribute, </a:t>
+            </a:r>
+            <a:r>
+              <a:rPr lang="en-US" sz="1800" dirty="0" err="1">
+                <a:solidFill>
+                  <a:schemeClr val="dk1"/>
+                </a:solidFill>
+                <a:latin typeface="Montserrat" panose="020B0604020202020204" pitchFamily="2" charset="0"/>
+                <a:ea typeface="Calibri"/>
+                <a:cs typeface="Calibri"/>
+                <a:sym typeface="Calibri"/>
+              </a:rPr>
+              <a:t>etc</a:t>
+            </a:r>
+            <a:r>
+              <a:rPr lang="en-US" sz="1800" dirty="0">
+                <a:solidFill>
+                  <a:schemeClr val="dk1"/>
+                </a:solidFill>
+                <a:latin typeface="Montserrat" panose="020B0604020202020204" pitchFamily="2" charset="0"/>
+                <a:ea typeface="Calibri"/>
+                <a:cs typeface="Calibri"/>
+                <a:sym typeface="Calibri"/>
+              </a:rPr>
+              <a:t>)</a:t>
             </a:r>
           </a:p>
           <a:p>
@@ -12379,7 +12766,7 @@
                 <a:cs typeface="Calibri"/>
                 <a:sym typeface="Calibri"/>
               </a:rPr>
-              <a:t>With window queries, we calculate functions over a group of rows (</a:t>
+              <a:t>With window functions, we calculate functions over a group of rows </a:t>
             </a:r>
             <a:r>
               <a:rPr lang="en-US" sz="1800" b="1" dirty="0">
@@ -12391,7 +12778,7 @@
                 <a:cs typeface="Calibri"/>
                 <a:sym typeface="Calibri"/>
               </a:rPr>
-              <a:t>we call this “window”), </a:t>
+              <a:t>(we call this a “window”), </a:t>
             </a:r>
             <a:r>
               <a:rPr lang="en-US" sz="1800" dirty="0">
@@ -12403,28 +12790,8 @@
                 <a:cs typeface="Calibri"/>
                 <a:sym typeface="Calibri"/>
               </a:rPr>
-              <a:t>but we return a value for each row, not simply one value per group.</a:t>
-            </a:r>
-            <a:endParaRPr sz="1800" dirty="0">
-              <a:solidFill>
-                <a:schemeClr val="dk1"/>
-              </a:solidFill>
-              <a:latin typeface="Montserrat" panose="020B0604020202020204" pitchFamily="2" charset="0"/>
-              <a:ea typeface="Calibri"/>
-              <a:cs typeface="Calibri"/>
-              <a:sym typeface="Calibri"/>
-            </a:endParaRPr>
-          </a:p>
-          <a:p>
-            <a:pPr marL="0" marR="0" lvl="0" indent="0" algn="l" rtl="0">
-              <a:spcBef>
-                <a:spcPts val="0"/>
-              </a:spcBef>
-              <a:spcAft>
-                <a:spcPts val="0"/>
-              </a:spcAft>
-              <a:buNone/>
-            </a:pPr>
+              <a:t>but we return a value for each row that belongs to the window.</a:t>
+            </a:r>
             <a:endParaRPr sz="1800" dirty="0">
               <a:solidFill>
                 <a:schemeClr val="dk1"/>
@@ -12446,6 +12813,279 @@
 </file>
 
 <file path=ppt/slides/slide3.xml><?xml version="1.0" encoding="utf-8"?>
+<p:sld xmlns:a="http://schemas.openxmlformats.org/drawingml/2006/main" xmlns:r="http://schemas.openxmlformats.org/officeDocument/2006/relationships" xmlns:p="http://schemas.openxmlformats.org/presentationml/2006/main">
+  <p:cSld>
+    <p:spTree>
+      <p:nvGrpSpPr>
+        <p:cNvPr id="1" name="Shape 98"/>
+        <p:cNvGrpSpPr/>
+        <p:nvPr/>
+      </p:nvGrpSpPr>
+      <p:grpSpPr>
+        <a:xfrm>
+          <a:off x="0" y="0"/>
+          <a:ext cx="0" cy="0"/>
+          <a:chOff x="0" y="0"/>
+          <a:chExt cx="0" cy="0"/>
+        </a:xfrm>
+      </p:grpSpPr>
+      <p:sp>
+        <p:nvSpPr>
+          <p:cNvPr id="99" name="Google Shape;99;g12c30a3ea24_0_4"/>
+          <p:cNvSpPr/>
+          <p:nvPr/>
+        </p:nvSpPr>
+        <p:spPr>
+          <a:xfrm>
+            <a:off x="386308" y="147496"/>
+            <a:ext cx="8710800" cy="554100"/>
+          </a:xfrm>
+          <a:prstGeom prst="rect">
+            <a:avLst/>
+          </a:prstGeom>
+          <a:noFill/>
+          <a:ln>
+            <a:noFill/>
+          </a:ln>
+        </p:spPr>
+        <p:txBody>
+          <a:bodyPr spcFirstLastPara="1" wrap="square" lIns="45700" tIns="45700" rIns="45700" bIns="45700" anchor="t" anchorCtr="0">
+            <a:noAutofit/>
+          </a:bodyPr>
+          <a:lstStyle/>
+          <a:p>
+            <a:pPr marL="0" marR="0" lvl="0" indent="0" algn="l" rtl="0">
+              <a:spcBef>
+                <a:spcPts val="0"/>
+              </a:spcBef>
+              <a:spcAft>
+                <a:spcPts val="0"/>
+              </a:spcAft>
+              <a:buNone/>
+            </a:pPr>
+            <a:r>
+              <a:rPr lang="en-US" sz="3000" b="1" dirty="0">
+                <a:solidFill>
+                  <a:srgbClr val="57068C"/>
+                </a:solidFill>
+                <a:latin typeface="Montserrat"/>
+                <a:ea typeface="Montserrat"/>
+                <a:cs typeface="Montserrat"/>
+                <a:sym typeface="Montserrat"/>
+              </a:rPr>
+              <a:t>Aggregation vs window functions</a:t>
+            </a:r>
+            <a:endParaRPr dirty="0">
+              <a:solidFill>
+                <a:srgbClr val="57068C"/>
+              </a:solidFill>
+              <a:latin typeface="Montserrat"/>
+              <a:ea typeface="Montserrat"/>
+              <a:cs typeface="Montserrat"/>
+              <a:sym typeface="Montserrat"/>
+            </a:endParaRPr>
+          </a:p>
+        </p:txBody>
+      </p:sp>
+      <p:sp>
+        <p:nvSpPr>
+          <p:cNvPr id="100" name="Google Shape;100;g12c30a3ea24_0_4"/>
+          <p:cNvSpPr/>
+          <p:nvPr/>
+        </p:nvSpPr>
+        <p:spPr>
+          <a:xfrm>
+            <a:off x="469900" y="1282700"/>
+            <a:ext cx="8204100" cy="307800"/>
+          </a:xfrm>
+          <a:prstGeom prst="rect">
+            <a:avLst/>
+          </a:prstGeom>
+          <a:noFill/>
+          <a:ln>
+            <a:noFill/>
+          </a:ln>
+        </p:spPr>
+        <p:txBody>
+          <a:bodyPr spcFirstLastPara="1" wrap="square" lIns="0" tIns="0" rIns="0" bIns="0" anchor="t" anchorCtr="0">
+            <a:noAutofit/>
+          </a:bodyPr>
+          <a:lstStyle/>
+          <a:p>
+            <a:pPr marL="0" marR="0" lvl="0" indent="0" algn="l" rtl="0">
+              <a:spcBef>
+                <a:spcPts val="0"/>
+              </a:spcBef>
+              <a:spcAft>
+                <a:spcPts val="0"/>
+              </a:spcAft>
+              <a:buNone/>
+            </a:pPr>
+            <a:endParaRPr sz="2000">
+              <a:solidFill>
+                <a:schemeClr val="dk1"/>
+              </a:solidFill>
+              <a:latin typeface="Arimo"/>
+              <a:ea typeface="Arimo"/>
+              <a:cs typeface="Arimo"/>
+              <a:sym typeface="Arimo"/>
+            </a:endParaRPr>
+          </a:p>
+        </p:txBody>
+      </p:sp>
+      <p:sp>
+        <p:nvSpPr>
+          <p:cNvPr id="101" name="Google Shape;101;g12c30a3ea24_0_4"/>
+          <p:cNvSpPr txBox="1"/>
+          <p:nvPr/>
+        </p:nvSpPr>
+        <p:spPr>
+          <a:xfrm>
+            <a:off x="183174" y="1376725"/>
+            <a:ext cx="8612033" cy="1754286"/>
+          </a:xfrm>
+          <a:prstGeom prst="rect">
+            <a:avLst/>
+          </a:prstGeom>
+          <a:noFill/>
+          <a:ln>
+            <a:noFill/>
+          </a:ln>
+        </p:spPr>
+        <p:txBody>
+          <a:bodyPr spcFirstLastPara="1" wrap="square" lIns="91425" tIns="45700" rIns="91425" bIns="45700" anchor="t" anchorCtr="0">
+            <a:spAutoFit/>
+          </a:bodyPr>
+          <a:lstStyle/>
+          <a:p>
+            <a:pPr marL="285750" marR="0" lvl="0" indent="-285750" algn="l" rtl="0">
+              <a:spcBef>
+                <a:spcPts val="0"/>
+              </a:spcBef>
+              <a:spcAft>
+                <a:spcPts val="0"/>
+              </a:spcAft>
+              <a:buClr>
+                <a:schemeClr val="dk1"/>
+              </a:buClr>
+              <a:buSzPts val="1800"/>
+              <a:buFont typeface="Calibri"/>
+              <a:buChar char="•"/>
+            </a:pPr>
+            <a:r>
+              <a:rPr lang="en-US" sz="1800" dirty="0">
+                <a:solidFill>
+                  <a:schemeClr val="dk1"/>
+                </a:solidFill>
+                <a:latin typeface="Montserrat" panose="020B0604020202020204" pitchFamily="2" charset="0"/>
+                <a:ea typeface="Calibri"/>
+                <a:cs typeface="Calibri"/>
+                <a:sym typeface="Calibri"/>
+              </a:rPr>
+              <a:t>In aggregation functions, have as input a group of rows, and we get back one value per group (e.g., count rows in group, avg value of an attribute, </a:t>
+            </a:r>
+            <a:r>
+              <a:rPr lang="en-US" sz="1800" dirty="0" err="1">
+                <a:solidFill>
+                  <a:schemeClr val="dk1"/>
+                </a:solidFill>
+                <a:latin typeface="Montserrat" panose="020B0604020202020204" pitchFamily="2" charset="0"/>
+                <a:ea typeface="Calibri"/>
+                <a:cs typeface="Calibri"/>
+                <a:sym typeface="Calibri"/>
+              </a:rPr>
+              <a:t>etc</a:t>
+            </a:r>
+            <a:r>
+              <a:rPr lang="en-US" sz="1800" dirty="0">
+                <a:solidFill>
+                  <a:schemeClr val="dk1"/>
+                </a:solidFill>
+                <a:latin typeface="Montserrat" panose="020B0604020202020204" pitchFamily="2" charset="0"/>
+                <a:ea typeface="Calibri"/>
+                <a:cs typeface="Calibri"/>
+                <a:sym typeface="Calibri"/>
+              </a:rPr>
+              <a:t>)</a:t>
+            </a:r>
+          </a:p>
+          <a:p>
+            <a:pPr marL="285750" marR="0" lvl="0" indent="-285750" algn="l" rtl="0">
+              <a:spcBef>
+                <a:spcPts val="0"/>
+              </a:spcBef>
+              <a:spcAft>
+                <a:spcPts val="0"/>
+              </a:spcAft>
+              <a:buClr>
+                <a:schemeClr val="dk1"/>
+              </a:buClr>
+              <a:buSzPts val="1800"/>
+              <a:buFont typeface="Calibri"/>
+              <a:buChar char="•"/>
+            </a:pPr>
+            <a:r>
+              <a:rPr lang="en-US" sz="1800" dirty="0">
+                <a:solidFill>
+                  <a:schemeClr val="dk1"/>
+                </a:solidFill>
+                <a:latin typeface="Montserrat" panose="020B0604020202020204" pitchFamily="2" charset="0"/>
+                <a:ea typeface="Calibri"/>
+                <a:cs typeface="Calibri"/>
+                <a:sym typeface="Calibri"/>
+              </a:rPr>
+              <a:t>With window functions, we calculate functions over a group of rows </a:t>
+            </a:r>
+            <a:r>
+              <a:rPr lang="en-US" sz="1800" b="1" dirty="0">
+                <a:solidFill>
+                  <a:schemeClr val="dk1"/>
+                </a:solidFill>
+                <a:latin typeface="Montserrat" panose="020B0604020202020204" pitchFamily="2" charset="0"/>
+                <a:ea typeface="Calibri"/>
+                <a:cs typeface="Calibri"/>
+                <a:sym typeface="Calibri"/>
+              </a:rPr>
+              <a:t>(we call this a “window”), </a:t>
+            </a:r>
+            <a:r>
+              <a:rPr lang="en-US" sz="1800" dirty="0">
+                <a:solidFill>
+                  <a:schemeClr val="dk1"/>
+                </a:solidFill>
+                <a:latin typeface="Montserrat" panose="020B0604020202020204" pitchFamily="2" charset="0"/>
+                <a:ea typeface="Calibri"/>
+                <a:cs typeface="Calibri"/>
+                <a:sym typeface="Calibri"/>
+              </a:rPr>
+              <a:t>but we return a value for each row that belongs to the window.</a:t>
+            </a:r>
+            <a:endParaRPr sz="1800" dirty="0">
+              <a:solidFill>
+                <a:schemeClr val="dk1"/>
+              </a:solidFill>
+              <a:latin typeface="Montserrat" panose="020B0604020202020204" pitchFamily="2" charset="0"/>
+              <a:ea typeface="Calibri"/>
+              <a:cs typeface="Calibri"/>
+              <a:sym typeface="Calibri"/>
+            </a:endParaRPr>
+          </a:p>
+        </p:txBody>
+      </p:sp>
+    </p:spTree>
+    <p:extLst>
+      <p:ext uri="{BB962C8B-B14F-4D97-AF65-F5344CB8AC3E}">
+        <p14:creationId xmlns:p14="http://schemas.microsoft.com/office/powerpoint/2010/main" val="1333156593"/>
+      </p:ext>
+    </p:extLst>
+  </p:cSld>
+  <p:clrMapOvr>
+    <a:masterClrMapping/>
+  </p:clrMapOvr>
+</p:sld>
+</file>
+
+<file path=ppt/slides/slide4.xml><?xml version="1.0" encoding="utf-8"?>
 <p:sld xmlns:a="http://schemas.openxmlformats.org/drawingml/2006/main" xmlns:r="http://schemas.openxmlformats.org/officeDocument/2006/relationships" xmlns:p="http://schemas.openxmlformats.org/presentationml/2006/main">
   <p:cSld>
     <p:spTree>
@@ -12506,7 +13146,7 @@
                 <a:cs typeface="Montserrat"/>
                 <a:sym typeface="Montserrat"/>
               </a:rPr>
-              <a:t>Basic Example: RANK()</a:t>
+              <a:t>Simple Example: RANK()</a:t>
             </a:r>
             <a:endParaRPr dirty="0">
               <a:solidFill>
@@ -12581,7 +13221,7 @@
         <p:spPr>
           <a:xfrm>
             <a:off x="529118" y="1376737"/>
-            <a:ext cx="8492333" cy="4524275"/>
+            <a:ext cx="8492333" cy="5078273"/>
           </a:xfrm>
           <a:prstGeom prst="rect">
             <a:avLst/>
@@ -12742,10 +13382,10 @@
                 <a:cs typeface="Montserrat"/>
                 <a:sym typeface="Montserrat"/>
               </a:rPr>
-              <a:t>	SELECT Music AS music, COUNT(</a:t>
-            </a:r>
-            <a:r>
-              <a:rPr lang="en-US" sz="1800" b="1" dirty="0" err="1">
+              <a:t>	SELECT</a:t>
+            </a:r>
+            <a:r>
+              <a:rPr lang="en-US" sz="1800" dirty="0">
                 <a:solidFill>
                   <a:schemeClr val="tx1">
                     <a:lumMod val="95000"/>
@@ -12757,10 +13397,10 @@
                 <a:cs typeface="Montserrat"/>
                 <a:sym typeface="Montserrat"/>
               </a:rPr>
-              <a:t>ProfileID</a:t>
-            </a:r>
-            <a:r>
-              <a:rPr lang="en-US" sz="1800" b="1" dirty="0">
+              <a:t> Music AS music, COUNT(</a:t>
+            </a:r>
+            <a:r>
+              <a:rPr lang="en-US" sz="1800" dirty="0" err="1">
                 <a:solidFill>
                   <a:schemeClr val="tx1">
                     <a:lumMod val="95000"/>
@@ -12772,10 +13412,10 @@
                 <a:cs typeface="Montserrat"/>
                 <a:sym typeface="Montserrat"/>
               </a:rPr>
-              <a:t>) AS </a:t>
-            </a:r>
-            <a:r>
-              <a:rPr lang="en-US" sz="1800" b="1" dirty="0" err="1">
+              <a:t>ProfileID</a:t>
+            </a:r>
+            <a:r>
+              <a:rPr lang="en-US" sz="1800" dirty="0">
                 <a:solidFill>
                   <a:schemeClr val="tx1">
                     <a:lumMod val="95000"/>
@@ -12787,10 +13427,10 @@
                 <a:cs typeface="Montserrat"/>
                 <a:sym typeface="Montserrat"/>
               </a:rPr>
-              <a:t>cnt</a:t>
-            </a:r>
-            <a:r>
-              <a:rPr lang="en-US" sz="1800" b="1" dirty="0">
+              <a:t>) AS </a:t>
+            </a:r>
+            <a:r>
+              <a:rPr lang="en-US" sz="1800" dirty="0" err="1">
                 <a:solidFill>
                   <a:schemeClr val="tx1">
                     <a:lumMod val="95000"/>
@@ -12802,21 +13442,10 @@
                 <a:cs typeface="Montserrat"/>
                 <a:sym typeface="Montserrat"/>
               </a:rPr>
-              <a:t>    </a:t>
-            </a:r>
-          </a:p>
-          <a:p>
-            <a:pPr marL="457200" marR="0" lvl="0" indent="457200" algn="l" rtl="0">
-              <a:spcBef>
-                <a:spcPts val="0"/>
-              </a:spcBef>
-              <a:spcAft>
-                <a:spcPts val="0"/>
-              </a:spcAft>
-              <a:buNone/>
-            </a:pPr>
-            <a:r>
-              <a:rPr lang="en-US" sz="1800" b="1" dirty="0">
+              <a:t>cnt</a:t>
+            </a:r>
+            <a:r>
+              <a:rPr lang="en-US" sz="1800" dirty="0">
                 <a:solidFill>
                   <a:schemeClr val="tx1">
                     <a:lumMod val="95000"/>
@@ -12828,10 +13457,21 @@
                 <a:cs typeface="Montserrat"/>
                 <a:sym typeface="Montserrat"/>
               </a:rPr>
-              <a:t>	FROM </a:t>
-            </a:r>
-            <a:r>
-              <a:rPr lang="en-US" sz="1800" b="1" dirty="0" err="1">
+              <a:t>    </a:t>
+            </a:r>
+          </a:p>
+          <a:p>
+            <a:pPr marL="457200" marR="0" lvl="0" indent="457200" algn="l" rtl="0">
+              <a:spcBef>
+                <a:spcPts val="0"/>
+              </a:spcBef>
+              <a:spcAft>
+                <a:spcPts val="0"/>
+              </a:spcAft>
+              <a:buNone/>
+            </a:pPr>
+            <a:r>
+              <a:rPr lang="en-US" sz="1800" dirty="0">
                 <a:solidFill>
                   <a:schemeClr val="tx1">
                     <a:lumMod val="95000"/>
@@ -12843,7 +13483,7 @@
                 <a:cs typeface="Montserrat"/>
                 <a:sym typeface="Montserrat"/>
               </a:rPr>
-              <a:t>FavoriteMusic</a:t>
+              <a:t>	</a:t>
             </a:r>
             <a:r>
               <a:rPr lang="en-US" sz="1800" b="1" dirty="0">
@@ -12858,21 +13498,10 @@
                 <a:cs typeface="Montserrat"/>
                 <a:sym typeface="Montserrat"/>
               </a:rPr>
-              <a:t>    </a:t>
-            </a:r>
-          </a:p>
-          <a:p>
-            <a:pPr marL="457200" marR="0" lvl="0" indent="457200" algn="l" rtl="0">
-              <a:spcBef>
-                <a:spcPts val="0"/>
-              </a:spcBef>
-              <a:spcAft>
-                <a:spcPts val="0"/>
-              </a:spcAft>
-              <a:buNone/>
-            </a:pPr>
-            <a:r>
-              <a:rPr lang="en-US" sz="1800" b="1" dirty="0">
+              <a:t>FROM</a:t>
+            </a:r>
+            <a:r>
+              <a:rPr lang="en-US" sz="1800" dirty="0">
                 <a:solidFill>
                   <a:schemeClr val="tx1">
                     <a:lumMod val="95000"/>
@@ -12884,21 +13513,10 @@
                 <a:cs typeface="Montserrat"/>
                 <a:sym typeface="Montserrat"/>
               </a:rPr>
-              <a:t>	GROUP BY Music    </a:t>
-            </a:r>
-          </a:p>
-          <a:p>
-            <a:pPr marL="457200" marR="0" lvl="0" indent="457200" algn="l" rtl="0">
-              <a:spcBef>
-                <a:spcPts val="0"/>
-              </a:spcBef>
-              <a:spcAft>
-                <a:spcPts val="0"/>
-              </a:spcAft>
-              <a:buNone/>
-            </a:pPr>
-            <a:r>
-              <a:rPr lang="en-US" sz="1800" b="1" dirty="0">
+              <a:t> </a:t>
+            </a:r>
+            <a:r>
+              <a:rPr lang="en-US" sz="1800" dirty="0" err="1">
                 <a:solidFill>
                   <a:schemeClr val="tx1">
                     <a:lumMod val="95000"/>
@@ -12910,10 +13528,10 @@
                 <a:cs typeface="Montserrat"/>
                 <a:sym typeface="Montserrat"/>
               </a:rPr>
-              <a:t>	ORDER BY </a:t>
-            </a:r>
-            <a:r>
-              <a:rPr lang="en-US" sz="1800" b="1" dirty="0" err="1">
+              <a:t>FavoriteMusic</a:t>
+            </a:r>
+            <a:r>
+              <a:rPr lang="en-US" sz="1800" dirty="0">
                 <a:solidFill>
                   <a:schemeClr val="tx1">
                     <a:lumMod val="95000"/>
@@ -12925,10 +13543,122 @@
                 <a:cs typeface="Montserrat"/>
                 <a:sym typeface="Montserrat"/>
               </a:rPr>
+              <a:t>    </a:t>
+            </a:r>
+          </a:p>
+          <a:p>
+            <a:pPr marL="457200" marR="0" lvl="0" indent="457200" algn="l" rtl="0">
+              <a:spcBef>
+                <a:spcPts val="0"/>
+              </a:spcBef>
+              <a:spcAft>
+                <a:spcPts val="0"/>
+              </a:spcAft>
+              <a:buNone/>
+            </a:pPr>
+            <a:r>
+              <a:rPr lang="en-US" sz="1800" dirty="0">
+                <a:solidFill>
+                  <a:schemeClr val="tx1">
+                    <a:lumMod val="95000"/>
+                    <a:lumOff val="5000"/>
+                  </a:schemeClr>
+                </a:solidFill>
+                <a:latin typeface="Montserrat"/>
+                <a:ea typeface="Montserrat"/>
+                <a:cs typeface="Montserrat"/>
+                <a:sym typeface="Montserrat"/>
+              </a:rPr>
+              <a:t>	</a:t>
+            </a:r>
+            <a:r>
+              <a:rPr lang="en-US" sz="1800" b="1" dirty="0">
+                <a:solidFill>
+                  <a:schemeClr val="tx1">
+                    <a:lumMod val="95000"/>
+                    <a:lumOff val="5000"/>
+                  </a:schemeClr>
+                </a:solidFill>
+                <a:latin typeface="Montserrat"/>
+                <a:ea typeface="Montserrat"/>
+                <a:cs typeface="Montserrat"/>
+                <a:sym typeface="Montserrat"/>
+              </a:rPr>
+              <a:t>GROUP BY </a:t>
+            </a:r>
+            <a:r>
+              <a:rPr lang="en-US" sz="1800" dirty="0">
+                <a:solidFill>
+                  <a:schemeClr val="tx1">
+                    <a:lumMod val="95000"/>
+                    <a:lumOff val="5000"/>
+                  </a:schemeClr>
+                </a:solidFill>
+                <a:latin typeface="Montserrat"/>
+                <a:ea typeface="Montserrat"/>
+                <a:cs typeface="Montserrat"/>
+                <a:sym typeface="Montserrat"/>
+              </a:rPr>
+              <a:t>Music    </a:t>
+            </a:r>
+          </a:p>
+          <a:p>
+            <a:pPr marL="457200" marR="0" lvl="0" indent="457200" algn="l" rtl="0">
+              <a:spcBef>
+                <a:spcPts val="0"/>
+              </a:spcBef>
+              <a:spcAft>
+                <a:spcPts val="0"/>
+              </a:spcAft>
+              <a:buNone/>
+            </a:pPr>
+            <a:r>
+              <a:rPr lang="en-US" sz="1800" dirty="0">
+                <a:solidFill>
+                  <a:schemeClr val="tx1">
+                    <a:lumMod val="95000"/>
+                    <a:lumOff val="5000"/>
+                  </a:schemeClr>
+                </a:solidFill>
+                <a:latin typeface="Montserrat"/>
+                <a:ea typeface="Montserrat"/>
+                <a:cs typeface="Montserrat"/>
+                <a:sym typeface="Montserrat"/>
+              </a:rPr>
+              <a:t>	</a:t>
+            </a:r>
+            <a:r>
+              <a:rPr lang="en-US" sz="1800" b="1" dirty="0">
+                <a:solidFill>
+                  <a:schemeClr val="tx1">
+                    <a:lumMod val="95000"/>
+                    <a:lumOff val="5000"/>
+                  </a:schemeClr>
+                </a:solidFill>
+                <a:latin typeface="Montserrat"/>
+                <a:ea typeface="Montserrat"/>
+                <a:cs typeface="Montserrat"/>
+                <a:sym typeface="Montserrat"/>
+              </a:rPr>
+              <a:t>ORDER BY </a:t>
+            </a:r>
+            <a:r>
+              <a:rPr lang="en-US" sz="1800" dirty="0" err="1">
+                <a:solidFill>
+                  <a:schemeClr val="tx1">
+                    <a:lumMod val="95000"/>
+                    <a:lumOff val="5000"/>
+                  </a:schemeClr>
+                </a:solidFill>
+                <a:latin typeface="Montserrat"/>
+                <a:ea typeface="Montserrat"/>
+                <a:cs typeface="Montserrat"/>
+                <a:sym typeface="Montserrat"/>
+              </a:rPr>
               <a:t>cnt</a:t>
             </a:r>
             <a:r>
-              <a:rPr lang="en-US" sz="1800" b="1" dirty="0">
+              <a:rPr lang="en-US" sz="1800" dirty="0">
                 <a:solidFill>
                   <a:schemeClr val="tx1">
                     <a:lumMod val="95000"/>
@@ -13051,10 +13781,10 @@
                 <a:cs typeface="Montserrat"/>
                 <a:sym typeface="Montserrat"/>
               </a:rPr>
-              <a:t>	SELECT music, </a:t>
-            </a:r>
-            <a:r>
-              <a:rPr lang="en-US" sz="1800" b="1" dirty="0" err="1">
+              <a:t>	SELECT </a:t>
+            </a:r>
+            <a:r>
+              <a:rPr lang="en-US" sz="1800" dirty="0">
                 <a:solidFill>
                   <a:schemeClr val="tx1">
                     <a:lumMod val="95000"/>
@@ -13066,10 +13796,10 @@
                 <a:cs typeface="Montserrat"/>
                 <a:sym typeface="Montserrat"/>
               </a:rPr>
-              <a:t>cnt</a:t>
-            </a:r>
-            <a:r>
-              <a:rPr lang="en-US" sz="1800" b="1" dirty="0">
+              <a:t>music, </a:t>
+            </a:r>
+            <a:r>
+              <a:rPr lang="en-US" sz="1800" dirty="0" err="1">
                 <a:solidFill>
                   <a:schemeClr val="tx1">
                     <a:lumMod val="95000"/>
@@ -13081,13 +13811,10 @@
                 <a:cs typeface="Montserrat"/>
                 <a:sym typeface="Montserrat"/>
               </a:rPr>
-              <a:t>,</a:t>
-            </a:r>
-          </a:p>
-          <a:p>
-            <a:pPr lvl="1"/>
-            <a:r>
-              <a:rPr lang="en-US" sz="1800" b="1" dirty="0">
+              <a:t>cnt</a:t>
+            </a:r>
+            <a:r>
+              <a:rPr lang="en-US" sz="1800" dirty="0">
                 <a:solidFill>
                   <a:schemeClr val="tx1">
                     <a:lumMod val="95000"/>
@@ -13099,34 +13826,40 @@
                 <a:cs typeface="Montserrat"/>
                 <a:sym typeface="Montserrat"/>
               </a:rPr>
-              <a:t>		</a:t>
-            </a:r>
+              <a:t>,</a:t>
+            </a:r>
+          </a:p>
+          <a:p>
+            <a:pPr lvl="1"/>
             <a:r>
               <a:rPr lang="en-US" sz="1800" b="1" dirty="0">
                 <a:solidFill>
-                  <a:srgbClr val="C00000"/>
+                  <a:schemeClr val="tx1">
+                    <a:lumMod val="95000"/>
+                    <a:lumOff val="5000"/>
+                  </a:schemeClr>
                 </a:solidFill>
                 <a:latin typeface="Montserrat"/>
                 <a:ea typeface="Montserrat"/>
                 <a:cs typeface="Montserrat"/>
                 <a:sym typeface="Montserrat"/>
               </a:rPr>
-              <a:t>RANK() </a:t>
+              <a:t>		</a:t>
             </a:r>
             <a:r>
               <a:rPr lang="en-US" sz="1800" b="1" dirty="0">
                 <a:solidFill>
-                  <a:srgbClr val="7030A0"/>
+                  <a:srgbClr val="C00000"/>
                 </a:solidFill>
                 <a:latin typeface="Montserrat"/>
                 <a:ea typeface="Montserrat"/>
                 <a:cs typeface="Montserrat"/>
                 <a:sym typeface="Montserrat"/>
               </a:rPr>
-              <a:t>OVER (ORDER BY </a:t>
-            </a:r>
-            <a:r>
-              <a:rPr lang="en-US" sz="1800" b="1" dirty="0" err="1">
+              <a:t>RANK() </a:t>
+            </a:r>
+            <a:r>
+              <a:rPr lang="en-US" sz="1800" b="1" dirty="0">
                 <a:solidFill>
                   <a:srgbClr val="7030A0"/>
                 </a:solidFill>
@@ -13135,10 +13868,10 @@
                 <a:cs typeface="Montserrat"/>
                 <a:sym typeface="Montserrat"/>
               </a:rPr>
-              <a:t>cnt</a:t>
-            </a:r>
-            <a:r>
-              <a:rPr lang="en-US" sz="1800" b="1" dirty="0">
+              <a:t>OVER (ORDER BY </a:t>
+            </a:r>
+            <a:r>
+              <a:rPr lang="en-US" sz="1800" b="1" dirty="0" err="1">
                 <a:solidFill>
                   <a:srgbClr val="7030A0"/>
                 </a:solidFill>
@@ -13147,6 +13880,18 @@
                 <a:cs typeface="Montserrat"/>
                 <a:sym typeface="Montserrat"/>
               </a:rPr>
+              <a:t>cnt</a:t>
+            </a:r>
+            <a:r>
+              <a:rPr lang="en-US" sz="1800" b="1" dirty="0">
+                <a:solidFill>
+                  <a:srgbClr val="7030A0"/>
+                </a:solidFill>
+                <a:latin typeface="Montserrat"/>
+                <a:ea typeface="Montserrat"/>
+                <a:cs typeface="Montserrat"/>
+                <a:sym typeface="Montserrat"/>
+              </a:rPr>
               <a:t> DESC) </a:t>
             </a:r>
             <a:r>
@@ -13195,7 +13940,7 @@
               <a:t> 	FROM </a:t>
             </a:r>
             <a:r>
-              <a:rPr lang="en-US" sz="1800" b="1" dirty="0" err="1">
+              <a:rPr lang="en-US" sz="1800" dirty="0" err="1">
                 <a:solidFill>
                   <a:schemeClr val="tx1">
                     <a:lumMod val="95000"/>
@@ -13210,7 +13955,7 @@
               <a:t>popular_music</a:t>
             </a:r>
             <a:r>
-              <a:rPr lang="en-US" sz="1800" b="1" dirty="0">
+              <a:rPr lang="en-US" sz="1800" dirty="0">
                 <a:solidFill>
                   <a:schemeClr val="tx1">
                     <a:lumMod val="95000"/>
@@ -13224,7 +13969,7 @@
               </a:rPr>
               <a:t>;</a:t>
             </a:r>
-            <a:endParaRPr sz="1800" b="1" dirty="0">
+            <a:endParaRPr sz="1800" dirty="0">
               <a:solidFill>
                 <a:schemeClr val="tx1">
                   <a:lumMod val="95000"/>
@@ -13267,7 +14012,90 @@
               </a:spcAft>
               <a:buNone/>
             </a:pPr>
-            <a:endParaRPr sz="1800" dirty="0">
+            <a:r>
+              <a:rPr lang="en-US" sz="1800" b="1" dirty="0">
+                <a:solidFill>
+                  <a:srgbClr val="C00000"/>
+                </a:solidFill>
+                <a:latin typeface="Montserrat"/>
+                <a:ea typeface="Montserrat"/>
+                <a:cs typeface="Montserrat"/>
+                <a:sym typeface="Montserrat"/>
+              </a:rPr>
+              <a:t>RANK(): </a:t>
+            </a:r>
+            <a:r>
+              <a:rPr lang="en-US" sz="1800" i="1" dirty="0">
+                <a:solidFill>
+                  <a:srgbClr val="C00000"/>
+                </a:solidFill>
+                <a:latin typeface="Montserrat"/>
+                <a:ea typeface="Montserrat"/>
+                <a:cs typeface="Montserrat"/>
+                <a:sym typeface="Montserrat"/>
+              </a:rPr>
+              <a:t>the function applied to each row in the window</a:t>
+            </a:r>
+          </a:p>
+          <a:p>
+            <a:pPr marL="0" marR="0" lvl="0" indent="0" algn="l" rtl="0">
+              <a:spcBef>
+                <a:spcPts val="0"/>
+              </a:spcBef>
+              <a:spcAft>
+                <a:spcPts val="0"/>
+              </a:spcAft>
+              <a:buNone/>
+            </a:pPr>
+            <a:r>
+              <a:rPr lang="en-US" sz="1800" b="1" dirty="0">
+                <a:solidFill>
+                  <a:srgbClr val="7030A0"/>
+                </a:solidFill>
+                <a:latin typeface="Montserrat"/>
+                <a:ea typeface="Montserrat"/>
+                <a:cs typeface="Montserrat"/>
+                <a:sym typeface="Montserrat"/>
+              </a:rPr>
+              <a:t>OVER (ORDER BY </a:t>
+            </a:r>
+            <a:r>
+              <a:rPr lang="en-US" sz="1800" b="1" dirty="0" err="1">
+                <a:solidFill>
+                  <a:srgbClr val="7030A0"/>
+                </a:solidFill>
+                <a:latin typeface="Montserrat"/>
+                <a:ea typeface="Montserrat"/>
+                <a:cs typeface="Montserrat"/>
+                <a:sym typeface="Montserrat"/>
+              </a:rPr>
+              <a:t>cnt</a:t>
+            </a:r>
+            <a:r>
+              <a:rPr lang="en-US" sz="1800" b="1" dirty="0">
+                <a:solidFill>
+                  <a:srgbClr val="7030A0"/>
+                </a:solidFill>
+                <a:latin typeface="Montserrat"/>
+                <a:ea typeface="Montserrat"/>
+                <a:cs typeface="Montserrat"/>
+                <a:sym typeface="Montserrat"/>
+              </a:rPr>
+              <a:t> DESC): </a:t>
+            </a:r>
+            <a:r>
+              <a:rPr lang="en-US" sz="1800" i="1" dirty="0">
+                <a:solidFill>
+                  <a:srgbClr val="7030A0"/>
+                </a:solidFill>
+                <a:latin typeface="Montserrat"/>
+                <a:ea typeface="Montserrat"/>
+                <a:cs typeface="Montserrat"/>
+                <a:sym typeface="Montserrat"/>
+              </a:rPr>
+              <a:t>the window (in this case, the whole table, ordered by descending counts)</a:t>
+            </a:r>
+            <a:endParaRPr sz="1800" i="1" dirty="0">
               <a:solidFill>
                 <a:schemeClr val="dk1"/>
               </a:solidFill>
@@ -13283,6 +14111,2175 @@
     <p:extLst>
       <p:ext uri="{BB962C8B-B14F-4D97-AF65-F5344CB8AC3E}">
         <p14:creationId xmlns:p14="http://schemas.microsoft.com/office/powerpoint/2010/main" val="1480579886"/>
+      </p:ext>
+    </p:extLst>
+  </p:cSld>
+  <p:clrMapOvr>
+    <a:masterClrMapping/>
+  </p:clrMapOvr>
+</p:sld>
+</file>
+
+<file path=ppt/slides/slide5.xml><?xml version="1.0" encoding="utf-8"?>
+<p:sld xmlns:a="http://schemas.openxmlformats.org/drawingml/2006/main" xmlns:r="http://schemas.openxmlformats.org/officeDocument/2006/relationships" xmlns:p="http://schemas.openxmlformats.org/presentationml/2006/main">
+  <p:cSld>
+    <p:spTree>
+      <p:nvGrpSpPr>
+        <p:cNvPr id="1" name="Shape 105"/>
+        <p:cNvGrpSpPr/>
+        <p:nvPr/>
+      </p:nvGrpSpPr>
+      <p:grpSpPr>
+        <a:xfrm>
+          <a:off x="0" y="0"/>
+          <a:ext cx="0" cy="0"/>
+          <a:chOff x="0" y="0"/>
+          <a:chExt cx="0" cy="0"/>
+        </a:xfrm>
+      </p:grpSpPr>
+      <p:sp>
+        <p:nvSpPr>
+          <p:cNvPr id="106" name="Google Shape;106;g12c30a3ea24_0_12"/>
+          <p:cNvSpPr/>
+          <p:nvPr/>
+        </p:nvSpPr>
+        <p:spPr>
+          <a:xfrm>
+            <a:off x="386308" y="147496"/>
+            <a:ext cx="7757400" cy="554100"/>
+          </a:xfrm>
+          <a:prstGeom prst="rect">
+            <a:avLst/>
+          </a:prstGeom>
+          <a:noFill/>
+          <a:ln>
+            <a:noFill/>
+          </a:ln>
+        </p:spPr>
+        <p:txBody>
+          <a:bodyPr spcFirstLastPara="1" wrap="square" lIns="45700" tIns="45700" rIns="45700" bIns="45700" anchor="t" anchorCtr="0">
+            <a:noAutofit/>
+          </a:bodyPr>
+          <a:lstStyle/>
+          <a:p>
+            <a:pPr marL="0" marR="0" lvl="0" indent="0" algn="l" rtl="0">
+              <a:spcBef>
+                <a:spcPts val="0"/>
+              </a:spcBef>
+              <a:spcAft>
+                <a:spcPts val="0"/>
+              </a:spcAft>
+              <a:buNone/>
+            </a:pPr>
+            <a:r>
+              <a:rPr lang="en-US" sz="3000" b="1" dirty="0">
+                <a:solidFill>
+                  <a:srgbClr val="57068C"/>
+                </a:solidFill>
+                <a:latin typeface="Montserrat"/>
+                <a:ea typeface="Montserrat"/>
+                <a:cs typeface="Montserrat"/>
+                <a:sym typeface="Montserrat"/>
+              </a:rPr>
+              <a:t>Simple Example: RANK()</a:t>
+            </a:r>
+            <a:endParaRPr dirty="0">
+              <a:solidFill>
+                <a:srgbClr val="57068C"/>
+              </a:solidFill>
+              <a:latin typeface="Montserrat"/>
+              <a:ea typeface="Montserrat"/>
+              <a:cs typeface="Montserrat"/>
+              <a:sym typeface="Montserrat"/>
+            </a:endParaRPr>
+          </a:p>
+        </p:txBody>
+      </p:sp>
+      <p:sp>
+        <p:nvSpPr>
+          <p:cNvPr id="107" name="Google Shape;107;g12c30a3ea24_0_12"/>
+          <p:cNvSpPr/>
+          <p:nvPr/>
+        </p:nvSpPr>
+        <p:spPr>
+          <a:xfrm>
+            <a:off x="469900" y="1282700"/>
+            <a:ext cx="8204100" cy="307800"/>
+          </a:xfrm>
+          <a:prstGeom prst="rect">
+            <a:avLst/>
+          </a:prstGeom>
+          <a:noFill/>
+          <a:ln>
+            <a:noFill/>
+          </a:ln>
+        </p:spPr>
+        <p:txBody>
+          <a:bodyPr spcFirstLastPara="1" wrap="square" lIns="0" tIns="0" rIns="0" bIns="0" anchor="t" anchorCtr="0">
+            <a:noAutofit/>
+          </a:bodyPr>
+          <a:lstStyle/>
+          <a:p>
+            <a:pPr marL="0" marR="0" lvl="0" indent="0" algn="l" rtl="0">
+              <a:spcBef>
+                <a:spcPts val="0"/>
+              </a:spcBef>
+              <a:spcAft>
+                <a:spcPts val="0"/>
+              </a:spcAft>
+              <a:buNone/>
+            </a:pPr>
+            <a:endParaRPr sz="2000">
+              <a:solidFill>
+                <a:schemeClr val="dk1"/>
+              </a:solidFill>
+              <a:latin typeface="Arimo"/>
+              <a:ea typeface="Arimo"/>
+              <a:cs typeface="Arimo"/>
+              <a:sym typeface="Arimo"/>
+            </a:endParaRPr>
+          </a:p>
+        </p:txBody>
+      </p:sp>
+      <p:sp>
+        <p:nvSpPr>
+          <p:cNvPr id="2" name="Google Shape;141;p4">
+            <a:extLst>
+              <a:ext uri="{FF2B5EF4-FFF2-40B4-BE49-F238E27FC236}">
+                <a16:creationId xmlns:a16="http://schemas.microsoft.com/office/drawing/2014/main" id="{8B06E7CF-C43C-7C4B-A7B6-8CE05D935D85}"/>
+              </a:ext>
+            </a:extLst>
+          </p:cNvPr>
+          <p:cNvSpPr txBox="1"/>
+          <p:nvPr/>
+        </p:nvSpPr>
+        <p:spPr>
+          <a:xfrm>
+            <a:off x="93785" y="1376737"/>
+            <a:ext cx="9050215" cy="5355272"/>
+          </a:xfrm>
+          <a:prstGeom prst="rect">
+            <a:avLst/>
+          </a:prstGeom>
+          <a:noFill/>
+          <a:ln>
+            <a:noFill/>
+          </a:ln>
+        </p:spPr>
+        <p:txBody>
+          <a:bodyPr spcFirstLastPara="1" wrap="square" lIns="91425" tIns="45700" rIns="91425" bIns="45700" anchor="t" anchorCtr="0">
+            <a:spAutoFit/>
+          </a:bodyPr>
+          <a:lstStyle/>
+          <a:p>
+            <a:pPr marR="0" lvl="0" algn="l" rtl="0">
+              <a:spcBef>
+                <a:spcPts val="0"/>
+              </a:spcBef>
+              <a:spcAft>
+                <a:spcPts val="0"/>
+              </a:spcAft>
+              <a:buClr>
+                <a:schemeClr val="dk1"/>
+              </a:buClr>
+              <a:buSzPts val="1800"/>
+            </a:pPr>
+            <a:r>
+              <a:rPr lang="en-US" sz="1800" dirty="0">
+                <a:solidFill>
+                  <a:schemeClr val="dk1"/>
+                </a:solidFill>
+                <a:latin typeface="Montserrat"/>
+                <a:ea typeface="Montserrat"/>
+                <a:cs typeface="Montserrat"/>
+                <a:sym typeface="Montserrat"/>
+              </a:rPr>
+              <a:t>Create a (temporary) table with the most popular music on Facebook:</a:t>
+            </a:r>
+          </a:p>
+          <a:p>
+            <a:pPr marR="0" lvl="0" algn="l" rtl="0">
+              <a:spcBef>
+                <a:spcPts val="0"/>
+              </a:spcBef>
+              <a:spcAft>
+                <a:spcPts val="0"/>
+              </a:spcAft>
+              <a:buClr>
+                <a:schemeClr val="dk1"/>
+              </a:buClr>
+              <a:buSzPts val="1800"/>
+            </a:pPr>
+            <a:endParaRPr lang="en-US" sz="1800" dirty="0">
+              <a:solidFill>
+                <a:schemeClr val="dk1"/>
+              </a:solidFill>
+              <a:latin typeface="Montserrat"/>
+              <a:ea typeface="Montserrat"/>
+              <a:cs typeface="Montserrat"/>
+              <a:sym typeface="Montserrat"/>
+            </a:endParaRPr>
+          </a:p>
+          <a:p>
+            <a:pPr marR="0" lvl="0" algn="l" rtl="0">
+              <a:spcBef>
+                <a:spcPts val="0"/>
+              </a:spcBef>
+              <a:spcAft>
+                <a:spcPts val="0"/>
+              </a:spcAft>
+              <a:buClr>
+                <a:schemeClr val="dk1"/>
+              </a:buClr>
+              <a:buSzPts val="1800"/>
+            </a:pPr>
+            <a:r>
+              <a:rPr lang="en-US" sz="1800" b="1" dirty="0">
+                <a:solidFill>
+                  <a:schemeClr val="tx1">
+                    <a:lumMod val="95000"/>
+                    <a:lumOff val="5000"/>
+                  </a:schemeClr>
+                </a:solidFill>
+                <a:latin typeface="Montserrat"/>
+                <a:ea typeface="Montserrat"/>
+                <a:cs typeface="Montserrat"/>
+                <a:sym typeface="Montserrat"/>
+              </a:rPr>
+              <a:t>CREATE TEMPORARY TABLE </a:t>
+            </a:r>
+            <a:r>
+              <a:rPr lang="en-US" sz="1800" dirty="0" err="1">
+                <a:solidFill>
+                  <a:schemeClr val="tx1">
+                    <a:lumMod val="95000"/>
+                    <a:lumOff val="5000"/>
+                  </a:schemeClr>
+                </a:solidFill>
+                <a:latin typeface="Montserrat"/>
+                <a:ea typeface="Montserrat"/>
+                <a:cs typeface="Montserrat"/>
+                <a:sym typeface="Montserrat"/>
+              </a:rPr>
+              <a:t>popular_music_and_gender</a:t>
+            </a:r>
+            <a:r>
+              <a:rPr lang="en-US" sz="1800" dirty="0">
+                <a:solidFill>
+                  <a:schemeClr val="tx1">
+                    <a:lumMod val="95000"/>
+                    <a:lumOff val="5000"/>
+                  </a:schemeClr>
+                </a:solidFill>
+                <a:latin typeface="Montserrat"/>
+                <a:ea typeface="Montserrat"/>
+                <a:cs typeface="Montserrat"/>
+                <a:sym typeface="Montserrat"/>
+              </a:rPr>
+              <a:t> </a:t>
+            </a:r>
+            <a:r>
+              <a:rPr lang="en-US" sz="1800" b="1" dirty="0">
+                <a:solidFill>
+                  <a:schemeClr val="tx1">
+                    <a:lumMod val="95000"/>
+                    <a:lumOff val="5000"/>
+                  </a:schemeClr>
+                </a:solidFill>
+                <a:latin typeface="Montserrat"/>
+                <a:ea typeface="Montserrat"/>
+                <a:cs typeface="Montserrat"/>
+                <a:sym typeface="Montserrat"/>
+              </a:rPr>
+              <a:t>AS</a:t>
+            </a:r>
+            <a:r>
+              <a:rPr lang="en-US" sz="1800" dirty="0">
+                <a:solidFill>
+                  <a:schemeClr val="tx1">
+                    <a:lumMod val="95000"/>
+                    <a:lumOff val="5000"/>
+                  </a:schemeClr>
+                </a:solidFill>
+                <a:latin typeface="Montserrat"/>
+                <a:ea typeface="Montserrat"/>
+                <a:cs typeface="Montserrat"/>
+                <a:sym typeface="Montserrat"/>
+              </a:rPr>
+              <a:t>	</a:t>
+            </a:r>
+          </a:p>
+          <a:p>
+            <a:pPr lvl="4">
+              <a:buClr>
+                <a:schemeClr val="dk1"/>
+              </a:buClr>
+              <a:buSzPts val="1800"/>
+            </a:pPr>
+            <a:r>
+              <a:rPr lang="en-US" sz="1800" b="1" dirty="0">
+                <a:solidFill>
+                  <a:schemeClr val="tx1">
+                    <a:lumMod val="95000"/>
+                    <a:lumOff val="5000"/>
+                  </a:schemeClr>
+                </a:solidFill>
+                <a:latin typeface="Montserrat"/>
+                <a:ea typeface="Montserrat"/>
+                <a:cs typeface="Montserrat"/>
+                <a:sym typeface="Montserrat"/>
+              </a:rPr>
+              <a:t>SELECT</a:t>
+            </a:r>
+            <a:r>
+              <a:rPr lang="en-US" sz="1800" dirty="0">
+                <a:solidFill>
+                  <a:schemeClr val="tx1">
+                    <a:lumMod val="95000"/>
+                    <a:lumOff val="5000"/>
+                  </a:schemeClr>
+                </a:solidFill>
+                <a:latin typeface="Montserrat"/>
+                <a:ea typeface="Montserrat"/>
+                <a:cs typeface="Montserrat"/>
+                <a:sym typeface="Montserrat"/>
+              </a:rPr>
+              <a:t> </a:t>
+            </a:r>
+            <a:r>
+              <a:rPr lang="en-US" sz="1800" dirty="0" err="1">
+                <a:solidFill>
+                  <a:schemeClr val="tx1">
+                    <a:lumMod val="95000"/>
+                    <a:lumOff val="5000"/>
+                  </a:schemeClr>
+                </a:solidFill>
+                <a:latin typeface="Montserrat"/>
+                <a:ea typeface="Montserrat"/>
+                <a:cs typeface="Montserrat"/>
+                <a:sym typeface="Montserrat"/>
+              </a:rPr>
+              <a:t>M.Music</a:t>
+            </a:r>
+            <a:r>
+              <a:rPr lang="en-US" sz="1800" dirty="0">
+                <a:solidFill>
+                  <a:schemeClr val="tx1">
+                    <a:lumMod val="95000"/>
+                    <a:lumOff val="5000"/>
+                  </a:schemeClr>
+                </a:solidFill>
+                <a:latin typeface="Montserrat"/>
+                <a:ea typeface="Montserrat"/>
+                <a:cs typeface="Montserrat"/>
+                <a:sym typeface="Montserrat"/>
+              </a:rPr>
+              <a:t>, </a:t>
+            </a:r>
+            <a:r>
+              <a:rPr lang="en-US" sz="1800" dirty="0" err="1">
+                <a:solidFill>
+                  <a:schemeClr val="tx1">
+                    <a:lumMod val="95000"/>
+                    <a:lumOff val="5000"/>
+                  </a:schemeClr>
+                </a:solidFill>
+                <a:latin typeface="Montserrat"/>
+                <a:ea typeface="Montserrat"/>
+                <a:cs typeface="Montserrat"/>
+                <a:sym typeface="Montserrat"/>
+              </a:rPr>
+              <a:t>P.Sex</a:t>
+            </a:r>
+            <a:r>
+              <a:rPr lang="en-US" sz="1800" dirty="0">
+                <a:solidFill>
+                  <a:schemeClr val="tx1">
+                    <a:lumMod val="95000"/>
+                    <a:lumOff val="5000"/>
+                  </a:schemeClr>
+                </a:solidFill>
+                <a:latin typeface="Montserrat"/>
+                <a:ea typeface="Montserrat"/>
+                <a:cs typeface="Montserrat"/>
+                <a:sym typeface="Montserrat"/>
+              </a:rPr>
+              <a:t>, COUNT(</a:t>
+            </a:r>
+            <a:r>
+              <a:rPr lang="en-US" sz="1800" dirty="0" err="1">
+                <a:solidFill>
+                  <a:schemeClr val="tx1">
+                    <a:lumMod val="95000"/>
+                    <a:lumOff val="5000"/>
+                  </a:schemeClr>
+                </a:solidFill>
+                <a:latin typeface="Montserrat"/>
+                <a:ea typeface="Montserrat"/>
+                <a:cs typeface="Montserrat"/>
+                <a:sym typeface="Montserrat"/>
+              </a:rPr>
+              <a:t>P.ProfileID</a:t>
+            </a:r>
+            <a:r>
+              <a:rPr lang="en-US" sz="1800" dirty="0">
+                <a:solidFill>
+                  <a:schemeClr val="tx1">
+                    <a:lumMod val="95000"/>
+                    <a:lumOff val="5000"/>
+                  </a:schemeClr>
+                </a:solidFill>
+                <a:latin typeface="Montserrat"/>
+                <a:ea typeface="Montserrat"/>
+                <a:cs typeface="Montserrat"/>
+                <a:sym typeface="Montserrat"/>
+              </a:rPr>
+              <a:t>) AS </a:t>
+            </a:r>
+            <a:r>
+              <a:rPr lang="en-US" sz="1800" dirty="0" err="1">
+                <a:solidFill>
+                  <a:schemeClr val="tx1">
+                    <a:lumMod val="95000"/>
+                    <a:lumOff val="5000"/>
+                  </a:schemeClr>
+                </a:solidFill>
+                <a:latin typeface="Montserrat"/>
+                <a:ea typeface="Montserrat"/>
+                <a:cs typeface="Montserrat"/>
+                <a:sym typeface="Montserrat"/>
+              </a:rPr>
+              <a:t>cnt</a:t>
+            </a:r>
+            <a:r>
+              <a:rPr lang="en-US" sz="1800" dirty="0">
+                <a:solidFill>
+                  <a:schemeClr val="tx1">
+                    <a:lumMod val="95000"/>
+                    <a:lumOff val="5000"/>
+                  </a:schemeClr>
+                </a:solidFill>
+                <a:latin typeface="Montserrat"/>
+                <a:ea typeface="Montserrat"/>
+                <a:cs typeface="Montserrat"/>
+                <a:sym typeface="Montserrat"/>
+              </a:rPr>
+              <a:t>    </a:t>
+            </a:r>
+          </a:p>
+          <a:p>
+            <a:pPr lvl="4">
+              <a:buClr>
+                <a:schemeClr val="dk1"/>
+              </a:buClr>
+              <a:buSzPts val="1800"/>
+            </a:pPr>
+            <a:r>
+              <a:rPr lang="en-US" sz="1800" b="1" dirty="0">
+                <a:solidFill>
+                  <a:schemeClr val="tx1">
+                    <a:lumMod val="95000"/>
+                    <a:lumOff val="5000"/>
+                  </a:schemeClr>
+                </a:solidFill>
+                <a:latin typeface="Montserrat"/>
+                <a:ea typeface="Montserrat"/>
+                <a:cs typeface="Montserrat"/>
+                <a:sym typeface="Montserrat"/>
+              </a:rPr>
+              <a:t>FROM</a:t>
+            </a:r>
+            <a:r>
+              <a:rPr lang="en-US" sz="1800" dirty="0">
+                <a:solidFill>
+                  <a:schemeClr val="tx1">
+                    <a:lumMod val="95000"/>
+                    <a:lumOff val="5000"/>
+                  </a:schemeClr>
+                </a:solidFill>
+                <a:latin typeface="Montserrat"/>
+                <a:ea typeface="Montserrat"/>
+                <a:cs typeface="Montserrat"/>
+                <a:sym typeface="Montserrat"/>
+              </a:rPr>
+              <a:t> </a:t>
+            </a:r>
+            <a:r>
+              <a:rPr lang="en-US" sz="1800" dirty="0" err="1">
+                <a:solidFill>
+                  <a:schemeClr val="tx1">
+                    <a:lumMod val="95000"/>
+                    <a:lumOff val="5000"/>
+                  </a:schemeClr>
+                </a:solidFill>
+                <a:latin typeface="Montserrat"/>
+                <a:ea typeface="Montserrat"/>
+                <a:cs typeface="Montserrat"/>
+                <a:sym typeface="Montserrat"/>
+              </a:rPr>
+              <a:t>FavoriteMusic</a:t>
+            </a:r>
+            <a:r>
+              <a:rPr lang="en-US" sz="1800" dirty="0">
+                <a:solidFill>
+                  <a:schemeClr val="tx1">
+                    <a:lumMod val="95000"/>
+                    <a:lumOff val="5000"/>
+                  </a:schemeClr>
+                </a:solidFill>
+                <a:latin typeface="Montserrat"/>
+                <a:ea typeface="Montserrat"/>
+                <a:cs typeface="Montserrat"/>
+                <a:sym typeface="Montserrat"/>
+              </a:rPr>
+              <a:t> M </a:t>
+            </a:r>
+            <a:r>
+              <a:rPr lang="en-US" sz="1800" b="1" dirty="0">
+                <a:solidFill>
+                  <a:schemeClr val="tx1">
+                    <a:lumMod val="95000"/>
+                    <a:lumOff val="5000"/>
+                  </a:schemeClr>
+                </a:solidFill>
+                <a:latin typeface="Montserrat"/>
+                <a:ea typeface="Montserrat"/>
+                <a:cs typeface="Montserrat"/>
+                <a:sym typeface="Montserrat"/>
+              </a:rPr>
+              <a:t>JOIN</a:t>
+            </a:r>
+            <a:r>
+              <a:rPr lang="en-US" sz="1800" dirty="0">
+                <a:solidFill>
+                  <a:schemeClr val="tx1">
+                    <a:lumMod val="95000"/>
+                    <a:lumOff val="5000"/>
+                  </a:schemeClr>
+                </a:solidFill>
+                <a:latin typeface="Montserrat"/>
+                <a:ea typeface="Montserrat"/>
+                <a:cs typeface="Montserrat"/>
+                <a:sym typeface="Montserrat"/>
+              </a:rPr>
+              <a:t> Profiles P </a:t>
+            </a:r>
+            <a:r>
+              <a:rPr lang="en-US" sz="1800" b="1" dirty="0">
+                <a:solidFill>
+                  <a:schemeClr val="tx1">
+                    <a:lumMod val="95000"/>
+                    <a:lumOff val="5000"/>
+                  </a:schemeClr>
+                </a:solidFill>
+                <a:latin typeface="Montserrat"/>
+                <a:ea typeface="Montserrat"/>
+                <a:cs typeface="Montserrat"/>
+                <a:sym typeface="Montserrat"/>
+              </a:rPr>
+              <a:t>ON</a:t>
+            </a:r>
+            <a:r>
+              <a:rPr lang="en-US" sz="1800" dirty="0">
+                <a:solidFill>
+                  <a:schemeClr val="tx1">
+                    <a:lumMod val="95000"/>
+                    <a:lumOff val="5000"/>
+                  </a:schemeClr>
+                </a:solidFill>
+                <a:latin typeface="Montserrat"/>
+                <a:ea typeface="Montserrat"/>
+                <a:cs typeface="Montserrat"/>
+                <a:sym typeface="Montserrat"/>
+              </a:rPr>
+              <a:t> </a:t>
+            </a:r>
+            <a:r>
+              <a:rPr lang="en-US" sz="1800" dirty="0" err="1">
+                <a:solidFill>
+                  <a:schemeClr val="tx1">
+                    <a:lumMod val="95000"/>
+                    <a:lumOff val="5000"/>
+                  </a:schemeClr>
+                </a:solidFill>
+                <a:latin typeface="Montserrat"/>
+                <a:ea typeface="Montserrat"/>
+                <a:cs typeface="Montserrat"/>
+                <a:sym typeface="Montserrat"/>
+              </a:rPr>
+              <a:t>P.ProfileID</a:t>
+            </a:r>
+            <a:r>
+              <a:rPr lang="en-US" sz="1800" dirty="0">
+                <a:solidFill>
+                  <a:schemeClr val="tx1">
+                    <a:lumMod val="95000"/>
+                    <a:lumOff val="5000"/>
+                  </a:schemeClr>
+                </a:solidFill>
+                <a:latin typeface="Montserrat"/>
+                <a:ea typeface="Montserrat"/>
+                <a:cs typeface="Montserrat"/>
+                <a:sym typeface="Montserrat"/>
+              </a:rPr>
+              <a:t> = </a:t>
+            </a:r>
+            <a:r>
+              <a:rPr lang="en-US" sz="1800" dirty="0" err="1">
+                <a:solidFill>
+                  <a:schemeClr val="tx1">
+                    <a:lumMod val="95000"/>
+                    <a:lumOff val="5000"/>
+                  </a:schemeClr>
+                </a:solidFill>
+                <a:latin typeface="Montserrat"/>
+                <a:ea typeface="Montserrat"/>
+                <a:cs typeface="Montserrat"/>
+                <a:sym typeface="Montserrat"/>
+              </a:rPr>
+              <a:t>M.ProfileID</a:t>
+            </a:r>
+            <a:r>
+              <a:rPr lang="en-US" sz="1800" dirty="0">
+                <a:solidFill>
+                  <a:schemeClr val="tx1">
+                    <a:lumMod val="95000"/>
+                    <a:lumOff val="5000"/>
+                  </a:schemeClr>
+                </a:solidFill>
+                <a:latin typeface="Montserrat"/>
+                <a:ea typeface="Montserrat"/>
+                <a:cs typeface="Montserrat"/>
+                <a:sym typeface="Montserrat"/>
+              </a:rPr>
+              <a:t>    </a:t>
+            </a:r>
+          </a:p>
+          <a:p>
+            <a:pPr lvl="4">
+              <a:buClr>
+                <a:schemeClr val="dk1"/>
+              </a:buClr>
+              <a:buSzPts val="1800"/>
+            </a:pPr>
+            <a:r>
+              <a:rPr lang="en-US" sz="1800" b="1" dirty="0">
+                <a:solidFill>
+                  <a:schemeClr val="tx1">
+                    <a:lumMod val="95000"/>
+                    <a:lumOff val="5000"/>
+                  </a:schemeClr>
+                </a:solidFill>
+                <a:latin typeface="Montserrat"/>
+                <a:ea typeface="Montserrat"/>
+                <a:cs typeface="Montserrat"/>
+                <a:sym typeface="Montserrat"/>
+              </a:rPr>
+              <a:t>WHERE</a:t>
+            </a:r>
+            <a:r>
+              <a:rPr lang="en-US" sz="1800" dirty="0">
+                <a:solidFill>
+                  <a:schemeClr val="tx1">
+                    <a:lumMod val="95000"/>
+                    <a:lumOff val="5000"/>
+                  </a:schemeClr>
+                </a:solidFill>
+                <a:latin typeface="Montserrat"/>
+                <a:ea typeface="Montserrat"/>
+                <a:cs typeface="Montserrat"/>
+                <a:sym typeface="Montserrat"/>
+              </a:rPr>
+              <a:t> </a:t>
+            </a:r>
+            <a:r>
+              <a:rPr lang="en-US" sz="1800" dirty="0" err="1">
+                <a:solidFill>
+                  <a:schemeClr val="tx1">
+                    <a:lumMod val="95000"/>
+                    <a:lumOff val="5000"/>
+                  </a:schemeClr>
+                </a:solidFill>
+                <a:latin typeface="Montserrat"/>
+                <a:ea typeface="Montserrat"/>
+                <a:cs typeface="Montserrat"/>
+                <a:sym typeface="Montserrat"/>
+              </a:rPr>
+              <a:t>P.Sex</a:t>
+            </a:r>
+            <a:r>
+              <a:rPr lang="en-US" sz="1800" dirty="0">
+                <a:solidFill>
+                  <a:schemeClr val="tx1">
+                    <a:lumMod val="95000"/>
+                    <a:lumOff val="5000"/>
+                  </a:schemeClr>
+                </a:solidFill>
+                <a:latin typeface="Montserrat"/>
+                <a:ea typeface="Montserrat"/>
+                <a:cs typeface="Montserrat"/>
+                <a:sym typeface="Montserrat"/>
+              </a:rPr>
+              <a:t> IS NOT NULL</a:t>
+            </a:r>
+          </a:p>
+          <a:p>
+            <a:pPr lvl="4">
+              <a:buClr>
+                <a:schemeClr val="dk1"/>
+              </a:buClr>
+              <a:buSzPts val="1800"/>
+            </a:pPr>
+            <a:r>
+              <a:rPr lang="en-US" sz="1800" b="1" dirty="0">
+                <a:solidFill>
+                  <a:schemeClr val="tx1">
+                    <a:lumMod val="95000"/>
+                    <a:lumOff val="5000"/>
+                  </a:schemeClr>
+                </a:solidFill>
+                <a:latin typeface="Montserrat"/>
+                <a:ea typeface="Montserrat"/>
+                <a:cs typeface="Montserrat"/>
+                <a:sym typeface="Montserrat"/>
+              </a:rPr>
+              <a:t>GROUP</a:t>
+            </a:r>
+            <a:r>
+              <a:rPr lang="en-US" sz="1800" dirty="0">
+                <a:solidFill>
+                  <a:schemeClr val="tx1">
+                    <a:lumMod val="95000"/>
+                    <a:lumOff val="5000"/>
+                  </a:schemeClr>
+                </a:solidFill>
+                <a:latin typeface="Montserrat"/>
+                <a:ea typeface="Montserrat"/>
+                <a:cs typeface="Montserrat"/>
+                <a:sym typeface="Montserrat"/>
+              </a:rPr>
+              <a:t> BY </a:t>
+            </a:r>
+            <a:r>
+              <a:rPr lang="en-US" sz="1800" dirty="0" err="1">
+                <a:solidFill>
+                  <a:schemeClr val="tx1">
+                    <a:lumMod val="95000"/>
+                    <a:lumOff val="5000"/>
+                  </a:schemeClr>
+                </a:solidFill>
+                <a:latin typeface="Montserrat"/>
+                <a:ea typeface="Montserrat"/>
+                <a:cs typeface="Montserrat"/>
+                <a:sym typeface="Montserrat"/>
+              </a:rPr>
+              <a:t>M.Music</a:t>
+            </a:r>
+            <a:r>
+              <a:rPr lang="en-US" sz="1800" dirty="0">
+                <a:solidFill>
+                  <a:schemeClr val="tx1">
+                    <a:lumMod val="95000"/>
+                    <a:lumOff val="5000"/>
+                  </a:schemeClr>
+                </a:solidFill>
+                <a:latin typeface="Montserrat"/>
+                <a:ea typeface="Montserrat"/>
+                <a:cs typeface="Montserrat"/>
+                <a:sym typeface="Montserrat"/>
+              </a:rPr>
+              <a:t>, </a:t>
+            </a:r>
+            <a:r>
+              <a:rPr lang="en-US" sz="1800" dirty="0" err="1">
+                <a:solidFill>
+                  <a:schemeClr val="tx1">
+                    <a:lumMod val="95000"/>
+                    <a:lumOff val="5000"/>
+                  </a:schemeClr>
+                </a:solidFill>
+                <a:latin typeface="Montserrat"/>
+                <a:ea typeface="Montserrat"/>
+                <a:cs typeface="Montserrat"/>
+                <a:sym typeface="Montserrat"/>
+              </a:rPr>
+              <a:t>P.Sex</a:t>
+            </a:r>
+            <a:r>
+              <a:rPr lang="en-US" sz="1800" dirty="0">
+                <a:solidFill>
+                  <a:schemeClr val="tx1">
+                    <a:lumMod val="95000"/>
+                    <a:lumOff val="5000"/>
+                  </a:schemeClr>
+                </a:solidFill>
+                <a:latin typeface="Montserrat"/>
+                <a:ea typeface="Montserrat"/>
+                <a:cs typeface="Montserrat"/>
+                <a:sym typeface="Montserrat"/>
+              </a:rPr>
+              <a:t> 	</a:t>
+            </a:r>
+          </a:p>
+          <a:p>
+            <a:pPr lvl="4">
+              <a:buClr>
+                <a:schemeClr val="dk1"/>
+              </a:buClr>
+              <a:buSzPts val="1800"/>
+            </a:pPr>
+            <a:r>
+              <a:rPr lang="en-US" sz="1800" b="1" dirty="0">
+                <a:solidFill>
+                  <a:schemeClr val="tx1">
+                    <a:lumMod val="95000"/>
+                    <a:lumOff val="5000"/>
+                  </a:schemeClr>
+                </a:solidFill>
+                <a:latin typeface="Montserrat"/>
+                <a:ea typeface="Montserrat"/>
+                <a:cs typeface="Montserrat"/>
+                <a:sym typeface="Montserrat"/>
+              </a:rPr>
+              <a:t>ORDER BY </a:t>
+            </a:r>
+            <a:r>
+              <a:rPr lang="en-US" sz="1800" dirty="0" err="1">
+                <a:solidFill>
+                  <a:schemeClr val="tx1">
+                    <a:lumMod val="95000"/>
+                    <a:lumOff val="5000"/>
+                  </a:schemeClr>
+                </a:solidFill>
+                <a:latin typeface="Montserrat"/>
+                <a:ea typeface="Montserrat"/>
+                <a:cs typeface="Montserrat"/>
+                <a:sym typeface="Montserrat"/>
+              </a:rPr>
+              <a:t>cnt</a:t>
+            </a:r>
+            <a:r>
+              <a:rPr lang="en-US" sz="1800" dirty="0">
+                <a:solidFill>
+                  <a:schemeClr val="tx1">
+                    <a:lumMod val="95000"/>
+                    <a:lumOff val="5000"/>
+                  </a:schemeClr>
+                </a:solidFill>
+                <a:latin typeface="Montserrat"/>
+                <a:ea typeface="Montserrat"/>
+                <a:cs typeface="Montserrat"/>
+                <a:sym typeface="Montserrat"/>
+              </a:rPr>
+              <a:t> DESC;</a:t>
+            </a:r>
+            <a:endParaRPr lang="en-US" sz="1800" dirty="0">
+              <a:solidFill>
+                <a:schemeClr val="dk1"/>
+              </a:solidFill>
+              <a:latin typeface="Montserrat"/>
+              <a:ea typeface="Montserrat"/>
+              <a:cs typeface="Montserrat"/>
+              <a:sym typeface="Montserrat"/>
+            </a:endParaRPr>
+          </a:p>
+          <a:p>
+            <a:pPr marL="0" marR="0" lvl="0" indent="0" algn="l" rtl="0">
+              <a:spcBef>
+                <a:spcPts val="0"/>
+              </a:spcBef>
+              <a:spcAft>
+                <a:spcPts val="0"/>
+              </a:spcAft>
+              <a:buNone/>
+            </a:pPr>
+            <a:endParaRPr sz="1800" dirty="0">
+              <a:solidFill>
+                <a:schemeClr val="dk1"/>
+              </a:solidFill>
+              <a:latin typeface="Montserrat"/>
+              <a:ea typeface="Montserrat"/>
+              <a:cs typeface="Montserrat"/>
+              <a:sym typeface="Montserrat"/>
+            </a:endParaRPr>
+          </a:p>
+          <a:p>
+            <a:endParaRPr lang="en-US" sz="1800" b="1" dirty="0">
+              <a:solidFill>
+                <a:schemeClr val="tx1">
+                  <a:lumMod val="95000"/>
+                  <a:lumOff val="5000"/>
+                </a:schemeClr>
+              </a:solidFill>
+              <a:latin typeface="Montserrat"/>
+              <a:ea typeface="Montserrat"/>
+              <a:cs typeface="Montserrat"/>
+              <a:sym typeface="Montserrat"/>
+            </a:endParaRPr>
+          </a:p>
+          <a:p>
+            <a:r>
+              <a:rPr lang="en-US" sz="1800" b="1" dirty="0">
+                <a:solidFill>
+                  <a:schemeClr val="tx1">
+                    <a:lumMod val="95000"/>
+                    <a:lumOff val="5000"/>
+                  </a:schemeClr>
+                </a:solidFill>
+                <a:latin typeface="Montserrat"/>
+                <a:ea typeface="Montserrat"/>
+                <a:cs typeface="Montserrat"/>
+                <a:sym typeface="Montserrat"/>
+              </a:rPr>
+              <a:t>SELECT </a:t>
+            </a:r>
+            <a:r>
+              <a:rPr lang="en-US" sz="1800" dirty="0">
+                <a:solidFill>
+                  <a:schemeClr val="tx1">
+                    <a:lumMod val="95000"/>
+                    <a:lumOff val="5000"/>
+                  </a:schemeClr>
+                </a:solidFill>
+                <a:latin typeface="Montserrat"/>
+                <a:ea typeface="Montserrat"/>
+                <a:cs typeface="Montserrat"/>
+                <a:sym typeface="Montserrat"/>
+              </a:rPr>
+              <a:t>Music, Sex,</a:t>
+            </a:r>
+          </a:p>
+          <a:p>
+            <a:r>
+              <a:rPr lang="en-US" sz="1800" b="1" dirty="0">
+                <a:solidFill>
+                  <a:srgbClr val="C00000"/>
+                </a:solidFill>
+                <a:latin typeface="Montserrat"/>
+                <a:ea typeface="Montserrat"/>
+                <a:cs typeface="Montserrat"/>
+                <a:sym typeface="Montserrat"/>
+              </a:rPr>
+              <a:t>	RANK() </a:t>
+            </a:r>
+            <a:r>
+              <a:rPr lang="en-US" sz="1800" b="1" dirty="0">
+                <a:solidFill>
+                  <a:srgbClr val="7030A0"/>
+                </a:solidFill>
+                <a:latin typeface="Montserrat"/>
+                <a:ea typeface="Montserrat"/>
+                <a:cs typeface="Montserrat"/>
+                <a:sym typeface="Montserrat"/>
+              </a:rPr>
+              <a:t>OVER (PARTITION BY Sex ORDER BY </a:t>
+            </a:r>
+            <a:r>
+              <a:rPr lang="en-US" sz="1800" b="1" dirty="0" err="1">
+                <a:solidFill>
+                  <a:srgbClr val="7030A0"/>
+                </a:solidFill>
+                <a:latin typeface="Montserrat"/>
+                <a:ea typeface="Montserrat"/>
+                <a:cs typeface="Montserrat"/>
+                <a:sym typeface="Montserrat"/>
+              </a:rPr>
+              <a:t>cnt</a:t>
+            </a:r>
+            <a:r>
+              <a:rPr lang="en-US" sz="1800" b="1" dirty="0">
+                <a:solidFill>
+                  <a:srgbClr val="7030A0"/>
+                </a:solidFill>
+                <a:latin typeface="Montserrat"/>
+                <a:ea typeface="Montserrat"/>
+                <a:cs typeface="Montserrat"/>
+                <a:sym typeface="Montserrat"/>
+              </a:rPr>
+              <a:t> DESC) </a:t>
+            </a:r>
+          </a:p>
+          <a:p>
+            <a:r>
+              <a:rPr lang="en-US" sz="1800" b="1" dirty="0">
+                <a:solidFill>
+                  <a:srgbClr val="7030A0"/>
+                </a:solidFill>
+                <a:latin typeface="Montserrat"/>
+                <a:ea typeface="Montserrat"/>
+                <a:cs typeface="Montserrat"/>
+                <a:sym typeface="Montserrat"/>
+              </a:rPr>
+              <a:t>	</a:t>
+            </a:r>
+            <a:r>
+              <a:rPr lang="en-US" sz="1800" b="1" dirty="0">
+                <a:solidFill>
+                  <a:schemeClr val="tx1">
+                    <a:lumMod val="95000"/>
+                    <a:lumOff val="5000"/>
+                  </a:schemeClr>
+                </a:solidFill>
+                <a:latin typeface="Montserrat"/>
+                <a:ea typeface="Montserrat"/>
+                <a:cs typeface="Montserrat"/>
+                <a:sym typeface="Montserrat"/>
+              </a:rPr>
+              <a:t>AS </a:t>
+            </a:r>
+            <a:r>
+              <a:rPr lang="en-US" sz="1800" b="1" dirty="0" err="1">
+                <a:solidFill>
+                  <a:schemeClr val="tx1">
+                    <a:lumMod val="95000"/>
+                    <a:lumOff val="5000"/>
+                  </a:schemeClr>
+                </a:solidFill>
+                <a:latin typeface="Montserrat"/>
+                <a:ea typeface="Montserrat"/>
+                <a:cs typeface="Montserrat"/>
+                <a:sym typeface="Montserrat"/>
+              </a:rPr>
+              <a:t>music_rank</a:t>
+            </a:r>
+            <a:r>
+              <a:rPr lang="en-US" sz="1800" b="1" dirty="0">
+                <a:solidFill>
+                  <a:schemeClr val="tx1">
+                    <a:lumMod val="95000"/>
+                    <a:lumOff val="5000"/>
+                  </a:schemeClr>
+                </a:solidFill>
+                <a:latin typeface="Montserrat"/>
+                <a:ea typeface="Montserrat"/>
+                <a:cs typeface="Montserrat"/>
+                <a:sym typeface="Montserrat"/>
+              </a:rPr>
+              <a:t> </a:t>
+            </a:r>
+          </a:p>
+          <a:p>
+            <a:r>
+              <a:rPr lang="en-US" sz="1800" b="1" dirty="0">
+                <a:solidFill>
+                  <a:schemeClr val="tx1">
+                    <a:lumMod val="95000"/>
+                    <a:lumOff val="5000"/>
+                  </a:schemeClr>
+                </a:solidFill>
+                <a:latin typeface="Montserrat"/>
+                <a:ea typeface="Montserrat"/>
+                <a:cs typeface="Montserrat"/>
+                <a:sym typeface="Montserrat"/>
+              </a:rPr>
+              <a:t>FROM </a:t>
+            </a:r>
+            <a:r>
+              <a:rPr lang="en-US" sz="1800" dirty="0" err="1">
+                <a:solidFill>
+                  <a:schemeClr val="tx1">
+                    <a:lumMod val="95000"/>
+                    <a:lumOff val="5000"/>
+                  </a:schemeClr>
+                </a:solidFill>
+                <a:latin typeface="Montserrat"/>
+                <a:ea typeface="Montserrat"/>
+                <a:cs typeface="Montserrat"/>
+                <a:sym typeface="Montserrat"/>
+              </a:rPr>
+              <a:t>popular_music_and_gender</a:t>
+            </a:r>
+            <a:r>
+              <a:rPr lang="en-US" sz="1800" dirty="0">
+                <a:solidFill>
+                  <a:schemeClr val="tx1">
+                    <a:lumMod val="95000"/>
+                    <a:lumOff val="5000"/>
+                  </a:schemeClr>
+                </a:solidFill>
+                <a:latin typeface="Montserrat"/>
+                <a:ea typeface="Montserrat"/>
+                <a:cs typeface="Montserrat"/>
+                <a:sym typeface="Montserrat"/>
+              </a:rPr>
+              <a:t>;</a:t>
+            </a:r>
+          </a:p>
+          <a:p>
+            <a:pPr lvl="1"/>
+            <a:endParaRPr lang="en-US" sz="1800" i="0" u="none" strike="noStrike" cap="none" dirty="0">
+              <a:solidFill>
+                <a:schemeClr val="dk1"/>
+              </a:solidFill>
+              <a:latin typeface="Montserrat"/>
+              <a:ea typeface="Montserrat"/>
+              <a:cs typeface="Montserrat"/>
+              <a:sym typeface="Montserrat"/>
+            </a:endParaRPr>
+          </a:p>
+          <a:p>
+            <a:pPr lvl="1"/>
+            <a:endParaRPr sz="1800" i="0" u="none" strike="noStrike" cap="none" dirty="0">
+              <a:solidFill>
+                <a:schemeClr val="dk1"/>
+              </a:solidFill>
+              <a:latin typeface="Montserrat"/>
+              <a:ea typeface="Montserrat"/>
+              <a:cs typeface="Montserrat"/>
+              <a:sym typeface="Montserrat"/>
+            </a:endParaRPr>
+          </a:p>
+          <a:p>
+            <a:pPr marL="0" marR="0" lvl="0" indent="0" algn="l" rtl="0">
+              <a:spcBef>
+                <a:spcPts val="0"/>
+              </a:spcBef>
+              <a:spcAft>
+                <a:spcPts val="0"/>
+              </a:spcAft>
+              <a:buNone/>
+            </a:pPr>
+            <a:r>
+              <a:rPr lang="en-US" sz="1800" b="1" dirty="0">
+                <a:solidFill>
+                  <a:srgbClr val="C00000"/>
+                </a:solidFill>
+                <a:latin typeface="Montserrat"/>
+                <a:ea typeface="Montserrat"/>
+                <a:cs typeface="Montserrat"/>
+                <a:sym typeface="Montserrat"/>
+              </a:rPr>
+              <a:t>RANK(): </a:t>
+            </a:r>
+            <a:r>
+              <a:rPr lang="en-US" sz="1800" i="1" dirty="0">
+                <a:solidFill>
+                  <a:srgbClr val="C00000"/>
+                </a:solidFill>
+                <a:latin typeface="Montserrat"/>
+                <a:ea typeface="Montserrat"/>
+                <a:cs typeface="Montserrat"/>
+                <a:sym typeface="Montserrat"/>
+              </a:rPr>
+              <a:t>the function applied to each row in the window</a:t>
+            </a:r>
+          </a:p>
+          <a:p>
+            <a:pPr marL="0" marR="0" lvl="0" indent="0" algn="l" rtl="0">
+              <a:spcBef>
+                <a:spcPts val="0"/>
+              </a:spcBef>
+              <a:spcAft>
+                <a:spcPts val="0"/>
+              </a:spcAft>
+              <a:buNone/>
+            </a:pPr>
+            <a:r>
+              <a:rPr lang="en-US" sz="1800" b="1" dirty="0">
+                <a:solidFill>
+                  <a:srgbClr val="7030A0"/>
+                </a:solidFill>
+                <a:latin typeface="Montserrat"/>
+                <a:ea typeface="Montserrat"/>
+                <a:cs typeface="Montserrat"/>
+                <a:sym typeface="Montserrat"/>
+              </a:rPr>
+              <a:t>OVER (PARTITION BY Sex ORDER BY </a:t>
+            </a:r>
+            <a:r>
+              <a:rPr lang="en-US" sz="1800" b="1" dirty="0" err="1">
+                <a:solidFill>
+                  <a:srgbClr val="7030A0"/>
+                </a:solidFill>
+                <a:latin typeface="Montserrat"/>
+                <a:ea typeface="Montserrat"/>
+                <a:cs typeface="Montserrat"/>
+                <a:sym typeface="Montserrat"/>
+              </a:rPr>
+              <a:t>cnt</a:t>
+            </a:r>
+            <a:r>
+              <a:rPr lang="en-US" sz="1800" b="1" dirty="0">
+                <a:solidFill>
+                  <a:srgbClr val="7030A0"/>
+                </a:solidFill>
+                <a:latin typeface="Montserrat"/>
+                <a:ea typeface="Montserrat"/>
+                <a:cs typeface="Montserrat"/>
+                <a:sym typeface="Montserrat"/>
+              </a:rPr>
+              <a:t> DESC): </a:t>
+            </a:r>
+            <a:r>
+              <a:rPr lang="en-US" sz="1800" i="1" dirty="0">
+                <a:solidFill>
+                  <a:srgbClr val="7030A0"/>
+                </a:solidFill>
+                <a:latin typeface="Montserrat"/>
+                <a:ea typeface="Montserrat"/>
+                <a:cs typeface="Montserrat"/>
+                <a:sym typeface="Montserrat"/>
+              </a:rPr>
+              <a:t>the window (in this case, music counts </a:t>
+            </a:r>
+            <a:r>
+              <a:rPr lang="en-US" sz="1800" b="1" i="1" dirty="0">
+                <a:solidFill>
+                  <a:srgbClr val="7030A0"/>
+                </a:solidFill>
+                <a:latin typeface="Montserrat"/>
+                <a:ea typeface="Montserrat"/>
+                <a:cs typeface="Montserrat"/>
+                <a:sym typeface="Montserrat"/>
+              </a:rPr>
+              <a:t>grouped by “Sex”</a:t>
+            </a:r>
+            <a:r>
+              <a:rPr lang="en-US" sz="1800" i="1" dirty="0">
+                <a:solidFill>
+                  <a:srgbClr val="7030A0"/>
+                </a:solidFill>
+                <a:latin typeface="Montserrat"/>
+                <a:ea typeface="Montserrat"/>
+                <a:cs typeface="Montserrat"/>
+                <a:sym typeface="Montserrat"/>
+              </a:rPr>
+              <a:t>, ordered by descending counts)</a:t>
+            </a:r>
+            <a:endParaRPr sz="1800" i="1" dirty="0">
+              <a:solidFill>
+                <a:schemeClr val="dk1"/>
+              </a:solidFill>
+              <a:latin typeface="Montserrat"/>
+              <a:ea typeface="Montserrat"/>
+              <a:cs typeface="Montserrat"/>
+              <a:sym typeface="Montserrat"/>
+            </a:endParaRPr>
+          </a:p>
+        </p:txBody>
+      </p:sp>
+    </p:spTree>
+    <p:extLst>
+      <p:ext uri="{BB962C8B-B14F-4D97-AF65-F5344CB8AC3E}">
+        <p14:creationId xmlns:p14="http://schemas.microsoft.com/office/powerpoint/2010/main" val="1686612521"/>
+      </p:ext>
+    </p:extLst>
+  </p:cSld>
+  <p:clrMapOvr>
+    <a:masterClrMapping/>
+  </p:clrMapOvr>
+</p:sld>
+</file>
+
+<file path=ppt/slides/slide6.xml><?xml version="1.0" encoding="utf-8"?>
+<p:sld xmlns:a="http://schemas.openxmlformats.org/drawingml/2006/main" xmlns:r="http://schemas.openxmlformats.org/officeDocument/2006/relationships" xmlns:p="http://schemas.openxmlformats.org/presentationml/2006/main">
+  <p:cSld>
+    <p:spTree>
+      <p:nvGrpSpPr>
+        <p:cNvPr id="1" name="Shape 105"/>
+        <p:cNvGrpSpPr/>
+        <p:nvPr/>
+      </p:nvGrpSpPr>
+      <p:grpSpPr>
+        <a:xfrm>
+          <a:off x="0" y="0"/>
+          <a:ext cx="0" cy="0"/>
+          <a:chOff x="0" y="0"/>
+          <a:chExt cx="0" cy="0"/>
+        </a:xfrm>
+      </p:grpSpPr>
+      <p:sp>
+        <p:nvSpPr>
+          <p:cNvPr id="106" name="Google Shape;106;g12c30a3ea24_0_12"/>
+          <p:cNvSpPr/>
+          <p:nvPr/>
+        </p:nvSpPr>
+        <p:spPr>
+          <a:xfrm>
+            <a:off x="386308" y="147496"/>
+            <a:ext cx="7757400" cy="554100"/>
+          </a:xfrm>
+          <a:prstGeom prst="rect">
+            <a:avLst/>
+          </a:prstGeom>
+          <a:noFill/>
+          <a:ln>
+            <a:noFill/>
+          </a:ln>
+        </p:spPr>
+        <p:txBody>
+          <a:bodyPr spcFirstLastPara="1" wrap="square" lIns="45700" tIns="45700" rIns="45700" bIns="45700" anchor="t" anchorCtr="0">
+            <a:noAutofit/>
+          </a:bodyPr>
+          <a:lstStyle/>
+          <a:p>
+            <a:pPr marL="0" marR="0" lvl="0" indent="0" algn="l" rtl="0">
+              <a:spcBef>
+                <a:spcPts val="0"/>
+              </a:spcBef>
+              <a:spcAft>
+                <a:spcPts val="0"/>
+              </a:spcAft>
+              <a:buNone/>
+            </a:pPr>
+            <a:r>
+              <a:rPr lang="en-US" sz="3000" b="1" dirty="0">
+                <a:solidFill>
+                  <a:srgbClr val="57068C"/>
+                </a:solidFill>
+                <a:latin typeface="Montserrat"/>
+                <a:ea typeface="Montserrat"/>
+                <a:cs typeface="Montserrat"/>
+                <a:sym typeface="Montserrat"/>
+              </a:rPr>
+              <a:t>Defining windows for aggregate </a:t>
+            </a:r>
+            <a:endParaRPr dirty="0">
+              <a:solidFill>
+                <a:srgbClr val="57068C"/>
+              </a:solidFill>
+              <a:latin typeface="Montserrat"/>
+              <a:ea typeface="Montserrat"/>
+              <a:cs typeface="Montserrat"/>
+              <a:sym typeface="Montserrat"/>
+            </a:endParaRPr>
+          </a:p>
+        </p:txBody>
+      </p:sp>
+      <p:sp>
+        <p:nvSpPr>
+          <p:cNvPr id="107" name="Google Shape;107;g12c30a3ea24_0_12"/>
+          <p:cNvSpPr/>
+          <p:nvPr/>
+        </p:nvSpPr>
+        <p:spPr>
+          <a:xfrm>
+            <a:off x="469900" y="1282700"/>
+            <a:ext cx="8204100" cy="307800"/>
+          </a:xfrm>
+          <a:prstGeom prst="rect">
+            <a:avLst/>
+          </a:prstGeom>
+          <a:noFill/>
+          <a:ln>
+            <a:noFill/>
+          </a:ln>
+        </p:spPr>
+        <p:txBody>
+          <a:bodyPr spcFirstLastPara="1" wrap="square" lIns="0" tIns="0" rIns="0" bIns="0" anchor="t" anchorCtr="0">
+            <a:noAutofit/>
+          </a:bodyPr>
+          <a:lstStyle/>
+          <a:p>
+            <a:pPr marL="0" marR="0" lvl="0" indent="0" algn="l" rtl="0">
+              <a:spcBef>
+                <a:spcPts val="0"/>
+              </a:spcBef>
+              <a:spcAft>
+                <a:spcPts val="0"/>
+              </a:spcAft>
+              <a:buNone/>
+            </a:pPr>
+            <a:endParaRPr sz="2000">
+              <a:solidFill>
+                <a:schemeClr val="dk1"/>
+              </a:solidFill>
+              <a:latin typeface="Arimo"/>
+              <a:ea typeface="Arimo"/>
+              <a:cs typeface="Arimo"/>
+              <a:sym typeface="Arimo"/>
+            </a:endParaRPr>
+          </a:p>
+        </p:txBody>
+      </p:sp>
+      <p:sp>
+        <p:nvSpPr>
+          <p:cNvPr id="2" name="Google Shape;141;p4">
+            <a:extLst>
+              <a:ext uri="{FF2B5EF4-FFF2-40B4-BE49-F238E27FC236}">
+                <a16:creationId xmlns:a16="http://schemas.microsoft.com/office/drawing/2014/main" id="{8B06E7CF-C43C-7C4B-A7B6-8CE05D935D85}"/>
+              </a:ext>
+            </a:extLst>
+          </p:cNvPr>
+          <p:cNvSpPr txBox="1"/>
+          <p:nvPr/>
+        </p:nvSpPr>
+        <p:spPr>
+          <a:xfrm>
+            <a:off x="529118" y="1376737"/>
+            <a:ext cx="8492333" cy="5355272"/>
+          </a:xfrm>
+          <a:prstGeom prst="rect">
+            <a:avLst/>
+          </a:prstGeom>
+          <a:noFill/>
+          <a:ln>
+            <a:noFill/>
+          </a:ln>
+        </p:spPr>
+        <p:txBody>
+          <a:bodyPr spcFirstLastPara="1" wrap="square" lIns="91425" tIns="45700" rIns="91425" bIns="45700" anchor="t" anchorCtr="0">
+            <a:spAutoFit/>
+          </a:bodyPr>
+          <a:lstStyle/>
+          <a:p>
+            <a:pPr marL="0" marR="0" lvl="0" indent="0" algn="l" rtl="0">
+              <a:spcBef>
+                <a:spcPts val="0"/>
+              </a:spcBef>
+              <a:spcAft>
+                <a:spcPts val="0"/>
+              </a:spcAft>
+              <a:buNone/>
+            </a:pPr>
+            <a:r>
+              <a:rPr lang="en-US" sz="1800" dirty="0">
+                <a:solidFill>
+                  <a:schemeClr val="dk1"/>
+                </a:solidFill>
+                <a:latin typeface="Montserrat"/>
+                <a:ea typeface="Montserrat"/>
+                <a:cs typeface="Montserrat"/>
+                <a:sym typeface="Montserrat"/>
+              </a:rPr>
+              <a:t>SELECT *,</a:t>
+            </a:r>
+          </a:p>
+          <a:p>
+            <a:pPr marL="0" marR="0" lvl="0" indent="0" algn="l" rtl="0">
+              <a:spcBef>
+                <a:spcPts val="0"/>
+              </a:spcBef>
+              <a:spcAft>
+                <a:spcPts val="0"/>
+              </a:spcAft>
+              <a:buNone/>
+            </a:pPr>
+            <a:r>
+              <a:rPr lang="en-US" sz="1800" dirty="0">
+                <a:solidFill>
+                  <a:schemeClr val="dk1"/>
+                </a:solidFill>
+                <a:latin typeface="Montserrat"/>
+                <a:ea typeface="Montserrat"/>
+                <a:cs typeface="Montserrat"/>
+                <a:sym typeface="Montserrat"/>
+              </a:rPr>
+              <a:t>	AVG(</a:t>
+            </a:r>
+            <a:r>
+              <a:rPr lang="en-US" sz="1800" dirty="0" err="1">
+                <a:solidFill>
+                  <a:schemeClr val="dk1"/>
+                </a:solidFill>
+                <a:latin typeface="Montserrat"/>
+                <a:ea typeface="Montserrat"/>
+                <a:cs typeface="Montserrat"/>
+                <a:sym typeface="Montserrat"/>
+              </a:rPr>
+              <a:t>fare_per_mile</a:t>
+            </a:r>
+            <a:r>
+              <a:rPr lang="en-US" sz="1800" dirty="0">
+                <a:solidFill>
+                  <a:schemeClr val="dk1"/>
+                </a:solidFill>
+                <a:latin typeface="Montserrat"/>
+                <a:ea typeface="Montserrat"/>
+                <a:cs typeface="Montserrat"/>
+                <a:sym typeface="Montserrat"/>
+              </a:rPr>
+              <a:t>) OVER () AS </a:t>
+            </a:r>
+            <a:r>
+              <a:rPr lang="en-US" sz="1800" dirty="0" err="1">
+                <a:solidFill>
+                  <a:schemeClr val="dk1"/>
+                </a:solidFill>
+                <a:latin typeface="Montserrat"/>
+                <a:ea typeface="Montserrat"/>
+                <a:cs typeface="Montserrat"/>
+                <a:sym typeface="Montserrat"/>
+              </a:rPr>
+              <a:t>overall_avg</a:t>
+            </a:r>
+            <a:r>
+              <a:rPr lang="en-US" sz="1800" dirty="0">
+                <a:solidFill>
+                  <a:schemeClr val="dk1"/>
+                </a:solidFill>
+                <a:latin typeface="Montserrat"/>
+                <a:ea typeface="Montserrat"/>
+                <a:cs typeface="Montserrat"/>
+                <a:sym typeface="Montserrat"/>
+              </a:rPr>
+              <a:t>,</a:t>
+            </a:r>
+          </a:p>
+          <a:p>
+            <a:pPr marL="0" marR="0" lvl="0" indent="0" algn="l" rtl="0">
+              <a:spcBef>
+                <a:spcPts val="0"/>
+              </a:spcBef>
+              <a:spcAft>
+                <a:spcPts val="0"/>
+              </a:spcAft>
+              <a:buNone/>
+            </a:pPr>
+            <a:r>
+              <a:rPr lang="en-US" sz="1800" dirty="0">
+                <a:solidFill>
+                  <a:schemeClr val="dk1"/>
+                </a:solidFill>
+                <a:latin typeface="Montserrat"/>
+                <a:ea typeface="Montserrat"/>
+                <a:cs typeface="Montserrat"/>
+                <a:sym typeface="Montserrat"/>
+              </a:rPr>
+              <a:t>	AVG(</a:t>
+            </a:r>
+            <a:r>
+              <a:rPr lang="en-US" sz="1800" dirty="0" err="1">
+                <a:solidFill>
+                  <a:schemeClr val="dk1"/>
+                </a:solidFill>
+                <a:latin typeface="Montserrat"/>
+                <a:ea typeface="Montserrat"/>
+                <a:cs typeface="Montserrat"/>
+                <a:sym typeface="Montserrat"/>
+              </a:rPr>
+              <a:t>fare_per_mile</a:t>
+            </a:r>
+            <a:r>
+              <a:rPr lang="en-US" sz="1800" dirty="0">
+                <a:solidFill>
+                  <a:schemeClr val="dk1"/>
+                </a:solidFill>
+                <a:latin typeface="Montserrat"/>
+                <a:ea typeface="Montserrat"/>
+                <a:cs typeface="Montserrat"/>
+                <a:sym typeface="Montserrat"/>
+              </a:rPr>
+              <a:t>) OVER (PARTITION BY origin) AS </a:t>
+            </a:r>
+            <a:r>
+              <a:rPr lang="en-US" sz="1800" dirty="0" err="1">
+                <a:solidFill>
+                  <a:schemeClr val="dk1"/>
+                </a:solidFill>
+                <a:latin typeface="Montserrat"/>
+                <a:ea typeface="Montserrat"/>
+                <a:cs typeface="Montserrat"/>
+                <a:sym typeface="Montserrat"/>
+              </a:rPr>
+              <a:t>origin_avg</a:t>
+            </a:r>
+            <a:r>
+              <a:rPr lang="en-US" sz="1800" dirty="0">
+                <a:solidFill>
+                  <a:schemeClr val="dk1"/>
+                </a:solidFill>
+                <a:latin typeface="Montserrat"/>
+                <a:ea typeface="Montserrat"/>
+                <a:cs typeface="Montserrat"/>
+                <a:sym typeface="Montserrat"/>
+              </a:rPr>
+              <a:t>,</a:t>
+            </a:r>
+          </a:p>
+          <a:p>
+            <a:pPr marL="0" marR="0" lvl="0" indent="0" algn="l" rtl="0">
+              <a:spcBef>
+                <a:spcPts val="0"/>
+              </a:spcBef>
+              <a:spcAft>
+                <a:spcPts val="0"/>
+              </a:spcAft>
+              <a:buNone/>
+            </a:pPr>
+            <a:r>
+              <a:rPr lang="en-US" sz="1800" dirty="0">
+                <a:solidFill>
+                  <a:schemeClr val="dk1"/>
+                </a:solidFill>
+                <a:latin typeface="Montserrat"/>
+                <a:ea typeface="Montserrat"/>
+                <a:cs typeface="Montserrat"/>
+                <a:sym typeface="Montserrat"/>
+              </a:rPr>
+              <a:t>	AVG(</a:t>
+            </a:r>
+            <a:r>
+              <a:rPr lang="en-US" sz="1800" dirty="0" err="1">
+                <a:solidFill>
+                  <a:schemeClr val="dk1"/>
+                </a:solidFill>
+                <a:latin typeface="Montserrat"/>
+                <a:ea typeface="Montserrat"/>
+                <a:cs typeface="Montserrat"/>
+                <a:sym typeface="Montserrat"/>
+              </a:rPr>
+              <a:t>fare_per_mile</a:t>
+            </a:r>
+            <a:r>
+              <a:rPr lang="en-US" sz="1800" dirty="0">
+                <a:solidFill>
+                  <a:schemeClr val="dk1"/>
+                </a:solidFill>
+                <a:latin typeface="Montserrat"/>
+                <a:ea typeface="Montserrat"/>
+                <a:cs typeface="Montserrat"/>
+                <a:sym typeface="Montserrat"/>
+              </a:rPr>
+              <a:t>) OVER (PARTITION BY </a:t>
+            </a:r>
+            <a:r>
+              <a:rPr lang="en-US" sz="1800" dirty="0" err="1">
+                <a:solidFill>
+                  <a:schemeClr val="dk1"/>
+                </a:solidFill>
+                <a:latin typeface="Montserrat"/>
+                <a:ea typeface="Montserrat"/>
+                <a:cs typeface="Montserrat"/>
+                <a:sym typeface="Montserrat"/>
+              </a:rPr>
+              <a:t>dest</a:t>
+            </a:r>
+            <a:r>
+              <a:rPr lang="en-US" sz="1800" dirty="0">
+                <a:solidFill>
+                  <a:schemeClr val="dk1"/>
+                </a:solidFill>
+                <a:latin typeface="Montserrat"/>
+                <a:ea typeface="Montserrat"/>
+                <a:cs typeface="Montserrat"/>
+                <a:sym typeface="Montserrat"/>
+              </a:rPr>
+              <a:t>) AS </a:t>
+            </a:r>
+            <a:r>
+              <a:rPr lang="en-US" sz="1800" dirty="0" err="1">
+                <a:solidFill>
+                  <a:schemeClr val="dk1"/>
+                </a:solidFill>
+                <a:latin typeface="Montserrat"/>
+                <a:ea typeface="Montserrat"/>
+                <a:cs typeface="Montserrat"/>
+                <a:sym typeface="Montserrat"/>
+              </a:rPr>
+              <a:t>dest_avg</a:t>
+            </a:r>
+            <a:r>
+              <a:rPr lang="en-US" sz="1800" dirty="0">
+                <a:solidFill>
+                  <a:schemeClr val="dk1"/>
+                </a:solidFill>
+                <a:latin typeface="Montserrat"/>
+                <a:ea typeface="Montserrat"/>
+                <a:cs typeface="Montserrat"/>
+                <a:sym typeface="Montserrat"/>
+              </a:rPr>
+              <a:t>,</a:t>
+            </a:r>
+          </a:p>
+          <a:p>
+            <a:pPr marL="0" marR="0" lvl="0" indent="0" algn="l" rtl="0">
+              <a:spcBef>
+                <a:spcPts val="0"/>
+              </a:spcBef>
+              <a:spcAft>
+                <a:spcPts val="0"/>
+              </a:spcAft>
+              <a:buNone/>
+            </a:pPr>
+            <a:r>
+              <a:rPr lang="en-US" sz="1800" dirty="0">
+                <a:solidFill>
+                  <a:schemeClr val="dk1"/>
+                </a:solidFill>
+                <a:latin typeface="Montserrat"/>
+                <a:ea typeface="Montserrat"/>
+                <a:cs typeface="Montserrat"/>
+                <a:sym typeface="Montserrat"/>
+              </a:rPr>
+              <a:t>	AVG(</a:t>
+            </a:r>
+            <a:r>
+              <a:rPr lang="en-US" sz="1800" dirty="0" err="1">
+                <a:solidFill>
+                  <a:schemeClr val="dk1"/>
+                </a:solidFill>
+                <a:latin typeface="Montserrat"/>
+                <a:ea typeface="Montserrat"/>
+                <a:cs typeface="Montserrat"/>
+                <a:sym typeface="Montserrat"/>
+              </a:rPr>
+              <a:t>fare_per_mile</a:t>
+            </a:r>
+            <a:r>
+              <a:rPr lang="en-US" sz="1800" dirty="0">
+                <a:solidFill>
+                  <a:schemeClr val="dk1"/>
+                </a:solidFill>
+                <a:latin typeface="Montserrat"/>
+                <a:ea typeface="Montserrat"/>
+                <a:cs typeface="Montserrat"/>
+                <a:sym typeface="Montserrat"/>
+              </a:rPr>
+              <a:t>) OVER (PARTITION BY carrier) AS </a:t>
+            </a:r>
+            <a:r>
+              <a:rPr lang="en-US" sz="1800" dirty="0" err="1">
+                <a:solidFill>
+                  <a:schemeClr val="dk1"/>
+                </a:solidFill>
+                <a:latin typeface="Montserrat"/>
+                <a:ea typeface="Montserrat"/>
+                <a:cs typeface="Montserrat"/>
+                <a:sym typeface="Montserrat"/>
+              </a:rPr>
+              <a:t>carrier_avg</a:t>
+            </a:r>
+            <a:endParaRPr lang="en-US" sz="1800" dirty="0">
+              <a:solidFill>
+                <a:schemeClr val="dk1"/>
+              </a:solidFill>
+              <a:latin typeface="Montserrat"/>
+              <a:ea typeface="Montserrat"/>
+              <a:cs typeface="Montserrat"/>
+              <a:sym typeface="Montserrat"/>
+            </a:endParaRPr>
+          </a:p>
+          <a:p>
+            <a:pPr marL="0" marR="0" lvl="0" indent="0" algn="l" rtl="0">
+              <a:spcBef>
+                <a:spcPts val="0"/>
+              </a:spcBef>
+              <a:spcAft>
+                <a:spcPts val="0"/>
+              </a:spcAft>
+              <a:buNone/>
+            </a:pPr>
+            <a:r>
+              <a:rPr lang="en-US" sz="1800" dirty="0">
+                <a:solidFill>
+                  <a:schemeClr val="dk1"/>
+                </a:solidFill>
+                <a:latin typeface="Montserrat"/>
+                <a:ea typeface="Montserrat"/>
+                <a:cs typeface="Montserrat"/>
+                <a:sym typeface="Montserrat"/>
+              </a:rPr>
+              <a:t>FROM </a:t>
+            </a:r>
+            <a:r>
+              <a:rPr lang="en-US" sz="1800" dirty="0" err="1">
+                <a:solidFill>
+                  <a:schemeClr val="dk1"/>
+                </a:solidFill>
+                <a:latin typeface="Montserrat"/>
+                <a:ea typeface="Montserrat"/>
+                <a:cs typeface="Montserrat"/>
+                <a:sym typeface="Montserrat"/>
+              </a:rPr>
+              <a:t>flights.m_ticket_prices</a:t>
+            </a:r>
+            <a:r>
+              <a:rPr lang="en-US" sz="1800" dirty="0">
+                <a:solidFill>
+                  <a:schemeClr val="dk1"/>
+                </a:solidFill>
+                <a:latin typeface="Montserrat"/>
+                <a:ea typeface="Montserrat"/>
+                <a:cs typeface="Montserrat"/>
+                <a:sym typeface="Montserrat"/>
+              </a:rPr>
+              <a:t>;</a:t>
+            </a:r>
+            <a:endParaRPr sz="1800" dirty="0">
+              <a:solidFill>
+                <a:schemeClr val="dk1"/>
+              </a:solidFill>
+              <a:latin typeface="Montserrat"/>
+              <a:ea typeface="Montserrat"/>
+              <a:cs typeface="Montserrat"/>
+              <a:sym typeface="Montserrat"/>
+            </a:endParaRPr>
+          </a:p>
+          <a:p>
+            <a:pPr marL="457200" marR="0" lvl="1" indent="0" algn="l" rtl="0">
+              <a:spcBef>
+                <a:spcPts val="0"/>
+              </a:spcBef>
+              <a:spcAft>
+                <a:spcPts val="0"/>
+              </a:spcAft>
+              <a:buNone/>
+            </a:pPr>
+            <a:endParaRPr lang="en-US" sz="1800" b="1" dirty="0">
+              <a:solidFill>
+                <a:schemeClr val="tx1">
+                  <a:lumMod val="95000"/>
+                  <a:lumOff val="5000"/>
+                </a:schemeClr>
+              </a:solidFill>
+              <a:latin typeface="Montserrat"/>
+              <a:ea typeface="Montserrat"/>
+              <a:cs typeface="Montserrat"/>
+              <a:sym typeface="Montserrat"/>
+            </a:endParaRPr>
+          </a:p>
+          <a:p>
+            <a:pPr marL="457200" marR="0" lvl="1" indent="0" algn="l" rtl="0">
+              <a:spcBef>
+                <a:spcPts val="0"/>
+              </a:spcBef>
+              <a:spcAft>
+                <a:spcPts val="0"/>
+              </a:spcAft>
+              <a:buNone/>
+            </a:pPr>
+            <a:endParaRPr sz="1800" i="0" u="none" strike="noStrike" cap="none" dirty="0">
+              <a:solidFill>
+                <a:schemeClr val="dk1"/>
+              </a:solidFill>
+              <a:latin typeface="Montserrat"/>
+              <a:ea typeface="Montserrat"/>
+              <a:cs typeface="Montserrat"/>
+              <a:sym typeface="Montserrat"/>
+            </a:endParaRPr>
+          </a:p>
+          <a:p>
+            <a:pPr marL="0" marR="0" lvl="0" indent="0" algn="l" rtl="0">
+              <a:spcBef>
+                <a:spcPts val="0"/>
+              </a:spcBef>
+              <a:spcAft>
+                <a:spcPts val="0"/>
+              </a:spcAft>
+              <a:buNone/>
+            </a:pPr>
+            <a:r>
+              <a:rPr lang="en-US" sz="1800" b="1" dirty="0">
+                <a:solidFill>
+                  <a:srgbClr val="C00000"/>
+                </a:solidFill>
+                <a:latin typeface="Montserrat"/>
+                <a:ea typeface="Montserrat"/>
+                <a:cs typeface="Montserrat"/>
+                <a:sym typeface="Montserrat"/>
+              </a:rPr>
+              <a:t>AVG(</a:t>
+            </a:r>
+            <a:r>
+              <a:rPr lang="en-US" sz="1800" b="1" dirty="0" err="1">
+                <a:solidFill>
+                  <a:srgbClr val="C00000"/>
+                </a:solidFill>
+                <a:latin typeface="Montserrat"/>
+                <a:ea typeface="Montserrat"/>
+                <a:cs typeface="Montserrat"/>
+                <a:sym typeface="Montserrat"/>
+              </a:rPr>
+              <a:t>fare_per_mile</a:t>
+            </a:r>
+            <a:r>
+              <a:rPr lang="en-US" sz="1800" b="1" dirty="0">
+                <a:solidFill>
+                  <a:srgbClr val="C00000"/>
+                </a:solidFill>
+                <a:latin typeface="Montserrat"/>
+                <a:ea typeface="Montserrat"/>
+                <a:cs typeface="Montserrat"/>
+                <a:sym typeface="Montserrat"/>
+              </a:rPr>
+              <a:t>): </a:t>
+            </a:r>
+            <a:r>
+              <a:rPr lang="en-US" sz="1800" i="1" dirty="0">
+                <a:solidFill>
+                  <a:srgbClr val="C00000"/>
+                </a:solidFill>
+                <a:latin typeface="Montserrat"/>
+                <a:ea typeface="Montserrat"/>
+                <a:cs typeface="Montserrat"/>
+                <a:sym typeface="Montserrat"/>
+              </a:rPr>
+              <a:t>the function calculated</a:t>
+            </a:r>
+            <a:br>
+              <a:rPr lang="en-US" sz="1800" i="1" dirty="0">
+                <a:solidFill>
+                  <a:srgbClr val="C00000"/>
+                </a:solidFill>
+                <a:latin typeface="Montserrat"/>
+                <a:ea typeface="Montserrat"/>
+                <a:cs typeface="Montserrat"/>
+                <a:sym typeface="Montserrat"/>
+              </a:rPr>
+            </a:br>
+            <a:r>
+              <a:rPr lang="en-US" sz="1800" b="1" dirty="0">
+                <a:solidFill>
+                  <a:srgbClr val="7030A0"/>
+                </a:solidFill>
+                <a:latin typeface="Montserrat"/>
+                <a:ea typeface="Montserrat"/>
+                <a:cs typeface="Montserrat"/>
+                <a:sym typeface="Montserrat"/>
+              </a:rPr>
+              <a:t>OVER (): </a:t>
+            </a:r>
+            <a:r>
+              <a:rPr lang="en-US" sz="1800" i="1" dirty="0">
+                <a:solidFill>
+                  <a:srgbClr val="7030A0"/>
+                </a:solidFill>
+                <a:latin typeface="Montserrat"/>
+                <a:ea typeface="Montserrat"/>
+                <a:cs typeface="Montserrat"/>
+                <a:sym typeface="Montserrat"/>
+              </a:rPr>
+              <a:t>the window (in this case, the avg fare over all entries)</a:t>
+            </a:r>
+          </a:p>
+          <a:p>
+            <a:pPr marL="0" marR="0" lvl="0" indent="0" algn="l" rtl="0">
+              <a:spcBef>
+                <a:spcPts val="0"/>
+              </a:spcBef>
+              <a:spcAft>
+                <a:spcPts val="0"/>
+              </a:spcAft>
+              <a:buNone/>
+            </a:pPr>
+            <a:r>
+              <a:rPr lang="en-US" sz="1800" b="1" dirty="0">
+                <a:solidFill>
+                  <a:srgbClr val="7030A0"/>
+                </a:solidFill>
+                <a:latin typeface="Montserrat"/>
+                <a:ea typeface="Montserrat"/>
+                <a:cs typeface="Montserrat"/>
+                <a:sym typeface="Montserrat"/>
+              </a:rPr>
+              <a:t>OVER (PARTITION BY origin):</a:t>
+            </a:r>
+            <a:r>
+              <a:rPr lang="en-US" sz="1800" b="1" i="1" dirty="0">
+                <a:solidFill>
+                  <a:srgbClr val="7030A0"/>
+                </a:solidFill>
+                <a:latin typeface="Montserrat"/>
+                <a:ea typeface="Montserrat"/>
+                <a:cs typeface="Montserrat"/>
+                <a:sym typeface="Montserrat"/>
+              </a:rPr>
+              <a:t> </a:t>
+            </a:r>
+            <a:r>
+              <a:rPr lang="en-US" sz="1800" i="1" dirty="0">
+                <a:solidFill>
+                  <a:srgbClr val="7030A0"/>
+                </a:solidFill>
+                <a:latin typeface="Montserrat"/>
+                <a:ea typeface="Montserrat"/>
+                <a:cs typeface="Montserrat"/>
+                <a:sym typeface="Montserrat"/>
+              </a:rPr>
+              <a:t>calculate average fare across all flights leaving from the origin airport</a:t>
+            </a:r>
+          </a:p>
+          <a:p>
+            <a:r>
+              <a:rPr lang="en-US" sz="1800" b="1" dirty="0">
+                <a:solidFill>
+                  <a:srgbClr val="7030A0"/>
+                </a:solidFill>
+                <a:latin typeface="Montserrat"/>
+                <a:ea typeface="Montserrat"/>
+                <a:cs typeface="Montserrat"/>
+                <a:sym typeface="Montserrat"/>
+              </a:rPr>
+              <a:t>OVER (PARTITION BY </a:t>
+            </a:r>
+            <a:r>
+              <a:rPr lang="en-US" sz="1800" b="1" dirty="0" err="1">
+                <a:solidFill>
+                  <a:srgbClr val="7030A0"/>
+                </a:solidFill>
+                <a:latin typeface="Montserrat"/>
+                <a:ea typeface="Montserrat"/>
+                <a:cs typeface="Montserrat"/>
+                <a:sym typeface="Montserrat"/>
+              </a:rPr>
+              <a:t>dest</a:t>
+            </a:r>
+            <a:r>
+              <a:rPr lang="en-US" sz="1800" b="1" dirty="0">
+                <a:solidFill>
+                  <a:srgbClr val="7030A0"/>
+                </a:solidFill>
+                <a:latin typeface="Montserrat"/>
+                <a:ea typeface="Montserrat"/>
+                <a:cs typeface="Montserrat"/>
+                <a:sym typeface="Montserrat"/>
+              </a:rPr>
+              <a:t>):</a:t>
+            </a:r>
+            <a:r>
+              <a:rPr lang="en-US" sz="1800" b="1" i="1" dirty="0">
+                <a:solidFill>
+                  <a:srgbClr val="7030A0"/>
+                </a:solidFill>
+                <a:latin typeface="Montserrat"/>
+                <a:ea typeface="Montserrat"/>
+                <a:cs typeface="Montserrat"/>
+                <a:sym typeface="Montserrat"/>
+              </a:rPr>
+              <a:t> </a:t>
+            </a:r>
+            <a:r>
+              <a:rPr lang="en-US" sz="1800" i="1" dirty="0">
+                <a:solidFill>
+                  <a:srgbClr val="7030A0"/>
+                </a:solidFill>
+                <a:latin typeface="Montserrat"/>
+                <a:ea typeface="Montserrat"/>
+                <a:cs typeface="Montserrat"/>
+                <a:sym typeface="Montserrat"/>
+              </a:rPr>
+              <a:t>calculate average fare across all flights arriving to the </a:t>
+            </a:r>
+            <a:r>
+              <a:rPr lang="en-US" sz="1800" i="1" dirty="0" err="1">
+                <a:solidFill>
+                  <a:srgbClr val="7030A0"/>
+                </a:solidFill>
+                <a:latin typeface="Montserrat"/>
+                <a:ea typeface="Montserrat"/>
+                <a:cs typeface="Montserrat"/>
+                <a:sym typeface="Montserrat"/>
+              </a:rPr>
+              <a:t>dest</a:t>
+            </a:r>
+            <a:r>
+              <a:rPr lang="en-US" sz="1800" i="1" dirty="0">
+                <a:solidFill>
+                  <a:srgbClr val="7030A0"/>
+                </a:solidFill>
+                <a:latin typeface="Montserrat"/>
+                <a:ea typeface="Montserrat"/>
+                <a:cs typeface="Montserrat"/>
+                <a:sym typeface="Montserrat"/>
+              </a:rPr>
+              <a:t> airport</a:t>
+            </a:r>
+          </a:p>
+          <a:p>
+            <a:r>
+              <a:rPr lang="en-US" sz="1800" b="1" dirty="0">
+                <a:solidFill>
+                  <a:srgbClr val="7030A0"/>
+                </a:solidFill>
+                <a:latin typeface="Montserrat"/>
+                <a:ea typeface="Montserrat"/>
+                <a:cs typeface="Montserrat"/>
+                <a:sym typeface="Montserrat"/>
+              </a:rPr>
+              <a:t>OVER (PARTITION BY carrier):</a:t>
+            </a:r>
+            <a:r>
+              <a:rPr lang="en-US" sz="1800" b="1" i="1" dirty="0">
+                <a:solidFill>
+                  <a:srgbClr val="7030A0"/>
+                </a:solidFill>
+                <a:latin typeface="Montserrat"/>
+                <a:ea typeface="Montserrat"/>
+                <a:cs typeface="Montserrat"/>
+                <a:sym typeface="Montserrat"/>
+              </a:rPr>
+              <a:t> </a:t>
+            </a:r>
+            <a:r>
+              <a:rPr lang="en-US" sz="1800" i="1" dirty="0">
+                <a:solidFill>
+                  <a:srgbClr val="7030A0"/>
+                </a:solidFill>
+                <a:latin typeface="Montserrat"/>
+                <a:ea typeface="Montserrat"/>
+                <a:cs typeface="Montserrat"/>
+                <a:sym typeface="Montserrat"/>
+              </a:rPr>
+              <a:t>calculate average fare across all flights of the carrier in general</a:t>
+            </a:r>
+          </a:p>
+          <a:p>
+            <a:endParaRPr lang="en-US" sz="1800" i="1" dirty="0">
+              <a:solidFill>
+                <a:srgbClr val="7030A0"/>
+              </a:solidFill>
+              <a:latin typeface="Montserrat"/>
+              <a:ea typeface="Montserrat"/>
+              <a:cs typeface="Montserrat"/>
+              <a:sym typeface="Montserrat"/>
+            </a:endParaRPr>
+          </a:p>
+          <a:p>
+            <a:r>
+              <a:rPr lang="en-US" sz="1800" i="1" dirty="0">
+                <a:solidFill>
+                  <a:srgbClr val="7030A0"/>
+                </a:solidFill>
+                <a:latin typeface="Montserrat"/>
+                <a:ea typeface="Montserrat"/>
+                <a:cs typeface="Montserrat"/>
+                <a:sym typeface="Montserrat"/>
+              </a:rPr>
+              <a:t>Question: How can we add the average for the origin-</a:t>
+            </a:r>
+            <a:r>
+              <a:rPr lang="en-US" sz="1800" i="1" dirty="0" err="1">
+                <a:solidFill>
+                  <a:srgbClr val="7030A0"/>
+                </a:solidFill>
+                <a:latin typeface="Montserrat"/>
+                <a:ea typeface="Montserrat"/>
+                <a:cs typeface="Montserrat"/>
+                <a:sym typeface="Montserrat"/>
+              </a:rPr>
+              <a:t>dest</a:t>
+            </a:r>
+            <a:r>
+              <a:rPr lang="en-US" sz="1800" i="1" dirty="0">
+                <a:solidFill>
+                  <a:srgbClr val="7030A0"/>
+                </a:solidFill>
+                <a:latin typeface="Montserrat"/>
+                <a:ea typeface="Montserrat"/>
+                <a:cs typeface="Montserrat"/>
+                <a:sym typeface="Montserrat"/>
+              </a:rPr>
+              <a:t> pair?</a:t>
+            </a:r>
+          </a:p>
+          <a:p>
+            <a:endParaRPr sz="1800" i="1" dirty="0">
+              <a:solidFill>
+                <a:schemeClr val="dk1"/>
+              </a:solidFill>
+              <a:latin typeface="Montserrat"/>
+              <a:ea typeface="Montserrat"/>
+              <a:cs typeface="Montserrat"/>
+              <a:sym typeface="Montserrat"/>
+            </a:endParaRPr>
+          </a:p>
+        </p:txBody>
+      </p:sp>
+    </p:spTree>
+    <p:extLst>
+      <p:ext uri="{BB962C8B-B14F-4D97-AF65-F5344CB8AC3E}">
+        <p14:creationId xmlns:p14="http://schemas.microsoft.com/office/powerpoint/2010/main" val="553478783"/>
       </p:ext>
     </p:extLst>
   </p:cSld>

--- a/session7/G-Window_queries.pptx
+++ b/session7/G-Window_queries.pptx
@@ -5,39 +5,46 @@
     <p:sldMasterId id="2147483648" r:id="rId1"/>
   </p:sldMasterIdLst>
   <p:notesMasterIdLst>
-    <p:notesMasterId r:id="rId8"/>
+    <p:notesMasterId r:id="rId15"/>
   </p:notesMasterIdLst>
   <p:sldIdLst>
     <p:sldId id="256" r:id="rId2"/>
     <p:sldId id="258" r:id="rId3"/>
     <p:sldId id="285" r:id="rId4"/>
-    <p:sldId id="283" r:id="rId5"/>
-    <p:sldId id="286" r:id="rId6"/>
-    <p:sldId id="284" r:id="rId7"/>
+    <p:sldId id="287" r:id="rId5"/>
+    <p:sldId id="283" r:id="rId6"/>
+    <p:sldId id="291" r:id="rId7"/>
+    <p:sldId id="293" r:id="rId8"/>
+    <p:sldId id="289" r:id="rId9"/>
+    <p:sldId id="286" r:id="rId10"/>
+    <p:sldId id="284" r:id="rId11"/>
+    <p:sldId id="292" r:id="rId12"/>
+    <p:sldId id="290" r:id="rId13"/>
+    <p:sldId id="288" r:id="rId14"/>
   </p:sldIdLst>
   <p:sldSz cx="9144000" cy="6858000" type="screen4x3"/>
   <p:notesSz cx="7315200" cy="9601200"/>
   <p:embeddedFontLst>
     <p:embeddedFont>
       <p:font typeface="Arimo" panose="020B0604020202020204" charset="0"/>
-      <p:regular r:id="rId9"/>
-      <p:bold r:id="rId10"/>
-      <p:italic r:id="rId11"/>
-      <p:boldItalic r:id="rId12"/>
+      <p:regular r:id="rId16"/>
+      <p:bold r:id="rId17"/>
+      <p:italic r:id="rId18"/>
+      <p:boldItalic r:id="rId19"/>
     </p:embeddedFont>
     <p:embeddedFont>
       <p:font typeface="Calibri" panose="020F0502020204030204" pitchFamily="34" charset="0"/>
-      <p:regular r:id="rId13"/>
-      <p:bold r:id="rId14"/>
-      <p:italic r:id="rId15"/>
-      <p:boldItalic r:id="rId16"/>
+      <p:regular r:id="rId20"/>
+      <p:bold r:id="rId21"/>
+      <p:italic r:id="rId22"/>
+      <p:boldItalic r:id="rId23"/>
     </p:embeddedFont>
     <p:embeddedFont>
       <p:font typeface="Montserrat" panose="00000500000000000000" pitchFamily="2" charset="0"/>
-      <p:regular r:id="rId17"/>
-      <p:bold r:id="rId18"/>
-      <p:italic r:id="rId19"/>
-      <p:boldItalic r:id="rId20"/>
+      <p:regular r:id="rId24"/>
+      <p:bold r:id="rId25"/>
+      <p:italic r:id="rId26"/>
+      <p:boldItalic r:id="rId27"/>
     </p:embeddedFont>
   </p:embeddedFontLst>
   <p:defaultTextStyle>
@@ -274,7 +281,7 @@
       <p15:sldGuideLst xmlns:p15="http://schemas.microsoft.com/office/powerpoint/2012/main"/>
     </p:ext>
     <p:ext uri="http://customooxmlschemas.google.com/">
-      <go:slidesCustomData xmlns="" xmlns:mc="http://schemas.openxmlformats.org/markup-compatibility/2006" xmlns:mv="urn:schemas-microsoft-com:mac:vml" xmlns:c="http://schemas.openxmlformats.org/drawingml/2006/chart" xmlns:dgm="http://schemas.openxmlformats.org/drawingml/2006/diagram" xmlns:o="urn:schemas-microsoft-com:office:office" xmlns:v="urn:schemas-microsoft-com:vml" xmlns:pvml="urn:schemas-microsoft-com:office:powerpoint" xmlns:com="http://schemas.openxmlformats.org/drawingml/2006/compatibility" xmlns:p14="http://schemas.microsoft.com/office/powerpoint/2010/main" xmlns:p15="http://schemas.microsoft.com/office/powerpoint/2012/main" xmlns:ahyp="http://schemas.microsoft.com/office/drawing/2018/hyperlinkcolor" xmlns:go="http://customooxmlschemas.google.com/" r:id="rId40" roundtripDataSignature="AMtx7mj3ZLvO33oq78s+YwLT1n/iDoW9fA=="/>
+      <go:slidesCustomData xmlns:go="http://customooxmlschemas.google.com/" xmlns:ahyp="http://schemas.microsoft.com/office/drawing/2018/hyperlinkcolor" xmlns:p15="http://schemas.microsoft.com/office/powerpoint/2012/main" xmlns:p14="http://schemas.microsoft.com/office/powerpoint/2010/main" xmlns:com="http://schemas.openxmlformats.org/drawingml/2006/compatibility" xmlns:pvml="urn:schemas-microsoft-com:office:powerpoint" xmlns:v="urn:schemas-microsoft-com:vml" xmlns:o="urn:schemas-microsoft-com:office:office" xmlns:dgm="http://schemas.openxmlformats.org/drawingml/2006/diagram" xmlns:c="http://schemas.openxmlformats.org/drawingml/2006/chart" xmlns:mv="urn:schemas-microsoft-com:mac:vml" xmlns:mc="http://schemas.openxmlformats.org/markup-compatibility/2006" xmlns="" r:id="rId40" roundtripDataSignature="AMtx7mj3ZLvO33oq78s+YwLT1n/iDoW9fA=="/>
     </p:ext>
   </p:extLst>
 </p:presentation>
@@ -1577,6 +1584,375 @@
 </p:notes>
 </file>
 
+<file path=ppt/notesSlides/notesSlide10.xml><?xml version="1.0" encoding="utf-8"?>
+<p:notes xmlns:a="http://schemas.openxmlformats.org/drawingml/2006/main" xmlns:r="http://schemas.openxmlformats.org/officeDocument/2006/relationships" xmlns:p="http://schemas.openxmlformats.org/presentationml/2006/main" showMasterSp="0" showMasterPhAnim="0">
+  <p:cSld>
+    <p:spTree>
+      <p:nvGrpSpPr>
+        <p:cNvPr id="1" name="Shape 102"/>
+        <p:cNvGrpSpPr/>
+        <p:nvPr/>
+      </p:nvGrpSpPr>
+      <p:grpSpPr>
+        <a:xfrm>
+          <a:off x="0" y="0"/>
+          <a:ext cx="0" cy="0"/>
+          <a:chOff x="0" y="0"/>
+          <a:chExt cx="0" cy="0"/>
+        </a:xfrm>
+      </p:grpSpPr>
+      <p:sp>
+        <p:nvSpPr>
+          <p:cNvPr id="103" name="Google Shape;103;g12c30a3ea24_0_12:notes"/>
+          <p:cNvSpPr>
+            <a:spLocks noGrp="1" noRot="1" noChangeAspect="1"/>
+          </p:cNvSpPr>
+          <p:nvPr>
+            <p:ph type="sldImg" idx="2"/>
+          </p:nvPr>
+        </p:nvSpPr>
+        <p:spPr>
+          <a:xfrm>
+            <a:off x="1497013" y="1200150"/>
+            <a:ext cx="4321175" cy="3240088"/>
+          </a:xfrm>
+          <a:custGeom>
+            <a:avLst/>
+            <a:gdLst/>
+            <a:ahLst/>
+            <a:cxnLst/>
+            <a:rect l="l" t="t" r="r" b="b"/>
+            <a:pathLst>
+              <a:path w="120000" h="120000" extrusionOk="0">
+                <a:moveTo>
+                  <a:pt x="0" y="0"/>
+                </a:moveTo>
+                <a:lnTo>
+                  <a:pt x="120000" y="0"/>
+                </a:lnTo>
+                <a:lnTo>
+                  <a:pt x="120000" y="120000"/>
+                </a:lnTo>
+                <a:lnTo>
+                  <a:pt x="0" y="120000"/>
+                </a:lnTo>
+                <a:close/>
+              </a:path>
+            </a:pathLst>
+          </a:custGeom>
+          <a:noFill/>
+          <a:ln w="12700" cap="flat" cmpd="sng">
+            <a:solidFill>
+              <a:srgbClr val="000000"/>
+            </a:solidFill>
+            <a:prstDash val="solid"/>
+            <a:round/>
+            <a:headEnd type="none" w="sm" len="sm"/>
+            <a:tailEnd type="none" w="sm" len="sm"/>
+          </a:ln>
+        </p:spPr>
+      </p:sp>
+      <p:sp>
+        <p:nvSpPr>
+          <p:cNvPr id="104" name="Google Shape;104;g12c30a3ea24_0_12:notes"/>
+          <p:cNvSpPr txBox="1">
+            <a:spLocks noGrp="1"/>
+          </p:cNvSpPr>
+          <p:nvPr>
+            <p:ph type="body" idx="1"/>
+          </p:nvPr>
+        </p:nvSpPr>
+        <p:spPr>
+          <a:xfrm>
+            <a:off x="731520" y="4620577"/>
+            <a:ext cx="5852100" cy="3780600"/>
+          </a:xfrm>
+          <a:prstGeom prst="rect">
+            <a:avLst/>
+          </a:prstGeom>
+          <a:noFill/>
+          <a:ln>
+            <a:noFill/>
+          </a:ln>
+        </p:spPr>
+        <p:txBody>
+          <a:bodyPr spcFirstLastPara="1" wrap="square" lIns="96650" tIns="48325" rIns="96650" bIns="48325" anchor="t" anchorCtr="0">
+            <a:noAutofit/>
+          </a:bodyPr>
+          <a:lstStyle/>
+          <a:p>
+            <a:pPr marL="0" lvl="0" indent="0" algn="l" rtl="0">
+              <a:spcBef>
+                <a:spcPts val="0"/>
+              </a:spcBef>
+              <a:spcAft>
+                <a:spcPts val="0"/>
+              </a:spcAft>
+              <a:buNone/>
+            </a:pPr>
+            <a:endParaRPr/>
+          </a:p>
+        </p:txBody>
+      </p:sp>
+    </p:spTree>
+    <p:extLst>
+      <p:ext uri="{BB962C8B-B14F-4D97-AF65-F5344CB8AC3E}">
+        <p14:creationId xmlns:p14="http://schemas.microsoft.com/office/powerpoint/2010/main" val="1059541467"/>
+      </p:ext>
+    </p:extLst>
+  </p:cSld>
+  <p:clrMapOvr>
+    <a:masterClrMapping/>
+  </p:clrMapOvr>
+</p:notes>
+</file>
+
+<file path=ppt/notesSlides/notesSlide11.xml><?xml version="1.0" encoding="utf-8"?>
+<p:notes xmlns:a="http://schemas.openxmlformats.org/drawingml/2006/main" xmlns:r="http://schemas.openxmlformats.org/officeDocument/2006/relationships" xmlns:p="http://schemas.openxmlformats.org/presentationml/2006/main" showMasterSp="0" showMasterPhAnim="0">
+  <p:cSld>
+    <p:spTree>
+      <p:nvGrpSpPr>
+        <p:cNvPr id="1" name="Shape 102"/>
+        <p:cNvGrpSpPr/>
+        <p:nvPr/>
+      </p:nvGrpSpPr>
+      <p:grpSpPr>
+        <a:xfrm>
+          <a:off x="0" y="0"/>
+          <a:ext cx="0" cy="0"/>
+          <a:chOff x="0" y="0"/>
+          <a:chExt cx="0" cy="0"/>
+        </a:xfrm>
+      </p:grpSpPr>
+      <p:sp>
+        <p:nvSpPr>
+          <p:cNvPr id="103" name="Google Shape;103;g12c30a3ea24_0_12:notes"/>
+          <p:cNvSpPr>
+            <a:spLocks noGrp="1" noRot="1" noChangeAspect="1"/>
+          </p:cNvSpPr>
+          <p:nvPr>
+            <p:ph type="sldImg" idx="2"/>
+          </p:nvPr>
+        </p:nvSpPr>
+        <p:spPr>
+          <a:xfrm>
+            <a:off x="1497013" y="1200150"/>
+            <a:ext cx="4321175" cy="3240088"/>
+          </a:xfrm>
+          <a:custGeom>
+            <a:avLst/>
+            <a:gdLst/>
+            <a:ahLst/>
+            <a:cxnLst/>
+            <a:rect l="l" t="t" r="r" b="b"/>
+            <a:pathLst>
+              <a:path w="120000" h="120000" extrusionOk="0">
+                <a:moveTo>
+                  <a:pt x="0" y="0"/>
+                </a:moveTo>
+                <a:lnTo>
+                  <a:pt x="120000" y="0"/>
+                </a:lnTo>
+                <a:lnTo>
+                  <a:pt x="120000" y="120000"/>
+                </a:lnTo>
+                <a:lnTo>
+                  <a:pt x="0" y="120000"/>
+                </a:lnTo>
+                <a:close/>
+              </a:path>
+            </a:pathLst>
+          </a:custGeom>
+          <a:noFill/>
+          <a:ln w="12700" cap="flat" cmpd="sng">
+            <a:solidFill>
+              <a:srgbClr val="000000"/>
+            </a:solidFill>
+            <a:prstDash val="solid"/>
+            <a:round/>
+            <a:headEnd type="none" w="sm" len="sm"/>
+            <a:tailEnd type="none" w="sm" len="sm"/>
+          </a:ln>
+        </p:spPr>
+      </p:sp>
+      <p:sp>
+        <p:nvSpPr>
+          <p:cNvPr id="104" name="Google Shape;104;g12c30a3ea24_0_12:notes"/>
+          <p:cNvSpPr txBox="1">
+            <a:spLocks noGrp="1"/>
+          </p:cNvSpPr>
+          <p:nvPr>
+            <p:ph type="body" idx="1"/>
+          </p:nvPr>
+        </p:nvSpPr>
+        <p:spPr>
+          <a:xfrm>
+            <a:off x="731520" y="4620577"/>
+            <a:ext cx="5852100" cy="3780600"/>
+          </a:xfrm>
+          <a:prstGeom prst="rect">
+            <a:avLst/>
+          </a:prstGeom>
+          <a:noFill/>
+          <a:ln>
+            <a:noFill/>
+          </a:ln>
+        </p:spPr>
+        <p:txBody>
+          <a:bodyPr spcFirstLastPara="1" wrap="square" lIns="96650" tIns="48325" rIns="96650" bIns="48325" anchor="t" anchorCtr="0">
+            <a:noAutofit/>
+          </a:bodyPr>
+          <a:lstStyle/>
+          <a:p>
+            <a:pPr marL="0" lvl="0" indent="0" algn="l" rtl="0">
+              <a:spcBef>
+                <a:spcPts val="0"/>
+              </a:spcBef>
+              <a:spcAft>
+                <a:spcPts val="0"/>
+              </a:spcAft>
+              <a:buNone/>
+            </a:pPr>
+            <a:endParaRPr dirty="0"/>
+          </a:p>
+        </p:txBody>
+      </p:sp>
+    </p:spTree>
+    <p:extLst>
+      <p:ext uri="{BB962C8B-B14F-4D97-AF65-F5344CB8AC3E}">
+        <p14:creationId xmlns:p14="http://schemas.microsoft.com/office/powerpoint/2010/main" val="3473073560"/>
+      </p:ext>
+    </p:extLst>
+  </p:cSld>
+  <p:clrMapOvr>
+    <a:masterClrMapping/>
+  </p:clrMapOvr>
+</p:notes>
+</file>
+
+<file path=ppt/notesSlides/notesSlide12.xml><?xml version="1.0" encoding="utf-8"?>
+<p:notes xmlns:a="http://schemas.openxmlformats.org/drawingml/2006/main" xmlns:r="http://schemas.openxmlformats.org/officeDocument/2006/relationships" xmlns:p="http://schemas.openxmlformats.org/presentationml/2006/main" showMasterSp="0" showMasterPhAnim="0">
+  <p:cSld>
+    <p:spTree>
+      <p:nvGrpSpPr>
+        <p:cNvPr id="1" name="Shape 102"/>
+        <p:cNvGrpSpPr/>
+        <p:nvPr/>
+      </p:nvGrpSpPr>
+      <p:grpSpPr>
+        <a:xfrm>
+          <a:off x="0" y="0"/>
+          <a:ext cx="0" cy="0"/>
+          <a:chOff x="0" y="0"/>
+          <a:chExt cx="0" cy="0"/>
+        </a:xfrm>
+      </p:grpSpPr>
+      <p:sp>
+        <p:nvSpPr>
+          <p:cNvPr id="103" name="Google Shape;103;g12c30a3ea24_0_12:notes"/>
+          <p:cNvSpPr>
+            <a:spLocks noGrp="1" noRot="1" noChangeAspect="1"/>
+          </p:cNvSpPr>
+          <p:nvPr>
+            <p:ph type="sldImg" idx="2"/>
+          </p:nvPr>
+        </p:nvSpPr>
+        <p:spPr>
+          <a:xfrm>
+            <a:off x="1497013" y="1200150"/>
+            <a:ext cx="4321175" cy="3240088"/>
+          </a:xfrm>
+          <a:custGeom>
+            <a:avLst/>
+            <a:gdLst/>
+            <a:ahLst/>
+            <a:cxnLst/>
+            <a:rect l="l" t="t" r="r" b="b"/>
+            <a:pathLst>
+              <a:path w="120000" h="120000" extrusionOk="0">
+                <a:moveTo>
+                  <a:pt x="0" y="0"/>
+                </a:moveTo>
+                <a:lnTo>
+                  <a:pt x="120000" y="0"/>
+                </a:lnTo>
+                <a:lnTo>
+                  <a:pt x="120000" y="120000"/>
+                </a:lnTo>
+                <a:lnTo>
+                  <a:pt x="0" y="120000"/>
+                </a:lnTo>
+                <a:close/>
+              </a:path>
+            </a:pathLst>
+          </a:custGeom>
+          <a:noFill/>
+          <a:ln w="12700" cap="flat" cmpd="sng">
+            <a:solidFill>
+              <a:srgbClr val="000000"/>
+            </a:solidFill>
+            <a:prstDash val="solid"/>
+            <a:round/>
+            <a:headEnd type="none" w="sm" len="sm"/>
+            <a:tailEnd type="none" w="sm" len="sm"/>
+          </a:ln>
+        </p:spPr>
+      </p:sp>
+      <p:sp>
+        <p:nvSpPr>
+          <p:cNvPr id="104" name="Google Shape;104;g12c30a3ea24_0_12:notes"/>
+          <p:cNvSpPr txBox="1">
+            <a:spLocks noGrp="1"/>
+          </p:cNvSpPr>
+          <p:nvPr>
+            <p:ph type="body" idx="1"/>
+          </p:nvPr>
+        </p:nvSpPr>
+        <p:spPr>
+          <a:xfrm>
+            <a:off x="731520" y="4620577"/>
+            <a:ext cx="5852100" cy="3780600"/>
+          </a:xfrm>
+          <a:prstGeom prst="rect">
+            <a:avLst/>
+          </a:prstGeom>
+          <a:noFill/>
+          <a:ln>
+            <a:noFill/>
+          </a:ln>
+        </p:spPr>
+        <p:txBody>
+          <a:bodyPr spcFirstLastPara="1" wrap="square" lIns="96650" tIns="48325" rIns="96650" bIns="48325" anchor="t" anchorCtr="0">
+            <a:noAutofit/>
+          </a:bodyPr>
+          <a:lstStyle/>
+          <a:p>
+            <a:pPr marL="0" lvl="0" indent="0" algn="l" rtl="0">
+              <a:spcBef>
+                <a:spcPts val="0"/>
+              </a:spcBef>
+              <a:spcAft>
+                <a:spcPts val="0"/>
+              </a:spcAft>
+              <a:buNone/>
+            </a:pPr>
+            <a:endParaRPr/>
+          </a:p>
+        </p:txBody>
+      </p:sp>
+    </p:spTree>
+    <p:extLst>
+      <p:ext uri="{BB962C8B-B14F-4D97-AF65-F5344CB8AC3E}">
+        <p14:creationId xmlns:p14="http://schemas.microsoft.com/office/powerpoint/2010/main" val="3230463760"/>
+      </p:ext>
+    </p:extLst>
+  </p:cSld>
+  <p:clrMapOvr>
+    <a:masterClrMapping/>
+  </p:clrMapOvr>
+</p:notes>
+</file>
+
 <file path=ppt/notesSlides/notesSlide2.xml><?xml version="1.0" encoding="utf-8"?>
 <p:notes xmlns:a="http://schemas.openxmlformats.org/drawingml/2006/main" xmlns:r="http://schemas.openxmlformats.org/officeDocument/2006/relationships" xmlns:p="http://schemas.openxmlformats.org/presentationml/2006/main" showMasterSp="0" showMasterPhAnim="0">
   <p:cSld>
@@ -1823,7 +2199,7 @@
   <p:cSld>
     <p:spTree>
       <p:nvGrpSpPr>
-        <p:cNvPr id="1" name="Shape 102"/>
+        <p:cNvPr id="1" name="Shape 95"/>
         <p:cNvGrpSpPr/>
         <p:nvPr/>
       </p:nvGrpSpPr>
@@ -1837,7 +2213,7 @@
       </p:grpSpPr>
       <p:sp>
         <p:nvSpPr>
-          <p:cNvPr id="103" name="Google Shape;103;g12c30a3ea24_0_12:notes"/>
+          <p:cNvPr id="96" name="Google Shape;96;g12c30a3ea24_0_4:notes"/>
           <p:cNvSpPr>
             <a:spLocks noGrp="1" noRot="1" noChangeAspect="1"/>
           </p:cNvSpPr>
@@ -1888,7 +2264,7 @@
       </p:sp>
       <p:sp>
         <p:nvSpPr>
-          <p:cNvPr id="104" name="Google Shape;104;g12c30a3ea24_0_12:notes"/>
+          <p:cNvPr id="97" name="Google Shape;97;g12c30a3ea24_0_4:notes"/>
           <p:cNvSpPr txBox="1">
             <a:spLocks noGrp="1"/>
           </p:cNvSpPr>
@@ -1931,7 +2307,7 @@
     </p:spTree>
     <p:extLst>
       <p:ext uri="{BB962C8B-B14F-4D97-AF65-F5344CB8AC3E}">
-        <p14:creationId xmlns:p14="http://schemas.microsoft.com/office/powerpoint/2010/main" val="781407869"/>
+        <p14:creationId xmlns:p14="http://schemas.microsoft.com/office/powerpoint/2010/main" val="2415424579"/>
       </p:ext>
     </p:extLst>
   </p:cSld>
@@ -2054,7 +2430,7 @@
     </p:spTree>
     <p:extLst>
       <p:ext uri="{BB962C8B-B14F-4D97-AF65-F5344CB8AC3E}">
-        <p14:creationId xmlns:p14="http://schemas.microsoft.com/office/powerpoint/2010/main" val="2152753419"/>
+        <p14:creationId xmlns:p14="http://schemas.microsoft.com/office/powerpoint/2010/main" val="781407869"/>
       </p:ext>
     </p:extLst>
   </p:cSld>
@@ -2177,7 +2553,376 @@
     </p:spTree>
     <p:extLst>
       <p:ext uri="{BB962C8B-B14F-4D97-AF65-F5344CB8AC3E}">
-        <p14:creationId xmlns:p14="http://schemas.microsoft.com/office/powerpoint/2010/main" val="1059541467"/>
+        <p14:creationId xmlns:p14="http://schemas.microsoft.com/office/powerpoint/2010/main" val="1659400185"/>
+      </p:ext>
+    </p:extLst>
+  </p:cSld>
+  <p:clrMapOvr>
+    <a:masterClrMapping/>
+  </p:clrMapOvr>
+</p:notes>
+</file>
+
+<file path=ppt/notesSlides/notesSlide7.xml><?xml version="1.0" encoding="utf-8"?>
+<p:notes xmlns:a="http://schemas.openxmlformats.org/drawingml/2006/main" xmlns:r="http://schemas.openxmlformats.org/officeDocument/2006/relationships" xmlns:p="http://schemas.openxmlformats.org/presentationml/2006/main" showMasterSp="0" showMasterPhAnim="0">
+  <p:cSld>
+    <p:spTree>
+      <p:nvGrpSpPr>
+        <p:cNvPr id="1" name="Shape 102"/>
+        <p:cNvGrpSpPr/>
+        <p:nvPr/>
+      </p:nvGrpSpPr>
+      <p:grpSpPr>
+        <a:xfrm>
+          <a:off x="0" y="0"/>
+          <a:ext cx="0" cy="0"/>
+          <a:chOff x="0" y="0"/>
+          <a:chExt cx="0" cy="0"/>
+        </a:xfrm>
+      </p:grpSpPr>
+      <p:sp>
+        <p:nvSpPr>
+          <p:cNvPr id="103" name="Google Shape;103;g12c30a3ea24_0_12:notes"/>
+          <p:cNvSpPr>
+            <a:spLocks noGrp="1" noRot="1" noChangeAspect="1"/>
+          </p:cNvSpPr>
+          <p:nvPr>
+            <p:ph type="sldImg" idx="2"/>
+          </p:nvPr>
+        </p:nvSpPr>
+        <p:spPr>
+          <a:xfrm>
+            <a:off x="1497013" y="1200150"/>
+            <a:ext cx="4321175" cy="3240088"/>
+          </a:xfrm>
+          <a:custGeom>
+            <a:avLst/>
+            <a:gdLst/>
+            <a:ahLst/>
+            <a:cxnLst/>
+            <a:rect l="l" t="t" r="r" b="b"/>
+            <a:pathLst>
+              <a:path w="120000" h="120000" extrusionOk="0">
+                <a:moveTo>
+                  <a:pt x="0" y="0"/>
+                </a:moveTo>
+                <a:lnTo>
+                  <a:pt x="120000" y="0"/>
+                </a:lnTo>
+                <a:lnTo>
+                  <a:pt x="120000" y="120000"/>
+                </a:lnTo>
+                <a:lnTo>
+                  <a:pt x="0" y="120000"/>
+                </a:lnTo>
+                <a:close/>
+              </a:path>
+            </a:pathLst>
+          </a:custGeom>
+          <a:noFill/>
+          <a:ln w="12700" cap="flat" cmpd="sng">
+            <a:solidFill>
+              <a:srgbClr val="000000"/>
+            </a:solidFill>
+            <a:prstDash val="solid"/>
+            <a:round/>
+            <a:headEnd type="none" w="sm" len="sm"/>
+            <a:tailEnd type="none" w="sm" len="sm"/>
+          </a:ln>
+        </p:spPr>
+      </p:sp>
+      <p:sp>
+        <p:nvSpPr>
+          <p:cNvPr id="104" name="Google Shape;104;g12c30a3ea24_0_12:notes"/>
+          <p:cNvSpPr txBox="1">
+            <a:spLocks noGrp="1"/>
+          </p:cNvSpPr>
+          <p:nvPr>
+            <p:ph type="body" idx="1"/>
+          </p:nvPr>
+        </p:nvSpPr>
+        <p:spPr>
+          <a:xfrm>
+            <a:off x="731520" y="4620577"/>
+            <a:ext cx="5852100" cy="3780600"/>
+          </a:xfrm>
+          <a:prstGeom prst="rect">
+            <a:avLst/>
+          </a:prstGeom>
+          <a:noFill/>
+          <a:ln>
+            <a:noFill/>
+          </a:ln>
+        </p:spPr>
+        <p:txBody>
+          <a:bodyPr spcFirstLastPara="1" wrap="square" lIns="96650" tIns="48325" rIns="96650" bIns="48325" anchor="t" anchorCtr="0">
+            <a:noAutofit/>
+          </a:bodyPr>
+          <a:lstStyle/>
+          <a:p>
+            <a:pPr marL="0" lvl="0" indent="0" algn="l" rtl="0">
+              <a:spcBef>
+                <a:spcPts val="0"/>
+              </a:spcBef>
+              <a:spcAft>
+                <a:spcPts val="0"/>
+              </a:spcAft>
+              <a:buNone/>
+            </a:pPr>
+            <a:endParaRPr/>
+          </a:p>
+        </p:txBody>
+      </p:sp>
+    </p:spTree>
+    <p:extLst>
+      <p:ext uri="{BB962C8B-B14F-4D97-AF65-F5344CB8AC3E}">
+        <p14:creationId xmlns:p14="http://schemas.microsoft.com/office/powerpoint/2010/main" val="2508234853"/>
+      </p:ext>
+    </p:extLst>
+  </p:cSld>
+  <p:clrMapOvr>
+    <a:masterClrMapping/>
+  </p:clrMapOvr>
+</p:notes>
+</file>
+
+<file path=ppt/notesSlides/notesSlide8.xml><?xml version="1.0" encoding="utf-8"?>
+<p:notes xmlns:a="http://schemas.openxmlformats.org/drawingml/2006/main" xmlns:r="http://schemas.openxmlformats.org/officeDocument/2006/relationships" xmlns:p="http://schemas.openxmlformats.org/presentationml/2006/main" showMasterSp="0" showMasterPhAnim="0">
+  <p:cSld>
+    <p:spTree>
+      <p:nvGrpSpPr>
+        <p:cNvPr id="1" name="Shape 102"/>
+        <p:cNvGrpSpPr/>
+        <p:nvPr/>
+      </p:nvGrpSpPr>
+      <p:grpSpPr>
+        <a:xfrm>
+          <a:off x="0" y="0"/>
+          <a:ext cx="0" cy="0"/>
+          <a:chOff x="0" y="0"/>
+          <a:chExt cx="0" cy="0"/>
+        </a:xfrm>
+      </p:grpSpPr>
+      <p:sp>
+        <p:nvSpPr>
+          <p:cNvPr id="103" name="Google Shape;103;g12c30a3ea24_0_12:notes"/>
+          <p:cNvSpPr>
+            <a:spLocks noGrp="1" noRot="1" noChangeAspect="1"/>
+          </p:cNvSpPr>
+          <p:nvPr>
+            <p:ph type="sldImg" idx="2"/>
+          </p:nvPr>
+        </p:nvSpPr>
+        <p:spPr>
+          <a:xfrm>
+            <a:off x="1497013" y="1200150"/>
+            <a:ext cx="4321175" cy="3240088"/>
+          </a:xfrm>
+          <a:custGeom>
+            <a:avLst/>
+            <a:gdLst/>
+            <a:ahLst/>
+            <a:cxnLst/>
+            <a:rect l="l" t="t" r="r" b="b"/>
+            <a:pathLst>
+              <a:path w="120000" h="120000" extrusionOk="0">
+                <a:moveTo>
+                  <a:pt x="0" y="0"/>
+                </a:moveTo>
+                <a:lnTo>
+                  <a:pt x="120000" y="0"/>
+                </a:lnTo>
+                <a:lnTo>
+                  <a:pt x="120000" y="120000"/>
+                </a:lnTo>
+                <a:lnTo>
+                  <a:pt x="0" y="120000"/>
+                </a:lnTo>
+                <a:close/>
+              </a:path>
+            </a:pathLst>
+          </a:custGeom>
+          <a:noFill/>
+          <a:ln w="12700" cap="flat" cmpd="sng">
+            <a:solidFill>
+              <a:srgbClr val="000000"/>
+            </a:solidFill>
+            <a:prstDash val="solid"/>
+            <a:round/>
+            <a:headEnd type="none" w="sm" len="sm"/>
+            <a:tailEnd type="none" w="sm" len="sm"/>
+          </a:ln>
+        </p:spPr>
+      </p:sp>
+      <p:sp>
+        <p:nvSpPr>
+          <p:cNvPr id="104" name="Google Shape;104;g12c30a3ea24_0_12:notes"/>
+          <p:cNvSpPr txBox="1">
+            <a:spLocks noGrp="1"/>
+          </p:cNvSpPr>
+          <p:nvPr>
+            <p:ph type="body" idx="1"/>
+          </p:nvPr>
+        </p:nvSpPr>
+        <p:spPr>
+          <a:xfrm>
+            <a:off x="731520" y="4620577"/>
+            <a:ext cx="5852100" cy="3780600"/>
+          </a:xfrm>
+          <a:prstGeom prst="rect">
+            <a:avLst/>
+          </a:prstGeom>
+          <a:noFill/>
+          <a:ln>
+            <a:noFill/>
+          </a:ln>
+        </p:spPr>
+        <p:txBody>
+          <a:bodyPr spcFirstLastPara="1" wrap="square" lIns="96650" tIns="48325" rIns="96650" bIns="48325" anchor="t" anchorCtr="0">
+            <a:noAutofit/>
+          </a:bodyPr>
+          <a:lstStyle/>
+          <a:p>
+            <a:pPr marL="0" lvl="0" indent="0" algn="l" rtl="0">
+              <a:spcBef>
+                <a:spcPts val="0"/>
+              </a:spcBef>
+              <a:spcAft>
+                <a:spcPts val="0"/>
+              </a:spcAft>
+              <a:buNone/>
+            </a:pPr>
+            <a:endParaRPr/>
+          </a:p>
+        </p:txBody>
+      </p:sp>
+    </p:spTree>
+    <p:extLst>
+      <p:ext uri="{BB962C8B-B14F-4D97-AF65-F5344CB8AC3E}">
+        <p14:creationId xmlns:p14="http://schemas.microsoft.com/office/powerpoint/2010/main" val="1165996608"/>
+      </p:ext>
+    </p:extLst>
+  </p:cSld>
+  <p:clrMapOvr>
+    <a:masterClrMapping/>
+  </p:clrMapOvr>
+</p:notes>
+</file>
+
+<file path=ppt/notesSlides/notesSlide9.xml><?xml version="1.0" encoding="utf-8"?>
+<p:notes xmlns:a="http://schemas.openxmlformats.org/drawingml/2006/main" xmlns:r="http://schemas.openxmlformats.org/officeDocument/2006/relationships" xmlns:p="http://schemas.openxmlformats.org/presentationml/2006/main" showMasterSp="0" showMasterPhAnim="0">
+  <p:cSld>
+    <p:spTree>
+      <p:nvGrpSpPr>
+        <p:cNvPr id="1" name="Shape 102"/>
+        <p:cNvGrpSpPr/>
+        <p:nvPr/>
+      </p:nvGrpSpPr>
+      <p:grpSpPr>
+        <a:xfrm>
+          <a:off x="0" y="0"/>
+          <a:ext cx="0" cy="0"/>
+          <a:chOff x="0" y="0"/>
+          <a:chExt cx="0" cy="0"/>
+        </a:xfrm>
+      </p:grpSpPr>
+      <p:sp>
+        <p:nvSpPr>
+          <p:cNvPr id="103" name="Google Shape;103;g12c30a3ea24_0_12:notes"/>
+          <p:cNvSpPr>
+            <a:spLocks noGrp="1" noRot="1" noChangeAspect="1"/>
+          </p:cNvSpPr>
+          <p:nvPr>
+            <p:ph type="sldImg" idx="2"/>
+          </p:nvPr>
+        </p:nvSpPr>
+        <p:spPr>
+          <a:xfrm>
+            <a:off x="1497013" y="1200150"/>
+            <a:ext cx="4321175" cy="3240088"/>
+          </a:xfrm>
+          <a:custGeom>
+            <a:avLst/>
+            <a:gdLst/>
+            <a:ahLst/>
+            <a:cxnLst/>
+            <a:rect l="l" t="t" r="r" b="b"/>
+            <a:pathLst>
+              <a:path w="120000" h="120000" extrusionOk="0">
+                <a:moveTo>
+                  <a:pt x="0" y="0"/>
+                </a:moveTo>
+                <a:lnTo>
+                  <a:pt x="120000" y="0"/>
+                </a:lnTo>
+                <a:lnTo>
+                  <a:pt x="120000" y="120000"/>
+                </a:lnTo>
+                <a:lnTo>
+                  <a:pt x="0" y="120000"/>
+                </a:lnTo>
+                <a:close/>
+              </a:path>
+            </a:pathLst>
+          </a:custGeom>
+          <a:noFill/>
+          <a:ln w="12700" cap="flat" cmpd="sng">
+            <a:solidFill>
+              <a:srgbClr val="000000"/>
+            </a:solidFill>
+            <a:prstDash val="solid"/>
+            <a:round/>
+            <a:headEnd type="none" w="sm" len="sm"/>
+            <a:tailEnd type="none" w="sm" len="sm"/>
+          </a:ln>
+        </p:spPr>
+      </p:sp>
+      <p:sp>
+        <p:nvSpPr>
+          <p:cNvPr id="104" name="Google Shape;104;g12c30a3ea24_0_12:notes"/>
+          <p:cNvSpPr txBox="1">
+            <a:spLocks noGrp="1"/>
+          </p:cNvSpPr>
+          <p:nvPr>
+            <p:ph type="body" idx="1"/>
+          </p:nvPr>
+        </p:nvSpPr>
+        <p:spPr>
+          <a:xfrm>
+            <a:off x="731520" y="4620577"/>
+            <a:ext cx="5852100" cy="3780600"/>
+          </a:xfrm>
+          <a:prstGeom prst="rect">
+            <a:avLst/>
+          </a:prstGeom>
+          <a:noFill/>
+          <a:ln>
+            <a:noFill/>
+          </a:ln>
+        </p:spPr>
+        <p:txBody>
+          <a:bodyPr spcFirstLastPara="1" wrap="square" lIns="96650" tIns="48325" rIns="96650" bIns="48325" anchor="t" anchorCtr="0">
+            <a:noAutofit/>
+          </a:bodyPr>
+          <a:lstStyle/>
+          <a:p>
+            <a:pPr marL="0" lvl="0" indent="0" algn="l" rtl="0">
+              <a:spcBef>
+                <a:spcPts val="0"/>
+              </a:spcBef>
+              <a:spcAft>
+                <a:spcPts val="0"/>
+              </a:spcAft>
+              <a:buNone/>
+            </a:pPr>
+            <a:endParaRPr/>
+          </a:p>
+        </p:txBody>
+      </p:sp>
+    </p:spTree>
+    <p:extLst>
+      <p:ext uri="{BB962C8B-B14F-4D97-AF65-F5344CB8AC3E}">
+        <p14:creationId xmlns:p14="http://schemas.microsoft.com/office/powerpoint/2010/main" val="2152753419"/>
       </p:ext>
     </p:extLst>
   </p:cSld>
@@ -12544,6 +13289,2496 @@
 </p:sld>
 </file>
 
+<file path=ppt/slides/slide10.xml><?xml version="1.0" encoding="utf-8"?>
+<p:sld xmlns:a="http://schemas.openxmlformats.org/drawingml/2006/main" xmlns:r="http://schemas.openxmlformats.org/officeDocument/2006/relationships" xmlns:p="http://schemas.openxmlformats.org/presentationml/2006/main">
+  <p:cSld>
+    <p:spTree>
+      <p:nvGrpSpPr>
+        <p:cNvPr id="1" name="Shape 105"/>
+        <p:cNvGrpSpPr/>
+        <p:nvPr/>
+      </p:nvGrpSpPr>
+      <p:grpSpPr>
+        <a:xfrm>
+          <a:off x="0" y="0"/>
+          <a:ext cx="0" cy="0"/>
+          <a:chOff x="0" y="0"/>
+          <a:chExt cx="0" cy="0"/>
+        </a:xfrm>
+      </p:grpSpPr>
+      <p:sp>
+        <p:nvSpPr>
+          <p:cNvPr id="106" name="Google Shape;106;g12c30a3ea24_0_12"/>
+          <p:cNvSpPr/>
+          <p:nvPr/>
+        </p:nvSpPr>
+        <p:spPr>
+          <a:xfrm>
+            <a:off x="386308" y="147496"/>
+            <a:ext cx="7757400" cy="554100"/>
+          </a:xfrm>
+          <a:prstGeom prst="rect">
+            <a:avLst/>
+          </a:prstGeom>
+          <a:noFill/>
+          <a:ln>
+            <a:noFill/>
+          </a:ln>
+        </p:spPr>
+        <p:txBody>
+          <a:bodyPr spcFirstLastPara="1" wrap="square" lIns="45700" tIns="45700" rIns="45700" bIns="45700" anchor="t" anchorCtr="0">
+            <a:noAutofit/>
+          </a:bodyPr>
+          <a:lstStyle/>
+          <a:p>
+            <a:pPr marL="0" marR="0" lvl="0" indent="0" algn="l" rtl="0">
+              <a:spcBef>
+                <a:spcPts val="0"/>
+              </a:spcBef>
+              <a:spcAft>
+                <a:spcPts val="0"/>
+              </a:spcAft>
+              <a:buNone/>
+            </a:pPr>
+            <a:r>
+              <a:rPr lang="en-US" sz="3000" b="1" dirty="0">
+                <a:solidFill>
+                  <a:srgbClr val="57068C"/>
+                </a:solidFill>
+                <a:latin typeface="Montserrat"/>
+                <a:ea typeface="Montserrat"/>
+                <a:cs typeface="Montserrat"/>
+                <a:sym typeface="Montserrat"/>
+              </a:rPr>
+              <a:t>Defining windows for aggregate </a:t>
+            </a:r>
+            <a:endParaRPr dirty="0">
+              <a:solidFill>
+                <a:srgbClr val="57068C"/>
+              </a:solidFill>
+              <a:latin typeface="Montserrat"/>
+              <a:ea typeface="Montserrat"/>
+              <a:cs typeface="Montserrat"/>
+              <a:sym typeface="Montserrat"/>
+            </a:endParaRPr>
+          </a:p>
+        </p:txBody>
+      </p:sp>
+      <p:sp>
+        <p:nvSpPr>
+          <p:cNvPr id="107" name="Google Shape;107;g12c30a3ea24_0_12"/>
+          <p:cNvSpPr/>
+          <p:nvPr/>
+        </p:nvSpPr>
+        <p:spPr>
+          <a:xfrm>
+            <a:off x="469900" y="1282700"/>
+            <a:ext cx="8204100" cy="307800"/>
+          </a:xfrm>
+          <a:prstGeom prst="rect">
+            <a:avLst/>
+          </a:prstGeom>
+          <a:noFill/>
+          <a:ln>
+            <a:noFill/>
+          </a:ln>
+        </p:spPr>
+        <p:txBody>
+          <a:bodyPr spcFirstLastPara="1" wrap="square" lIns="0" tIns="0" rIns="0" bIns="0" anchor="t" anchorCtr="0">
+            <a:noAutofit/>
+          </a:bodyPr>
+          <a:lstStyle/>
+          <a:p>
+            <a:pPr marL="0" marR="0" lvl="0" indent="0" algn="l" rtl="0">
+              <a:spcBef>
+                <a:spcPts val="0"/>
+              </a:spcBef>
+              <a:spcAft>
+                <a:spcPts val="0"/>
+              </a:spcAft>
+              <a:buNone/>
+            </a:pPr>
+            <a:endParaRPr sz="2000">
+              <a:solidFill>
+                <a:schemeClr val="dk1"/>
+              </a:solidFill>
+              <a:latin typeface="Arimo"/>
+              <a:ea typeface="Arimo"/>
+              <a:cs typeface="Arimo"/>
+              <a:sym typeface="Arimo"/>
+            </a:endParaRPr>
+          </a:p>
+        </p:txBody>
+      </p:sp>
+      <p:sp>
+        <p:nvSpPr>
+          <p:cNvPr id="2" name="Google Shape;141;p4">
+            <a:extLst>
+              <a:ext uri="{FF2B5EF4-FFF2-40B4-BE49-F238E27FC236}">
+                <a16:creationId xmlns:a16="http://schemas.microsoft.com/office/drawing/2014/main" id="{8B06E7CF-C43C-7C4B-A7B6-8CE05D935D85}"/>
+              </a:ext>
+            </a:extLst>
+          </p:cNvPr>
+          <p:cNvSpPr txBox="1"/>
+          <p:nvPr/>
+        </p:nvSpPr>
+        <p:spPr>
+          <a:xfrm>
+            <a:off x="529118" y="1376737"/>
+            <a:ext cx="8492333" cy="5355272"/>
+          </a:xfrm>
+          <a:prstGeom prst="rect">
+            <a:avLst/>
+          </a:prstGeom>
+          <a:noFill/>
+          <a:ln>
+            <a:noFill/>
+          </a:ln>
+        </p:spPr>
+        <p:txBody>
+          <a:bodyPr spcFirstLastPara="1" wrap="square" lIns="91425" tIns="45700" rIns="91425" bIns="45700" anchor="t" anchorCtr="0">
+            <a:spAutoFit/>
+          </a:bodyPr>
+          <a:lstStyle/>
+          <a:p>
+            <a:pPr marL="0" marR="0" lvl="0" indent="0" algn="l" rtl="0">
+              <a:spcBef>
+                <a:spcPts val="0"/>
+              </a:spcBef>
+              <a:spcAft>
+                <a:spcPts val="0"/>
+              </a:spcAft>
+              <a:buNone/>
+            </a:pPr>
+            <a:r>
+              <a:rPr lang="en-US" sz="1800" dirty="0">
+                <a:solidFill>
+                  <a:schemeClr val="dk1"/>
+                </a:solidFill>
+                <a:latin typeface="Montserrat"/>
+                <a:ea typeface="Montserrat"/>
+                <a:cs typeface="Montserrat"/>
+                <a:sym typeface="Montserrat"/>
+              </a:rPr>
+              <a:t>SELECT *,</a:t>
+            </a:r>
+          </a:p>
+          <a:p>
+            <a:pPr marL="0" marR="0" lvl="0" indent="0" algn="l" rtl="0">
+              <a:spcBef>
+                <a:spcPts val="0"/>
+              </a:spcBef>
+              <a:spcAft>
+                <a:spcPts val="0"/>
+              </a:spcAft>
+              <a:buNone/>
+            </a:pPr>
+            <a:r>
+              <a:rPr lang="en-US" sz="1800" dirty="0">
+                <a:solidFill>
+                  <a:schemeClr val="dk1"/>
+                </a:solidFill>
+                <a:latin typeface="Montserrat"/>
+                <a:ea typeface="Montserrat"/>
+                <a:cs typeface="Montserrat"/>
+                <a:sym typeface="Montserrat"/>
+              </a:rPr>
+              <a:t>	AVG(</a:t>
+            </a:r>
+            <a:r>
+              <a:rPr lang="en-US" sz="1800" dirty="0" err="1">
+                <a:solidFill>
+                  <a:schemeClr val="dk1"/>
+                </a:solidFill>
+                <a:latin typeface="Montserrat"/>
+                <a:ea typeface="Montserrat"/>
+                <a:cs typeface="Montserrat"/>
+                <a:sym typeface="Montserrat"/>
+              </a:rPr>
+              <a:t>fare_per_mile</a:t>
+            </a:r>
+            <a:r>
+              <a:rPr lang="en-US" sz="1800" dirty="0">
+                <a:solidFill>
+                  <a:schemeClr val="dk1"/>
+                </a:solidFill>
+                <a:latin typeface="Montserrat"/>
+                <a:ea typeface="Montserrat"/>
+                <a:cs typeface="Montserrat"/>
+                <a:sym typeface="Montserrat"/>
+              </a:rPr>
+              <a:t>) OVER () AS </a:t>
+            </a:r>
+            <a:r>
+              <a:rPr lang="en-US" sz="1800" dirty="0" err="1">
+                <a:solidFill>
+                  <a:schemeClr val="dk1"/>
+                </a:solidFill>
+                <a:latin typeface="Montserrat"/>
+                <a:ea typeface="Montserrat"/>
+                <a:cs typeface="Montserrat"/>
+                <a:sym typeface="Montserrat"/>
+              </a:rPr>
+              <a:t>overall_avg</a:t>
+            </a:r>
+            <a:r>
+              <a:rPr lang="en-US" sz="1800" dirty="0">
+                <a:solidFill>
+                  <a:schemeClr val="dk1"/>
+                </a:solidFill>
+                <a:latin typeface="Montserrat"/>
+                <a:ea typeface="Montserrat"/>
+                <a:cs typeface="Montserrat"/>
+                <a:sym typeface="Montserrat"/>
+              </a:rPr>
+              <a:t>,</a:t>
+            </a:r>
+          </a:p>
+          <a:p>
+            <a:pPr marL="0" marR="0" lvl="0" indent="0" algn="l" rtl="0">
+              <a:spcBef>
+                <a:spcPts val="0"/>
+              </a:spcBef>
+              <a:spcAft>
+                <a:spcPts val="0"/>
+              </a:spcAft>
+              <a:buNone/>
+            </a:pPr>
+            <a:r>
+              <a:rPr lang="en-US" sz="1800" dirty="0">
+                <a:solidFill>
+                  <a:schemeClr val="dk1"/>
+                </a:solidFill>
+                <a:latin typeface="Montserrat"/>
+                <a:ea typeface="Montserrat"/>
+                <a:cs typeface="Montserrat"/>
+                <a:sym typeface="Montserrat"/>
+              </a:rPr>
+              <a:t>	AVG(</a:t>
+            </a:r>
+            <a:r>
+              <a:rPr lang="en-US" sz="1800" dirty="0" err="1">
+                <a:solidFill>
+                  <a:schemeClr val="dk1"/>
+                </a:solidFill>
+                <a:latin typeface="Montserrat"/>
+                <a:ea typeface="Montserrat"/>
+                <a:cs typeface="Montserrat"/>
+                <a:sym typeface="Montserrat"/>
+              </a:rPr>
+              <a:t>fare_per_mile</a:t>
+            </a:r>
+            <a:r>
+              <a:rPr lang="en-US" sz="1800" dirty="0">
+                <a:solidFill>
+                  <a:schemeClr val="dk1"/>
+                </a:solidFill>
+                <a:latin typeface="Montserrat"/>
+                <a:ea typeface="Montserrat"/>
+                <a:cs typeface="Montserrat"/>
+                <a:sym typeface="Montserrat"/>
+              </a:rPr>
+              <a:t>) OVER (PARTITION BY origin) AS </a:t>
+            </a:r>
+            <a:r>
+              <a:rPr lang="en-US" sz="1800" dirty="0" err="1">
+                <a:solidFill>
+                  <a:schemeClr val="dk1"/>
+                </a:solidFill>
+                <a:latin typeface="Montserrat"/>
+                <a:ea typeface="Montserrat"/>
+                <a:cs typeface="Montserrat"/>
+                <a:sym typeface="Montserrat"/>
+              </a:rPr>
+              <a:t>origin_avg</a:t>
+            </a:r>
+            <a:r>
+              <a:rPr lang="en-US" sz="1800" dirty="0">
+                <a:solidFill>
+                  <a:schemeClr val="dk1"/>
+                </a:solidFill>
+                <a:latin typeface="Montserrat"/>
+                <a:ea typeface="Montserrat"/>
+                <a:cs typeface="Montserrat"/>
+                <a:sym typeface="Montserrat"/>
+              </a:rPr>
+              <a:t>,</a:t>
+            </a:r>
+          </a:p>
+          <a:p>
+            <a:pPr marL="0" marR="0" lvl="0" indent="0" algn="l" rtl="0">
+              <a:spcBef>
+                <a:spcPts val="0"/>
+              </a:spcBef>
+              <a:spcAft>
+                <a:spcPts val="0"/>
+              </a:spcAft>
+              <a:buNone/>
+            </a:pPr>
+            <a:r>
+              <a:rPr lang="en-US" sz="1800" dirty="0">
+                <a:solidFill>
+                  <a:schemeClr val="dk1"/>
+                </a:solidFill>
+                <a:latin typeface="Montserrat"/>
+                <a:ea typeface="Montserrat"/>
+                <a:cs typeface="Montserrat"/>
+                <a:sym typeface="Montserrat"/>
+              </a:rPr>
+              <a:t>	AVG(</a:t>
+            </a:r>
+            <a:r>
+              <a:rPr lang="en-US" sz="1800" dirty="0" err="1">
+                <a:solidFill>
+                  <a:schemeClr val="dk1"/>
+                </a:solidFill>
+                <a:latin typeface="Montserrat"/>
+                <a:ea typeface="Montserrat"/>
+                <a:cs typeface="Montserrat"/>
+                <a:sym typeface="Montserrat"/>
+              </a:rPr>
+              <a:t>fare_per_mile</a:t>
+            </a:r>
+            <a:r>
+              <a:rPr lang="en-US" sz="1800" dirty="0">
+                <a:solidFill>
+                  <a:schemeClr val="dk1"/>
+                </a:solidFill>
+                <a:latin typeface="Montserrat"/>
+                <a:ea typeface="Montserrat"/>
+                <a:cs typeface="Montserrat"/>
+                <a:sym typeface="Montserrat"/>
+              </a:rPr>
+              <a:t>) OVER (PARTITION BY </a:t>
+            </a:r>
+            <a:r>
+              <a:rPr lang="en-US" sz="1800" dirty="0" err="1">
+                <a:solidFill>
+                  <a:schemeClr val="dk1"/>
+                </a:solidFill>
+                <a:latin typeface="Montserrat"/>
+                <a:ea typeface="Montserrat"/>
+                <a:cs typeface="Montserrat"/>
+                <a:sym typeface="Montserrat"/>
+              </a:rPr>
+              <a:t>dest</a:t>
+            </a:r>
+            <a:r>
+              <a:rPr lang="en-US" sz="1800" dirty="0">
+                <a:solidFill>
+                  <a:schemeClr val="dk1"/>
+                </a:solidFill>
+                <a:latin typeface="Montserrat"/>
+                <a:ea typeface="Montserrat"/>
+                <a:cs typeface="Montserrat"/>
+                <a:sym typeface="Montserrat"/>
+              </a:rPr>
+              <a:t>) AS </a:t>
+            </a:r>
+            <a:r>
+              <a:rPr lang="en-US" sz="1800" dirty="0" err="1">
+                <a:solidFill>
+                  <a:schemeClr val="dk1"/>
+                </a:solidFill>
+                <a:latin typeface="Montserrat"/>
+                <a:ea typeface="Montserrat"/>
+                <a:cs typeface="Montserrat"/>
+                <a:sym typeface="Montserrat"/>
+              </a:rPr>
+              <a:t>dest_avg</a:t>
+            </a:r>
+            <a:r>
+              <a:rPr lang="en-US" sz="1800" dirty="0">
+                <a:solidFill>
+                  <a:schemeClr val="dk1"/>
+                </a:solidFill>
+                <a:latin typeface="Montserrat"/>
+                <a:ea typeface="Montserrat"/>
+                <a:cs typeface="Montserrat"/>
+                <a:sym typeface="Montserrat"/>
+              </a:rPr>
+              <a:t>,</a:t>
+            </a:r>
+          </a:p>
+          <a:p>
+            <a:pPr marL="0" marR="0" lvl="0" indent="0" algn="l" rtl="0">
+              <a:spcBef>
+                <a:spcPts val="0"/>
+              </a:spcBef>
+              <a:spcAft>
+                <a:spcPts val="0"/>
+              </a:spcAft>
+              <a:buNone/>
+            </a:pPr>
+            <a:r>
+              <a:rPr lang="en-US" sz="1800" dirty="0">
+                <a:solidFill>
+                  <a:schemeClr val="dk1"/>
+                </a:solidFill>
+                <a:latin typeface="Montserrat"/>
+                <a:ea typeface="Montserrat"/>
+                <a:cs typeface="Montserrat"/>
+                <a:sym typeface="Montserrat"/>
+              </a:rPr>
+              <a:t>	AVG(</a:t>
+            </a:r>
+            <a:r>
+              <a:rPr lang="en-US" sz="1800" dirty="0" err="1">
+                <a:solidFill>
+                  <a:schemeClr val="dk1"/>
+                </a:solidFill>
+                <a:latin typeface="Montserrat"/>
+                <a:ea typeface="Montserrat"/>
+                <a:cs typeface="Montserrat"/>
+                <a:sym typeface="Montserrat"/>
+              </a:rPr>
+              <a:t>fare_per_mile</a:t>
+            </a:r>
+            <a:r>
+              <a:rPr lang="en-US" sz="1800" dirty="0">
+                <a:solidFill>
+                  <a:schemeClr val="dk1"/>
+                </a:solidFill>
+                <a:latin typeface="Montserrat"/>
+                <a:ea typeface="Montserrat"/>
+                <a:cs typeface="Montserrat"/>
+                <a:sym typeface="Montserrat"/>
+              </a:rPr>
+              <a:t>) OVER (PARTITION BY carrier) AS </a:t>
+            </a:r>
+            <a:r>
+              <a:rPr lang="en-US" sz="1800" dirty="0" err="1">
+                <a:solidFill>
+                  <a:schemeClr val="dk1"/>
+                </a:solidFill>
+                <a:latin typeface="Montserrat"/>
+                <a:ea typeface="Montserrat"/>
+                <a:cs typeface="Montserrat"/>
+                <a:sym typeface="Montserrat"/>
+              </a:rPr>
+              <a:t>carrier_avg</a:t>
+            </a:r>
+            <a:endParaRPr lang="en-US" sz="1800" dirty="0">
+              <a:solidFill>
+                <a:schemeClr val="dk1"/>
+              </a:solidFill>
+              <a:latin typeface="Montserrat"/>
+              <a:ea typeface="Montserrat"/>
+              <a:cs typeface="Montserrat"/>
+              <a:sym typeface="Montserrat"/>
+            </a:endParaRPr>
+          </a:p>
+          <a:p>
+            <a:pPr marL="0" marR="0" lvl="0" indent="0" algn="l" rtl="0">
+              <a:spcBef>
+                <a:spcPts val="0"/>
+              </a:spcBef>
+              <a:spcAft>
+                <a:spcPts val="0"/>
+              </a:spcAft>
+              <a:buNone/>
+            </a:pPr>
+            <a:r>
+              <a:rPr lang="en-US" sz="1800" dirty="0">
+                <a:solidFill>
+                  <a:schemeClr val="dk1"/>
+                </a:solidFill>
+                <a:latin typeface="Montserrat"/>
+                <a:ea typeface="Montserrat"/>
+                <a:cs typeface="Montserrat"/>
+                <a:sym typeface="Montserrat"/>
+              </a:rPr>
+              <a:t>FROM </a:t>
+            </a:r>
+            <a:r>
+              <a:rPr lang="en-US" sz="1800" dirty="0" err="1">
+                <a:solidFill>
+                  <a:schemeClr val="dk1"/>
+                </a:solidFill>
+                <a:latin typeface="Montserrat"/>
+                <a:ea typeface="Montserrat"/>
+                <a:cs typeface="Montserrat"/>
+                <a:sym typeface="Montserrat"/>
+              </a:rPr>
+              <a:t>flights.m_ticket_prices</a:t>
+            </a:r>
+            <a:r>
+              <a:rPr lang="en-US" sz="1800" dirty="0">
+                <a:solidFill>
+                  <a:schemeClr val="dk1"/>
+                </a:solidFill>
+                <a:latin typeface="Montserrat"/>
+                <a:ea typeface="Montserrat"/>
+                <a:cs typeface="Montserrat"/>
+                <a:sym typeface="Montserrat"/>
+              </a:rPr>
+              <a:t>;</a:t>
+            </a:r>
+            <a:endParaRPr sz="1800" dirty="0">
+              <a:solidFill>
+                <a:schemeClr val="dk1"/>
+              </a:solidFill>
+              <a:latin typeface="Montserrat"/>
+              <a:ea typeface="Montserrat"/>
+              <a:cs typeface="Montserrat"/>
+              <a:sym typeface="Montserrat"/>
+            </a:endParaRPr>
+          </a:p>
+          <a:p>
+            <a:pPr marL="457200" marR="0" lvl="1" indent="0" algn="l" rtl="0">
+              <a:spcBef>
+                <a:spcPts val="0"/>
+              </a:spcBef>
+              <a:spcAft>
+                <a:spcPts val="0"/>
+              </a:spcAft>
+              <a:buNone/>
+            </a:pPr>
+            <a:endParaRPr lang="en-US" sz="1800" b="1" dirty="0">
+              <a:solidFill>
+                <a:schemeClr val="tx1">
+                  <a:lumMod val="95000"/>
+                  <a:lumOff val="5000"/>
+                </a:schemeClr>
+              </a:solidFill>
+              <a:latin typeface="Montserrat"/>
+              <a:ea typeface="Montserrat"/>
+              <a:cs typeface="Montserrat"/>
+              <a:sym typeface="Montserrat"/>
+            </a:endParaRPr>
+          </a:p>
+          <a:p>
+            <a:pPr marL="457200" marR="0" lvl="1" indent="0" algn="l" rtl="0">
+              <a:spcBef>
+                <a:spcPts val="0"/>
+              </a:spcBef>
+              <a:spcAft>
+                <a:spcPts val="0"/>
+              </a:spcAft>
+              <a:buNone/>
+            </a:pPr>
+            <a:endParaRPr sz="1800" i="0" u="none" strike="noStrike" cap="none" dirty="0">
+              <a:solidFill>
+                <a:schemeClr val="dk1"/>
+              </a:solidFill>
+              <a:latin typeface="Montserrat"/>
+              <a:ea typeface="Montserrat"/>
+              <a:cs typeface="Montserrat"/>
+              <a:sym typeface="Montserrat"/>
+            </a:endParaRPr>
+          </a:p>
+          <a:p>
+            <a:pPr marL="0" marR="0" lvl="0" indent="0" algn="l" rtl="0">
+              <a:spcBef>
+                <a:spcPts val="0"/>
+              </a:spcBef>
+              <a:spcAft>
+                <a:spcPts val="0"/>
+              </a:spcAft>
+              <a:buNone/>
+            </a:pPr>
+            <a:r>
+              <a:rPr lang="en-US" sz="1800" b="1" dirty="0">
+                <a:solidFill>
+                  <a:srgbClr val="C00000"/>
+                </a:solidFill>
+                <a:latin typeface="Montserrat"/>
+                <a:ea typeface="Montserrat"/>
+                <a:cs typeface="Montserrat"/>
+                <a:sym typeface="Montserrat"/>
+              </a:rPr>
+              <a:t>AVG(</a:t>
+            </a:r>
+            <a:r>
+              <a:rPr lang="en-US" sz="1800" b="1" dirty="0" err="1">
+                <a:solidFill>
+                  <a:srgbClr val="C00000"/>
+                </a:solidFill>
+                <a:latin typeface="Montserrat"/>
+                <a:ea typeface="Montserrat"/>
+                <a:cs typeface="Montserrat"/>
+                <a:sym typeface="Montserrat"/>
+              </a:rPr>
+              <a:t>fare_per_mile</a:t>
+            </a:r>
+            <a:r>
+              <a:rPr lang="en-US" sz="1800" b="1" dirty="0">
+                <a:solidFill>
+                  <a:srgbClr val="C00000"/>
+                </a:solidFill>
+                <a:latin typeface="Montserrat"/>
+                <a:ea typeface="Montserrat"/>
+                <a:cs typeface="Montserrat"/>
+                <a:sym typeface="Montserrat"/>
+              </a:rPr>
+              <a:t>): </a:t>
+            </a:r>
+            <a:r>
+              <a:rPr lang="en-US" sz="1800" i="1" dirty="0">
+                <a:solidFill>
+                  <a:srgbClr val="C00000"/>
+                </a:solidFill>
+                <a:latin typeface="Montserrat"/>
+                <a:ea typeface="Montserrat"/>
+                <a:cs typeface="Montserrat"/>
+                <a:sym typeface="Montserrat"/>
+              </a:rPr>
+              <a:t>the function calculated</a:t>
+            </a:r>
+            <a:br>
+              <a:rPr lang="en-US" sz="1800" i="1" dirty="0">
+                <a:solidFill>
+                  <a:srgbClr val="C00000"/>
+                </a:solidFill>
+                <a:latin typeface="Montserrat"/>
+                <a:ea typeface="Montserrat"/>
+                <a:cs typeface="Montserrat"/>
+                <a:sym typeface="Montserrat"/>
+              </a:rPr>
+            </a:br>
+            <a:r>
+              <a:rPr lang="en-US" sz="1800" b="1" dirty="0">
+                <a:solidFill>
+                  <a:srgbClr val="7030A0"/>
+                </a:solidFill>
+                <a:latin typeface="Montserrat"/>
+                <a:ea typeface="Montserrat"/>
+                <a:cs typeface="Montserrat"/>
+                <a:sym typeface="Montserrat"/>
+              </a:rPr>
+              <a:t>OVER (): </a:t>
+            </a:r>
+            <a:r>
+              <a:rPr lang="en-US" sz="1800" i="1" dirty="0">
+                <a:solidFill>
+                  <a:srgbClr val="7030A0"/>
+                </a:solidFill>
+                <a:latin typeface="Montserrat"/>
+                <a:ea typeface="Montserrat"/>
+                <a:cs typeface="Montserrat"/>
+                <a:sym typeface="Montserrat"/>
+              </a:rPr>
+              <a:t>the window (in this case, the avg fare over all entries)</a:t>
+            </a:r>
+          </a:p>
+          <a:p>
+            <a:pPr marL="0" marR="0" lvl="0" indent="0" algn="l" rtl="0">
+              <a:spcBef>
+                <a:spcPts val="0"/>
+              </a:spcBef>
+              <a:spcAft>
+                <a:spcPts val="0"/>
+              </a:spcAft>
+              <a:buNone/>
+            </a:pPr>
+            <a:r>
+              <a:rPr lang="en-US" sz="1800" b="1" dirty="0">
+                <a:solidFill>
+                  <a:srgbClr val="7030A0"/>
+                </a:solidFill>
+                <a:latin typeface="Montserrat"/>
+                <a:ea typeface="Montserrat"/>
+                <a:cs typeface="Montserrat"/>
+                <a:sym typeface="Montserrat"/>
+              </a:rPr>
+              <a:t>OVER (PARTITION BY origin):</a:t>
+            </a:r>
+            <a:r>
+              <a:rPr lang="en-US" sz="1800" b="1" i="1" dirty="0">
+                <a:solidFill>
+                  <a:srgbClr val="7030A0"/>
+                </a:solidFill>
+                <a:latin typeface="Montserrat"/>
+                <a:ea typeface="Montserrat"/>
+                <a:cs typeface="Montserrat"/>
+                <a:sym typeface="Montserrat"/>
+              </a:rPr>
+              <a:t> </a:t>
+            </a:r>
+            <a:r>
+              <a:rPr lang="en-US" sz="1800" i="1" dirty="0">
+                <a:solidFill>
+                  <a:srgbClr val="7030A0"/>
+                </a:solidFill>
+                <a:latin typeface="Montserrat"/>
+                <a:ea typeface="Montserrat"/>
+                <a:cs typeface="Montserrat"/>
+                <a:sym typeface="Montserrat"/>
+              </a:rPr>
+              <a:t>calculate average fare across all flights leaving from the origin airport</a:t>
+            </a:r>
+          </a:p>
+          <a:p>
+            <a:r>
+              <a:rPr lang="en-US" sz="1800" b="1" dirty="0">
+                <a:solidFill>
+                  <a:srgbClr val="7030A0"/>
+                </a:solidFill>
+                <a:latin typeface="Montserrat"/>
+                <a:ea typeface="Montserrat"/>
+                <a:cs typeface="Montserrat"/>
+                <a:sym typeface="Montserrat"/>
+              </a:rPr>
+              <a:t>OVER (PARTITION BY </a:t>
+            </a:r>
+            <a:r>
+              <a:rPr lang="en-US" sz="1800" b="1" dirty="0" err="1">
+                <a:solidFill>
+                  <a:srgbClr val="7030A0"/>
+                </a:solidFill>
+                <a:latin typeface="Montserrat"/>
+                <a:ea typeface="Montserrat"/>
+                <a:cs typeface="Montserrat"/>
+                <a:sym typeface="Montserrat"/>
+              </a:rPr>
+              <a:t>dest</a:t>
+            </a:r>
+            <a:r>
+              <a:rPr lang="en-US" sz="1800" b="1" dirty="0">
+                <a:solidFill>
+                  <a:srgbClr val="7030A0"/>
+                </a:solidFill>
+                <a:latin typeface="Montserrat"/>
+                <a:ea typeface="Montserrat"/>
+                <a:cs typeface="Montserrat"/>
+                <a:sym typeface="Montserrat"/>
+              </a:rPr>
+              <a:t>):</a:t>
+            </a:r>
+            <a:r>
+              <a:rPr lang="en-US" sz="1800" b="1" i="1" dirty="0">
+                <a:solidFill>
+                  <a:srgbClr val="7030A0"/>
+                </a:solidFill>
+                <a:latin typeface="Montserrat"/>
+                <a:ea typeface="Montserrat"/>
+                <a:cs typeface="Montserrat"/>
+                <a:sym typeface="Montserrat"/>
+              </a:rPr>
+              <a:t> </a:t>
+            </a:r>
+            <a:r>
+              <a:rPr lang="en-US" sz="1800" i="1" dirty="0">
+                <a:solidFill>
+                  <a:srgbClr val="7030A0"/>
+                </a:solidFill>
+                <a:latin typeface="Montserrat"/>
+                <a:ea typeface="Montserrat"/>
+                <a:cs typeface="Montserrat"/>
+                <a:sym typeface="Montserrat"/>
+              </a:rPr>
+              <a:t>calculate average fare across all flights arriving to the </a:t>
+            </a:r>
+            <a:r>
+              <a:rPr lang="en-US" sz="1800" i="1" dirty="0" err="1">
+                <a:solidFill>
+                  <a:srgbClr val="7030A0"/>
+                </a:solidFill>
+                <a:latin typeface="Montserrat"/>
+                <a:ea typeface="Montserrat"/>
+                <a:cs typeface="Montserrat"/>
+                <a:sym typeface="Montserrat"/>
+              </a:rPr>
+              <a:t>dest</a:t>
+            </a:r>
+            <a:r>
+              <a:rPr lang="en-US" sz="1800" i="1" dirty="0">
+                <a:solidFill>
+                  <a:srgbClr val="7030A0"/>
+                </a:solidFill>
+                <a:latin typeface="Montserrat"/>
+                <a:ea typeface="Montserrat"/>
+                <a:cs typeface="Montserrat"/>
+                <a:sym typeface="Montserrat"/>
+              </a:rPr>
+              <a:t> airport</a:t>
+            </a:r>
+          </a:p>
+          <a:p>
+            <a:r>
+              <a:rPr lang="en-US" sz="1800" b="1" dirty="0">
+                <a:solidFill>
+                  <a:srgbClr val="7030A0"/>
+                </a:solidFill>
+                <a:latin typeface="Montserrat"/>
+                <a:ea typeface="Montserrat"/>
+                <a:cs typeface="Montserrat"/>
+                <a:sym typeface="Montserrat"/>
+              </a:rPr>
+              <a:t>OVER (PARTITION BY carrier):</a:t>
+            </a:r>
+            <a:r>
+              <a:rPr lang="en-US" sz="1800" b="1" i="1" dirty="0">
+                <a:solidFill>
+                  <a:srgbClr val="7030A0"/>
+                </a:solidFill>
+                <a:latin typeface="Montserrat"/>
+                <a:ea typeface="Montserrat"/>
+                <a:cs typeface="Montserrat"/>
+                <a:sym typeface="Montserrat"/>
+              </a:rPr>
+              <a:t> </a:t>
+            </a:r>
+            <a:r>
+              <a:rPr lang="en-US" sz="1800" i="1" dirty="0">
+                <a:solidFill>
+                  <a:srgbClr val="7030A0"/>
+                </a:solidFill>
+                <a:latin typeface="Montserrat"/>
+                <a:ea typeface="Montserrat"/>
+                <a:cs typeface="Montserrat"/>
+                <a:sym typeface="Montserrat"/>
+              </a:rPr>
+              <a:t>calculate average fare across all flights of the carrier in general</a:t>
+            </a:r>
+          </a:p>
+          <a:p>
+            <a:endParaRPr lang="en-US" sz="1800" i="1" dirty="0">
+              <a:solidFill>
+                <a:srgbClr val="7030A0"/>
+              </a:solidFill>
+              <a:latin typeface="Montserrat"/>
+              <a:ea typeface="Montserrat"/>
+              <a:cs typeface="Montserrat"/>
+              <a:sym typeface="Montserrat"/>
+            </a:endParaRPr>
+          </a:p>
+          <a:p>
+            <a:r>
+              <a:rPr lang="en-US" sz="1800" i="1" dirty="0">
+                <a:solidFill>
+                  <a:srgbClr val="7030A0"/>
+                </a:solidFill>
+                <a:latin typeface="Montserrat"/>
+                <a:ea typeface="Montserrat"/>
+                <a:cs typeface="Montserrat"/>
+                <a:sym typeface="Montserrat"/>
+              </a:rPr>
+              <a:t>Question: How can we add the average for the origin-</a:t>
+            </a:r>
+            <a:r>
+              <a:rPr lang="en-US" sz="1800" i="1" dirty="0" err="1">
+                <a:solidFill>
+                  <a:srgbClr val="7030A0"/>
+                </a:solidFill>
+                <a:latin typeface="Montserrat"/>
+                <a:ea typeface="Montserrat"/>
+                <a:cs typeface="Montserrat"/>
+                <a:sym typeface="Montserrat"/>
+              </a:rPr>
+              <a:t>dest</a:t>
+            </a:r>
+            <a:r>
+              <a:rPr lang="en-US" sz="1800" i="1" dirty="0">
+                <a:solidFill>
+                  <a:srgbClr val="7030A0"/>
+                </a:solidFill>
+                <a:latin typeface="Montserrat"/>
+                <a:ea typeface="Montserrat"/>
+                <a:cs typeface="Montserrat"/>
+                <a:sym typeface="Montserrat"/>
+              </a:rPr>
+              <a:t> pair?</a:t>
+            </a:r>
+          </a:p>
+          <a:p>
+            <a:endParaRPr sz="1800" i="1" dirty="0">
+              <a:solidFill>
+                <a:schemeClr val="dk1"/>
+              </a:solidFill>
+              <a:latin typeface="Montserrat"/>
+              <a:ea typeface="Montserrat"/>
+              <a:cs typeface="Montserrat"/>
+              <a:sym typeface="Montserrat"/>
+            </a:endParaRPr>
+          </a:p>
+        </p:txBody>
+      </p:sp>
+    </p:spTree>
+    <p:extLst>
+      <p:ext uri="{BB962C8B-B14F-4D97-AF65-F5344CB8AC3E}">
+        <p14:creationId xmlns:p14="http://schemas.microsoft.com/office/powerpoint/2010/main" val="553478783"/>
+      </p:ext>
+    </p:extLst>
+  </p:cSld>
+  <p:clrMapOvr>
+    <a:masterClrMapping/>
+  </p:clrMapOvr>
+</p:sld>
+</file>
+
+<file path=ppt/slides/slide11.xml><?xml version="1.0" encoding="utf-8"?>
+<p:sld xmlns:a="http://schemas.openxmlformats.org/drawingml/2006/main" xmlns:r="http://schemas.openxmlformats.org/officeDocument/2006/relationships" xmlns:p="http://schemas.openxmlformats.org/presentationml/2006/main">
+  <p:cSld>
+    <p:spTree>
+      <p:nvGrpSpPr>
+        <p:cNvPr id="1" name="Shape 105"/>
+        <p:cNvGrpSpPr/>
+        <p:nvPr/>
+      </p:nvGrpSpPr>
+      <p:grpSpPr>
+        <a:xfrm>
+          <a:off x="0" y="0"/>
+          <a:ext cx="0" cy="0"/>
+          <a:chOff x="0" y="0"/>
+          <a:chExt cx="0" cy="0"/>
+        </a:xfrm>
+      </p:grpSpPr>
+      <p:sp>
+        <p:nvSpPr>
+          <p:cNvPr id="106" name="Google Shape;106;g12c30a3ea24_0_12"/>
+          <p:cNvSpPr/>
+          <p:nvPr/>
+        </p:nvSpPr>
+        <p:spPr>
+          <a:xfrm>
+            <a:off x="386308" y="147496"/>
+            <a:ext cx="7757400" cy="554100"/>
+          </a:xfrm>
+          <a:prstGeom prst="rect">
+            <a:avLst/>
+          </a:prstGeom>
+          <a:noFill/>
+          <a:ln>
+            <a:noFill/>
+          </a:ln>
+        </p:spPr>
+        <p:txBody>
+          <a:bodyPr spcFirstLastPara="1" wrap="square" lIns="45700" tIns="45700" rIns="45700" bIns="45700" anchor="t" anchorCtr="0">
+            <a:noAutofit/>
+          </a:bodyPr>
+          <a:lstStyle/>
+          <a:p>
+            <a:pPr marL="0" marR="0" lvl="0" indent="0" algn="l" rtl="0">
+              <a:spcBef>
+                <a:spcPts val="0"/>
+              </a:spcBef>
+              <a:spcAft>
+                <a:spcPts val="0"/>
+              </a:spcAft>
+              <a:buNone/>
+            </a:pPr>
+            <a:r>
+              <a:rPr lang="en-US" sz="3000" b="1" dirty="0">
+                <a:solidFill>
+                  <a:srgbClr val="57068C"/>
+                </a:solidFill>
+                <a:latin typeface="Montserrat"/>
+                <a:ea typeface="Montserrat"/>
+                <a:cs typeface="Montserrat"/>
+                <a:sym typeface="Montserrat"/>
+              </a:rPr>
+              <a:t>Frame Specification</a:t>
+            </a:r>
+            <a:endParaRPr dirty="0">
+              <a:solidFill>
+                <a:srgbClr val="57068C"/>
+              </a:solidFill>
+              <a:latin typeface="Montserrat"/>
+              <a:ea typeface="Montserrat"/>
+              <a:cs typeface="Montserrat"/>
+              <a:sym typeface="Montserrat"/>
+            </a:endParaRPr>
+          </a:p>
+        </p:txBody>
+      </p:sp>
+      <p:sp>
+        <p:nvSpPr>
+          <p:cNvPr id="107" name="Google Shape;107;g12c30a3ea24_0_12"/>
+          <p:cNvSpPr/>
+          <p:nvPr/>
+        </p:nvSpPr>
+        <p:spPr>
+          <a:xfrm>
+            <a:off x="469900" y="1282700"/>
+            <a:ext cx="8204100" cy="307800"/>
+          </a:xfrm>
+          <a:prstGeom prst="rect">
+            <a:avLst/>
+          </a:prstGeom>
+          <a:noFill/>
+          <a:ln>
+            <a:noFill/>
+          </a:ln>
+        </p:spPr>
+        <p:txBody>
+          <a:bodyPr spcFirstLastPara="1" wrap="square" lIns="0" tIns="0" rIns="0" bIns="0" anchor="t" anchorCtr="0">
+            <a:noAutofit/>
+          </a:bodyPr>
+          <a:lstStyle/>
+          <a:p>
+            <a:pPr marL="0" marR="0" lvl="0" indent="0" algn="l" rtl="0">
+              <a:spcBef>
+                <a:spcPts val="0"/>
+              </a:spcBef>
+              <a:spcAft>
+                <a:spcPts val="0"/>
+              </a:spcAft>
+              <a:buNone/>
+            </a:pPr>
+            <a:endParaRPr sz="2000">
+              <a:solidFill>
+                <a:schemeClr val="dk1"/>
+              </a:solidFill>
+              <a:latin typeface="Arimo"/>
+              <a:ea typeface="Arimo"/>
+              <a:cs typeface="Arimo"/>
+              <a:sym typeface="Arimo"/>
+            </a:endParaRPr>
+          </a:p>
+        </p:txBody>
+      </p:sp>
+      <p:sp>
+        <p:nvSpPr>
+          <p:cNvPr id="2" name="Google Shape;141;p4">
+            <a:extLst>
+              <a:ext uri="{FF2B5EF4-FFF2-40B4-BE49-F238E27FC236}">
+                <a16:creationId xmlns:a16="http://schemas.microsoft.com/office/drawing/2014/main" id="{8B06E7CF-C43C-7C4B-A7B6-8CE05D935D85}"/>
+              </a:ext>
+            </a:extLst>
+          </p:cNvPr>
+          <p:cNvSpPr txBox="1"/>
+          <p:nvPr/>
+        </p:nvSpPr>
+        <p:spPr>
+          <a:xfrm>
+            <a:off x="529118" y="1376737"/>
+            <a:ext cx="8492333" cy="6863377"/>
+          </a:xfrm>
+          <a:prstGeom prst="rect">
+            <a:avLst/>
+          </a:prstGeom>
+          <a:noFill/>
+          <a:ln>
+            <a:noFill/>
+          </a:ln>
+        </p:spPr>
+        <p:txBody>
+          <a:bodyPr spcFirstLastPara="1" wrap="square" lIns="91425" tIns="45700" rIns="91425" bIns="45700" anchor="t" anchorCtr="0">
+            <a:spAutoFit/>
+          </a:bodyPr>
+          <a:lstStyle/>
+          <a:p>
+            <a:pPr marL="0" marR="0" lvl="0" indent="0" algn="l" rtl="0">
+              <a:spcBef>
+                <a:spcPts val="0"/>
+              </a:spcBef>
+              <a:spcAft>
+                <a:spcPts val="0"/>
+              </a:spcAft>
+              <a:buNone/>
+            </a:pPr>
+            <a:r>
+              <a:rPr lang="en-US" sz="1800" dirty="0">
+                <a:solidFill>
+                  <a:schemeClr val="dk1"/>
+                </a:solidFill>
+                <a:latin typeface="Montserrat"/>
+                <a:ea typeface="Montserrat"/>
+                <a:cs typeface="Montserrat"/>
+                <a:sym typeface="Montserrat"/>
+              </a:rPr>
+              <a:t>The frame clause, if given, has this syntax:</a:t>
+            </a:r>
+          </a:p>
+          <a:p>
+            <a:pPr marL="0" marR="0" lvl="0" indent="0" algn="l" rtl="0">
+              <a:spcBef>
+                <a:spcPts val="0"/>
+              </a:spcBef>
+              <a:spcAft>
+                <a:spcPts val="0"/>
+              </a:spcAft>
+              <a:buNone/>
+            </a:pPr>
+            <a:endParaRPr lang="en-US" sz="1800" dirty="0">
+              <a:solidFill>
+                <a:schemeClr val="dk1"/>
+              </a:solidFill>
+              <a:latin typeface="Montserrat"/>
+              <a:ea typeface="Montserrat"/>
+              <a:cs typeface="Montserrat"/>
+              <a:sym typeface="Montserrat"/>
+            </a:endParaRPr>
+          </a:p>
+          <a:p>
+            <a:pPr marL="0" marR="0" lvl="0" indent="0" algn="l" rtl="0">
+              <a:spcBef>
+                <a:spcPts val="0"/>
+              </a:spcBef>
+              <a:spcAft>
+                <a:spcPts val="0"/>
+              </a:spcAft>
+              <a:buNone/>
+            </a:pPr>
+            <a:r>
+              <a:rPr lang="en-US" sz="1800" dirty="0" err="1">
+                <a:solidFill>
+                  <a:schemeClr val="dk1"/>
+                </a:solidFill>
+                <a:latin typeface="Montserrat"/>
+                <a:ea typeface="Montserrat"/>
+                <a:cs typeface="Montserrat"/>
+                <a:sym typeface="Montserrat"/>
+              </a:rPr>
+              <a:t>frame_clause</a:t>
+            </a:r>
+            <a:r>
+              <a:rPr lang="en-US" sz="1800" dirty="0">
+                <a:solidFill>
+                  <a:schemeClr val="dk1"/>
+                </a:solidFill>
+                <a:latin typeface="Montserrat"/>
+                <a:ea typeface="Montserrat"/>
+                <a:cs typeface="Montserrat"/>
+                <a:sym typeface="Montserrat"/>
+              </a:rPr>
+              <a:t>:</a:t>
+            </a:r>
+          </a:p>
+          <a:p>
+            <a:r>
+              <a:rPr lang="en-US" sz="2000" dirty="0">
+                <a:solidFill>
+                  <a:schemeClr val="dk1"/>
+                </a:solidFill>
+                <a:latin typeface="Montserrat" panose="00000500000000000000" pitchFamily="2" charset="0"/>
+                <a:ea typeface="Montserrat"/>
+                <a:cs typeface="Montserrat"/>
+                <a:sym typeface="Montserrat"/>
+              </a:rPr>
+              <a:t>    {ROWS | RANGE} [</a:t>
+            </a:r>
+            <a:r>
+              <a:rPr lang="en-US" sz="2000" b="0" i="0" dirty="0">
+                <a:solidFill>
+                  <a:srgbClr val="A67F59"/>
+                </a:solidFill>
+                <a:effectLst/>
+                <a:latin typeface="Montserrat" panose="00000500000000000000" pitchFamily="2" charset="0"/>
+              </a:rPr>
+              <a:t>BETWEEN]</a:t>
+            </a:r>
+            <a:r>
+              <a:rPr lang="en-US" sz="2000" b="0" i="0" dirty="0">
+                <a:solidFill>
+                  <a:srgbClr val="000000"/>
+                </a:solidFill>
+                <a:effectLst/>
+                <a:latin typeface="Montserrat" panose="00000500000000000000" pitchFamily="2" charset="0"/>
+              </a:rPr>
+              <a:t> </a:t>
+            </a:r>
+            <a:r>
+              <a:rPr lang="en-US" sz="2000" b="0" i="1" dirty="0" err="1">
+                <a:solidFill>
+                  <a:srgbClr val="000000"/>
+                </a:solidFill>
+                <a:effectLst/>
+                <a:latin typeface="Montserrat" panose="00000500000000000000" pitchFamily="2" charset="0"/>
+              </a:rPr>
+              <a:t>frame_start</a:t>
+            </a:r>
+            <a:r>
+              <a:rPr lang="en-US" sz="2000" b="0" i="0" dirty="0">
+                <a:solidFill>
+                  <a:srgbClr val="000000"/>
+                </a:solidFill>
+                <a:effectLst/>
+                <a:latin typeface="Montserrat" panose="00000500000000000000" pitchFamily="2" charset="0"/>
+              </a:rPr>
+              <a:t> [</a:t>
+            </a:r>
+            <a:r>
+              <a:rPr lang="en-US" sz="2000" b="0" i="0" dirty="0">
+                <a:solidFill>
+                  <a:srgbClr val="A67F59"/>
+                </a:solidFill>
+                <a:effectLst/>
+                <a:latin typeface="Montserrat" panose="00000500000000000000" pitchFamily="2" charset="0"/>
+              </a:rPr>
+              <a:t>AND</a:t>
+            </a:r>
+            <a:r>
+              <a:rPr lang="en-US" sz="2000" b="0" i="0" dirty="0">
+                <a:solidFill>
+                  <a:srgbClr val="000000"/>
+                </a:solidFill>
+                <a:effectLst/>
+                <a:latin typeface="Montserrat" panose="00000500000000000000" pitchFamily="2" charset="0"/>
+              </a:rPr>
+              <a:t> </a:t>
+            </a:r>
+            <a:r>
+              <a:rPr lang="en-US" sz="2000" b="0" i="1" dirty="0" err="1">
+                <a:solidFill>
+                  <a:srgbClr val="000000"/>
+                </a:solidFill>
+                <a:effectLst/>
+                <a:latin typeface="Montserrat" panose="00000500000000000000" pitchFamily="2" charset="0"/>
+              </a:rPr>
+              <a:t>frame_end</a:t>
+            </a:r>
+            <a:r>
+              <a:rPr lang="en-US" sz="2000" b="0" i="1" dirty="0">
+                <a:solidFill>
+                  <a:srgbClr val="000000"/>
+                </a:solidFill>
+                <a:effectLst/>
+                <a:latin typeface="Montserrat" panose="00000500000000000000" pitchFamily="2" charset="0"/>
+              </a:rPr>
+              <a:t>]</a:t>
+            </a:r>
+            <a:endParaRPr lang="en-US" sz="2000" dirty="0">
+              <a:solidFill>
+                <a:schemeClr val="dk1"/>
+              </a:solidFill>
+              <a:latin typeface="Montserrat" panose="00000500000000000000" pitchFamily="2" charset="0"/>
+              <a:ea typeface="Montserrat"/>
+              <a:cs typeface="Montserrat"/>
+              <a:sym typeface="Montserrat"/>
+            </a:endParaRPr>
+          </a:p>
+          <a:p>
+            <a:pPr marL="0" marR="0" lvl="0" indent="0" algn="l" rtl="0">
+              <a:spcBef>
+                <a:spcPts val="0"/>
+              </a:spcBef>
+              <a:spcAft>
+                <a:spcPts val="0"/>
+              </a:spcAft>
+              <a:buNone/>
+            </a:pPr>
+            <a:endParaRPr lang="en-US" sz="1800" dirty="0">
+              <a:solidFill>
+                <a:schemeClr val="dk1"/>
+              </a:solidFill>
+              <a:latin typeface="Montserrat"/>
+              <a:ea typeface="Montserrat"/>
+              <a:cs typeface="Montserrat"/>
+              <a:sym typeface="Montserrat"/>
+            </a:endParaRPr>
+          </a:p>
+          <a:p>
+            <a:pPr marL="285750" marR="0" lvl="0" indent="-285750" algn="l" rtl="0">
+              <a:spcBef>
+                <a:spcPts val="0"/>
+              </a:spcBef>
+              <a:spcAft>
+                <a:spcPts val="0"/>
+              </a:spcAft>
+              <a:buFont typeface="Arial" panose="020B0604020202020204" pitchFamily="34" charset="0"/>
+              <a:buChar char="•"/>
+            </a:pPr>
+            <a:r>
+              <a:rPr lang="en-US" sz="1800" dirty="0">
+                <a:solidFill>
+                  <a:schemeClr val="dk1"/>
+                </a:solidFill>
+                <a:latin typeface="Montserrat"/>
+                <a:ea typeface="Montserrat"/>
+                <a:cs typeface="Montserrat"/>
+                <a:sym typeface="Montserrat"/>
+              </a:rPr>
+              <a:t>ROWS: The frame is defined by beginning and ending row positions. Offsets are differences in row numbers from the current row number.</a:t>
+            </a:r>
+          </a:p>
+          <a:p>
+            <a:pPr marL="285750" marR="0" lvl="0" indent="-285750" algn="l" rtl="0">
+              <a:spcBef>
+                <a:spcPts val="0"/>
+              </a:spcBef>
+              <a:spcAft>
+                <a:spcPts val="0"/>
+              </a:spcAft>
+              <a:buFont typeface="Arial" panose="020B0604020202020204" pitchFamily="34" charset="0"/>
+              <a:buChar char="•"/>
+            </a:pPr>
+            <a:endParaRPr lang="en-US" sz="1800" dirty="0">
+              <a:solidFill>
+                <a:schemeClr val="dk1"/>
+              </a:solidFill>
+              <a:latin typeface="Montserrat"/>
+              <a:ea typeface="Montserrat"/>
+              <a:cs typeface="Montserrat"/>
+              <a:sym typeface="Montserrat"/>
+            </a:endParaRPr>
+          </a:p>
+          <a:p>
+            <a:pPr marL="285750" marR="0" lvl="0" indent="-285750" algn="l" rtl="0">
+              <a:spcBef>
+                <a:spcPts val="0"/>
+              </a:spcBef>
+              <a:spcAft>
+                <a:spcPts val="0"/>
+              </a:spcAft>
+              <a:buFont typeface="Arial" panose="020B0604020202020204" pitchFamily="34" charset="0"/>
+              <a:buChar char="•"/>
+            </a:pPr>
+            <a:r>
+              <a:rPr lang="en-US" sz="1800" dirty="0">
+                <a:solidFill>
+                  <a:schemeClr val="dk1"/>
+                </a:solidFill>
+                <a:latin typeface="Montserrat"/>
+                <a:ea typeface="Montserrat"/>
+                <a:cs typeface="Montserrat"/>
+                <a:sym typeface="Montserrat"/>
+              </a:rPr>
+              <a:t>RANGE: The frame is defined by rows within a value range. Offsets are differences in row values from the current row value.</a:t>
+            </a:r>
+          </a:p>
+          <a:p>
+            <a:pPr marL="285750" marR="0" lvl="0" indent="-285750" algn="l" rtl="0">
+              <a:spcBef>
+                <a:spcPts val="0"/>
+              </a:spcBef>
+              <a:spcAft>
+                <a:spcPts val="0"/>
+              </a:spcAft>
+              <a:buFont typeface="Arial" panose="020B0604020202020204" pitchFamily="34" charset="0"/>
+              <a:buChar char="•"/>
+            </a:pPr>
+            <a:endParaRPr lang="en-US" sz="1800" i="1" dirty="0">
+              <a:solidFill>
+                <a:schemeClr val="dk1"/>
+              </a:solidFill>
+              <a:latin typeface="Montserrat"/>
+              <a:ea typeface="Montserrat"/>
+              <a:cs typeface="Montserrat"/>
+              <a:sym typeface="Montserrat"/>
+            </a:endParaRPr>
+          </a:p>
+          <a:p>
+            <a:pPr marR="0" lvl="0" algn="l" rtl="0">
+              <a:spcBef>
+                <a:spcPts val="0"/>
+              </a:spcBef>
+              <a:spcAft>
+                <a:spcPts val="0"/>
+              </a:spcAft>
+            </a:pPr>
+            <a:r>
+              <a:rPr lang="en-US" sz="1800" b="0" i="1" dirty="0" err="1">
+                <a:solidFill>
+                  <a:srgbClr val="000000"/>
+                </a:solidFill>
+                <a:effectLst/>
+                <a:latin typeface="Montserrat" panose="00000500000000000000" pitchFamily="2" charset="0"/>
+              </a:rPr>
+              <a:t>frame_start</a:t>
+            </a:r>
+            <a:r>
+              <a:rPr lang="en-US" sz="1800" b="0" i="0" dirty="0">
+                <a:solidFill>
+                  <a:srgbClr val="999999"/>
+                </a:solidFill>
+                <a:effectLst/>
+                <a:latin typeface="Montserrat" panose="00000500000000000000" pitchFamily="2" charset="0"/>
+              </a:rPr>
+              <a:t>,</a:t>
+            </a:r>
+            <a:r>
+              <a:rPr lang="en-US" sz="1800" b="0" i="0" dirty="0">
+                <a:solidFill>
+                  <a:srgbClr val="000000"/>
+                </a:solidFill>
+                <a:effectLst/>
+                <a:latin typeface="Montserrat" panose="00000500000000000000" pitchFamily="2" charset="0"/>
+              </a:rPr>
+              <a:t> </a:t>
+            </a:r>
+            <a:r>
+              <a:rPr lang="en-US" sz="1800" b="0" i="1" dirty="0" err="1">
+                <a:solidFill>
+                  <a:srgbClr val="000000"/>
+                </a:solidFill>
+                <a:effectLst/>
+                <a:latin typeface="Montserrat" panose="00000500000000000000" pitchFamily="2" charset="0"/>
+              </a:rPr>
+              <a:t>frame_end</a:t>
+            </a:r>
+            <a:r>
+              <a:rPr lang="en-US" sz="1800" b="0" i="0" dirty="0">
+                <a:solidFill>
+                  <a:srgbClr val="000000"/>
+                </a:solidFill>
+                <a:effectLst/>
+                <a:latin typeface="Montserrat" panose="00000500000000000000" pitchFamily="2" charset="0"/>
+              </a:rPr>
+              <a:t>: { </a:t>
+            </a:r>
+            <a:br>
+              <a:rPr lang="en-US" sz="1800" b="0" i="0" dirty="0">
+                <a:solidFill>
+                  <a:srgbClr val="000000"/>
+                </a:solidFill>
+                <a:effectLst/>
+                <a:latin typeface="Montserrat" panose="00000500000000000000" pitchFamily="2" charset="0"/>
+              </a:rPr>
+            </a:br>
+            <a:r>
+              <a:rPr lang="en-US" sz="1800" b="0" i="0" dirty="0">
+                <a:solidFill>
+                  <a:srgbClr val="000000"/>
+                </a:solidFill>
+                <a:effectLst/>
+                <a:latin typeface="Montserrat" panose="00000500000000000000" pitchFamily="2" charset="0"/>
+              </a:rPr>
+              <a:t>	</a:t>
+            </a:r>
+            <a:r>
+              <a:rPr lang="en-US" sz="1800" b="0" i="0" dirty="0">
+                <a:solidFill>
+                  <a:srgbClr val="0077AA"/>
+                </a:solidFill>
+                <a:effectLst/>
+                <a:latin typeface="Montserrat" panose="00000500000000000000" pitchFamily="2" charset="0"/>
+              </a:rPr>
+              <a:t>CURRENT</a:t>
+            </a:r>
+            <a:r>
+              <a:rPr lang="en-US" sz="1800" b="0" i="0" dirty="0">
+                <a:solidFill>
+                  <a:srgbClr val="000000"/>
+                </a:solidFill>
+                <a:effectLst/>
+                <a:latin typeface="Montserrat" panose="00000500000000000000" pitchFamily="2" charset="0"/>
+              </a:rPr>
+              <a:t> </a:t>
+            </a:r>
+            <a:r>
+              <a:rPr lang="en-US" sz="1800" b="0" i="0" dirty="0">
+                <a:solidFill>
+                  <a:srgbClr val="0077AA"/>
+                </a:solidFill>
+                <a:effectLst/>
+                <a:latin typeface="Montserrat" panose="00000500000000000000" pitchFamily="2" charset="0"/>
+              </a:rPr>
+              <a:t>ROW</a:t>
+            </a:r>
+            <a:r>
+              <a:rPr lang="en-US" sz="1800" b="0" i="0" dirty="0">
+                <a:solidFill>
+                  <a:srgbClr val="000000"/>
+                </a:solidFill>
+                <a:effectLst/>
+                <a:latin typeface="Montserrat" panose="00000500000000000000" pitchFamily="2" charset="0"/>
+              </a:rPr>
+              <a:t> </a:t>
+            </a:r>
+            <a:r>
+              <a:rPr lang="en-US" sz="1800" b="0" i="0" dirty="0">
+                <a:solidFill>
+                  <a:srgbClr val="A67F59"/>
+                </a:solidFill>
+                <a:effectLst/>
+                <a:latin typeface="Montserrat" panose="00000500000000000000" pitchFamily="2" charset="0"/>
+              </a:rPr>
+              <a:t>|</a:t>
+            </a:r>
+            <a:r>
+              <a:rPr lang="en-US" sz="1800" b="0" i="0" dirty="0">
+                <a:solidFill>
+                  <a:srgbClr val="000000"/>
+                </a:solidFill>
+                <a:effectLst/>
+                <a:latin typeface="Montserrat" panose="00000500000000000000" pitchFamily="2" charset="0"/>
+              </a:rPr>
+              <a:t> </a:t>
+            </a:r>
+            <a:br>
+              <a:rPr lang="en-US" sz="1800" b="0" i="0" dirty="0">
+                <a:solidFill>
+                  <a:srgbClr val="000000"/>
+                </a:solidFill>
+                <a:effectLst/>
+                <a:latin typeface="Montserrat" panose="00000500000000000000" pitchFamily="2" charset="0"/>
+              </a:rPr>
+            </a:br>
+            <a:r>
+              <a:rPr lang="en-US" sz="1800" b="0" i="0" dirty="0">
+                <a:solidFill>
+                  <a:srgbClr val="000000"/>
+                </a:solidFill>
+                <a:effectLst/>
+                <a:latin typeface="Montserrat" panose="00000500000000000000" pitchFamily="2" charset="0"/>
+              </a:rPr>
+              <a:t>	</a:t>
+            </a:r>
+            <a:r>
+              <a:rPr lang="en-US" sz="1800" b="0" i="0" dirty="0">
+                <a:solidFill>
+                  <a:srgbClr val="0077AA"/>
+                </a:solidFill>
+                <a:effectLst/>
+                <a:latin typeface="Montserrat" panose="00000500000000000000" pitchFamily="2" charset="0"/>
+              </a:rPr>
+              <a:t>UNBOUNDED</a:t>
+            </a:r>
+            <a:r>
+              <a:rPr lang="en-US" sz="1800" b="0" i="0" dirty="0">
+                <a:solidFill>
+                  <a:srgbClr val="000000"/>
+                </a:solidFill>
+                <a:effectLst/>
+                <a:latin typeface="Montserrat" panose="00000500000000000000" pitchFamily="2" charset="0"/>
+              </a:rPr>
+              <a:t> </a:t>
+            </a:r>
+            <a:r>
+              <a:rPr lang="en-US" sz="1800" b="0" i="0" dirty="0">
+                <a:solidFill>
+                  <a:srgbClr val="0077AA"/>
+                </a:solidFill>
+                <a:effectLst/>
+                <a:latin typeface="Montserrat" panose="00000500000000000000" pitchFamily="2" charset="0"/>
+              </a:rPr>
+              <a:t>PRECEDING</a:t>
+            </a:r>
+            <a:r>
+              <a:rPr lang="en-US" sz="1800" b="0" i="0" dirty="0">
+                <a:solidFill>
+                  <a:srgbClr val="000000"/>
+                </a:solidFill>
+                <a:effectLst/>
+                <a:latin typeface="Montserrat" panose="00000500000000000000" pitchFamily="2" charset="0"/>
+              </a:rPr>
+              <a:t> </a:t>
+            </a:r>
+            <a:r>
+              <a:rPr lang="en-US" sz="1800" b="0" i="0" dirty="0">
+                <a:solidFill>
+                  <a:srgbClr val="A67F59"/>
+                </a:solidFill>
+                <a:effectLst/>
+                <a:latin typeface="Montserrat" panose="00000500000000000000" pitchFamily="2" charset="0"/>
+              </a:rPr>
+              <a:t>|</a:t>
+            </a:r>
+            <a:r>
+              <a:rPr lang="en-US" sz="1800" b="0" i="0" dirty="0">
+                <a:solidFill>
+                  <a:srgbClr val="000000"/>
+                </a:solidFill>
+                <a:effectLst/>
+                <a:latin typeface="Montserrat" panose="00000500000000000000" pitchFamily="2" charset="0"/>
+              </a:rPr>
+              <a:t> </a:t>
+            </a:r>
+            <a:br>
+              <a:rPr lang="en-US" sz="1800" b="0" i="0" dirty="0">
+                <a:solidFill>
+                  <a:srgbClr val="000000"/>
+                </a:solidFill>
+                <a:effectLst/>
+                <a:latin typeface="Montserrat" panose="00000500000000000000" pitchFamily="2" charset="0"/>
+              </a:rPr>
+            </a:br>
+            <a:r>
+              <a:rPr lang="en-US" sz="1800" b="0" i="0" dirty="0">
+                <a:solidFill>
+                  <a:srgbClr val="000000"/>
+                </a:solidFill>
+                <a:effectLst/>
+                <a:latin typeface="Montserrat" panose="00000500000000000000" pitchFamily="2" charset="0"/>
+              </a:rPr>
+              <a:t>	</a:t>
+            </a:r>
+            <a:r>
+              <a:rPr lang="en-US" sz="1800" b="0" i="0" dirty="0">
+                <a:solidFill>
+                  <a:srgbClr val="0077AA"/>
+                </a:solidFill>
+                <a:effectLst/>
+                <a:latin typeface="Montserrat" panose="00000500000000000000" pitchFamily="2" charset="0"/>
+              </a:rPr>
+              <a:t>UNBOUNDED</a:t>
+            </a:r>
+            <a:r>
+              <a:rPr lang="en-US" sz="1800" b="0" i="0" dirty="0">
+                <a:solidFill>
+                  <a:srgbClr val="000000"/>
+                </a:solidFill>
+                <a:effectLst/>
+                <a:latin typeface="Montserrat" panose="00000500000000000000" pitchFamily="2" charset="0"/>
+              </a:rPr>
+              <a:t> </a:t>
+            </a:r>
+            <a:r>
+              <a:rPr lang="en-US" sz="1800" b="0" i="0" dirty="0">
+                <a:solidFill>
+                  <a:srgbClr val="0077AA"/>
+                </a:solidFill>
+                <a:effectLst/>
+                <a:latin typeface="Montserrat" panose="00000500000000000000" pitchFamily="2" charset="0"/>
+              </a:rPr>
+              <a:t>FOLLOWING</a:t>
+            </a:r>
+            <a:r>
+              <a:rPr lang="en-US" sz="1800" b="0" i="0" dirty="0">
+                <a:solidFill>
+                  <a:srgbClr val="000000"/>
+                </a:solidFill>
+                <a:effectLst/>
+                <a:latin typeface="Montserrat" panose="00000500000000000000" pitchFamily="2" charset="0"/>
+              </a:rPr>
+              <a:t> </a:t>
+            </a:r>
+            <a:r>
+              <a:rPr lang="en-US" sz="1800" b="0" i="0" dirty="0">
+                <a:solidFill>
+                  <a:srgbClr val="A67F59"/>
+                </a:solidFill>
+                <a:effectLst/>
+                <a:latin typeface="Montserrat" panose="00000500000000000000" pitchFamily="2" charset="0"/>
+              </a:rPr>
+              <a:t>|</a:t>
+            </a:r>
+            <a:r>
+              <a:rPr lang="en-US" sz="1800" b="0" i="0" dirty="0">
+                <a:solidFill>
+                  <a:srgbClr val="000000"/>
+                </a:solidFill>
+                <a:effectLst/>
+                <a:latin typeface="Montserrat" panose="00000500000000000000" pitchFamily="2" charset="0"/>
+              </a:rPr>
+              <a:t> </a:t>
+            </a:r>
+            <a:br>
+              <a:rPr lang="en-US" sz="1800" b="0" i="0" dirty="0">
+                <a:solidFill>
+                  <a:srgbClr val="000000"/>
+                </a:solidFill>
+                <a:effectLst/>
+                <a:latin typeface="Montserrat" panose="00000500000000000000" pitchFamily="2" charset="0"/>
+              </a:rPr>
+            </a:br>
+            <a:r>
+              <a:rPr lang="en-US" sz="1800" b="0" i="0" dirty="0">
+                <a:solidFill>
+                  <a:srgbClr val="000000"/>
+                </a:solidFill>
+                <a:effectLst/>
+                <a:latin typeface="Montserrat" panose="00000500000000000000" pitchFamily="2" charset="0"/>
+              </a:rPr>
+              <a:t>	</a:t>
+            </a:r>
+            <a:r>
+              <a:rPr lang="en-US" sz="1800" b="0" i="1" dirty="0">
+                <a:solidFill>
+                  <a:srgbClr val="000000"/>
+                </a:solidFill>
+                <a:effectLst/>
+                <a:latin typeface="Montserrat" panose="00000500000000000000" pitchFamily="2" charset="0"/>
+              </a:rPr>
+              <a:t>expr</a:t>
+            </a:r>
+            <a:r>
+              <a:rPr lang="en-US" sz="1800" b="0" i="0" dirty="0">
+                <a:solidFill>
+                  <a:srgbClr val="000000"/>
+                </a:solidFill>
+                <a:effectLst/>
+                <a:latin typeface="Montserrat" panose="00000500000000000000" pitchFamily="2" charset="0"/>
+              </a:rPr>
+              <a:t> </a:t>
+            </a:r>
+            <a:r>
+              <a:rPr lang="en-US" sz="1800" b="0" i="0" dirty="0">
+                <a:solidFill>
+                  <a:srgbClr val="0077AA"/>
+                </a:solidFill>
+                <a:effectLst/>
+                <a:latin typeface="Montserrat" panose="00000500000000000000" pitchFamily="2" charset="0"/>
+              </a:rPr>
+              <a:t>PRECEDING</a:t>
+            </a:r>
+            <a:r>
+              <a:rPr lang="en-US" sz="1800" b="0" i="0" dirty="0">
+                <a:solidFill>
+                  <a:srgbClr val="000000"/>
+                </a:solidFill>
+                <a:effectLst/>
+                <a:latin typeface="Montserrat" panose="00000500000000000000" pitchFamily="2" charset="0"/>
+              </a:rPr>
+              <a:t> </a:t>
+            </a:r>
+            <a:r>
+              <a:rPr lang="en-US" sz="1800" b="0" i="0" dirty="0">
+                <a:solidFill>
+                  <a:srgbClr val="A67F59"/>
+                </a:solidFill>
+                <a:effectLst/>
+                <a:latin typeface="Montserrat" panose="00000500000000000000" pitchFamily="2" charset="0"/>
+              </a:rPr>
+              <a:t>|</a:t>
+            </a:r>
+            <a:r>
+              <a:rPr lang="en-US" sz="1800" b="0" i="0" dirty="0">
+                <a:solidFill>
+                  <a:srgbClr val="000000"/>
+                </a:solidFill>
+                <a:effectLst/>
+                <a:latin typeface="Montserrat" panose="00000500000000000000" pitchFamily="2" charset="0"/>
+              </a:rPr>
+              <a:t> </a:t>
+            </a:r>
+            <a:br>
+              <a:rPr lang="en-US" sz="1800" b="0" i="0" dirty="0">
+                <a:solidFill>
+                  <a:srgbClr val="000000"/>
+                </a:solidFill>
+                <a:effectLst/>
+                <a:latin typeface="Montserrat" panose="00000500000000000000" pitchFamily="2" charset="0"/>
+              </a:rPr>
+            </a:br>
+            <a:r>
+              <a:rPr lang="en-US" sz="1800" b="0" i="0" dirty="0">
+                <a:solidFill>
+                  <a:srgbClr val="000000"/>
+                </a:solidFill>
+                <a:effectLst/>
+                <a:latin typeface="Montserrat" panose="00000500000000000000" pitchFamily="2" charset="0"/>
+              </a:rPr>
+              <a:t>	</a:t>
+            </a:r>
+            <a:r>
+              <a:rPr lang="en-US" sz="1800" b="0" i="1" dirty="0">
+                <a:solidFill>
+                  <a:srgbClr val="000000"/>
+                </a:solidFill>
+                <a:effectLst/>
+                <a:latin typeface="Montserrat" panose="00000500000000000000" pitchFamily="2" charset="0"/>
+              </a:rPr>
+              <a:t>expr</a:t>
+            </a:r>
+            <a:r>
+              <a:rPr lang="en-US" sz="1800" b="0" i="0" dirty="0">
+                <a:solidFill>
+                  <a:srgbClr val="000000"/>
+                </a:solidFill>
+                <a:effectLst/>
+                <a:latin typeface="Montserrat" panose="00000500000000000000" pitchFamily="2" charset="0"/>
+              </a:rPr>
+              <a:t> </a:t>
+            </a:r>
+            <a:r>
+              <a:rPr lang="en-US" sz="1800" b="0" i="0" dirty="0">
+                <a:solidFill>
+                  <a:srgbClr val="0077AA"/>
+                </a:solidFill>
+                <a:effectLst/>
+                <a:latin typeface="Montserrat" panose="00000500000000000000" pitchFamily="2" charset="0"/>
+              </a:rPr>
+              <a:t>FOLLOWING</a:t>
+            </a:r>
+            <a:r>
+              <a:rPr lang="en-US" sz="1800" b="0" i="0" dirty="0">
+                <a:solidFill>
+                  <a:srgbClr val="000000"/>
+                </a:solidFill>
+                <a:effectLst/>
+                <a:latin typeface="Montserrat" panose="00000500000000000000" pitchFamily="2" charset="0"/>
+              </a:rPr>
+              <a:t> }</a:t>
+            </a:r>
+          </a:p>
+          <a:p>
+            <a:pPr marR="0" lvl="0" algn="l" rtl="0">
+              <a:spcBef>
+                <a:spcPts val="0"/>
+              </a:spcBef>
+              <a:spcAft>
+                <a:spcPts val="0"/>
+              </a:spcAft>
+            </a:pPr>
+            <a:endParaRPr lang="en-US" sz="1800" dirty="0">
+              <a:latin typeface="Montserrat" panose="00000500000000000000" pitchFamily="2" charset="0"/>
+              <a:ea typeface="Montserrat"/>
+              <a:cs typeface="Montserrat"/>
+              <a:sym typeface="Montserrat"/>
+            </a:endParaRPr>
+          </a:p>
+          <a:p>
+            <a:pPr marR="0" lvl="0" algn="l" rtl="0">
+              <a:spcBef>
+                <a:spcPts val="0"/>
+              </a:spcBef>
+              <a:spcAft>
+                <a:spcPts val="0"/>
+              </a:spcAft>
+            </a:pPr>
+            <a:r>
+              <a:rPr lang="en-US" sz="1800" i="1" dirty="0">
+                <a:solidFill>
+                  <a:schemeClr val="dk1"/>
+                </a:solidFill>
+                <a:latin typeface="Montserrat" panose="00000500000000000000" pitchFamily="2" charset="0"/>
+                <a:ea typeface="Montserrat"/>
+                <a:cs typeface="Montserrat"/>
+                <a:sym typeface="Montserrat"/>
+              </a:rPr>
+              <a:t>Default:</a:t>
+            </a:r>
+          </a:p>
+          <a:p>
+            <a:pPr marR="0" lvl="0" algn="l" rtl="0">
+              <a:spcBef>
+                <a:spcPts val="0"/>
+              </a:spcBef>
+              <a:spcAft>
+                <a:spcPts val="0"/>
+              </a:spcAft>
+            </a:pPr>
+            <a:r>
+              <a:rPr lang="en-US" sz="2400" b="0" i="0" dirty="0">
+                <a:solidFill>
+                  <a:srgbClr val="0077AA"/>
+                </a:solidFill>
+                <a:effectLst/>
+                <a:latin typeface="Liberation Mono"/>
+              </a:rPr>
+              <a:t>With ORDER BY: RANGE</a:t>
+            </a:r>
+            <a:r>
+              <a:rPr lang="en-US" sz="2400" b="0" i="0" dirty="0">
+                <a:solidFill>
+                  <a:srgbClr val="000000"/>
+                </a:solidFill>
+                <a:effectLst/>
+                <a:latin typeface="Liberation Mono"/>
+              </a:rPr>
+              <a:t> </a:t>
+            </a:r>
+            <a:r>
+              <a:rPr lang="en-US" sz="2400" b="0" i="0" dirty="0">
+                <a:solidFill>
+                  <a:srgbClr val="A67F59"/>
+                </a:solidFill>
+                <a:effectLst/>
+                <a:latin typeface="Liberation Mono"/>
+              </a:rPr>
+              <a:t>BETWEEN</a:t>
+            </a:r>
+            <a:r>
+              <a:rPr lang="en-US" sz="2400" b="0" i="0" dirty="0">
+                <a:solidFill>
+                  <a:srgbClr val="000000"/>
+                </a:solidFill>
+                <a:effectLst/>
+                <a:latin typeface="Liberation Mono"/>
+              </a:rPr>
+              <a:t> </a:t>
+            </a:r>
+            <a:r>
+              <a:rPr lang="en-US" sz="2400" b="0" i="0" dirty="0">
+                <a:solidFill>
+                  <a:srgbClr val="0077AA"/>
+                </a:solidFill>
+                <a:effectLst/>
+                <a:latin typeface="Liberation Mono"/>
+              </a:rPr>
+              <a:t>UNBOUNDED</a:t>
+            </a:r>
+            <a:r>
+              <a:rPr lang="en-US" sz="2400" b="0" i="0" dirty="0">
+                <a:solidFill>
+                  <a:srgbClr val="000000"/>
+                </a:solidFill>
+                <a:effectLst/>
+                <a:latin typeface="Liberation Mono"/>
+              </a:rPr>
+              <a:t> </a:t>
+            </a:r>
+            <a:r>
+              <a:rPr lang="en-US" sz="2400" b="0" i="0" dirty="0">
+                <a:solidFill>
+                  <a:srgbClr val="0077AA"/>
+                </a:solidFill>
+                <a:effectLst/>
+                <a:latin typeface="Liberation Mono"/>
+              </a:rPr>
+              <a:t>PRECEDING</a:t>
+            </a:r>
+            <a:r>
+              <a:rPr lang="en-US" sz="2400" b="0" i="0" dirty="0">
+                <a:solidFill>
+                  <a:srgbClr val="000000"/>
+                </a:solidFill>
+                <a:effectLst/>
+                <a:latin typeface="Liberation Mono"/>
+              </a:rPr>
+              <a:t> </a:t>
+            </a:r>
+            <a:r>
+              <a:rPr lang="en-US" sz="2400" b="0" i="0" dirty="0">
+                <a:solidFill>
+                  <a:srgbClr val="A67F59"/>
+                </a:solidFill>
+                <a:effectLst/>
+                <a:latin typeface="Liberation Mono"/>
+              </a:rPr>
+              <a:t>AND</a:t>
+            </a:r>
+            <a:r>
+              <a:rPr lang="en-US" sz="2400" b="0" i="0" dirty="0">
+                <a:solidFill>
+                  <a:srgbClr val="000000"/>
+                </a:solidFill>
+                <a:effectLst/>
+                <a:latin typeface="Liberation Mono"/>
+              </a:rPr>
+              <a:t> </a:t>
+            </a:r>
+            <a:r>
+              <a:rPr lang="en-US" sz="2400" b="0" i="0" dirty="0">
+                <a:solidFill>
+                  <a:srgbClr val="0077AA"/>
+                </a:solidFill>
+                <a:effectLst/>
+                <a:latin typeface="Liberation Mono"/>
+              </a:rPr>
+              <a:t>CURRENT</a:t>
+            </a:r>
+            <a:r>
+              <a:rPr lang="en-US" sz="2400" b="0" i="0" dirty="0">
+                <a:solidFill>
+                  <a:srgbClr val="000000"/>
+                </a:solidFill>
+                <a:effectLst/>
+                <a:latin typeface="Liberation Mono"/>
+              </a:rPr>
+              <a:t> </a:t>
+            </a:r>
+            <a:r>
+              <a:rPr lang="en-US" sz="2400" b="0" i="0" dirty="0">
+                <a:solidFill>
+                  <a:srgbClr val="0077AA"/>
+                </a:solidFill>
+                <a:effectLst/>
+                <a:latin typeface="Liberation Mono"/>
+              </a:rPr>
+              <a:t>ROW</a:t>
+            </a:r>
+            <a:endParaRPr lang="en-US" sz="1800" b="0" i="1" dirty="0">
+              <a:solidFill>
+                <a:schemeClr val="dk1"/>
+              </a:solidFill>
+              <a:effectLst/>
+              <a:latin typeface="Montserrat" panose="00000500000000000000" pitchFamily="2" charset="0"/>
+              <a:sym typeface="Montserrat"/>
+            </a:endParaRPr>
+          </a:p>
+          <a:p>
+            <a:pPr marR="0" lvl="0" algn="l" rtl="0">
+              <a:spcBef>
+                <a:spcPts val="0"/>
+              </a:spcBef>
+              <a:spcAft>
+                <a:spcPts val="0"/>
+              </a:spcAft>
+            </a:pPr>
+            <a:r>
+              <a:rPr lang="en-US" sz="2400" b="0" i="0" dirty="0">
+                <a:solidFill>
+                  <a:srgbClr val="0077AA"/>
+                </a:solidFill>
+                <a:effectLst/>
+                <a:latin typeface="Liberation Mono"/>
+              </a:rPr>
+              <a:t>Without ORDER BY: RANGE</a:t>
+            </a:r>
+            <a:r>
+              <a:rPr lang="en-US" sz="2400" b="0" i="0" dirty="0">
+                <a:solidFill>
+                  <a:srgbClr val="000000"/>
+                </a:solidFill>
+                <a:effectLst/>
+                <a:latin typeface="Liberation Mono"/>
+              </a:rPr>
+              <a:t> </a:t>
+            </a:r>
+            <a:r>
+              <a:rPr lang="en-US" sz="2400" b="0" i="0" dirty="0">
+                <a:solidFill>
+                  <a:srgbClr val="A67F59"/>
+                </a:solidFill>
+                <a:effectLst/>
+                <a:latin typeface="Liberation Mono"/>
+              </a:rPr>
+              <a:t>BETWEEN</a:t>
+            </a:r>
+            <a:r>
+              <a:rPr lang="en-US" sz="2400" b="0" i="0" dirty="0">
+                <a:solidFill>
+                  <a:srgbClr val="000000"/>
+                </a:solidFill>
+                <a:effectLst/>
+                <a:latin typeface="Liberation Mono"/>
+              </a:rPr>
+              <a:t> </a:t>
+            </a:r>
+            <a:r>
+              <a:rPr lang="en-US" sz="2400" b="0" i="0" dirty="0">
+                <a:solidFill>
+                  <a:srgbClr val="0077AA"/>
+                </a:solidFill>
+                <a:effectLst/>
+                <a:latin typeface="Liberation Mono"/>
+              </a:rPr>
+              <a:t>UNBOUNDED</a:t>
+            </a:r>
+            <a:r>
+              <a:rPr lang="en-US" sz="2400" b="0" i="0" dirty="0">
+                <a:solidFill>
+                  <a:srgbClr val="000000"/>
+                </a:solidFill>
+                <a:effectLst/>
+                <a:latin typeface="Liberation Mono"/>
+              </a:rPr>
+              <a:t> </a:t>
+            </a:r>
+            <a:r>
+              <a:rPr lang="en-US" sz="2400" b="0" i="0" dirty="0">
+                <a:solidFill>
+                  <a:srgbClr val="0077AA"/>
+                </a:solidFill>
+                <a:effectLst/>
+                <a:latin typeface="Liberation Mono"/>
+              </a:rPr>
+              <a:t>PRECEDING</a:t>
+            </a:r>
+            <a:r>
+              <a:rPr lang="en-US" sz="2400" b="0" i="0" dirty="0">
+                <a:solidFill>
+                  <a:srgbClr val="000000"/>
+                </a:solidFill>
+                <a:effectLst/>
+                <a:latin typeface="Liberation Mono"/>
+              </a:rPr>
+              <a:t> </a:t>
+            </a:r>
+            <a:r>
+              <a:rPr lang="en-US" sz="2400" b="0" i="0" dirty="0">
+                <a:solidFill>
+                  <a:srgbClr val="A67F59"/>
+                </a:solidFill>
+                <a:effectLst/>
+                <a:latin typeface="Liberation Mono"/>
+              </a:rPr>
+              <a:t>AND</a:t>
+            </a:r>
+            <a:r>
+              <a:rPr lang="en-US" sz="2400" b="0" i="0" dirty="0">
+                <a:solidFill>
+                  <a:srgbClr val="000000"/>
+                </a:solidFill>
+                <a:effectLst/>
+                <a:latin typeface="Liberation Mono"/>
+              </a:rPr>
+              <a:t> </a:t>
+            </a:r>
+            <a:r>
+              <a:rPr lang="en-US" sz="2400" b="0" i="0" dirty="0">
+                <a:solidFill>
+                  <a:srgbClr val="0077AA"/>
+                </a:solidFill>
+                <a:effectLst/>
+                <a:latin typeface="Liberation Mono"/>
+              </a:rPr>
+              <a:t>UNBOUNDED</a:t>
+            </a:r>
+            <a:r>
+              <a:rPr lang="en-US" sz="2400" b="0" i="0" dirty="0">
+                <a:solidFill>
+                  <a:srgbClr val="000000"/>
+                </a:solidFill>
+                <a:effectLst/>
+                <a:latin typeface="Liberation Mono"/>
+              </a:rPr>
+              <a:t> </a:t>
+            </a:r>
+            <a:r>
+              <a:rPr lang="en-US" sz="2400" b="0" i="0" dirty="0">
+                <a:solidFill>
+                  <a:srgbClr val="0077AA"/>
+                </a:solidFill>
+                <a:effectLst/>
+                <a:latin typeface="Liberation Mono"/>
+              </a:rPr>
+              <a:t>FOLLOWING</a:t>
+            </a:r>
+            <a:endParaRPr sz="1800" i="1" dirty="0">
+              <a:solidFill>
+                <a:schemeClr val="dk1"/>
+              </a:solidFill>
+              <a:latin typeface="Montserrat" panose="00000500000000000000" pitchFamily="2" charset="0"/>
+              <a:ea typeface="Montserrat"/>
+              <a:cs typeface="Montserrat"/>
+              <a:sym typeface="Montserrat"/>
+            </a:endParaRPr>
+          </a:p>
+        </p:txBody>
+      </p:sp>
+      <p:sp>
+        <p:nvSpPr>
+          <p:cNvPr id="6" name="TextBox 5">
+            <a:extLst>
+              <a:ext uri="{FF2B5EF4-FFF2-40B4-BE49-F238E27FC236}">
+                <a16:creationId xmlns:a16="http://schemas.microsoft.com/office/drawing/2014/main" id="{3A5B7AC9-C447-D45A-43D2-6B826A39DD29}"/>
+              </a:ext>
+            </a:extLst>
+          </p:cNvPr>
+          <p:cNvSpPr txBox="1"/>
+          <p:nvPr/>
+        </p:nvSpPr>
+        <p:spPr>
+          <a:xfrm>
+            <a:off x="4743450" y="6602907"/>
+            <a:ext cx="4400550" cy="253916"/>
+          </a:xfrm>
+          <a:prstGeom prst="rect">
+            <a:avLst/>
+          </a:prstGeom>
+          <a:noFill/>
+        </p:spPr>
+        <p:txBody>
+          <a:bodyPr wrap="square">
+            <a:spAutoFit/>
+          </a:bodyPr>
+          <a:lstStyle/>
+          <a:p>
+            <a:r>
+              <a:rPr lang="en-US" sz="1050" dirty="0"/>
+              <a:t>https://dev.mysql.com/doc/refman/8.0/en/window-functions-frames.html</a:t>
+            </a:r>
+          </a:p>
+        </p:txBody>
+      </p:sp>
+    </p:spTree>
+    <p:extLst>
+      <p:ext uri="{BB962C8B-B14F-4D97-AF65-F5344CB8AC3E}">
+        <p14:creationId xmlns:p14="http://schemas.microsoft.com/office/powerpoint/2010/main" val="2049603368"/>
+      </p:ext>
+    </p:extLst>
+  </p:cSld>
+  <p:clrMapOvr>
+    <a:masterClrMapping/>
+  </p:clrMapOvr>
+</p:sld>
+</file>
+
+<file path=ppt/slides/slide12.xml><?xml version="1.0" encoding="utf-8"?>
+<p:sld xmlns:a="http://schemas.openxmlformats.org/drawingml/2006/main" xmlns:r="http://schemas.openxmlformats.org/officeDocument/2006/relationships" xmlns:p="http://schemas.openxmlformats.org/presentationml/2006/main">
+  <p:cSld>
+    <p:spTree>
+      <p:nvGrpSpPr>
+        <p:cNvPr id="1" name="Shape 105"/>
+        <p:cNvGrpSpPr/>
+        <p:nvPr/>
+      </p:nvGrpSpPr>
+      <p:grpSpPr>
+        <a:xfrm>
+          <a:off x="0" y="0"/>
+          <a:ext cx="0" cy="0"/>
+          <a:chOff x="0" y="0"/>
+          <a:chExt cx="0" cy="0"/>
+        </a:xfrm>
+      </p:grpSpPr>
+      <p:sp>
+        <p:nvSpPr>
+          <p:cNvPr id="106" name="Google Shape;106;g12c30a3ea24_0_12"/>
+          <p:cNvSpPr/>
+          <p:nvPr/>
+        </p:nvSpPr>
+        <p:spPr>
+          <a:xfrm>
+            <a:off x="386308" y="147496"/>
+            <a:ext cx="7757400" cy="554100"/>
+          </a:xfrm>
+          <a:prstGeom prst="rect">
+            <a:avLst/>
+          </a:prstGeom>
+          <a:noFill/>
+          <a:ln>
+            <a:noFill/>
+          </a:ln>
+        </p:spPr>
+        <p:txBody>
+          <a:bodyPr spcFirstLastPara="1" wrap="square" lIns="45700" tIns="45700" rIns="45700" bIns="45700" anchor="t" anchorCtr="0">
+            <a:noAutofit/>
+          </a:bodyPr>
+          <a:lstStyle/>
+          <a:p>
+            <a:pPr marL="0" marR="0" lvl="0" indent="0" algn="l" rtl="0">
+              <a:spcBef>
+                <a:spcPts val="0"/>
+              </a:spcBef>
+              <a:spcAft>
+                <a:spcPts val="0"/>
+              </a:spcAft>
+              <a:buNone/>
+            </a:pPr>
+            <a:r>
+              <a:rPr lang="en-US" sz="3000" b="1" dirty="0">
+                <a:solidFill>
+                  <a:srgbClr val="57068C"/>
+                </a:solidFill>
+                <a:latin typeface="Montserrat"/>
+                <a:ea typeface="Montserrat"/>
+                <a:cs typeface="Montserrat"/>
+                <a:sym typeface="Montserrat"/>
+              </a:rPr>
+              <a:t>Frame Specification</a:t>
+            </a:r>
+            <a:endParaRPr dirty="0">
+              <a:solidFill>
+                <a:srgbClr val="57068C"/>
+              </a:solidFill>
+              <a:latin typeface="Montserrat"/>
+              <a:ea typeface="Montserrat"/>
+              <a:cs typeface="Montserrat"/>
+              <a:sym typeface="Montserrat"/>
+            </a:endParaRPr>
+          </a:p>
+        </p:txBody>
+      </p:sp>
+      <p:sp>
+        <p:nvSpPr>
+          <p:cNvPr id="107" name="Google Shape;107;g12c30a3ea24_0_12"/>
+          <p:cNvSpPr/>
+          <p:nvPr/>
+        </p:nvSpPr>
+        <p:spPr>
+          <a:xfrm>
+            <a:off x="469900" y="1282700"/>
+            <a:ext cx="8204100" cy="307800"/>
+          </a:xfrm>
+          <a:prstGeom prst="rect">
+            <a:avLst/>
+          </a:prstGeom>
+          <a:noFill/>
+          <a:ln>
+            <a:noFill/>
+          </a:ln>
+        </p:spPr>
+        <p:txBody>
+          <a:bodyPr spcFirstLastPara="1" wrap="square" lIns="0" tIns="0" rIns="0" bIns="0" anchor="t" anchorCtr="0">
+            <a:noAutofit/>
+          </a:bodyPr>
+          <a:lstStyle/>
+          <a:p>
+            <a:pPr marL="0" marR="0" lvl="0" indent="0" algn="l" rtl="0">
+              <a:spcBef>
+                <a:spcPts val="0"/>
+              </a:spcBef>
+              <a:spcAft>
+                <a:spcPts val="0"/>
+              </a:spcAft>
+              <a:buNone/>
+            </a:pPr>
+            <a:endParaRPr sz="2000">
+              <a:solidFill>
+                <a:schemeClr val="dk1"/>
+              </a:solidFill>
+              <a:latin typeface="Arimo"/>
+              <a:ea typeface="Arimo"/>
+              <a:cs typeface="Arimo"/>
+              <a:sym typeface="Arimo"/>
+            </a:endParaRPr>
+          </a:p>
+        </p:txBody>
+      </p:sp>
+      <p:sp>
+        <p:nvSpPr>
+          <p:cNvPr id="2" name="Google Shape;141;p4">
+            <a:extLst>
+              <a:ext uri="{FF2B5EF4-FFF2-40B4-BE49-F238E27FC236}">
+                <a16:creationId xmlns:a16="http://schemas.microsoft.com/office/drawing/2014/main" id="{8B06E7CF-C43C-7C4B-A7B6-8CE05D935D85}"/>
+              </a:ext>
+            </a:extLst>
+          </p:cNvPr>
+          <p:cNvSpPr txBox="1"/>
+          <p:nvPr/>
+        </p:nvSpPr>
+        <p:spPr>
+          <a:xfrm>
+            <a:off x="529118" y="1376737"/>
+            <a:ext cx="8492333" cy="369291"/>
+          </a:xfrm>
+          <a:prstGeom prst="rect">
+            <a:avLst/>
+          </a:prstGeom>
+          <a:noFill/>
+          <a:ln>
+            <a:noFill/>
+          </a:ln>
+        </p:spPr>
+        <p:txBody>
+          <a:bodyPr spcFirstLastPara="1" wrap="square" lIns="91425" tIns="45700" rIns="91425" bIns="45700" anchor="t" anchorCtr="0">
+            <a:spAutoFit/>
+          </a:bodyPr>
+          <a:lstStyle/>
+          <a:p>
+            <a:pPr marL="0" marR="0" lvl="0" indent="0" algn="l" rtl="0">
+              <a:spcBef>
+                <a:spcPts val="0"/>
+              </a:spcBef>
+              <a:spcAft>
+                <a:spcPts val="0"/>
+              </a:spcAft>
+              <a:buNone/>
+            </a:pPr>
+            <a:r>
+              <a:rPr lang="en-US" sz="1800" dirty="0">
+                <a:solidFill>
+                  <a:schemeClr val="dk1"/>
+                </a:solidFill>
+                <a:latin typeface="Montserrat"/>
+                <a:ea typeface="Montserrat"/>
+                <a:cs typeface="Montserrat"/>
+                <a:sym typeface="Montserrat"/>
+              </a:rPr>
+              <a:t>Window</a:t>
+            </a:r>
+            <a:endParaRPr sz="1800" i="1" dirty="0">
+              <a:solidFill>
+                <a:schemeClr val="dk1"/>
+              </a:solidFill>
+              <a:latin typeface="Montserrat"/>
+              <a:ea typeface="Montserrat"/>
+              <a:cs typeface="Montserrat"/>
+              <a:sym typeface="Montserrat"/>
+            </a:endParaRPr>
+          </a:p>
+        </p:txBody>
+      </p:sp>
+      <p:pic>
+        <p:nvPicPr>
+          <p:cNvPr id="3074" name="Picture 2" descr="SQL window function frame">
+            <a:extLst>
+              <a:ext uri="{FF2B5EF4-FFF2-40B4-BE49-F238E27FC236}">
+                <a16:creationId xmlns:a16="http://schemas.microsoft.com/office/drawing/2014/main" id="{E0212662-C04B-3980-BE75-CAC0C0F59D7C}"/>
+              </a:ext>
+            </a:extLst>
+          </p:cNvPr>
+          <p:cNvPicPr>
+            <a:picLocks noChangeAspect="1" noChangeArrowheads="1"/>
+          </p:cNvPicPr>
+          <p:nvPr/>
+        </p:nvPicPr>
+        <p:blipFill>
+          <a:blip r:embed="rId3">
+            <a:extLst>
+              <a:ext uri="{28A0092B-C50C-407E-A947-70E740481C1C}">
+                <a14:useLocalDpi xmlns:a14="http://schemas.microsoft.com/office/drawing/2010/main" val="0"/>
+              </a:ext>
+            </a:extLst>
+          </a:blip>
+          <a:srcRect/>
+          <a:stretch>
+            <a:fillRect/>
+          </a:stretch>
+        </p:blipFill>
+        <p:spPr bwMode="auto">
+          <a:xfrm>
+            <a:off x="2822698" y="1689100"/>
+            <a:ext cx="5514975" cy="3886200"/>
+          </a:xfrm>
+          <a:prstGeom prst="rect">
+            <a:avLst/>
+          </a:prstGeom>
+          <a:noFill/>
+          <a:extLst>
+            <a:ext uri="{909E8E84-426E-40DD-AFC4-6F175D3DCCD1}">
+              <a14:hiddenFill xmlns:a14="http://schemas.microsoft.com/office/drawing/2010/main">
+                <a:solidFill>
+                  <a:srgbClr val="FFFFFF"/>
+                </a:solidFill>
+              </a14:hiddenFill>
+            </a:ext>
+          </a:extLst>
+        </p:spPr>
+      </p:pic>
+      <p:sp>
+        <p:nvSpPr>
+          <p:cNvPr id="4" name="TextBox 3">
+            <a:extLst>
+              <a:ext uri="{FF2B5EF4-FFF2-40B4-BE49-F238E27FC236}">
+                <a16:creationId xmlns:a16="http://schemas.microsoft.com/office/drawing/2014/main" id="{833FF2C9-1469-1D2E-BB7B-D659ED7230F6}"/>
+              </a:ext>
+            </a:extLst>
+          </p:cNvPr>
+          <p:cNvSpPr txBox="1"/>
+          <p:nvPr/>
+        </p:nvSpPr>
+        <p:spPr>
+          <a:xfrm>
+            <a:off x="5177692" y="6514589"/>
+            <a:ext cx="4572000" cy="307777"/>
+          </a:xfrm>
+          <a:prstGeom prst="rect">
+            <a:avLst/>
+          </a:prstGeom>
+          <a:noFill/>
+        </p:spPr>
+        <p:txBody>
+          <a:bodyPr wrap="square">
+            <a:spAutoFit/>
+          </a:bodyPr>
+          <a:lstStyle/>
+          <a:p>
+            <a:r>
+              <a:rPr lang="en-US" dirty="0"/>
+              <a:t>https://www.sqltutorial.org/sql-window-functions/</a:t>
+            </a:r>
+          </a:p>
+        </p:txBody>
+      </p:sp>
+    </p:spTree>
+    <p:extLst>
+      <p:ext uri="{BB962C8B-B14F-4D97-AF65-F5344CB8AC3E}">
+        <p14:creationId xmlns:p14="http://schemas.microsoft.com/office/powerpoint/2010/main" val="1199823447"/>
+      </p:ext>
+    </p:extLst>
+  </p:cSld>
+  <p:clrMapOvr>
+    <a:masterClrMapping/>
+  </p:clrMapOvr>
+</p:sld>
+</file>
+
+<file path=ppt/slides/slide13.xml><?xml version="1.0" encoding="utf-8"?>
+<p:sld xmlns:a="http://schemas.openxmlformats.org/drawingml/2006/main" xmlns:r="http://schemas.openxmlformats.org/officeDocument/2006/relationships" xmlns:p="http://schemas.openxmlformats.org/presentationml/2006/main">
+  <p:cSld>
+    <p:spTree>
+      <p:nvGrpSpPr>
+        <p:cNvPr id="1" name=""/>
+        <p:cNvGrpSpPr/>
+        <p:nvPr/>
+      </p:nvGrpSpPr>
+      <p:grpSpPr>
+        <a:xfrm>
+          <a:off x="0" y="0"/>
+          <a:ext cx="0" cy="0"/>
+          <a:chOff x="0" y="0"/>
+          <a:chExt cx="0" cy="0"/>
+        </a:xfrm>
+      </p:grpSpPr>
+    </p:spTree>
+    <p:extLst>
+      <p:ext uri="{BB962C8B-B14F-4D97-AF65-F5344CB8AC3E}">
+        <p14:creationId xmlns:p14="http://schemas.microsoft.com/office/powerpoint/2010/main" val="4286637619"/>
+      </p:ext>
+    </p:extLst>
+  </p:cSld>
+  <p:clrMapOvr>
+    <a:masterClrMapping/>
+  </p:clrMapOvr>
+</p:sld>
+</file>
+
 <file path=ppt/slides/slide2.xml><?xml version="1.0" encoding="utf-8"?>
 <p:sld xmlns:a="http://schemas.openxmlformats.org/drawingml/2006/main" xmlns:r="http://schemas.openxmlformats.org/officeDocument/2006/relationships" xmlns:p="http://schemas.openxmlformats.org/presentationml/2006/main">
   <p:cSld>
@@ -12982,7 +16217,55 @@
                 <a:cs typeface="Calibri"/>
                 <a:sym typeface="Calibri"/>
               </a:rPr>
-              <a:t>In aggregation functions, have as input a group of rows, and we get back one value per group (e.g., count rows in group, avg value of an attribute, </a:t>
+              <a:t>In </a:t>
+            </a:r>
+            <a:r>
+              <a:rPr lang="en-US" sz="1800" dirty="0" err="1">
+                <a:solidFill>
+                  <a:schemeClr val="dk1"/>
+                </a:solidFill>
+                <a:latin typeface="Montserrat" panose="020B0604020202020204" pitchFamily="2" charset="0"/>
+                <a:ea typeface="Calibri"/>
+                <a:cs typeface="Calibri"/>
+                <a:sym typeface="Calibri"/>
+              </a:rPr>
+              <a:t>groupby</a:t>
+            </a:r>
+            <a:r>
+              <a:rPr lang="en-US" sz="1800" dirty="0">
+                <a:solidFill>
+                  <a:schemeClr val="dk1"/>
+                </a:solidFill>
+                <a:latin typeface="Montserrat" panose="020B0604020202020204" pitchFamily="2" charset="0"/>
+                <a:ea typeface="Calibri"/>
+                <a:cs typeface="Calibri"/>
+                <a:sym typeface="Calibri"/>
+              </a:rPr>
+              <a:t>-aggregation functions, have as input a group of rows, and we get back </a:t>
+            </a:r>
+            <a:r>
+              <a:rPr lang="en-US" sz="1800" b="1" dirty="0">
+                <a:solidFill>
+                  <a:schemeClr val="dk1"/>
+                </a:solidFill>
+                <a:latin typeface="Montserrat" panose="020B0604020202020204" pitchFamily="2" charset="0"/>
+                <a:ea typeface="Calibri"/>
+                <a:cs typeface="Calibri"/>
+                <a:sym typeface="Calibri"/>
+              </a:rPr>
+              <a:t>one value per group </a:t>
+            </a:r>
+            <a:r>
+              <a:rPr lang="en-US" sz="1800" dirty="0">
+                <a:solidFill>
+                  <a:schemeClr val="dk1"/>
+                </a:solidFill>
+                <a:latin typeface="Montserrat" panose="020B0604020202020204" pitchFamily="2" charset="0"/>
+                <a:ea typeface="Calibri"/>
+                <a:cs typeface="Calibri"/>
+                <a:sym typeface="Calibri"/>
+              </a:rPr>
+              <a:t>(e.g., count rows in group, avg value of an attribute, </a:t>
             </a:r>
             <a:r>
               <a:rPr lang="en-US" sz="1800" dirty="0" err="1">
@@ -13072,6 +16355,53 @@
           </a:p>
         </p:txBody>
       </p:sp>
+      <p:pic>
+        <p:nvPicPr>
+          <p:cNvPr id="4098" name="Picture 2">
+            <a:extLst>
+              <a:ext uri="{FF2B5EF4-FFF2-40B4-BE49-F238E27FC236}">
+                <a16:creationId xmlns:a16="http://schemas.microsoft.com/office/drawing/2014/main" id="{3269D5ED-B818-7C0C-A604-8DF039B29D93}"/>
+              </a:ext>
+            </a:extLst>
+          </p:cNvPr>
+          <p:cNvPicPr>
+            <a:picLocks noChangeAspect="1" noChangeArrowheads="1"/>
+          </p:cNvPicPr>
+          <p:nvPr/>
+        </p:nvPicPr>
+        <p:blipFill>
+          <a:blip r:embed="rId3">
+            <a:extLst>
+              <a:ext uri="{28A0092B-C50C-407E-A947-70E740481C1C}">
+                <a14:useLocalDpi xmlns:a14="http://schemas.microsoft.com/office/drawing/2010/main" val="0"/>
+              </a:ext>
+            </a:extLst>
+          </a:blip>
+          <a:srcRect/>
+          <a:stretch>
+            <a:fillRect/>
+          </a:stretch>
+        </p:blipFill>
+        <p:spPr bwMode="auto">
+          <a:xfrm>
+            <a:off x="0" y="3726990"/>
+            <a:ext cx="9144000" cy="2349500"/>
+          </a:xfrm>
+          <a:prstGeom prst="rect">
+            <a:avLst/>
+          </a:prstGeom>
+          <a:noFill/>
+          <a:extLst>
+            <a:ext uri="{909E8E84-426E-40DD-AFC4-6F175D3DCCD1}">
+              <a14:hiddenFill xmlns:a14="http://schemas.microsoft.com/office/drawing/2010/main">
+                <a:solidFill>
+                  <a:srgbClr val="FFFFFF"/>
+                </a:solidFill>
+              </a14:hiddenFill>
+            </a:ext>
+          </a:extLst>
+        </p:spPr>
+      </p:pic>
     </p:spTree>
     <p:extLst>
       <p:ext uri="{BB962C8B-B14F-4D97-AF65-F5344CB8AC3E}">
@@ -13090,7 +16420,7 @@
   <p:cSld>
     <p:spTree>
       <p:nvGrpSpPr>
-        <p:cNvPr id="1" name="Shape 105"/>
+        <p:cNvPr id="1" name="Shape 98"/>
         <p:cNvGrpSpPr/>
         <p:nvPr/>
       </p:nvGrpSpPr>
@@ -13104,14 +16434,14 @@
       </p:grpSpPr>
       <p:sp>
         <p:nvSpPr>
-          <p:cNvPr id="106" name="Google Shape;106;g12c30a3ea24_0_12"/>
+          <p:cNvPr id="99" name="Google Shape;99;g12c30a3ea24_0_4"/>
           <p:cNvSpPr/>
           <p:nvPr/>
         </p:nvSpPr>
         <p:spPr>
           <a:xfrm>
             <a:off x="386308" y="147496"/>
-            <a:ext cx="7757400" cy="554100"/>
+            <a:ext cx="8710800" cy="554100"/>
           </a:xfrm>
           <a:prstGeom prst="rect">
             <a:avLst/>
@@ -13146,7 +16476,7 @@
                 <a:cs typeface="Montserrat"/>
                 <a:sym typeface="Montserrat"/>
               </a:rPr>
-              <a:t>Simple Example: RANK()</a:t>
+              <a:t>Window Functions</a:t>
             </a:r>
             <a:endParaRPr dirty="0">
               <a:solidFill>
@@ -13162,56 +16492,10 @@
       </p:sp>
       <p:sp>
         <p:nvSpPr>
-          <p:cNvPr id="107" name="Google Shape;107;g12c30a3ea24_0_12"/>
-          <p:cNvSpPr/>
-          <p:nvPr/>
-        </p:nvSpPr>
-        <p:spPr>
-          <a:xfrm>
-            <a:off x="469900" y="1282700"/>
-            <a:ext cx="8204100" cy="307800"/>
-          </a:xfrm>
-          <a:prstGeom prst="rect">
-            <a:avLst/>
-          </a:prstGeom>
-          <a:noFill/>
-          <a:ln>
-            <a:noFill/>
-          </a:ln>
-        </p:spPr>
-        <p:txBody>
-          <a:bodyPr spcFirstLastPara="1" wrap="square" lIns="0" tIns="0" rIns="0" bIns="0" anchor="t" anchorCtr="0">
-            <a:noAutofit/>
-          </a:bodyPr>
-          <a:lstStyle/>
-          <a:p>
-            <a:pPr marL="0" marR="0" lvl="0" indent="0" algn="l" rtl="0">
-              <a:spcBef>
-                <a:spcPts val="0"/>
-              </a:spcBef>
-              <a:spcAft>
-                <a:spcPts val="0"/>
-              </a:spcAft>
-              <a:buNone/>
-            </a:pPr>
-            <a:endParaRPr sz="2000">
-              <a:solidFill>
-                <a:schemeClr val="dk1"/>
-              </a:solidFill>
-              <a:latin typeface="Arimo"/>
-              <a:ea typeface="Arimo"/>
-              <a:cs typeface="Arimo"/>
-              <a:sym typeface="Arimo"/>
-            </a:endParaRPr>
-          </a:p>
-        </p:txBody>
-      </p:sp>
-      <p:sp>
-        <p:nvSpPr>
-          <p:cNvPr id="2" name="Google Shape;141;p4">
+          <p:cNvPr id="3" name="TextBox 2">
             <a:extLst>
               <a:ext uri="{FF2B5EF4-FFF2-40B4-BE49-F238E27FC236}">
-                <a16:creationId xmlns:a16="http://schemas.microsoft.com/office/drawing/2014/main" id="{8B06E7CF-C43C-7C4B-A7B6-8CE05D935D85}"/>
+                <a16:creationId xmlns:a16="http://schemas.microsoft.com/office/drawing/2014/main" id="{790D26AF-13CB-2460-5EF6-A57408B19BAD}"/>
               </a:ext>
             </a:extLst>
           </p:cNvPr>
@@ -13220,897 +16504,344 @@
         </p:nvSpPr>
         <p:spPr>
           <a:xfrm>
-            <a:off x="529118" y="1376737"/>
-            <a:ext cx="8492333" cy="5078273"/>
+            <a:off x="6470921" y="1810388"/>
+            <a:ext cx="2132445" cy="2554545"/>
           </a:xfrm>
           <a:prstGeom prst="rect">
             <a:avLst/>
           </a:prstGeom>
           <a:noFill/>
-          <a:ln>
-            <a:noFill/>
-          </a:ln>
         </p:spPr>
         <p:txBody>
-          <a:bodyPr spcFirstLastPara="1" wrap="square" lIns="91425" tIns="45700" rIns="91425" bIns="45700" anchor="t" anchorCtr="0">
+          <a:bodyPr wrap="square">
             <a:spAutoFit/>
           </a:bodyPr>
           <a:lstStyle/>
           <a:p>
-            <a:pPr marR="0" lvl="0" algn="l" rtl="0">
-              <a:spcBef>
-                <a:spcPts val="0"/>
-              </a:spcBef>
-              <a:spcAft>
-                <a:spcPts val="0"/>
-              </a:spcAft>
-              <a:buClr>
-                <a:schemeClr val="dk1"/>
-              </a:buClr>
-              <a:buSzPts val="1800"/>
-            </a:pPr>
-            <a:r>
-              <a:rPr lang="en-US" sz="1800" dirty="0">
-                <a:solidFill>
-                  <a:schemeClr val="dk1"/>
+            <a:r>
+              <a:rPr lang="en-US" sz="2000" b="1" dirty="0">
+                <a:solidFill>
+                  <a:srgbClr val="7030A0"/>
                 </a:solidFill>
                 <a:latin typeface="Montserrat"/>
                 <a:ea typeface="Montserrat"/>
                 <a:cs typeface="Montserrat"/>
                 <a:sym typeface="Montserrat"/>
               </a:rPr>
-              <a:t>Create a (temporary) table with the most popular music on Facebook:</a:t>
-            </a:r>
-          </a:p>
-          <a:p>
-            <a:pPr marR="0" lvl="0" algn="l" rtl="0">
-              <a:spcBef>
-                <a:spcPts val="0"/>
-              </a:spcBef>
-              <a:spcAft>
-                <a:spcPts val="0"/>
-              </a:spcAft>
-              <a:buClr>
-                <a:schemeClr val="dk1"/>
-              </a:buClr>
-              <a:buSzPts val="1800"/>
-            </a:pPr>
-            <a:endParaRPr lang="en-US" sz="1800" dirty="0">
+              <a:t>Aggregate</a:t>
+            </a:r>
+          </a:p>
+          <a:p>
+            <a:endParaRPr lang="en-US" sz="2000" dirty="0">
               <a:solidFill>
                 <a:schemeClr val="dk1"/>
               </a:solidFill>
               <a:latin typeface="Montserrat"/>
-              <a:ea typeface="Montserrat"/>
-              <a:cs typeface="Montserrat"/>
               <a:sym typeface="Montserrat"/>
             </a:endParaRPr>
           </a:p>
           <a:p>
-            <a:pPr marR="0" lvl="0" algn="l" rtl="0">
-              <a:spcBef>
-                <a:spcPts val="0"/>
-              </a:spcBef>
-              <a:spcAft>
-                <a:spcPts val="0"/>
-              </a:spcAft>
-              <a:buClr>
-                <a:schemeClr val="dk1"/>
-              </a:buClr>
-              <a:buSzPts val="1800"/>
-            </a:pPr>
-            <a:r>
-              <a:rPr lang="en-US" sz="1800" dirty="0">
-                <a:solidFill>
-                  <a:schemeClr val="tx1">
-                    <a:lumMod val="95000"/>
-                    <a:lumOff val="5000"/>
-                  </a:schemeClr>
+            <a:r>
+              <a:rPr lang="en-US" sz="2000" dirty="0">
+                <a:solidFill>
+                  <a:schemeClr val="dk1"/>
+                </a:solidFill>
+                <a:latin typeface="Montserrat"/>
+                <a:sym typeface="Montserrat"/>
+              </a:rPr>
+              <a:t>AVG()</a:t>
+            </a:r>
+          </a:p>
+          <a:p>
+            <a:r>
+              <a:rPr lang="en-US" sz="2000" dirty="0">
+                <a:solidFill>
+                  <a:schemeClr val="dk1"/>
+                </a:solidFill>
+                <a:latin typeface="Montserrat"/>
+                <a:sym typeface="Montserrat"/>
+              </a:rPr>
+              <a:t>SUM()</a:t>
+            </a:r>
+          </a:p>
+          <a:p>
+            <a:r>
+              <a:rPr lang="en-US" sz="2000" dirty="0">
+                <a:solidFill>
+                  <a:schemeClr val="dk1"/>
+                </a:solidFill>
+                <a:latin typeface="Montserrat"/>
+                <a:sym typeface="Montserrat"/>
+              </a:rPr>
+              <a:t>COUNT()</a:t>
+            </a:r>
+          </a:p>
+          <a:p>
+            <a:r>
+              <a:rPr lang="en-US" sz="2000" dirty="0">
+                <a:solidFill>
+                  <a:schemeClr val="dk1"/>
+                </a:solidFill>
+                <a:latin typeface="Montserrat"/>
+                <a:sym typeface="Montserrat"/>
+              </a:rPr>
+              <a:t>MIN()</a:t>
+            </a:r>
+          </a:p>
+          <a:p>
+            <a:r>
+              <a:rPr lang="en-US" sz="2000" dirty="0">
+                <a:solidFill>
+                  <a:schemeClr val="dk1"/>
+                </a:solidFill>
+                <a:latin typeface="Montserrat"/>
+                <a:sym typeface="Montserrat"/>
+              </a:rPr>
+              <a:t>MAX()</a:t>
+            </a:r>
+          </a:p>
+          <a:p>
+            <a:r>
+              <a:rPr lang="en-US" sz="2000" dirty="0">
+                <a:solidFill>
+                  <a:schemeClr val="dk1"/>
+                </a:solidFill>
+                <a:latin typeface="Montserrat"/>
+                <a:sym typeface="Montserrat"/>
+              </a:rPr>
+              <a:t>STDDEV()</a:t>
+            </a:r>
+          </a:p>
+        </p:txBody>
+      </p:sp>
+      <p:sp>
+        <p:nvSpPr>
+          <p:cNvPr id="4" name="TextBox 3">
+            <a:extLst>
+              <a:ext uri="{FF2B5EF4-FFF2-40B4-BE49-F238E27FC236}">
+                <a16:creationId xmlns:a16="http://schemas.microsoft.com/office/drawing/2014/main" id="{FCF2B89A-C93A-F3E2-23C8-5A8F25BF293C}"/>
+              </a:ext>
+            </a:extLst>
+          </p:cNvPr>
+          <p:cNvSpPr txBox="1"/>
+          <p:nvPr/>
+        </p:nvSpPr>
+        <p:spPr>
+          <a:xfrm>
+            <a:off x="540635" y="1829792"/>
+            <a:ext cx="2548082" cy="2246769"/>
+          </a:xfrm>
+          <a:prstGeom prst="rect">
+            <a:avLst/>
+          </a:prstGeom>
+          <a:noFill/>
+        </p:spPr>
+        <p:txBody>
+          <a:bodyPr wrap="square">
+            <a:spAutoFit/>
+          </a:bodyPr>
+          <a:lstStyle/>
+          <a:p>
+            <a:r>
+              <a:rPr lang="en-US" sz="2000" b="1" dirty="0">
+                <a:solidFill>
+                  <a:srgbClr val="7030A0"/>
                 </a:solidFill>
                 <a:latin typeface="Montserrat"/>
                 <a:ea typeface="Montserrat"/>
                 <a:cs typeface="Montserrat"/>
                 <a:sym typeface="Montserrat"/>
               </a:rPr>
-              <a:t>	</a:t>
-            </a:r>
-            <a:r>
-              <a:rPr lang="en-US" sz="1800" b="1" dirty="0">
-                <a:solidFill>
-                  <a:schemeClr val="tx1">
-                    <a:lumMod val="95000"/>
-                    <a:lumOff val="5000"/>
-                  </a:schemeClr>
-                </a:solidFill>
-                <a:latin typeface="Montserrat"/>
-                <a:ea typeface="Montserrat"/>
-                <a:cs typeface="Montserrat"/>
-                <a:sym typeface="Montserrat"/>
-              </a:rPr>
-              <a:t>CREATE TEMPORARY TABLE </a:t>
-            </a:r>
-            <a:r>
-              <a:rPr lang="en-US" sz="1800" b="1" dirty="0" err="1">
-                <a:solidFill>
-                  <a:schemeClr val="tx1">
-                    <a:lumMod val="95000"/>
-                    <a:lumOff val="5000"/>
-                  </a:schemeClr>
-                </a:solidFill>
-                <a:latin typeface="Montserrat"/>
-                <a:ea typeface="Montserrat"/>
-                <a:cs typeface="Montserrat"/>
-                <a:sym typeface="Montserrat"/>
-              </a:rPr>
-              <a:t>popular_music</a:t>
-            </a:r>
-            <a:r>
-              <a:rPr lang="en-US" sz="1800" b="1" dirty="0">
-                <a:solidFill>
-                  <a:schemeClr val="tx1">
-                    <a:lumMod val="95000"/>
-                    <a:lumOff val="5000"/>
-                  </a:schemeClr>
-                </a:solidFill>
-                <a:latin typeface="Montserrat"/>
-                <a:ea typeface="Montserrat"/>
-                <a:cs typeface="Montserrat"/>
-                <a:sym typeface="Montserrat"/>
-              </a:rPr>
-              <a:t> AS</a:t>
-            </a:r>
-          </a:p>
-          <a:p>
-            <a:pPr marL="457200" marR="0" lvl="0" indent="457200" algn="l" rtl="0">
-              <a:spcBef>
-                <a:spcPts val="0"/>
-              </a:spcBef>
-              <a:spcAft>
-                <a:spcPts val="0"/>
-              </a:spcAft>
-              <a:buNone/>
-            </a:pPr>
-            <a:r>
-              <a:rPr lang="en-US" sz="1800" b="1" dirty="0">
-                <a:solidFill>
-                  <a:schemeClr val="tx1">
-                    <a:lumMod val="95000"/>
-                    <a:lumOff val="5000"/>
-                  </a:schemeClr>
-                </a:solidFill>
-                <a:latin typeface="Montserrat"/>
-                <a:ea typeface="Montserrat"/>
-                <a:cs typeface="Montserrat"/>
-                <a:sym typeface="Montserrat"/>
-              </a:rPr>
-              <a:t>	SELECT</a:t>
-            </a:r>
-            <a:r>
-              <a:rPr lang="en-US" sz="1800" dirty="0">
-                <a:solidFill>
-                  <a:schemeClr val="tx1">
-                    <a:lumMod val="95000"/>
-                    <a:lumOff val="5000"/>
-                  </a:schemeClr>
-                </a:solidFill>
-                <a:latin typeface="Montserrat"/>
-                <a:ea typeface="Montserrat"/>
-                <a:cs typeface="Montserrat"/>
-                <a:sym typeface="Montserrat"/>
-              </a:rPr>
-              <a:t> Music AS music, COUNT(</a:t>
-            </a:r>
-            <a:r>
-              <a:rPr lang="en-US" sz="1800" dirty="0" err="1">
-                <a:solidFill>
-                  <a:schemeClr val="tx1">
-                    <a:lumMod val="95000"/>
-                    <a:lumOff val="5000"/>
-                  </a:schemeClr>
-                </a:solidFill>
-                <a:latin typeface="Montserrat"/>
-                <a:ea typeface="Montserrat"/>
-                <a:cs typeface="Montserrat"/>
-                <a:sym typeface="Montserrat"/>
-              </a:rPr>
-              <a:t>ProfileID</a:t>
-            </a:r>
-            <a:r>
-              <a:rPr lang="en-US" sz="1800" dirty="0">
-                <a:solidFill>
-                  <a:schemeClr val="tx1">
-                    <a:lumMod val="95000"/>
-                    <a:lumOff val="5000"/>
-                  </a:schemeClr>
-                </a:solidFill>
-                <a:latin typeface="Montserrat"/>
-                <a:ea typeface="Montserrat"/>
-                <a:cs typeface="Montserrat"/>
-                <a:sym typeface="Montserrat"/>
-              </a:rPr>
-              <a:t>) AS </a:t>
-            </a:r>
-            <a:r>
-              <a:rPr lang="en-US" sz="1800" dirty="0" err="1">
-                <a:solidFill>
-                  <a:schemeClr val="tx1">
-                    <a:lumMod val="95000"/>
-                    <a:lumOff val="5000"/>
-                  </a:schemeClr>
-                </a:solidFill>
-                <a:latin typeface="Montserrat"/>
-                <a:ea typeface="Montserrat"/>
-                <a:cs typeface="Montserrat"/>
-                <a:sym typeface="Montserrat"/>
-              </a:rPr>
-              <a:t>cnt</a:t>
-            </a:r>
-            <a:r>
-              <a:rPr lang="en-US" sz="1800" dirty="0">
-                <a:solidFill>
-                  <a:schemeClr val="tx1">
-                    <a:lumMod val="95000"/>
-                    <a:lumOff val="5000"/>
-                  </a:schemeClr>
-                </a:solidFill>
-                <a:latin typeface="Montserrat"/>
-                <a:ea typeface="Montserrat"/>
-                <a:cs typeface="Montserrat"/>
-                <a:sym typeface="Montserrat"/>
-              </a:rPr>
-              <a:t>    </a:t>
-            </a:r>
-          </a:p>
-          <a:p>
-            <a:pPr marL="457200" marR="0" lvl="0" indent="457200" algn="l" rtl="0">
-              <a:spcBef>
-                <a:spcPts val="0"/>
-              </a:spcBef>
-              <a:spcAft>
-                <a:spcPts val="0"/>
-              </a:spcAft>
-              <a:buNone/>
-            </a:pPr>
-            <a:r>
-              <a:rPr lang="en-US" sz="1800" dirty="0">
-                <a:solidFill>
-                  <a:schemeClr val="tx1">
-                    <a:lumMod val="95000"/>
-                    <a:lumOff val="5000"/>
-                  </a:schemeClr>
-                </a:solidFill>
-                <a:latin typeface="Montserrat"/>
-                <a:ea typeface="Montserrat"/>
-                <a:cs typeface="Montserrat"/>
-                <a:sym typeface="Montserrat"/>
-              </a:rPr>
-              <a:t>	</a:t>
-            </a:r>
-            <a:r>
-              <a:rPr lang="en-US" sz="1800" b="1" dirty="0">
-                <a:solidFill>
-                  <a:schemeClr val="tx1">
-                    <a:lumMod val="95000"/>
-                    <a:lumOff val="5000"/>
-                  </a:schemeClr>
-                </a:solidFill>
-                <a:latin typeface="Montserrat"/>
-                <a:ea typeface="Montserrat"/>
-                <a:cs typeface="Montserrat"/>
-                <a:sym typeface="Montserrat"/>
-              </a:rPr>
-              <a:t>FROM</a:t>
-            </a:r>
-            <a:r>
-              <a:rPr lang="en-US" sz="1800" dirty="0">
-                <a:solidFill>
-                  <a:schemeClr val="tx1">
-                    <a:lumMod val="95000"/>
-                    <a:lumOff val="5000"/>
-                  </a:schemeClr>
-                </a:solidFill>
-                <a:latin typeface="Montserrat"/>
-                <a:ea typeface="Montserrat"/>
-                <a:cs typeface="Montserrat"/>
-                <a:sym typeface="Montserrat"/>
-              </a:rPr>
-              <a:t> </a:t>
-            </a:r>
-            <a:r>
-              <a:rPr lang="en-US" sz="1800" dirty="0" err="1">
-                <a:solidFill>
-                  <a:schemeClr val="tx1">
-                    <a:lumMod val="95000"/>
-                    <a:lumOff val="5000"/>
-                  </a:schemeClr>
-                </a:solidFill>
-                <a:latin typeface="Montserrat"/>
-                <a:ea typeface="Montserrat"/>
-                <a:cs typeface="Montserrat"/>
-                <a:sym typeface="Montserrat"/>
-              </a:rPr>
-              <a:t>FavoriteMusic</a:t>
-            </a:r>
-            <a:r>
-              <a:rPr lang="en-US" sz="1800" dirty="0">
-                <a:solidFill>
-                  <a:schemeClr val="tx1">
-                    <a:lumMod val="95000"/>
-                    <a:lumOff val="5000"/>
-                  </a:schemeClr>
-                </a:solidFill>
-                <a:latin typeface="Montserrat"/>
-                <a:ea typeface="Montserrat"/>
-                <a:cs typeface="Montserrat"/>
-                <a:sym typeface="Montserrat"/>
-              </a:rPr>
-              <a:t>    </a:t>
-            </a:r>
-          </a:p>
-          <a:p>
-            <a:pPr marL="457200" marR="0" lvl="0" indent="457200" algn="l" rtl="0">
-              <a:spcBef>
-                <a:spcPts val="0"/>
-              </a:spcBef>
-              <a:spcAft>
-                <a:spcPts val="0"/>
-              </a:spcAft>
-              <a:buNone/>
-            </a:pPr>
-            <a:r>
-              <a:rPr lang="en-US" sz="1800" dirty="0">
-                <a:solidFill>
-                  <a:schemeClr val="tx1">
-                    <a:lumMod val="95000"/>
-                    <a:lumOff val="5000"/>
-                  </a:schemeClr>
-                </a:solidFill>
-                <a:latin typeface="Montserrat"/>
-                <a:ea typeface="Montserrat"/>
-                <a:cs typeface="Montserrat"/>
-                <a:sym typeface="Montserrat"/>
-              </a:rPr>
-              <a:t>	</a:t>
-            </a:r>
-            <a:r>
-              <a:rPr lang="en-US" sz="1800" b="1" dirty="0">
-                <a:solidFill>
-                  <a:schemeClr val="tx1">
-                    <a:lumMod val="95000"/>
-                    <a:lumOff val="5000"/>
-                  </a:schemeClr>
-                </a:solidFill>
-                <a:latin typeface="Montserrat"/>
-                <a:ea typeface="Montserrat"/>
-                <a:cs typeface="Montserrat"/>
-                <a:sym typeface="Montserrat"/>
-              </a:rPr>
-              <a:t>GROUP BY </a:t>
-            </a:r>
-            <a:r>
-              <a:rPr lang="en-US" sz="1800" dirty="0">
-                <a:solidFill>
-                  <a:schemeClr val="tx1">
-                    <a:lumMod val="95000"/>
-                    <a:lumOff val="5000"/>
-                  </a:schemeClr>
-                </a:solidFill>
-                <a:latin typeface="Montserrat"/>
-                <a:ea typeface="Montserrat"/>
-                <a:cs typeface="Montserrat"/>
-                <a:sym typeface="Montserrat"/>
-              </a:rPr>
-              <a:t>Music    </a:t>
-            </a:r>
-          </a:p>
-          <a:p>
-            <a:pPr marL="457200" marR="0" lvl="0" indent="457200" algn="l" rtl="0">
-              <a:spcBef>
-                <a:spcPts val="0"/>
-              </a:spcBef>
-              <a:spcAft>
-                <a:spcPts val="0"/>
-              </a:spcAft>
-              <a:buNone/>
-            </a:pPr>
-            <a:r>
-              <a:rPr lang="en-US" sz="1800" dirty="0">
-                <a:solidFill>
-                  <a:schemeClr val="tx1">
-                    <a:lumMod val="95000"/>
-                    <a:lumOff val="5000"/>
-                  </a:schemeClr>
-                </a:solidFill>
-                <a:latin typeface="Montserrat"/>
-                <a:ea typeface="Montserrat"/>
-                <a:cs typeface="Montserrat"/>
-                <a:sym typeface="Montserrat"/>
-              </a:rPr>
-              <a:t>	</a:t>
-            </a:r>
-            <a:r>
-              <a:rPr lang="en-US" sz="1800" b="1" dirty="0">
-                <a:solidFill>
-                  <a:schemeClr val="tx1">
-                    <a:lumMod val="95000"/>
-                    <a:lumOff val="5000"/>
-                  </a:schemeClr>
-                </a:solidFill>
-                <a:latin typeface="Montserrat"/>
-                <a:ea typeface="Montserrat"/>
-                <a:cs typeface="Montserrat"/>
-                <a:sym typeface="Montserrat"/>
-              </a:rPr>
-              <a:t>ORDER BY </a:t>
-            </a:r>
-            <a:r>
-              <a:rPr lang="en-US" sz="1800" dirty="0" err="1">
-                <a:solidFill>
-                  <a:schemeClr val="tx1">
-                    <a:lumMod val="95000"/>
-                    <a:lumOff val="5000"/>
-                  </a:schemeClr>
-                </a:solidFill>
-                <a:latin typeface="Montserrat"/>
-                <a:ea typeface="Montserrat"/>
-                <a:cs typeface="Montserrat"/>
-                <a:sym typeface="Montserrat"/>
-              </a:rPr>
-              <a:t>cnt</a:t>
-            </a:r>
-            <a:r>
-              <a:rPr lang="en-US" sz="1800" dirty="0">
-                <a:solidFill>
-                  <a:schemeClr val="tx1">
-                    <a:lumMod val="95000"/>
-                    <a:lumOff val="5000"/>
-                  </a:schemeClr>
-                </a:solidFill>
-                <a:latin typeface="Montserrat"/>
-                <a:ea typeface="Montserrat"/>
-                <a:cs typeface="Montserrat"/>
-                <a:sym typeface="Montserrat"/>
-              </a:rPr>
-              <a:t> DESC;</a:t>
-            </a:r>
-            <a:endParaRPr lang="en-US" sz="1800" dirty="0">
+              <a:t>Ranking</a:t>
+            </a:r>
+          </a:p>
+          <a:p>
+            <a:endParaRPr lang="en-US" sz="2000" dirty="0">
               <a:solidFill>
                 <a:schemeClr val="dk1"/>
               </a:solidFill>
               <a:latin typeface="Montserrat"/>
-              <a:ea typeface="Montserrat"/>
-              <a:cs typeface="Montserrat"/>
               <a:sym typeface="Montserrat"/>
             </a:endParaRPr>
           </a:p>
           <a:p>
-            <a:pPr marL="0" marR="0" lvl="0" indent="0" algn="l" rtl="0">
-              <a:spcBef>
-                <a:spcPts val="0"/>
-              </a:spcBef>
-              <a:spcAft>
-                <a:spcPts val="0"/>
-              </a:spcAft>
-              <a:buNone/>
-            </a:pPr>
-            <a:endParaRPr sz="1800" dirty="0">
+            <a:r>
+              <a:rPr lang="en-US" sz="2000" dirty="0">
+                <a:solidFill>
+                  <a:schemeClr val="dk1"/>
+                </a:solidFill>
+                <a:latin typeface="Montserrat"/>
+                <a:sym typeface="Montserrat"/>
+              </a:rPr>
+              <a:t>RANK()</a:t>
+            </a:r>
+          </a:p>
+          <a:p>
+            <a:r>
+              <a:rPr lang="en-US" sz="2000" dirty="0">
+                <a:solidFill>
+                  <a:schemeClr val="dk1"/>
+                </a:solidFill>
+                <a:latin typeface="Montserrat"/>
+                <a:sym typeface="Montserrat"/>
+              </a:rPr>
+              <a:t>ROW_NUMBER()</a:t>
+            </a:r>
+          </a:p>
+          <a:p>
+            <a:r>
+              <a:rPr lang="en-US" sz="2000" dirty="0">
+                <a:solidFill>
+                  <a:schemeClr val="dk1"/>
+                </a:solidFill>
+                <a:latin typeface="Montserrat"/>
+                <a:sym typeface="Montserrat"/>
+              </a:rPr>
+              <a:t>DENSE_RANK()</a:t>
+            </a:r>
+          </a:p>
+          <a:p>
+            <a:r>
+              <a:rPr lang="en-US" sz="2000" dirty="0">
+                <a:solidFill>
+                  <a:schemeClr val="dk1"/>
+                </a:solidFill>
+                <a:latin typeface="Montserrat"/>
+                <a:sym typeface="Montserrat"/>
+              </a:rPr>
+              <a:t>PERCENT_RANK()</a:t>
+            </a:r>
+          </a:p>
+          <a:p>
+            <a:r>
+              <a:rPr lang="en-US" sz="2000" dirty="0">
+                <a:solidFill>
+                  <a:schemeClr val="dk1"/>
+                </a:solidFill>
+                <a:latin typeface="Montserrat"/>
+                <a:sym typeface="Montserrat"/>
+              </a:rPr>
+              <a:t>NTILE(n)</a:t>
+            </a:r>
+          </a:p>
+        </p:txBody>
+      </p:sp>
+      <p:sp>
+        <p:nvSpPr>
+          <p:cNvPr id="5" name="TextBox 4">
+            <a:extLst>
+              <a:ext uri="{FF2B5EF4-FFF2-40B4-BE49-F238E27FC236}">
+                <a16:creationId xmlns:a16="http://schemas.microsoft.com/office/drawing/2014/main" id="{71A95444-95AD-ED73-978B-550C1AB002CB}"/>
+              </a:ext>
+            </a:extLst>
+          </p:cNvPr>
+          <p:cNvSpPr txBox="1"/>
+          <p:nvPr/>
+        </p:nvSpPr>
+        <p:spPr>
+          <a:xfrm>
+            <a:off x="3629352" y="1810388"/>
+            <a:ext cx="2300934" cy="2246769"/>
+          </a:xfrm>
+          <a:prstGeom prst="rect">
+            <a:avLst/>
+          </a:prstGeom>
+          <a:noFill/>
+        </p:spPr>
+        <p:txBody>
+          <a:bodyPr wrap="square">
+            <a:spAutoFit/>
+          </a:bodyPr>
+          <a:lstStyle/>
+          <a:p>
+            <a:r>
+              <a:rPr lang="en-US" sz="2000" b="1" dirty="0">
+                <a:solidFill>
+                  <a:srgbClr val="7030A0"/>
+                </a:solidFill>
+                <a:latin typeface="Montserrat"/>
+                <a:ea typeface="Montserrat"/>
+                <a:cs typeface="Montserrat"/>
+                <a:sym typeface="Montserrat"/>
+              </a:rPr>
+              <a:t>Value</a:t>
+            </a:r>
+          </a:p>
+          <a:p>
+            <a:endParaRPr lang="en-US" sz="2000" dirty="0">
               <a:solidFill>
                 <a:schemeClr val="dk1"/>
               </a:solidFill>
               <a:latin typeface="Montserrat"/>
-              <a:ea typeface="Montserrat"/>
-              <a:cs typeface="Montserrat"/>
               <a:sym typeface="Montserrat"/>
             </a:endParaRPr>
           </a:p>
           <a:p>
-            <a:pPr marL="0" marR="0" lvl="0" indent="0" algn="l" rtl="0">
-              <a:spcBef>
-                <a:spcPts val="0"/>
-              </a:spcBef>
-              <a:spcAft>
-                <a:spcPts val="0"/>
-              </a:spcAft>
-              <a:buNone/>
-            </a:pPr>
-            <a:r>
-              <a:rPr lang="en-US" sz="1800" dirty="0">
+            <a:r>
+              <a:rPr lang="en-US" sz="2000" dirty="0">
                 <a:solidFill>
                   <a:schemeClr val="dk1"/>
                 </a:solidFill>
                 <a:latin typeface="Montserrat"/>
-                <a:ea typeface="Montserrat"/>
-                <a:cs typeface="Montserrat"/>
-                <a:sym typeface="Montserrat"/>
-              </a:rPr>
-              <a:t>Now calculate the rank of each music, putting 1 to the most popular, 2, to the second most popular, </a:t>
-            </a:r>
-            <a:r>
-              <a:rPr lang="en-US" sz="1800" dirty="0" err="1">
+                <a:sym typeface="Montserrat"/>
+              </a:rPr>
+              <a:t>LAG()</a:t>
+            </a:r>
+          </a:p>
+          <a:p>
+            <a:r>
+              <a:rPr lang="en-US" sz="2000" dirty="0">
                 <a:solidFill>
                   <a:schemeClr val="dk1"/>
                 </a:solidFill>
                 <a:latin typeface="Montserrat"/>
-                <a:ea typeface="Montserrat"/>
-                <a:cs typeface="Montserrat"/>
-                <a:sym typeface="Montserrat"/>
-              </a:rPr>
-              <a:t>etc</a:t>
-            </a:r>
-            <a:endParaRPr lang="en-US" sz="1800" dirty="0">
-              <a:solidFill>
-                <a:schemeClr val="dk1"/>
-              </a:solidFill>
-              <a:latin typeface="Montserrat"/>
-              <a:ea typeface="Montserrat"/>
-              <a:cs typeface="Montserrat"/>
-              <a:sym typeface="Montserrat"/>
-            </a:endParaRPr>
-          </a:p>
-          <a:p>
-            <a:pPr marL="0" marR="0" lvl="0" indent="0" algn="l" rtl="0">
-              <a:spcBef>
-                <a:spcPts val="0"/>
-              </a:spcBef>
-              <a:spcAft>
-                <a:spcPts val="0"/>
-              </a:spcAft>
-              <a:buNone/>
-            </a:pPr>
-            <a:endParaRPr sz="1800" dirty="0">
-              <a:solidFill>
-                <a:schemeClr val="dk1"/>
-              </a:solidFill>
-              <a:latin typeface="Montserrat"/>
-              <a:ea typeface="Montserrat"/>
-              <a:cs typeface="Montserrat"/>
-              <a:sym typeface="Montserrat"/>
-            </a:endParaRPr>
-          </a:p>
-          <a:p>
-            <a:pPr lvl="1"/>
-            <a:r>
-              <a:rPr lang="en-US" sz="1800" b="1" dirty="0">
-                <a:solidFill>
-                  <a:schemeClr val="tx1">
-                    <a:lumMod val="95000"/>
-                    <a:lumOff val="5000"/>
-                  </a:schemeClr>
-                </a:solidFill>
-                <a:latin typeface="Montserrat"/>
-                <a:ea typeface="Montserrat"/>
-                <a:cs typeface="Montserrat"/>
-                <a:sym typeface="Montserrat"/>
-              </a:rPr>
-              <a:t>	SELECT </a:t>
-            </a:r>
-            <a:r>
-              <a:rPr lang="en-US" sz="1800" dirty="0">
-                <a:solidFill>
-                  <a:schemeClr val="tx1">
-                    <a:lumMod val="95000"/>
-                    <a:lumOff val="5000"/>
-                  </a:schemeClr>
-                </a:solidFill>
-                <a:latin typeface="Montserrat"/>
-                <a:ea typeface="Montserrat"/>
-                <a:cs typeface="Montserrat"/>
-                <a:sym typeface="Montserrat"/>
-              </a:rPr>
-              <a:t>music, </a:t>
-            </a:r>
-            <a:r>
-              <a:rPr lang="en-US" sz="1800" dirty="0" err="1">
-                <a:solidFill>
-                  <a:schemeClr val="tx1">
-                    <a:lumMod val="95000"/>
-                    <a:lumOff val="5000"/>
-                  </a:schemeClr>
-                </a:solidFill>
-                <a:latin typeface="Montserrat"/>
-                <a:ea typeface="Montserrat"/>
-                <a:cs typeface="Montserrat"/>
-                <a:sym typeface="Montserrat"/>
-              </a:rPr>
-              <a:t>cnt</a:t>
-            </a:r>
-            <a:r>
-              <a:rPr lang="en-US" sz="1800" dirty="0">
-                <a:solidFill>
-                  <a:schemeClr val="tx1">
-                    <a:lumMod val="95000"/>
-                    <a:lumOff val="5000"/>
-                  </a:schemeClr>
-                </a:solidFill>
-                <a:latin typeface="Montserrat"/>
-                <a:ea typeface="Montserrat"/>
-                <a:cs typeface="Montserrat"/>
-                <a:sym typeface="Montserrat"/>
-              </a:rPr>
-              <a:t>,</a:t>
-            </a:r>
-          </a:p>
-          <a:p>
-            <a:pPr lvl="1"/>
-            <a:r>
-              <a:rPr lang="en-US" sz="1800" b="1" dirty="0">
-                <a:solidFill>
-                  <a:schemeClr val="tx1">
-                    <a:lumMod val="95000"/>
-                    <a:lumOff val="5000"/>
-                  </a:schemeClr>
-                </a:solidFill>
-                <a:latin typeface="Montserrat"/>
-                <a:ea typeface="Montserrat"/>
-                <a:cs typeface="Montserrat"/>
-                <a:sym typeface="Montserrat"/>
-              </a:rPr>
-              <a:t>		</a:t>
-            </a:r>
-            <a:r>
-              <a:rPr lang="en-US" sz="1800" b="1" dirty="0">
-                <a:solidFill>
-                  <a:srgbClr val="C00000"/>
-                </a:solidFill>
-                <a:latin typeface="Montserrat"/>
-                <a:ea typeface="Montserrat"/>
-                <a:cs typeface="Montserrat"/>
-                <a:sym typeface="Montserrat"/>
-              </a:rPr>
-              <a:t>RANK() </a:t>
-            </a:r>
-            <a:r>
-              <a:rPr lang="en-US" sz="1800" b="1" dirty="0">
-                <a:solidFill>
-                  <a:srgbClr val="7030A0"/>
-                </a:solidFill>
-                <a:latin typeface="Montserrat"/>
-                <a:ea typeface="Montserrat"/>
-                <a:cs typeface="Montserrat"/>
-                <a:sym typeface="Montserrat"/>
-              </a:rPr>
-              <a:t>OVER (ORDER BY </a:t>
-            </a:r>
-            <a:r>
-              <a:rPr lang="en-US" sz="1800" b="1" dirty="0" err="1">
-                <a:solidFill>
-                  <a:srgbClr val="7030A0"/>
-                </a:solidFill>
-                <a:latin typeface="Montserrat"/>
-                <a:ea typeface="Montserrat"/>
-                <a:cs typeface="Montserrat"/>
-                <a:sym typeface="Montserrat"/>
-              </a:rPr>
-              <a:t>cnt</a:t>
-            </a:r>
-            <a:r>
-              <a:rPr lang="en-US" sz="1800" b="1" dirty="0">
-                <a:solidFill>
-                  <a:srgbClr val="7030A0"/>
-                </a:solidFill>
-                <a:latin typeface="Montserrat"/>
-                <a:ea typeface="Montserrat"/>
-                <a:cs typeface="Montserrat"/>
-                <a:sym typeface="Montserrat"/>
-              </a:rPr>
-              <a:t> DESC) </a:t>
-            </a:r>
-            <a:r>
-              <a:rPr lang="en-US" sz="1800" b="1" dirty="0">
-                <a:solidFill>
-                  <a:schemeClr val="tx1">
-                    <a:lumMod val="95000"/>
-                    <a:lumOff val="5000"/>
-                  </a:schemeClr>
-                </a:solidFill>
-                <a:latin typeface="Montserrat"/>
-                <a:ea typeface="Montserrat"/>
-                <a:cs typeface="Montserrat"/>
-                <a:sym typeface="Montserrat"/>
-              </a:rPr>
-              <a:t>AS </a:t>
-            </a:r>
-            <a:r>
-              <a:rPr lang="en-US" sz="1800" b="1" dirty="0" err="1">
-                <a:solidFill>
-                  <a:schemeClr val="tx1">
-                    <a:lumMod val="95000"/>
-                    <a:lumOff val="5000"/>
-                  </a:schemeClr>
-                </a:solidFill>
-                <a:latin typeface="Montserrat"/>
-                <a:ea typeface="Montserrat"/>
-                <a:cs typeface="Montserrat"/>
-                <a:sym typeface="Montserrat"/>
-              </a:rPr>
-              <a:t>music_rank</a:t>
-            </a:r>
-            <a:r>
-              <a:rPr lang="en-US" sz="1800" b="1" dirty="0">
-                <a:solidFill>
-                  <a:schemeClr val="tx1">
-                    <a:lumMod val="95000"/>
-                    <a:lumOff val="5000"/>
-                  </a:schemeClr>
-                </a:solidFill>
-                <a:latin typeface="Montserrat"/>
-                <a:ea typeface="Montserrat"/>
-                <a:cs typeface="Montserrat"/>
-                <a:sym typeface="Montserrat"/>
-              </a:rPr>
-              <a:t> 	FROM </a:t>
-            </a:r>
-            <a:r>
-              <a:rPr lang="en-US" sz="1800" dirty="0" err="1">
-                <a:solidFill>
-                  <a:schemeClr val="tx1">
-                    <a:lumMod val="95000"/>
-                    <a:lumOff val="5000"/>
-                  </a:schemeClr>
-                </a:solidFill>
-                <a:latin typeface="Montserrat"/>
-                <a:ea typeface="Montserrat"/>
-                <a:cs typeface="Montserrat"/>
-                <a:sym typeface="Montserrat"/>
-              </a:rPr>
-              <a:t>popular_music</a:t>
-            </a:r>
-            <a:r>
-              <a:rPr lang="en-US" sz="1800" dirty="0">
-                <a:solidFill>
-                  <a:schemeClr val="tx1">
-                    <a:lumMod val="95000"/>
-                    <a:lumOff val="5000"/>
-                  </a:schemeClr>
-                </a:solidFill>
-                <a:latin typeface="Montserrat"/>
-                <a:ea typeface="Montserrat"/>
-                <a:cs typeface="Montserrat"/>
-                <a:sym typeface="Montserrat"/>
-              </a:rPr>
-              <a:t>;</a:t>
-            </a:r>
-            <a:endParaRPr sz="1800" dirty="0">
-              <a:solidFill>
-                <a:schemeClr val="tx1">
-                  <a:lumMod val="95000"/>
-                  <a:lumOff val="5000"/>
-                </a:schemeClr>
-              </a:solidFill>
-              <a:latin typeface="Montserrat"/>
-              <a:ea typeface="Montserrat"/>
-              <a:cs typeface="Montserrat"/>
-              <a:sym typeface="Montserrat"/>
-            </a:endParaRPr>
-          </a:p>
-          <a:p>
-            <a:pPr marL="457200" marR="0" lvl="1" indent="0" algn="l" rtl="0">
-              <a:spcBef>
-                <a:spcPts val="0"/>
-              </a:spcBef>
-              <a:spcAft>
-                <a:spcPts val="0"/>
-              </a:spcAft>
-              <a:buNone/>
-            </a:pPr>
-            <a:endParaRPr sz="1800" i="0" u="none" strike="noStrike" cap="none" dirty="0">
-              <a:solidFill>
-                <a:schemeClr val="dk1"/>
-              </a:solidFill>
-              <a:latin typeface="Montserrat"/>
-              <a:ea typeface="Montserrat"/>
-              <a:cs typeface="Montserrat"/>
-              <a:sym typeface="Montserrat"/>
-            </a:endParaRPr>
-          </a:p>
-          <a:p>
-            <a:pPr marL="0" marR="0" lvl="0" indent="0" algn="l" rtl="0">
-              <a:spcBef>
-                <a:spcPts val="0"/>
-              </a:spcBef>
-              <a:spcAft>
-                <a:spcPts val="0"/>
-              </a:spcAft>
-              <a:buNone/>
-            </a:pPr>
-            <a:r>
-              <a:rPr lang="en-US" sz="1800" b="1" dirty="0">
-                <a:solidFill>
-                  <a:srgbClr val="C00000"/>
-                </a:solidFill>
-                <a:latin typeface="Montserrat"/>
-                <a:ea typeface="Montserrat"/>
-                <a:cs typeface="Montserrat"/>
-                <a:sym typeface="Montserrat"/>
-              </a:rPr>
-              <a:t>RANK(): </a:t>
-            </a:r>
-            <a:r>
-              <a:rPr lang="en-US" sz="1800" i="1" dirty="0">
-                <a:solidFill>
-                  <a:srgbClr val="C00000"/>
-                </a:solidFill>
-                <a:latin typeface="Montserrat"/>
-                <a:ea typeface="Montserrat"/>
-                <a:cs typeface="Montserrat"/>
-                <a:sym typeface="Montserrat"/>
-              </a:rPr>
-              <a:t>the function applied to each row in the window</a:t>
-            </a:r>
-          </a:p>
-          <a:p>
-            <a:pPr marL="0" marR="0" lvl="0" indent="0" algn="l" rtl="0">
-              <a:spcBef>
-                <a:spcPts val="0"/>
-              </a:spcBef>
-              <a:spcAft>
-                <a:spcPts val="0"/>
-              </a:spcAft>
-              <a:buNone/>
-            </a:pPr>
-            <a:r>
-              <a:rPr lang="en-US" sz="1800" b="1" dirty="0">
-                <a:solidFill>
-                  <a:srgbClr val="7030A0"/>
-                </a:solidFill>
-                <a:latin typeface="Montserrat"/>
-                <a:ea typeface="Montserrat"/>
-                <a:cs typeface="Montserrat"/>
-                <a:sym typeface="Montserrat"/>
-              </a:rPr>
-              <a:t>OVER (ORDER BY </a:t>
-            </a:r>
-            <a:r>
-              <a:rPr lang="en-US" sz="1800" b="1" dirty="0" err="1">
-                <a:solidFill>
-                  <a:srgbClr val="7030A0"/>
-                </a:solidFill>
-                <a:latin typeface="Montserrat"/>
-                <a:ea typeface="Montserrat"/>
-                <a:cs typeface="Montserrat"/>
-                <a:sym typeface="Montserrat"/>
-              </a:rPr>
-              <a:t>cnt</a:t>
-            </a:r>
-            <a:r>
-              <a:rPr lang="en-US" sz="1800" b="1" dirty="0">
-                <a:solidFill>
-                  <a:srgbClr val="7030A0"/>
-                </a:solidFill>
-                <a:latin typeface="Montserrat"/>
-                <a:ea typeface="Montserrat"/>
-                <a:cs typeface="Montserrat"/>
-                <a:sym typeface="Montserrat"/>
-              </a:rPr>
-              <a:t> DESC): </a:t>
-            </a:r>
-            <a:r>
-              <a:rPr lang="en-US" sz="1800" i="1" dirty="0">
-                <a:solidFill>
-                  <a:srgbClr val="7030A0"/>
-                </a:solidFill>
-                <a:latin typeface="Montserrat"/>
-                <a:ea typeface="Montserrat"/>
-                <a:cs typeface="Montserrat"/>
-                <a:sym typeface="Montserrat"/>
-              </a:rPr>
-              <a:t>the window (in this case, the whole table, ordered by descending counts)</a:t>
-            </a:r>
-            <a:endParaRPr sz="1800" i="1" dirty="0">
-              <a:solidFill>
-                <a:schemeClr val="dk1"/>
-              </a:solidFill>
-              <a:latin typeface="Montserrat"/>
-              <a:ea typeface="Montserrat"/>
-              <a:cs typeface="Montserrat"/>
-              <a:sym typeface="Montserrat"/>
-            </a:endParaRPr>
+                <a:sym typeface="Montserrat"/>
+              </a:rPr>
+              <a:t>LEAD()</a:t>
+            </a:r>
+          </a:p>
+          <a:p>
+            <a:r>
+              <a:rPr lang="en-US" sz="2000" dirty="0">
+                <a:solidFill>
+                  <a:schemeClr val="dk1"/>
+                </a:solidFill>
+                <a:latin typeface="Montserrat"/>
+                <a:sym typeface="Montserrat"/>
+              </a:rPr>
+              <a:t>FIRST_VALUE()</a:t>
+            </a:r>
+          </a:p>
+          <a:p>
+            <a:r>
+              <a:rPr lang="en-US" sz="2000" dirty="0">
+                <a:solidFill>
+                  <a:schemeClr val="dk1"/>
+                </a:solidFill>
+                <a:latin typeface="Montserrat"/>
+                <a:sym typeface="Montserrat"/>
+              </a:rPr>
+              <a:t>LAST_VALUE()</a:t>
+            </a:r>
+          </a:p>
+          <a:p>
+            <a:r>
+              <a:rPr lang="en-US" sz="2000" dirty="0">
+                <a:solidFill>
+                  <a:schemeClr val="dk1"/>
+                </a:solidFill>
+                <a:latin typeface="Montserrat"/>
+                <a:sym typeface="Montserrat"/>
+              </a:rPr>
+              <a:t>NTH_VALUE()</a:t>
+            </a:r>
           </a:p>
         </p:txBody>
       </p:sp>
     </p:spTree>
     <p:extLst>
       <p:ext uri="{BB962C8B-B14F-4D97-AF65-F5344CB8AC3E}">
-        <p14:creationId xmlns:p14="http://schemas.microsoft.com/office/powerpoint/2010/main" val="1480579886"/>
+        <p14:creationId xmlns:p14="http://schemas.microsoft.com/office/powerpoint/2010/main" val="1933975902"/>
       </p:ext>
     </p:extLst>
   </p:cSld>
@@ -14255,8 +16986,8 @@
         </p:nvSpPr>
         <p:spPr>
           <a:xfrm>
-            <a:off x="93785" y="1376737"/>
-            <a:ext cx="9050215" cy="5355272"/>
+            <a:off x="353103" y="1100512"/>
+            <a:ext cx="8790897" cy="2462172"/>
           </a:xfrm>
           <a:prstGeom prst="rect">
             <a:avLst/>
@@ -14285,7 +17016,7 @@
               <a:buSzPts val="1800"/>
             </a:pPr>
             <a:r>
-              <a:rPr lang="en-US" sz="1800" dirty="0">
+              <a:rPr lang="en-US" sz="1800" b="1" dirty="0">
                 <a:solidFill>
                   <a:schemeClr val="dk1"/>
                 </a:solidFill>
@@ -14294,7 +17025,19 @@
                 <a:cs typeface="Montserrat"/>
                 <a:sym typeface="Montserrat"/>
               </a:rPr>
-              <a:t>Create a (temporary) table with the most popular music on Facebook:</a:t>
+              <a:t>Setup</a:t>
+            </a:r>
+            <a:r>
+              <a:rPr lang="en-US" sz="1800" dirty="0">
+                <a:solidFill>
+                  <a:schemeClr val="dk1"/>
+                </a:solidFill>
+                <a:latin typeface="Montserrat"/>
+                <a:ea typeface="Montserrat"/>
+                <a:cs typeface="Montserrat"/>
+                <a:sym typeface="Montserrat"/>
+              </a:rPr>
+              <a:t>: Create a (temporary) table with the most popular music on Facebook:</a:t>
             </a:r>
           </a:p>
           <a:p>
@@ -14336,9 +17079,8 @@
             <a:r>
               <a:rPr lang="en-US" sz="1800" b="1" dirty="0">
                 <a:solidFill>
-                  <a:schemeClr val="tx1">
-                    <a:lumMod val="95000"/>
-                    <a:lumOff val="5000"/>
+                  <a:schemeClr val="bg1">
+                    <a:lumMod val="50000"/>
                   </a:schemeClr>
                 </a:solidFill>
                 <a:latin typeface="Montserrat"/>
@@ -14346,14 +17088,13 @@
                 <a:cs typeface="Montserrat"/>
                 <a:sym typeface="Montserrat"/>
               </a:rPr>
-              <a:t>CREATE TEMPORARY TABLE </a:t>
-            </a:r>
-            <a:r>
-              <a:rPr lang="en-US" sz="1800" dirty="0" err="1">
-                <a:solidFill>
-                  <a:schemeClr val="tx1">
-                    <a:lumMod val="95000"/>
-                    <a:lumOff val="5000"/>
+              <a:t>	CREATE TEMPORARY TABLE </a:t>
+            </a:r>
+            <a:r>
+              <a:rPr lang="en-US" sz="1800" b="1" dirty="0" err="1">
+                <a:solidFill>
+                  <a:schemeClr val="bg1">
+                    <a:lumMod val="50000"/>
                   </a:schemeClr>
                 </a:solidFill>
                 <a:latin typeface="Montserrat"/>
@@ -14361,14 +17102,13 @@
                 <a:cs typeface="Montserrat"/>
                 <a:sym typeface="Montserrat"/>
               </a:rPr>
-              <a:t>popular_music_and_gender</a:t>
-            </a:r>
-            <a:r>
-              <a:rPr lang="en-US" sz="1800" dirty="0">
-                <a:solidFill>
-                  <a:schemeClr val="tx1">
-                    <a:lumMod val="95000"/>
-                    <a:lumOff val="5000"/>
+              <a:t>popular_music</a:t>
+            </a:r>
+            <a:r>
+              <a:rPr lang="en-US" sz="1800" b="1" dirty="0">
+                <a:solidFill>
+                  <a:schemeClr val="bg1">
+                    <a:lumMod val="50000"/>
                   </a:schemeClr>
                 </a:solidFill>
                 <a:latin typeface="Montserrat"/>
@@ -14376,14 +17116,24 @@
                 <a:cs typeface="Montserrat"/>
                 <a:sym typeface="Montserrat"/>
               </a:rPr>
-              <a:t> </a:t>
-            </a:r>
-            <a:r>
-              <a:rPr lang="en-US" sz="1800" b="1" dirty="0">
-                <a:solidFill>
-                  <a:schemeClr val="tx1">
-                    <a:lumMod val="95000"/>
-                    <a:lumOff val="5000"/>
+              <a:t> AS</a:t>
+            </a:r>
+          </a:p>
+          <a:p>
+            <a:pPr marL="457200" marR="0" lvl="0" indent="457200" algn="l" rtl="0">
+              <a:spcBef>
+                <a:spcPts val="0"/>
+              </a:spcBef>
+              <a:spcAft>
+                <a:spcPts val="0"/>
+              </a:spcAft>
+              <a:buNone/>
+            </a:pPr>
+            <a:r>
+              <a:rPr lang="en-US" sz="1600" b="1" dirty="0">
+                <a:solidFill>
+                  <a:schemeClr val="bg1">
+                    <a:lumMod val="50000"/>
                   </a:schemeClr>
                 </a:solidFill>
                 <a:latin typeface="Montserrat"/>
@@ -14391,14 +17141,13 @@
                 <a:cs typeface="Montserrat"/>
                 <a:sym typeface="Montserrat"/>
               </a:rPr>
-              <a:t>AS</a:t>
-            </a:r>
-            <a:r>
-              <a:rPr lang="en-US" sz="1800" dirty="0">
-                <a:solidFill>
-                  <a:schemeClr val="tx1">
-                    <a:lumMod val="95000"/>
-                    <a:lumOff val="5000"/>
+              <a:t>	SELECT</a:t>
+            </a:r>
+            <a:r>
+              <a:rPr lang="en-US" sz="1600" dirty="0">
+                <a:solidFill>
+                  <a:schemeClr val="bg1">
+                    <a:lumMod val="50000"/>
                   </a:schemeClr>
                 </a:solidFill>
                 <a:latin typeface="Montserrat"/>
@@ -14406,22 +17155,13 @@
                 <a:cs typeface="Montserrat"/>
                 <a:sym typeface="Montserrat"/>
               </a:rPr>
-              <a:t>	</a:t>
-            </a:r>
-          </a:p>
-          <a:p>
-            <a:pPr lvl="4">
-              <a:buClr>
-                <a:schemeClr val="dk1"/>
-              </a:buClr>
-              <a:buSzPts val="1800"/>
-            </a:pPr>
-            <a:r>
-              <a:rPr lang="en-US" sz="1800" b="1" dirty="0">
-                <a:solidFill>
-                  <a:schemeClr val="tx1">
-                    <a:lumMod val="95000"/>
-                    <a:lumOff val="5000"/>
+              <a:t> Music AS music, COUNT(</a:t>
+            </a:r>
+            <a:r>
+              <a:rPr lang="en-US" sz="1600" dirty="0" err="1">
+                <a:solidFill>
+                  <a:schemeClr val="bg1">
+                    <a:lumMod val="50000"/>
                   </a:schemeClr>
                 </a:solidFill>
                 <a:latin typeface="Montserrat"/>
@@ -14429,14 +17169,13 @@
                 <a:cs typeface="Montserrat"/>
                 <a:sym typeface="Montserrat"/>
               </a:rPr>
-              <a:t>SELECT</a:t>
-            </a:r>
-            <a:r>
-              <a:rPr lang="en-US" sz="1800" dirty="0">
-                <a:solidFill>
-                  <a:schemeClr val="tx1">
-                    <a:lumMod val="95000"/>
-                    <a:lumOff val="5000"/>
+              <a:t>ProfileID</a:t>
+            </a:r>
+            <a:r>
+              <a:rPr lang="en-US" sz="1600" dirty="0">
+                <a:solidFill>
+                  <a:schemeClr val="bg1">
+                    <a:lumMod val="50000"/>
                   </a:schemeClr>
                 </a:solidFill>
                 <a:latin typeface="Montserrat"/>
@@ -14444,14 +17183,13 @@
                 <a:cs typeface="Montserrat"/>
                 <a:sym typeface="Montserrat"/>
               </a:rPr>
-              <a:t> </a:t>
-            </a:r>
-            <a:r>
-              <a:rPr lang="en-US" sz="1800" dirty="0" err="1">
-                <a:solidFill>
-                  <a:schemeClr val="tx1">
-                    <a:lumMod val="95000"/>
-                    <a:lumOff val="5000"/>
+              <a:t>) AS </a:t>
+            </a:r>
+            <a:r>
+              <a:rPr lang="en-US" sz="1600" dirty="0" err="1">
+                <a:solidFill>
+                  <a:schemeClr val="bg1">
+                    <a:lumMod val="50000"/>
                   </a:schemeClr>
                 </a:solidFill>
                 <a:latin typeface="Montserrat"/>
@@ -14459,14 +17197,13 @@
                 <a:cs typeface="Montserrat"/>
                 <a:sym typeface="Montserrat"/>
               </a:rPr>
-              <a:t>M.Music</a:t>
-            </a:r>
-            <a:r>
-              <a:rPr lang="en-US" sz="1800" dirty="0">
-                <a:solidFill>
-                  <a:schemeClr val="tx1">
-                    <a:lumMod val="95000"/>
-                    <a:lumOff val="5000"/>
+              <a:t>cnt</a:t>
+            </a:r>
+            <a:r>
+              <a:rPr lang="en-US" sz="1600" dirty="0">
+                <a:solidFill>
+                  <a:schemeClr val="bg1">
+                    <a:lumMod val="50000"/>
                   </a:schemeClr>
                 </a:solidFill>
                 <a:latin typeface="Montserrat"/>
@@ -14474,14 +17211,24 @@
                 <a:cs typeface="Montserrat"/>
                 <a:sym typeface="Montserrat"/>
               </a:rPr>
-              <a:t>, </a:t>
-            </a:r>
-            <a:r>
-              <a:rPr lang="en-US" sz="1800" dirty="0" err="1">
-                <a:solidFill>
-                  <a:schemeClr val="tx1">
-                    <a:lumMod val="95000"/>
-                    <a:lumOff val="5000"/>
+              <a:t>    </a:t>
+            </a:r>
+          </a:p>
+          <a:p>
+            <a:pPr marL="457200" marR="0" lvl="0" indent="457200" algn="l" rtl="0">
+              <a:spcBef>
+                <a:spcPts val="0"/>
+              </a:spcBef>
+              <a:spcAft>
+                <a:spcPts val="0"/>
+              </a:spcAft>
+              <a:buNone/>
+            </a:pPr>
+            <a:r>
+              <a:rPr lang="en-US" sz="1600" dirty="0">
+                <a:solidFill>
+                  <a:schemeClr val="bg1">
+                    <a:lumMod val="50000"/>
                   </a:schemeClr>
                 </a:solidFill>
                 <a:latin typeface="Montserrat"/>
@@ -14489,14 +17236,13 @@
                 <a:cs typeface="Montserrat"/>
                 <a:sym typeface="Montserrat"/>
               </a:rPr>
-              <a:t>P.Sex</a:t>
-            </a:r>
-            <a:r>
-              <a:rPr lang="en-US" sz="1800" dirty="0">
-                <a:solidFill>
-                  <a:schemeClr val="tx1">
-                    <a:lumMod val="95000"/>
-                    <a:lumOff val="5000"/>
+              <a:t>	</a:t>
+            </a:r>
+            <a:r>
+              <a:rPr lang="en-US" sz="1600" b="1" dirty="0">
+                <a:solidFill>
+                  <a:schemeClr val="bg1">
+                    <a:lumMod val="50000"/>
                   </a:schemeClr>
                 </a:solidFill>
                 <a:latin typeface="Montserrat"/>
@@ -14504,14 +17250,13 @@
                 <a:cs typeface="Montserrat"/>
                 <a:sym typeface="Montserrat"/>
               </a:rPr>
-              <a:t>, COUNT(</a:t>
-            </a:r>
-            <a:r>
-              <a:rPr lang="en-US" sz="1800" dirty="0" err="1">
-                <a:solidFill>
-                  <a:schemeClr val="tx1">
-                    <a:lumMod val="95000"/>
-                    <a:lumOff val="5000"/>
+              <a:t>FROM</a:t>
+            </a:r>
+            <a:r>
+              <a:rPr lang="en-US" sz="1600" dirty="0">
+                <a:solidFill>
+                  <a:schemeClr val="bg1">
+                    <a:lumMod val="50000"/>
                   </a:schemeClr>
                 </a:solidFill>
                 <a:latin typeface="Montserrat"/>
@@ -14519,14 +17264,13 @@
                 <a:cs typeface="Montserrat"/>
                 <a:sym typeface="Montserrat"/>
               </a:rPr>
-              <a:t>P.ProfileID</a:t>
-            </a:r>
-            <a:r>
-              <a:rPr lang="en-US" sz="1800" dirty="0">
-                <a:solidFill>
-                  <a:schemeClr val="tx1">
-                    <a:lumMod val="95000"/>
-                    <a:lumOff val="5000"/>
+              <a:t> </a:t>
+            </a:r>
+            <a:r>
+              <a:rPr lang="en-US" sz="1600" dirty="0" err="1">
+                <a:solidFill>
+                  <a:schemeClr val="bg1">
+                    <a:lumMod val="50000"/>
                   </a:schemeClr>
                 </a:solidFill>
                 <a:latin typeface="Montserrat"/>
@@ -14534,14 +17278,13 @@
                 <a:cs typeface="Montserrat"/>
                 <a:sym typeface="Montserrat"/>
               </a:rPr>
-              <a:t>) AS </a:t>
-            </a:r>
-            <a:r>
-              <a:rPr lang="en-US" sz="1800" dirty="0" err="1">
-                <a:solidFill>
-                  <a:schemeClr val="tx1">
-                    <a:lumMod val="95000"/>
-                    <a:lumOff val="5000"/>
+              <a:t>FavoriteMusic</a:t>
+            </a:r>
+            <a:r>
+              <a:rPr lang="en-US" sz="1600" dirty="0">
+                <a:solidFill>
+                  <a:schemeClr val="bg1">
+                    <a:lumMod val="50000"/>
                   </a:schemeClr>
                 </a:solidFill>
                 <a:latin typeface="Montserrat"/>
@@ -14549,14 +17292,24 @@
                 <a:cs typeface="Montserrat"/>
                 <a:sym typeface="Montserrat"/>
               </a:rPr>
-              <a:t>cnt</a:t>
-            </a:r>
-            <a:r>
-              <a:rPr lang="en-US" sz="1800" dirty="0">
-                <a:solidFill>
-                  <a:schemeClr val="tx1">
-                    <a:lumMod val="95000"/>
-                    <a:lumOff val="5000"/>
+              <a:t>    </a:t>
+            </a:r>
+          </a:p>
+          <a:p>
+            <a:pPr marL="457200" marR="0" lvl="0" indent="457200" algn="l" rtl="0">
+              <a:spcBef>
+                <a:spcPts val="0"/>
+              </a:spcBef>
+              <a:spcAft>
+                <a:spcPts val="0"/>
+              </a:spcAft>
+              <a:buNone/>
+            </a:pPr>
+            <a:r>
+              <a:rPr lang="en-US" sz="1600" dirty="0">
+                <a:solidFill>
+                  <a:schemeClr val="bg1">
+                    <a:lumMod val="50000"/>
                   </a:schemeClr>
                 </a:solidFill>
                 <a:latin typeface="Montserrat"/>
@@ -14564,22 +17317,13 @@
                 <a:cs typeface="Montserrat"/>
                 <a:sym typeface="Montserrat"/>
               </a:rPr>
-              <a:t>    </a:t>
-            </a:r>
-          </a:p>
-          <a:p>
-            <a:pPr lvl="4">
-              <a:buClr>
-                <a:schemeClr val="dk1"/>
-              </a:buClr>
-              <a:buSzPts val="1800"/>
-            </a:pPr>
-            <a:r>
-              <a:rPr lang="en-US" sz="1800" b="1" dirty="0">
-                <a:solidFill>
-                  <a:schemeClr val="tx1">
-                    <a:lumMod val="95000"/>
-                    <a:lumOff val="5000"/>
+              <a:t>	</a:t>
+            </a:r>
+            <a:r>
+              <a:rPr lang="en-US" sz="1600" b="1" dirty="0">
+                <a:solidFill>
+                  <a:schemeClr val="bg1">
+                    <a:lumMod val="50000"/>
                   </a:schemeClr>
                 </a:solidFill>
                 <a:latin typeface="Montserrat"/>
@@ -14587,14 +17331,13 @@
                 <a:cs typeface="Montserrat"/>
                 <a:sym typeface="Montserrat"/>
               </a:rPr>
-              <a:t>FROM</a:t>
-            </a:r>
-            <a:r>
-              <a:rPr lang="en-US" sz="1800" dirty="0">
-                <a:solidFill>
-                  <a:schemeClr val="tx1">
-                    <a:lumMod val="95000"/>
-                    <a:lumOff val="5000"/>
+              <a:t>GROUP BY </a:t>
+            </a:r>
+            <a:r>
+              <a:rPr lang="en-US" sz="1600" dirty="0">
+                <a:solidFill>
+                  <a:schemeClr val="bg1">
+                    <a:lumMod val="50000"/>
                   </a:schemeClr>
                 </a:solidFill>
                 <a:latin typeface="Montserrat"/>
@@ -14602,14 +17345,24 @@
                 <a:cs typeface="Montserrat"/>
                 <a:sym typeface="Montserrat"/>
               </a:rPr>
-              <a:t> </a:t>
-            </a:r>
-            <a:r>
-              <a:rPr lang="en-US" sz="1800" dirty="0" err="1">
-                <a:solidFill>
-                  <a:schemeClr val="tx1">
-                    <a:lumMod val="95000"/>
-                    <a:lumOff val="5000"/>
+              <a:t>Music    </a:t>
+            </a:r>
+          </a:p>
+          <a:p>
+            <a:pPr marL="457200" marR="0" lvl="0" indent="457200" algn="l" rtl="0">
+              <a:spcBef>
+                <a:spcPts val="0"/>
+              </a:spcBef>
+              <a:spcAft>
+                <a:spcPts val="0"/>
+              </a:spcAft>
+              <a:buNone/>
+            </a:pPr>
+            <a:r>
+              <a:rPr lang="en-US" sz="1600" dirty="0">
+                <a:solidFill>
+                  <a:schemeClr val="bg1">
+                    <a:lumMod val="50000"/>
                   </a:schemeClr>
                 </a:solidFill>
                 <a:latin typeface="Montserrat"/>
@@ -14617,14 +17370,13 @@
                 <a:cs typeface="Montserrat"/>
                 <a:sym typeface="Montserrat"/>
               </a:rPr>
-              <a:t>FavoriteMusic</a:t>
-            </a:r>
-            <a:r>
-              <a:rPr lang="en-US" sz="1800" dirty="0">
-                <a:solidFill>
-                  <a:schemeClr val="tx1">
-                    <a:lumMod val="95000"/>
-                    <a:lumOff val="5000"/>
+              <a:t>	</a:t>
+            </a:r>
+            <a:r>
+              <a:rPr lang="en-US" sz="1600" b="1" dirty="0">
+                <a:solidFill>
+                  <a:schemeClr val="bg1">
+                    <a:lumMod val="50000"/>
                   </a:schemeClr>
                 </a:solidFill>
                 <a:latin typeface="Montserrat"/>
@@ -14632,14 +17384,13 @@
                 <a:cs typeface="Montserrat"/>
                 <a:sym typeface="Montserrat"/>
               </a:rPr>
-              <a:t> M </a:t>
-            </a:r>
-            <a:r>
-              <a:rPr lang="en-US" sz="1800" b="1" dirty="0">
-                <a:solidFill>
-                  <a:schemeClr val="tx1">
-                    <a:lumMod val="95000"/>
-                    <a:lumOff val="5000"/>
+              <a:t>ORDER BY </a:t>
+            </a:r>
+            <a:r>
+              <a:rPr lang="en-US" sz="1600" dirty="0" err="1">
+                <a:solidFill>
+                  <a:schemeClr val="bg1">
+                    <a:lumMod val="50000"/>
                   </a:schemeClr>
                 </a:solidFill>
                 <a:latin typeface="Montserrat"/>
@@ -14647,14 +17398,13 @@
                 <a:cs typeface="Montserrat"/>
                 <a:sym typeface="Montserrat"/>
               </a:rPr>
-              <a:t>JOIN</a:t>
-            </a:r>
-            <a:r>
-              <a:rPr lang="en-US" sz="1800" dirty="0">
-                <a:solidFill>
-                  <a:schemeClr val="tx1">
-                    <a:lumMod val="95000"/>
-                    <a:lumOff val="5000"/>
+              <a:t>cnt</a:t>
+            </a:r>
+            <a:r>
+              <a:rPr lang="en-US" sz="1600" dirty="0">
+                <a:solidFill>
+                  <a:schemeClr val="bg1">
+                    <a:lumMod val="50000"/>
                   </a:schemeClr>
                 </a:solidFill>
                 <a:latin typeface="Montserrat"/>
@@ -14662,326 +17412,8 @@
                 <a:cs typeface="Montserrat"/>
                 <a:sym typeface="Montserrat"/>
               </a:rPr>
-              <a:t> Profiles P </a:t>
-            </a:r>
-            <a:r>
-              <a:rPr lang="en-US" sz="1800" b="1" dirty="0">
-                <a:solidFill>
-                  <a:schemeClr val="tx1">
-                    <a:lumMod val="95000"/>
-                    <a:lumOff val="5000"/>
-                  </a:schemeClr>
-                </a:solidFill>
-                <a:latin typeface="Montserrat"/>
-                <a:ea typeface="Montserrat"/>
-                <a:cs typeface="Montserrat"/>
-                <a:sym typeface="Montserrat"/>
-              </a:rPr>
-              <a:t>ON</a:t>
-            </a:r>
-            <a:r>
-              <a:rPr lang="en-US" sz="1800" dirty="0">
-                <a:solidFill>
-                  <a:schemeClr val="tx1">
-                    <a:lumMod val="95000"/>
-                    <a:lumOff val="5000"/>
-                  </a:schemeClr>
-                </a:solidFill>
-                <a:latin typeface="Montserrat"/>
-                <a:ea typeface="Montserrat"/>
-                <a:cs typeface="Montserrat"/>
-                <a:sym typeface="Montserrat"/>
-              </a:rPr>
-              <a:t> </a:t>
-            </a:r>
-            <a:r>
-              <a:rPr lang="en-US" sz="1800" dirty="0" err="1">
-                <a:solidFill>
-                  <a:schemeClr val="tx1">
-                    <a:lumMod val="95000"/>
-                    <a:lumOff val="5000"/>
-                  </a:schemeClr>
-                </a:solidFill>
-                <a:latin typeface="Montserrat"/>
-                <a:ea typeface="Montserrat"/>
-                <a:cs typeface="Montserrat"/>
-                <a:sym typeface="Montserrat"/>
-              </a:rPr>
-              <a:t>P.ProfileID</a:t>
-            </a:r>
-            <a:r>
-              <a:rPr lang="en-US" sz="1800" dirty="0">
-                <a:solidFill>
-                  <a:schemeClr val="tx1">
-                    <a:lumMod val="95000"/>
-                    <a:lumOff val="5000"/>
-                  </a:schemeClr>
-                </a:solidFill>
-                <a:latin typeface="Montserrat"/>
-                <a:ea typeface="Montserrat"/>
-                <a:cs typeface="Montserrat"/>
-                <a:sym typeface="Montserrat"/>
-              </a:rPr>
-              <a:t> = </a:t>
-            </a:r>
-            <a:r>
-              <a:rPr lang="en-US" sz="1800" dirty="0" err="1">
-                <a:solidFill>
-                  <a:schemeClr val="tx1">
-                    <a:lumMod val="95000"/>
-                    <a:lumOff val="5000"/>
-                  </a:schemeClr>
-                </a:solidFill>
-                <a:latin typeface="Montserrat"/>
-                <a:ea typeface="Montserrat"/>
-                <a:cs typeface="Montserrat"/>
-                <a:sym typeface="Montserrat"/>
-              </a:rPr>
-              <a:t>M.ProfileID</a:t>
-            </a:r>
-            <a:r>
-              <a:rPr lang="en-US" sz="1800" dirty="0">
-                <a:solidFill>
-                  <a:schemeClr val="tx1">
-                    <a:lumMod val="95000"/>
-                    <a:lumOff val="5000"/>
-                  </a:schemeClr>
-                </a:solidFill>
-                <a:latin typeface="Montserrat"/>
-                <a:ea typeface="Montserrat"/>
-                <a:cs typeface="Montserrat"/>
-                <a:sym typeface="Montserrat"/>
-              </a:rPr>
-              <a:t>    </a:t>
-            </a:r>
-          </a:p>
-          <a:p>
-            <a:pPr lvl="4">
-              <a:buClr>
-                <a:schemeClr val="dk1"/>
-              </a:buClr>
-              <a:buSzPts val="1800"/>
-            </a:pPr>
-            <a:r>
-              <a:rPr lang="en-US" sz="1800" b="1" dirty="0">
-                <a:solidFill>
-                  <a:schemeClr val="tx1">
-                    <a:lumMod val="95000"/>
-                    <a:lumOff val="5000"/>
-                  </a:schemeClr>
-                </a:solidFill>
-                <a:latin typeface="Montserrat"/>
-                <a:ea typeface="Montserrat"/>
-                <a:cs typeface="Montserrat"/>
-                <a:sym typeface="Montserrat"/>
-              </a:rPr>
-              <a:t>WHERE</a:t>
-            </a:r>
-            <a:r>
-              <a:rPr lang="en-US" sz="1800" dirty="0">
-                <a:solidFill>
-                  <a:schemeClr val="tx1">
-                    <a:lumMod val="95000"/>
-                    <a:lumOff val="5000"/>
-                  </a:schemeClr>
-                </a:solidFill>
-                <a:latin typeface="Montserrat"/>
-                <a:ea typeface="Montserrat"/>
-                <a:cs typeface="Montserrat"/>
-                <a:sym typeface="Montserrat"/>
-              </a:rPr>
-              <a:t> </a:t>
-            </a:r>
-            <a:r>
-              <a:rPr lang="en-US" sz="1800" dirty="0" err="1">
-                <a:solidFill>
-                  <a:schemeClr val="tx1">
-                    <a:lumMod val="95000"/>
-                    <a:lumOff val="5000"/>
-                  </a:schemeClr>
-                </a:solidFill>
-                <a:latin typeface="Montserrat"/>
-                <a:ea typeface="Montserrat"/>
-                <a:cs typeface="Montserrat"/>
-                <a:sym typeface="Montserrat"/>
-              </a:rPr>
-              <a:t>P.Sex</a:t>
-            </a:r>
-            <a:r>
-              <a:rPr lang="en-US" sz="1800" dirty="0">
-                <a:solidFill>
-                  <a:schemeClr val="tx1">
-                    <a:lumMod val="95000"/>
-                    <a:lumOff val="5000"/>
-                  </a:schemeClr>
-                </a:solidFill>
-                <a:latin typeface="Montserrat"/>
-                <a:ea typeface="Montserrat"/>
-                <a:cs typeface="Montserrat"/>
-                <a:sym typeface="Montserrat"/>
-              </a:rPr>
-              <a:t> IS NOT NULL</a:t>
-            </a:r>
-          </a:p>
-          <a:p>
-            <a:pPr lvl="4">
-              <a:buClr>
-                <a:schemeClr val="dk1"/>
-              </a:buClr>
-              <a:buSzPts val="1800"/>
-            </a:pPr>
-            <a:r>
-              <a:rPr lang="en-US" sz="1800" b="1" dirty="0">
-                <a:solidFill>
-                  <a:schemeClr val="tx1">
-                    <a:lumMod val="95000"/>
-                    <a:lumOff val="5000"/>
-                  </a:schemeClr>
-                </a:solidFill>
-                <a:latin typeface="Montserrat"/>
-                <a:ea typeface="Montserrat"/>
-                <a:cs typeface="Montserrat"/>
-                <a:sym typeface="Montserrat"/>
-              </a:rPr>
-              <a:t>GROUP</a:t>
-            </a:r>
-            <a:r>
-              <a:rPr lang="en-US" sz="1800" dirty="0">
-                <a:solidFill>
-                  <a:schemeClr val="tx1">
-                    <a:lumMod val="95000"/>
-                    <a:lumOff val="5000"/>
-                  </a:schemeClr>
-                </a:solidFill>
-                <a:latin typeface="Montserrat"/>
-                <a:ea typeface="Montserrat"/>
-                <a:cs typeface="Montserrat"/>
-                <a:sym typeface="Montserrat"/>
-              </a:rPr>
-              <a:t> BY </a:t>
-            </a:r>
-            <a:r>
-              <a:rPr lang="en-US" sz="1800" dirty="0" err="1">
-                <a:solidFill>
-                  <a:schemeClr val="tx1">
-                    <a:lumMod val="95000"/>
-                    <a:lumOff val="5000"/>
-                  </a:schemeClr>
-                </a:solidFill>
-                <a:latin typeface="Montserrat"/>
-                <a:ea typeface="Montserrat"/>
-                <a:cs typeface="Montserrat"/>
-                <a:sym typeface="Montserrat"/>
-              </a:rPr>
-              <a:t>M.Music</a:t>
-            </a:r>
-            <a:r>
-              <a:rPr lang="en-US" sz="1800" dirty="0">
-                <a:solidFill>
-                  <a:schemeClr val="tx1">
-                    <a:lumMod val="95000"/>
-                    <a:lumOff val="5000"/>
-                  </a:schemeClr>
-                </a:solidFill>
-                <a:latin typeface="Montserrat"/>
-                <a:ea typeface="Montserrat"/>
-                <a:cs typeface="Montserrat"/>
-                <a:sym typeface="Montserrat"/>
-              </a:rPr>
-              <a:t>, </a:t>
-            </a:r>
-            <a:r>
-              <a:rPr lang="en-US" sz="1800" dirty="0" err="1">
-                <a:solidFill>
-                  <a:schemeClr val="tx1">
-                    <a:lumMod val="95000"/>
-                    <a:lumOff val="5000"/>
-                  </a:schemeClr>
-                </a:solidFill>
-                <a:latin typeface="Montserrat"/>
-                <a:ea typeface="Montserrat"/>
-                <a:cs typeface="Montserrat"/>
-                <a:sym typeface="Montserrat"/>
-              </a:rPr>
-              <a:t>P.Sex</a:t>
-            </a:r>
-            <a:r>
-              <a:rPr lang="en-US" sz="1800" dirty="0">
-                <a:solidFill>
-                  <a:schemeClr val="tx1">
-                    <a:lumMod val="95000"/>
-                    <a:lumOff val="5000"/>
-                  </a:schemeClr>
-                </a:solidFill>
-                <a:latin typeface="Montserrat"/>
-                <a:ea typeface="Montserrat"/>
-                <a:cs typeface="Montserrat"/>
-                <a:sym typeface="Montserrat"/>
-              </a:rPr>
-              <a:t> 	</a:t>
-            </a:r>
-          </a:p>
-          <a:p>
-            <a:pPr lvl="4">
-              <a:buClr>
-                <a:schemeClr val="dk1"/>
-              </a:buClr>
-              <a:buSzPts val="1800"/>
-            </a:pPr>
-            <a:r>
-              <a:rPr lang="en-US" sz="1800" b="1" dirty="0">
-                <a:solidFill>
-                  <a:schemeClr val="tx1">
-                    <a:lumMod val="95000"/>
-                    <a:lumOff val="5000"/>
-                  </a:schemeClr>
-                </a:solidFill>
-                <a:latin typeface="Montserrat"/>
-                <a:ea typeface="Montserrat"/>
-                <a:cs typeface="Montserrat"/>
-                <a:sym typeface="Montserrat"/>
-              </a:rPr>
-              <a:t>ORDER BY </a:t>
-            </a:r>
-            <a:r>
-              <a:rPr lang="en-US" sz="1800" dirty="0" err="1">
-                <a:solidFill>
-                  <a:schemeClr val="tx1">
-                    <a:lumMod val="95000"/>
-                    <a:lumOff val="5000"/>
-                  </a:schemeClr>
-                </a:solidFill>
-                <a:latin typeface="Montserrat"/>
-                <a:ea typeface="Montserrat"/>
-                <a:cs typeface="Montserrat"/>
-                <a:sym typeface="Montserrat"/>
-              </a:rPr>
-              <a:t>cnt</a:t>
-            </a:r>
-            <a:r>
-              <a:rPr lang="en-US" sz="1800" dirty="0">
-                <a:solidFill>
-                  <a:schemeClr val="tx1">
-                    <a:lumMod val="95000"/>
-                    <a:lumOff val="5000"/>
-                  </a:schemeClr>
-                </a:solidFill>
-                <a:latin typeface="Montserrat"/>
-                <a:ea typeface="Montserrat"/>
-                <a:cs typeface="Montserrat"/>
-                <a:sym typeface="Montserrat"/>
-              </a:rPr>
               <a:t> DESC;</a:t>
             </a:r>
-            <a:endParaRPr lang="en-US" sz="1800" dirty="0">
-              <a:solidFill>
-                <a:schemeClr val="dk1"/>
-              </a:solidFill>
-              <a:latin typeface="Montserrat"/>
-              <a:ea typeface="Montserrat"/>
-              <a:cs typeface="Montserrat"/>
-              <a:sym typeface="Montserrat"/>
-            </a:endParaRPr>
           </a:p>
           <a:p>
             <a:pPr marL="0" marR="0" lvl="0" indent="0" algn="l" rtl="0">
@@ -15003,365 +17435,12 @@
               <a:sym typeface="Montserrat"/>
             </a:endParaRPr>
           </a:p>
-          <a:p>
-            <a:endParaRPr lang="en-US" sz="1800" b="1" dirty="0">
-              <a:solidFill>
-                <a:schemeClr val="tx1">
-                  <a:lumMod val="95000"/>
-                  <a:lumOff val="5000"/>
-                </a:schemeClr>
-              </a:solidFill>
-              <a:latin typeface="Montserrat"/>
-              <a:ea typeface="Montserrat"/>
-              <a:cs typeface="Montserrat"/>
-              <a:sym typeface="Montserrat"/>
-            </a:endParaRPr>
-          </a:p>
-          <a:p>
-            <a:r>
-              <a:rPr lang="en-US" sz="1800" b="1" dirty="0">
-                <a:solidFill>
-                  <a:schemeClr val="tx1">
-                    <a:lumMod val="95000"/>
-                    <a:lumOff val="5000"/>
-                  </a:schemeClr>
-                </a:solidFill>
-                <a:latin typeface="Montserrat"/>
-                <a:ea typeface="Montserrat"/>
-                <a:cs typeface="Montserrat"/>
-                <a:sym typeface="Montserrat"/>
-              </a:rPr>
-              <a:t>SELECT </a:t>
-            </a:r>
-            <a:r>
-              <a:rPr lang="en-US" sz="1800" dirty="0">
-                <a:solidFill>
-                  <a:schemeClr val="tx1">
-                    <a:lumMod val="95000"/>
-                    <a:lumOff val="5000"/>
-                  </a:schemeClr>
-                </a:solidFill>
-                <a:latin typeface="Montserrat"/>
-                <a:ea typeface="Montserrat"/>
-                <a:cs typeface="Montserrat"/>
-                <a:sym typeface="Montserrat"/>
-              </a:rPr>
-              <a:t>Music, Sex,</a:t>
-            </a:r>
-          </a:p>
-          <a:p>
-            <a:r>
-              <a:rPr lang="en-US" sz="1800" b="1" dirty="0">
-                <a:solidFill>
-                  <a:srgbClr val="C00000"/>
-                </a:solidFill>
-                <a:latin typeface="Montserrat"/>
-                <a:ea typeface="Montserrat"/>
-                <a:cs typeface="Montserrat"/>
-                <a:sym typeface="Montserrat"/>
-              </a:rPr>
-              <a:t>	RANK() </a:t>
-            </a:r>
-            <a:r>
-              <a:rPr lang="en-US" sz="1800" b="1" dirty="0">
-                <a:solidFill>
-                  <a:srgbClr val="7030A0"/>
-                </a:solidFill>
-                <a:latin typeface="Montserrat"/>
-                <a:ea typeface="Montserrat"/>
-                <a:cs typeface="Montserrat"/>
-                <a:sym typeface="Montserrat"/>
-              </a:rPr>
-              <a:t>OVER (PARTITION BY Sex ORDER BY </a:t>
-            </a:r>
-            <a:r>
-              <a:rPr lang="en-US" sz="1800" b="1" dirty="0" err="1">
-                <a:solidFill>
-                  <a:srgbClr val="7030A0"/>
-                </a:solidFill>
-                <a:latin typeface="Montserrat"/>
-                <a:ea typeface="Montserrat"/>
-                <a:cs typeface="Montserrat"/>
-                <a:sym typeface="Montserrat"/>
-              </a:rPr>
-              <a:t>cnt</a:t>
-            </a:r>
-            <a:r>
-              <a:rPr lang="en-US" sz="1800" b="1" dirty="0">
-                <a:solidFill>
-                  <a:srgbClr val="7030A0"/>
-                </a:solidFill>
-                <a:latin typeface="Montserrat"/>
-                <a:ea typeface="Montserrat"/>
-                <a:cs typeface="Montserrat"/>
-                <a:sym typeface="Montserrat"/>
-              </a:rPr>
-              <a:t> DESC) </a:t>
-            </a:r>
-          </a:p>
-          <a:p>
-            <a:r>
-              <a:rPr lang="en-US" sz="1800" b="1" dirty="0">
-                <a:solidFill>
-                  <a:srgbClr val="7030A0"/>
-                </a:solidFill>
-                <a:latin typeface="Montserrat"/>
-                <a:ea typeface="Montserrat"/>
-                <a:cs typeface="Montserrat"/>
-                <a:sym typeface="Montserrat"/>
-              </a:rPr>
-              <a:t>	</a:t>
-            </a:r>
-            <a:r>
-              <a:rPr lang="en-US" sz="1800" b="1" dirty="0">
-                <a:solidFill>
-                  <a:schemeClr val="tx1">
-                    <a:lumMod val="95000"/>
-                    <a:lumOff val="5000"/>
-                  </a:schemeClr>
-                </a:solidFill>
-                <a:latin typeface="Montserrat"/>
-                <a:ea typeface="Montserrat"/>
-                <a:cs typeface="Montserrat"/>
-                <a:sym typeface="Montserrat"/>
-              </a:rPr>
-              <a:t>AS </a:t>
-            </a:r>
-            <a:r>
-              <a:rPr lang="en-US" sz="1800" b="1" dirty="0" err="1">
-                <a:solidFill>
-                  <a:schemeClr val="tx1">
-                    <a:lumMod val="95000"/>
-                    <a:lumOff val="5000"/>
-                  </a:schemeClr>
-                </a:solidFill>
-                <a:latin typeface="Montserrat"/>
-                <a:ea typeface="Montserrat"/>
-                <a:cs typeface="Montserrat"/>
-                <a:sym typeface="Montserrat"/>
-              </a:rPr>
-              <a:t>music_rank</a:t>
-            </a:r>
-            <a:r>
-              <a:rPr lang="en-US" sz="1800" b="1" dirty="0">
-                <a:solidFill>
-                  <a:schemeClr val="tx1">
-                    <a:lumMod val="95000"/>
-                    <a:lumOff val="5000"/>
-                  </a:schemeClr>
-                </a:solidFill>
-                <a:latin typeface="Montserrat"/>
-                <a:ea typeface="Montserrat"/>
-                <a:cs typeface="Montserrat"/>
-                <a:sym typeface="Montserrat"/>
-              </a:rPr>
-              <a:t> </a:t>
-            </a:r>
-          </a:p>
-          <a:p>
-            <a:r>
-              <a:rPr lang="en-US" sz="1800" b="1" dirty="0">
-                <a:solidFill>
-                  <a:schemeClr val="tx1">
-                    <a:lumMod val="95000"/>
-                    <a:lumOff val="5000"/>
-                  </a:schemeClr>
-                </a:solidFill>
-                <a:latin typeface="Montserrat"/>
-                <a:ea typeface="Montserrat"/>
-                <a:cs typeface="Montserrat"/>
-                <a:sym typeface="Montserrat"/>
-              </a:rPr>
-              <a:t>FROM </a:t>
-            </a:r>
-            <a:r>
-              <a:rPr lang="en-US" sz="1800" dirty="0" err="1">
-                <a:solidFill>
-                  <a:schemeClr val="tx1">
-                    <a:lumMod val="95000"/>
-                    <a:lumOff val="5000"/>
-                  </a:schemeClr>
-                </a:solidFill>
-                <a:latin typeface="Montserrat"/>
-                <a:ea typeface="Montserrat"/>
-                <a:cs typeface="Montserrat"/>
-                <a:sym typeface="Montserrat"/>
-              </a:rPr>
-              <a:t>popular_music_and_gender</a:t>
-            </a:r>
-            <a:r>
-              <a:rPr lang="en-US" sz="1800" dirty="0">
-                <a:solidFill>
-                  <a:schemeClr val="tx1">
-                    <a:lumMod val="95000"/>
-                    <a:lumOff val="5000"/>
-                  </a:schemeClr>
-                </a:solidFill>
-                <a:latin typeface="Montserrat"/>
-                <a:ea typeface="Montserrat"/>
-                <a:cs typeface="Montserrat"/>
-                <a:sym typeface="Montserrat"/>
-              </a:rPr>
-              <a:t>;</a:t>
-            </a:r>
-          </a:p>
-          <a:p>
-            <a:pPr lvl="1"/>
-            <a:endParaRPr lang="en-US" sz="1800" i="0" u="none" strike="noStrike" cap="none" dirty="0">
-              <a:solidFill>
-                <a:schemeClr val="dk1"/>
-              </a:solidFill>
-              <a:latin typeface="Montserrat"/>
-              <a:ea typeface="Montserrat"/>
-              <a:cs typeface="Montserrat"/>
-              <a:sym typeface="Montserrat"/>
-            </a:endParaRPr>
-          </a:p>
-          <a:p>
-            <a:pPr lvl="1"/>
-            <a:endParaRPr sz="1800" i="0" u="none" strike="noStrike" cap="none" dirty="0">
-              <a:solidFill>
-                <a:schemeClr val="dk1"/>
-              </a:solidFill>
-              <a:latin typeface="Montserrat"/>
-              <a:ea typeface="Montserrat"/>
-              <a:cs typeface="Montserrat"/>
-              <a:sym typeface="Montserrat"/>
-            </a:endParaRPr>
-          </a:p>
-          <a:p>
-            <a:pPr marL="0" marR="0" lvl="0" indent="0" algn="l" rtl="0">
-              <a:spcBef>
-                <a:spcPts val="0"/>
-              </a:spcBef>
-              <a:spcAft>
-                <a:spcPts val="0"/>
-              </a:spcAft>
-              <a:buNone/>
-            </a:pPr>
-            <a:r>
-              <a:rPr lang="en-US" sz="1800" b="1" dirty="0">
-                <a:solidFill>
-                  <a:srgbClr val="C00000"/>
-                </a:solidFill>
-                <a:latin typeface="Montserrat"/>
-                <a:ea typeface="Montserrat"/>
-                <a:cs typeface="Montserrat"/>
-                <a:sym typeface="Montserrat"/>
-              </a:rPr>
-              <a:t>RANK(): </a:t>
-            </a:r>
-            <a:r>
-              <a:rPr lang="en-US" sz="1800" i="1" dirty="0">
-                <a:solidFill>
-                  <a:srgbClr val="C00000"/>
-                </a:solidFill>
-                <a:latin typeface="Montserrat"/>
-                <a:ea typeface="Montserrat"/>
-                <a:cs typeface="Montserrat"/>
-                <a:sym typeface="Montserrat"/>
-              </a:rPr>
-              <a:t>the function applied to each row in the window</a:t>
-            </a:r>
-          </a:p>
-          <a:p>
-            <a:pPr marL="0" marR="0" lvl="0" indent="0" algn="l" rtl="0">
-              <a:spcBef>
-                <a:spcPts val="0"/>
-              </a:spcBef>
-              <a:spcAft>
-                <a:spcPts val="0"/>
-              </a:spcAft>
-              <a:buNone/>
-            </a:pPr>
-            <a:r>
-              <a:rPr lang="en-US" sz="1800" b="1" dirty="0">
-                <a:solidFill>
-                  <a:srgbClr val="7030A0"/>
-                </a:solidFill>
-                <a:latin typeface="Montserrat"/>
-                <a:ea typeface="Montserrat"/>
-                <a:cs typeface="Montserrat"/>
-                <a:sym typeface="Montserrat"/>
-              </a:rPr>
-              <a:t>OVER (PARTITION BY Sex ORDER BY </a:t>
-            </a:r>
-            <a:r>
-              <a:rPr lang="en-US" sz="1800" b="1" dirty="0" err="1">
-                <a:solidFill>
-                  <a:srgbClr val="7030A0"/>
-                </a:solidFill>
-                <a:latin typeface="Montserrat"/>
-                <a:ea typeface="Montserrat"/>
-                <a:cs typeface="Montserrat"/>
-                <a:sym typeface="Montserrat"/>
-              </a:rPr>
-              <a:t>cnt</a:t>
-            </a:r>
-            <a:r>
-              <a:rPr lang="en-US" sz="1800" b="1" dirty="0">
-                <a:solidFill>
-                  <a:srgbClr val="7030A0"/>
-                </a:solidFill>
-                <a:latin typeface="Montserrat"/>
-                <a:ea typeface="Montserrat"/>
-                <a:cs typeface="Montserrat"/>
-                <a:sym typeface="Montserrat"/>
-              </a:rPr>
-              <a:t> DESC): </a:t>
-            </a:r>
-            <a:r>
-              <a:rPr lang="en-US" sz="1800" i="1" dirty="0">
-                <a:solidFill>
-                  <a:srgbClr val="7030A0"/>
-                </a:solidFill>
-                <a:latin typeface="Montserrat"/>
-                <a:ea typeface="Montserrat"/>
-                <a:cs typeface="Montserrat"/>
-                <a:sym typeface="Montserrat"/>
-              </a:rPr>
-              <a:t>the window (in this case, music counts </a:t>
-            </a:r>
-            <a:r>
-              <a:rPr lang="en-US" sz="1800" b="1" i="1" dirty="0">
-                <a:solidFill>
-                  <a:srgbClr val="7030A0"/>
-                </a:solidFill>
-                <a:latin typeface="Montserrat"/>
-                <a:ea typeface="Montserrat"/>
-                <a:cs typeface="Montserrat"/>
-                <a:sym typeface="Montserrat"/>
-              </a:rPr>
-              <a:t>grouped by “Sex”</a:t>
-            </a:r>
-            <a:r>
-              <a:rPr lang="en-US" sz="1800" i="1" dirty="0">
-                <a:solidFill>
-                  <a:srgbClr val="7030A0"/>
-                </a:solidFill>
-                <a:latin typeface="Montserrat"/>
-                <a:ea typeface="Montserrat"/>
-                <a:cs typeface="Montserrat"/>
-                <a:sym typeface="Montserrat"/>
-              </a:rPr>
-              <a:t>, ordered by descending counts)</a:t>
-            </a:r>
-            <a:endParaRPr sz="1800" i="1" dirty="0">
-              <a:solidFill>
-                <a:schemeClr val="dk1"/>
-              </a:solidFill>
-              <a:latin typeface="Montserrat"/>
-              <a:ea typeface="Montserrat"/>
-              <a:cs typeface="Montserrat"/>
-              <a:sym typeface="Montserrat"/>
-            </a:endParaRPr>
-          </a:p>
         </p:txBody>
       </p:sp>
     </p:spTree>
     <p:extLst>
       <p:ext uri="{BB962C8B-B14F-4D97-AF65-F5344CB8AC3E}">
-        <p14:creationId xmlns:p14="http://schemas.microsoft.com/office/powerpoint/2010/main" val="1686612521"/>
+        <p14:creationId xmlns:p14="http://schemas.microsoft.com/office/powerpoint/2010/main" val="1480579886"/>
       </p:ext>
     </p:extLst>
   </p:cSld>
@@ -15432,7 +17511,7 @@
                 <a:cs typeface="Montserrat"/>
                 <a:sym typeface="Montserrat"/>
               </a:rPr>
-              <a:t>Defining windows for aggregate </a:t>
+              <a:t>Simple Example: RANK()</a:t>
             </a:r>
             <a:endParaRPr dirty="0">
               <a:solidFill>
@@ -15506,8 +17585,8 @@
         </p:nvSpPr>
         <p:spPr>
           <a:xfrm>
-            <a:off x="529118" y="1376737"/>
-            <a:ext cx="8492333" cy="5355272"/>
+            <a:off x="66675" y="1100512"/>
+            <a:ext cx="9077325" cy="3416279"/>
           </a:xfrm>
           <a:prstGeom prst="rect">
             <a:avLst/>
@@ -15523,14 +17602,17 @@
           </a:bodyPr>
           <a:lstStyle/>
           <a:p>
-            <a:pPr marL="0" marR="0" lvl="0" indent="0" algn="l" rtl="0">
-              <a:spcBef>
-                <a:spcPts val="0"/>
-              </a:spcBef>
-              <a:spcAft>
-                <a:spcPts val="0"/>
-              </a:spcAft>
-              <a:buNone/>
+            <a:pPr marR="0" lvl="0" algn="l" rtl="0">
+              <a:spcBef>
+                <a:spcPts val="0"/>
+              </a:spcBef>
+              <a:spcAft>
+                <a:spcPts val="0"/>
+              </a:spcAft>
+              <a:buClr>
+                <a:schemeClr val="dk1"/>
+              </a:buClr>
+              <a:buSzPts val="1800"/>
             </a:pPr>
             <a:r>
               <a:rPr lang="en-US" sz="1800" dirty="0">
@@ -15542,21 +17624,10 @@
                 <a:cs typeface="Montserrat"/>
                 <a:sym typeface="Montserrat"/>
               </a:rPr>
-              <a:t>SELECT *,</a:t>
-            </a:r>
-          </a:p>
-          <a:p>
-            <a:pPr marL="0" marR="0" lvl="0" indent="0" algn="l" rtl="0">
-              <a:spcBef>
-                <a:spcPts val="0"/>
-              </a:spcBef>
-              <a:spcAft>
-                <a:spcPts val="0"/>
-              </a:spcAft>
-              <a:buNone/>
-            </a:pPr>
-            <a:r>
-              <a:rPr lang="en-US" sz="1800" dirty="0">
+              <a:t>Using the </a:t>
+            </a:r>
+            <a:r>
+              <a:rPr lang="en-US" sz="1800" b="1" dirty="0" err="1">
                 <a:solidFill>
                   <a:schemeClr val="dk1"/>
                 </a:solidFill>
@@ -15565,10 +17636,10 @@
                 <a:cs typeface="Montserrat"/>
                 <a:sym typeface="Montserrat"/>
               </a:rPr>
-              <a:t>	AVG(</a:t>
-            </a:r>
-            <a:r>
-              <a:rPr lang="en-US" sz="1800" dirty="0" err="1">
+              <a:t>popular_music</a:t>
+            </a:r>
+            <a:r>
+              <a:rPr lang="en-US" sz="1800" b="1" dirty="0">
                 <a:solidFill>
                   <a:schemeClr val="dk1"/>
                 </a:solidFill>
@@ -15577,7 +17648,7 @@
                 <a:cs typeface="Montserrat"/>
                 <a:sym typeface="Montserrat"/>
               </a:rPr>
-              <a:t>fare_per_mile</a:t>
+              <a:t> </a:t>
             </a:r>
             <a:r>
               <a:rPr lang="en-US" sz="1800" dirty="0">
@@ -15589,257 +17660,22 @@
                 <a:cs typeface="Montserrat"/>
                 <a:sym typeface="Montserrat"/>
               </a:rPr>
-              <a:t>) OVER () AS </a:t>
-            </a:r>
-            <a:r>
-              <a:rPr lang="en-US" sz="1800" dirty="0" err="1">
-                <a:solidFill>
-                  <a:schemeClr val="dk1"/>
-                </a:solidFill>
-                <a:latin typeface="Montserrat"/>
-                <a:ea typeface="Montserrat"/>
-                <a:cs typeface="Montserrat"/>
-                <a:sym typeface="Montserrat"/>
-              </a:rPr>
-              <a:t>overall_avg</a:t>
-            </a:r>
-            <a:r>
-              <a:rPr lang="en-US" sz="1800" dirty="0">
-                <a:solidFill>
-                  <a:schemeClr val="dk1"/>
-                </a:solidFill>
-                <a:latin typeface="Montserrat"/>
-                <a:ea typeface="Montserrat"/>
-                <a:cs typeface="Montserrat"/>
-                <a:sym typeface="Montserrat"/>
-              </a:rPr>
-              <a:t>,</a:t>
-            </a:r>
-          </a:p>
-          <a:p>
-            <a:pPr marL="0" marR="0" lvl="0" indent="0" algn="l" rtl="0">
-              <a:spcBef>
-                <a:spcPts val="0"/>
-              </a:spcBef>
-              <a:spcAft>
-                <a:spcPts val="0"/>
-              </a:spcAft>
-              <a:buNone/>
+              <a:t>table, we want to calculate the rank of each music:</a:t>
+            </a:r>
+          </a:p>
+          <a:p>
+            <a:pPr marR="0" lvl="0" algn="l" rtl="0">
+              <a:spcBef>
+                <a:spcPts val="0"/>
+              </a:spcBef>
+              <a:spcAft>
+                <a:spcPts val="0"/>
+              </a:spcAft>
+              <a:buClr>
+                <a:schemeClr val="dk1"/>
+              </a:buClr>
+              <a:buSzPts val="1800"/>
             </a:pPr>
-            <a:r>
-              <a:rPr lang="en-US" sz="1800" dirty="0">
-                <a:solidFill>
-                  <a:schemeClr val="dk1"/>
-                </a:solidFill>
-                <a:latin typeface="Montserrat"/>
-                <a:ea typeface="Montserrat"/>
-                <a:cs typeface="Montserrat"/>
-                <a:sym typeface="Montserrat"/>
-              </a:rPr>
-              <a:t>	AVG(</a:t>
-            </a:r>
-            <a:r>
-              <a:rPr lang="en-US" sz="1800" dirty="0" err="1">
-                <a:solidFill>
-                  <a:schemeClr val="dk1"/>
-                </a:solidFill>
-                <a:latin typeface="Montserrat"/>
-                <a:ea typeface="Montserrat"/>
-                <a:cs typeface="Montserrat"/>
-                <a:sym typeface="Montserrat"/>
-              </a:rPr>
-              <a:t>fare_per_mile</a:t>
-            </a:r>
-            <a:r>
-              <a:rPr lang="en-US" sz="1800" dirty="0">
-                <a:solidFill>
-                  <a:schemeClr val="dk1"/>
-                </a:solidFill>
-                <a:latin typeface="Montserrat"/>
-                <a:ea typeface="Montserrat"/>
-                <a:cs typeface="Montserrat"/>
-                <a:sym typeface="Montserrat"/>
-              </a:rPr>
-              <a:t>) OVER (PARTITION BY origin) AS </a:t>
-            </a:r>
-            <a:r>
-              <a:rPr lang="en-US" sz="1800" dirty="0" err="1">
-                <a:solidFill>
-                  <a:schemeClr val="dk1"/>
-                </a:solidFill>
-                <a:latin typeface="Montserrat"/>
-                <a:ea typeface="Montserrat"/>
-                <a:cs typeface="Montserrat"/>
-                <a:sym typeface="Montserrat"/>
-              </a:rPr>
-              <a:t>origin_avg</a:t>
-            </a:r>
-            <a:r>
-              <a:rPr lang="en-US" sz="1800" dirty="0">
-                <a:solidFill>
-                  <a:schemeClr val="dk1"/>
-                </a:solidFill>
-                <a:latin typeface="Montserrat"/>
-                <a:ea typeface="Montserrat"/>
-                <a:cs typeface="Montserrat"/>
-                <a:sym typeface="Montserrat"/>
-              </a:rPr>
-              <a:t>,</a:t>
-            </a:r>
-          </a:p>
-          <a:p>
-            <a:pPr marL="0" marR="0" lvl="0" indent="0" algn="l" rtl="0">
-              <a:spcBef>
-                <a:spcPts val="0"/>
-              </a:spcBef>
-              <a:spcAft>
-                <a:spcPts val="0"/>
-              </a:spcAft>
-              <a:buNone/>
-            </a:pPr>
-            <a:r>
-              <a:rPr lang="en-US" sz="1800" dirty="0">
-                <a:solidFill>
-                  <a:schemeClr val="dk1"/>
-                </a:solidFill>
-                <a:latin typeface="Montserrat"/>
-                <a:ea typeface="Montserrat"/>
-                <a:cs typeface="Montserrat"/>
-                <a:sym typeface="Montserrat"/>
-              </a:rPr>
-              <a:t>	AVG(</a:t>
-            </a:r>
-            <a:r>
-              <a:rPr lang="en-US" sz="1800" dirty="0" err="1">
-                <a:solidFill>
-                  <a:schemeClr val="dk1"/>
-                </a:solidFill>
-                <a:latin typeface="Montserrat"/>
-                <a:ea typeface="Montserrat"/>
-                <a:cs typeface="Montserrat"/>
-                <a:sym typeface="Montserrat"/>
-              </a:rPr>
-              <a:t>fare_per_mile</a:t>
-            </a:r>
-            <a:r>
-              <a:rPr lang="en-US" sz="1800" dirty="0">
-                <a:solidFill>
-                  <a:schemeClr val="dk1"/>
-                </a:solidFill>
-                <a:latin typeface="Montserrat"/>
-                <a:ea typeface="Montserrat"/>
-                <a:cs typeface="Montserrat"/>
-                <a:sym typeface="Montserrat"/>
-              </a:rPr>
-              <a:t>) OVER (PARTITION BY </a:t>
-            </a:r>
-            <a:r>
-              <a:rPr lang="en-US" sz="1800" dirty="0" err="1">
-                <a:solidFill>
-                  <a:schemeClr val="dk1"/>
-                </a:solidFill>
-                <a:latin typeface="Montserrat"/>
-                <a:ea typeface="Montserrat"/>
-                <a:cs typeface="Montserrat"/>
-                <a:sym typeface="Montserrat"/>
-              </a:rPr>
-              <a:t>dest</a:t>
-            </a:r>
-            <a:r>
-              <a:rPr lang="en-US" sz="1800" dirty="0">
-                <a:solidFill>
-                  <a:schemeClr val="dk1"/>
-                </a:solidFill>
-                <a:latin typeface="Montserrat"/>
-                <a:ea typeface="Montserrat"/>
-                <a:cs typeface="Montserrat"/>
-                <a:sym typeface="Montserrat"/>
-              </a:rPr>
-              <a:t>) AS </a:t>
-            </a:r>
-            <a:r>
-              <a:rPr lang="en-US" sz="1800" dirty="0" err="1">
-                <a:solidFill>
-                  <a:schemeClr val="dk1"/>
-                </a:solidFill>
-                <a:latin typeface="Montserrat"/>
-                <a:ea typeface="Montserrat"/>
-                <a:cs typeface="Montserrat"/>
-                <a:sym typeface="Montserrat"/>
-              </a:rPr>
-              <a:t>dest_avg</a:t>
-            </a:r>
-            <a:r>
-              <a:rPr lang="en-US" sz="1800" dirty="0">
-                <a:solidFill>
-                  <a:schemeClr val="dk1"/>
-                </a:solidFill>
-                <a:latin typeface="Montserrat"/>
-                <a:ea typeface="Montserrat"/>
-                <a:cs typeface="Montserrat"/>
-                <a:sym typeface="Montserrat"/>
-              </a:rPr>
-              <a:t>,</a:t>
-            </a:r>
-          </a:p>
-          <a:p>
-            <a:pPr marL="0" marR="0" lvl="0" indent="0" algn="l" rtl="0">
-              <a:spcBef>
-                <a:spcPts val="0"/>
-              </a:spcBef>
-              <a:spcAft>
-                <a:spcPts val="0"/>
-              </a:spcAft>
-              <a:buNone/>
-            </a:pPr>
-            <a:r>
-              <a:rPr lang="en-US" sz="1800" dirty="0">
-                <a:solidFill>
-                  <a:schemeClr val="dk1"/>
-                </a:solidFill>
-                <a:latin typeface="Montserrat"/>
-                <a:ea typeface="Montserrat"/>
-                <a:cs typeface="Montserrat"/>
-                <a:sym typeface="Montserrat"/>
-              </a:rPr>
-              <a:t>	AVG(</a:t>
-            </a:r>
-            <a:r>
-              <a:rPr lang="en-US" sz="1800" dirty="0" err="1">
-                <a:solidFill>
-                  <a:schemeClr val="dk1"/>
-                </a:solidFill>
-                <a:latin typeface="Montserrat"/>
-                <a:ea typeface="Montserrat"/>
-                <a:cs typeface="Montserrat"/>
-                <a:sym typeface="Montserrat"/>
-              </a:rPr>
-              <a:t>fare_per_mile</a:t>
-            </a:r>
-            <a:r>
-              <a:rPr lang="en-US" sz="1800" dirty="0">
-                <a:solidFill>
-                  <a:schemeClr val="dk1"/>
-                </a:solidFill>
-                <a:latin typeface="Montserrat"/>
-                <a:ea typeface="Montserrat"/>
-                <a:cs typeface="Montserrat"/>
-                <a:sym typeface="Montserrat"/>
-              </a:rPr>
-              <a:t>) OVER (PARTITION BY carrier) AS </a:t>
-            </a:r>
-            <a:r>
-              <a:rPr lang="en-US" sz="1800" dirty="0" err="1">
-                <a:solidFill>
-                  <a:schemeClr val="dk1"/>
-                </a:solidFill>
-                <a:latin typeface="Montserrat"/>
-                <a:ea typeface="Montserrat"/>
-                <a:cs typeface="Montserrat"/>
-                <a:sym typeface="Montserrat"/>
-              </a:rPr>
-              <a:t>carrier_avg</a:t>
-            </a:r>
             <a:endParaRPr lang="en-US" sz="1800" dirty="0">
               <a:solidFill>
                 <a:schemeClr val="dk1"/>
@@ -15860,42 +17696,6 @@
               </a:spcAft>
               <a:buNone/>
             </a:pPr>
-            <a:r>
-              <a:rPr lang="en-US" sz="1800" dirty="0">
-                <a:solidFill>
-                  <a:schemeClr val="dk1"/>
-                </a:solidFill>
-                <a:latin typeface="Montserrat"/>
-                <a:ea typeface="Montserrat"/>
-                <a:cs typeface="Montserrat"/>
-                <a:sym typeface="Montserrat"/>
-              </a:rPr>
-              <a:t>FROM </a:t>
-            </a:r>
-            <a:r>
-              <a:rPr lang="en-US" sz="1800" dirty="0" err="1">
-                <a:solidFill>
-                  <a:schemeClr val="dk1"/>
-                </a:solidFill>
-                <a:latin typeface="Montserrat"/>
-                <a:ea typeface="Montserrat"/>
-                <a:cs typeface="Montserrat"/>
-                <a:sym typeface="Montserrat"/>
-              </a:rPr>
-              <a:t>flights.m_ticket_prices</a:t>
-            </a:r>
-            <a:r>
-              <a:rPr lang="en-US" sz="1800" dirty="0">
-                <a:solidFill>
-                  <a:schemeClr val="dk1"/>
-                </a:solidFill>
-                <a:latin typeface="Montserrat"/>
-                <a:ea typeface="Montserrat"/>
-                <a:cs typeface="Montserrat"/>
-                <a:sym typeface="Montserrat"/>
-              </a:rPr>
-              <a:t>;</a:t>
-            </a:r>
             <a:endParaRPr sz="1800" dirty="0">
               <a:solidFill>
                 <a:schemeClr val="dk1"/>
@@ -15907,6 +17707,289 @@
             </a:endParaRPr>
           </a:p>
           <a:p>
+            <a:pPr marL="0" marR="0" lvl="0" indent="0" algn="l" rtl="0">
+              <a:spcBef>
+                <a:spcPts val="0"/>
+              </a:spcBef>
+              <a:spcAft>
+                <a:spcPts val="0"/>
+              </a:spcAft>
+              <a:buNone/>
+            </a:pPr>
+            <a:r>
+              <a:rPr lang="en-US" sz="1800" dirty="0">
+                <a:solidFill>
+                  <a:schemeClr val="dk1"/>
+                </a:solidFill>
+                <a:latin typeface="Montserrat"/>
+                <a:ea typeface="Montserrat"/>
+                <a:cs typeface="Montserrat"/>
+                <a:sym typeface="Montserrat"/>
+              </a:rPr>
+              <a:t>The </a:t>
+            </a:r>
+            <a:r>
+              <a:rPr lang="en-US" sz="1800" b="1" dirty="0">
+                <a:solidFill>
+                  <a:schemeClr val="dk1"/>
+                </a:solidFill>
+                <a:latin typeface="Montserrat"/>
+                <a:ea typeface="Montserrat"/>
+                <a:cs typeface="Montserrat"/>
+                <a:sym typeface="Montserrat"/>
+              </a:rPr>
+              <a:t>rank</a:t>
+            </a:r>
+            <a:r>
+              <a:rPr lang="en-US" sz="1800" dirty="0">
+                <a:solidFill>
+                  <a:schemeClr val="dk1"/>
+                </a:solidFill>
+                <a:latin typeface="Montserrat"/>
+                <a:ea typeface="Montserrat"/>
+                <a:cs typeface="Montserrat"/>
+                <a:sym typeface="Montserrat"/>
+              </a:rPr>
+              <a:t> of each music: 1 to the most popular, 2 to next most popular, etc.</a:t>
+            </a:r>
+          </a:p>
+          <a:p>
+            <a:pPr marL="0" marR="0" lvl="0" indent="0" algn="l" rtl="0">
+              <a:spcBef>
+                <a:spcPts val="0"/>
+              </a:spcBef>
+              <a:spcAft>
+                <a:spcPts val="0"/>
+              </a:spcAft>
+              <a:buNone/>
+            </a:pPr>
+            <a:endParaRPr sz="1800" dirty="0">
+              <a:solidFill>
+                <a:schemeClr val="dk1"/>
+              </a:solidFill>
+              <a:latin typeface="Montserrat"/>
+              <a:ea typeface="Montserrat"/>
+              <a:cs typeface="Montserrat"/>
+              <a:sym typeface="Montserrat"/>
+            </a:endParaRPr>
+          </a:p>
+          <a:p>
+            <a:pPr lvl="1"/>
+            <a:r>
+              <a:rPr lang="en-US" sz="1800" b="1" dirty="0">
+                <a:solidFill>
+                  <a:schemeClr val="tx1">
+                    <a:lumMod val="95000"/>
+                    <a:lumOff val="5000"/>
+                  </a:schemeClr>
+                </a:solidFill>
+                <a:latin typeface="Montserrat"/>
+                <a:ea typeface="Montserrat"/>
+                <a:cs typeface="Montserrat"/>
+                <a:sym typeface="Montserrat"/>
+              </a:rPr>
+              <a:t>	SELECT </a:t>
+            </a:r>
+            <a:r>
+              <a:rPr lang="en-US" sz="1800" dirty="0">
+                <a:solidFill>
+                  <a:schemeClr val="tx1">
+                    <a:lumMod val="95000"/>
+                    <a:lumOff val="5000"/>
+                  </a:schemeClr>
+                </a:solidFill>
+                <a:latin typeface="Montserrat"/>
+                <a:ea typeface="Montserrat"/>
+                <a:cs typeface="Montserrat"/>
+                <a:sym typeface="Montserrat"/>
+              </a:rPr>
+              <a:t>music, </a:t>
+            </a:r>
+            <a:r>
+              <a:rPr lang="en-US" sz="1800" dirty="0" err="1">
+                <a:solidFill>
+                  <a:schemeClr val="tx1">
+                    <a:lumMod val="95000"/>
+                    <a:lumOff val="5000"/>
+                  </a:schemeClr>
+                </a:solidFill>
+                <a:latin typeface="Montserrat"/>
+                <a:ea typeface="Montserrat"/>
+                <a:cs typeface="Montserrat"/>
+                <a:sym typeface="Montserrat"/>
+              </a:rPr>
+              <a:t>cnt</a:t>
+            </a:r>
+            <a:r>
+              <a:rPr lang="en-US" sz="1800" dirty="0">
+                <a:solidFill>
+                  <a:schemeClr val="tx1">
+                    <a:lumMod val="95000"/>
+                    <a:lumOff val="5000"/>
+                  </a:schemeClr>
+                </a:solidFill>
+                <a:latin typeface="Montserrat"/>
+                <a:ea typeface="Montserrat"/>
+                <a:cs typeface="Montserrat"/>
+                <a:sym typeface="Montserrat"/>
+              </a:rPr>
+              <a:t>,</a:t>
+            </a:r>
+          </a:p>
+          <a:p>
+            <a:pPr lvl="1"/>
+            <a:r>
+              <a:rPr lang="en-US" sz="1800" b="1" dirty="0">
+                <a:solidFill>
+                  <a:schemeClr val="tx1">
+                    <a:lumMod val="95000"/>
+                    <a:lumOff val="5000"/>
+                  </a:schemeClr>
+                </a:solidFill>
+                <a:latin typeface="Montserrat"/>
+                <a:ea typeface="Montserrat"/>
+                <a:cs typeface="Montserrat"/>
+                <a:sym typeface="Montserrat"/>
+              </a:rPr>
+              <a:t>		</a:t>
+            </a:r>
+            <a:r>
+              <a:rPr lang="en-US" sz="1800" b="1" dirty="0">
+                <a:solidFill>
+                  <a:srgbClr val="C00000"/>
+                </a:solidFill>
+                <a:latin typeface="Montserrat"/>
+                <a:ea typeface="Montserrat"/>
+                <a:cs typeface="Montserrat"/>
+                <a:sym typeface="Montserrat"/>
+              </a:rPr>
+              <a:t>RANK() </a:t>
+            </a:r>
+            <a:r>
+              <a:rPr lang="en-US" sz="1800" b="1" dirty="0">
+                <a:solidFill>
+                  <a:srgbClr val="7030A0"/>
+                </a:solidFill>
+                <a:latin typeface="Montserrat"/>
+                <a:ea typeface="Montserrat"/>
+                <a:cs typeface="Montserrat"/>
+                <a:sym typeface="Montserrat"/>
+              </a:rPr>
+              <a:t>OVER (ORDER BY </a:t>
+            </a:r>
+            <a:r>
+              <a:rPr lang="en-US" sz="1800" b="1" dirty="0" err="1">
+                <a:solidFill>
+                  <a:srgbClr val="7030A0"/>
+                </a:solidFill>
+                <a:latin typeface="Montserrat"/>
+                <a:ea typeface="Montserrat"/>
+                <a:cs typeface="Montserrat"/>
+                <a:sym typeface="Montserrat"/>
+              </a:rPr>
+              <a:t>cnt</a:t>
+            </a:r>
+            <a:r>
+              <a:rPr lang="en-US" sz="1800" b="1" dirty="0">
+                <a:solidFill>
+                  <a:srgbClr val="7030A0"/>
+                </a:solidFill>
+                <a:latin typeface="Montserrat"/>
+                <a:ea typeface="Montserrat"/>
+                <a:cs typeface="Montserrat"/>
+                <a:sym typeface="Montserrat"/>
+              </a:rPr>
+              <a:t> DESC) </a:t>
+            </a:r>
+            <a:r>
+              <a:rPr lang="en-US" sz="1800" b="1" dirty="0">
+                <a:solidFill>
+                  <a:schemeClr val="tx1">
+                    <a:lumMod val="95000"/>
+                    <a:lumOff val="5000"/>
+                  </a:schemeClr>
+                </a:solidFill>
+                <a:latin typeface="Montserrat"/>
+                <a:ea typeface="Montserrat"/>
+                <a:cs typeface="Montserrat"/>
+                <a:sym typeface="Montserrat"/>
+              </a:rPr>
+              <a:t>AS </a:t>
+            </a:r>
+            <a:r>
+              <a:rPr lang="en-US" sz="1800" b="1" dirty="0" err="1">
+                <a:solidFill>
+                  <a:schemeClr val="tx1">
+                    <a:lumMod val="95000"/>
+                    <a:lumOff val="5000"/>
+                  </a:schemeClr>
+                </a:solidFill>
+                <a:latin typeface="Montserrat"/>
+                <a:ea typeface="Montserrat"/>
+                <a:cs typeface="Montserrat"/>
+                <a:sym typeface="Montserrat"/>
+              </a:rPr>
+              <a:t>music_rank</a:t>
+            </a:r>
+            <a:r>
+              <a:rPr lang="en-US" sz="1800" b="1" dirty="0">
+                <a:solidFill>
+                  <a:schemeClr val="tx1">
+                    <a:lumMod val="95000"/>
+                    <a:lumOff val="5000"/>
+                  </a:schemeClr>
+                </a:solidFill>
+                <a:latin typeface="Montserrat"/>
+                <a:ea typeface="Montserrat"/>
+                <a:cs typeface="Montserrat"/>
+                <a:sym typeface="Montserrat"/>
+              </a:rPr>
+              <a:t> 	FROM </a:t>
+            </a:r>
+            <a:r>
+              <a:rPr lang="en-US" sz="1800" dirty="0" err="1">
+                <a:solidFill>
+                  <a:schemeClr val="tx1">
+                    <a:lumMod val="95000"/>
+                    <a:lumOff val="5000"/>
+                  </a:schemeClr>
+                </a:solidFill>
+                <a:latin typeface="Montserrat"/>
+                <a:ea typeface="Montserrat"/>
+                <a:cs typeface="Montserrat"/>
+                <a:sym typeface="Montserrat"/>
+              </a:rPr>
+              <a:t>popular_music</a:t>
+            </a:r>
+            <a:r>
+              <a:rPr lang="en-US" sz="1800" dirty="0">
+                <a:solidFill>
+                  <a:schemeClr val="tx1">
+                    <a:lumMod val="95000"/>
+                    <a:lumOff val="5000"/>
+                  </a:schemeClr>
+                </a:solidFill>
+                <a:latin typeface="Montserrat"/>
+                <a:ea typeface="Montserrat"/>
+                <a:cs typeface="Montserrat"/>
+                <a:sym typeface="Montserrat"/>
+              </a:rPr>
+              <a:t>;</a:t>
+            </a:r>
+            <a:endParaRPr sz="1800" dirty="0">
+              <a:solidFill>
+                <a:schemeClr val="tx1">
+                  <a:lumMod val="95000"/>
+                  <a:lumOff val="5000"/>
+                </a:schemeClr>
+              </a:solidFill>
+              <a:latin typeface="Montserrat"/>
+              <a:ea typeface="Montserrat"/>
+              <a:cs typeface="Montserrat"/>
+              <a:sym typeface="Montserrat"/>
+            </a:endParaRPr>
+          </a:p>
+          <a:p>
             <a:pPr marL="457200" marR="0" lvl="1" indent="0" algn="l" rtl="0">
               <a:spcBef>
                 <a:spcPts val="0"/>
@@ -15916,6 +17999,2308 @@
               </a:spcAft>
               <a:buNone/>
             </a:pPr>
+            <a:endParaRPr sz="1800" i="0" u="none" strike="noStrike" cap="none" dirty="0">
+              <a:solidFill>
+                <a:schemeClr val="dk1"/>
+              </a:solidFill>
+              <a:latin typeface="Montserrat"/>
+              <a:ea typeface="Montserrat"/>
+              <a:cs typeface="Montserrat"/>
+              <a:sym typeface="Montserrat"/>
+            </a:endParaRPr>
+          </a:p>
+          <a:p>
+            <a:pPr marL="0" marR="0" lvl="0" indent="0" algn="l" rtl="0">
+              <a:spcBef>
+                <a:spcPts val="0"/>
+              </a:spcBef>
+              <a:spcAft>
+                <a:spcPts val="0"/>
+              </a:spcAft>
+              <a:buNone/>
+            </a:pPr>
+            <a:r>
+              <a:rPr lang="en-US" sz="1800" b="1" dirty="0">
+                <a:solidFill>
+                  <a:srgbClr val="C00000"/>
+                </a:solidFill>
+                <a:latin typeface="Montserrat"/>
+                <a:ea typeface="Montserrat"/>
+                <a:cs typeface="Montserrat"/>
+                <a:sym typeface="Montserrat"/>
+              </a:rPr>
+              <a:t>RANK(): </a:t>
+            </a:r>
+            <a:r>
+              <a:rPr lang="en-US" sz="1800" i="1" dirty="0">
+                <a:solidFill>
+                  <a:srgbClr val="C00000"/>
+                </a:solidFill>
+                <a:latin typeface="Montserrat"/>
+                <a:ea typeface="Montserrat"/>
+                <a:cs typeface="Montserrat"/>
+                <a:sym typeface="Montserrat"/>
+              </a:rPr>
+              <a:t>the function applied to each row in the window</a:t>
+            </a:r>
+          </a:p>
+          <a:p>
+            <a:pPr marL="0" marR="0" lvl="0" indent="0" algn="l" rtl="0">
+              <a:spcBef>
+                <a:spcPts val="0"/>
+              </a:spcBef>
+              <a:spcAft>
+                <a:spcPts val="0"/>
+              </a:spcAft>
+              <a:buNone/>
+            </a:pPr>
+            <a:r>
+              <a:rPr lang="en-US" sz="1800" b="1" dirty="0">
+                <a:solidFill>
+                  <a:srgbClr val="7030A0"/>
+                </a:solidFill>
+                <a:latin typeface="Montserrat"/>
+                <a:ea typeface="Montserrat"/>
+                <a:cs typeface="Montserrat"/>
+                <a:sym typeface="Montserrat"/>
+              </a:rPr>
+              <a:t>OVER (ORDER BY </a:t>
+            </a:r>
+            <a:r>
+              <a:rPr lang="en-US" sz="1800" b="1" dirty="0" err="1">
+                <a:solidFill>
+                  <a:srgbClr val="7030A0"/>
+                </a:solidFill>
+                <a:latin typeface="Montserrat"/>
+                <a:ea typeface="Montserrat"/>
+                <a:cs typeface="Montserrat"/>
+                <a:sym typeface="Montserrat"/>
+              </a:rPr>
+              <a:t>cnt</a:t>
+            </a:r>
+            <a:r>
+              <a:rPr lang="en-US" sz="1800" b="1" dirty="0">
+                <a:solidFill>
+                  <a:srgbClr val="7030A0"/>
+                </a:solidFill>
+                <a:latin typeface="Montserrat"/>
+                <a:ea typeface="Montserrat"/>
+                <a:cs typeface="Montserrat"/>
+                <a:sym typeface="Montserrat"/>
+              </a:rPr>
+              <a:t> DESC): </a:t>
+            </a:r>
+            <a:r>
+              <a:rPr lang="en-US" sz="1800" i="1" dirty="0">
+                <a:solidFill>
+                  <a:srgbClr val="7030A0"/>
+                </a:solidFill>
+                <a:latin typeface="Montserrat"/>
+                <a:ea typeface="Montserrat"/>
+                <a:cs typeface="Montserrat"/>
+                <a:sym typeface="Montserrat"/>
+              </a:rPr>
+              <a:t>the window (in this case, the whole table, ordered by descending counts)</a:t>
+            </a:r>
+          </a:p>
+        </p:txBody>
+      </p:sp>
+    </p:spTree>
+    <p:extLst>
+      <p:ext uri="{BB962C8B-B14F-4D97-AF65-F5344CB8AC3E}">
+        <p14:creationId xmlns:p14="http://schemas.microsoft.com/office/powerpoint/2010/main" val="1865454837"/>
+      </p:ext>
+    </p:extLst>
+  </p:cSld>
+  <p:clrMapOvr>
+    <a:masterClrMapping/>
+  </p:clrMapOvr>
+</p:sld>
+</file>
+
+<file path=ppt/slides/slide7.xml><?xml version="1.0" encoding="utf-8"?>
+<p:sld xmlns:a="http://schemas.openxmlformats.org/drawingml/2006/main" xmlns:r="http://schemas.openxmlformats.org/officeDocument/2006/relationships" xmlns:p="http://schemas.openxmlformats.org/presentationml/2006/main">
+  <p:cSld>
+    <p:spTree>
+      <p:nvGrpSpPr>
+        <p:cNvPr id="1" name="Shape 105"/>
+        <p:cNvGrpSpPr/>
+        <p:nvPr/>
+      </p:nvGrpSpPr>
+      <p:grpSpPr>
+        <a:xfrm>
+          <a:off x="0" y="0"/>
+          <a:ext cx="0" cy="0"/>
+          <a:chOff x="0" y="0"/>
+          <a:chExt cx="0" cy="0"/>
+        </a:xfrm>
+      </p:grpSpPr>
+      <p:sp>
+        <p:nvSpPr>
+          <p:cNvPr id="106" name="Google Shape;106;g12c30a3ea24_0_12"/>
+          <p:cNvSpPr/>
+          <p:nvPr/>
+        </p:nvSpPr>
+        <p:spPr>
+          <a:xfrm>
+            <a:off x="386308" y="147496"/>
+            <a:ext cx="7757400" cy="554100"/>
+          </a:xfrm>
+          <a:prstGeom prst="rect">
+            <a:avLst/>
+          </a:prstGeom>
+          <a:noFill/>
+          <a:ln>
+            <a:noFill/>
+          </a:ln>
+        </p:spPr>
+        <p:txBody>
+          <a:bodyPr spcFirstLastPara="1" wrap="square" lIns="45700" tIns="45700" rIns="45700" bIns="45700" anchor="t" anchorCtr="0">
+            <a:noAutofit/>
+          </a:bodyPr>
+          <a:lstStyle/>
+          <a:p>
+            <a:pPr marL="0" marR="0" lvl="0" indent="0" algn="l" rtl="0">
+              <a:spcBef>
+                <a:spcPts val="0"/>
+              </a:spcBef>
+              <a:spcAft>
+                <a:spcPts val="0"/>
+              </a:spcAft>
+              <a:buNone/>
+            </a:pPr>
+            <a:r>
+              <a:rPr lang="en-US" sz="3000" b="1" dirty="0">
+                <a:solidFill>
+                  <a:srgbClr val="57068C"/>
+                </a:solidFill>
+                <a:latin typeface="Montserrat"/>
+                <a:ea typeface="Montserrat"/>
+                <a:cs typeface="Montserrat"/>
+                <a:sym typeface="Montserrat"/>
+              </a:rPr>
+              <a:t>The various ranking functions</a:t>
+            </a:r>
+            <a:endParaRPr dirty="0">
+              <a:solidFill>
+                <a:srgbClr val="57068C"/>
+              </a:solidFill>
+              <a:latin typeface="Montserrat"/>
+              <a:ea typeface="Montserrat"/>
+              <a:cs typeface="Montserrat"/>
+              <a:sym typeface="Montserrat"/>
+            </a:endParaRPr>
+          </a:p>
+        </p:txBody>
+      </p:sp>
+      <p:sp>
+        <p:nvSpPr>
+          <p:cNvPr id="107" name="Google Shape;107;g12c30a3ea24_0_12"/>
+          <p:cNvSpPr/>
+          <p:nvPr/>
+        </p:nvSpPr>
+        <p:spPr>
+          <a:xfrm>
+            <a:off x="469900" y="1282700"/>
+            <a:ext cx="8204100" cy="307800"/>
+          </a:xfrm>
+          <a:prstGeom prst="rect">
+            <a:avLst/>
+          </a:prstGeom>
+          <a:noFill/>
+          <a:ln>
+            <a:noFill/>
+          </a:ln>
+        </p:spPr>
+        <p:txBody>
+          <a:bodyPr spcFirstLastPara="1" wrap="square" lIns="0" tIns="0" rIns="0" bIns="0" anchor="t" anchorCtr="0">
+            <a:noAutofit/>
+          </a:bodyPr>
+          <a:lstStyle/>
+          <a:p>
+            <a:pPr marL="0" marR="0" lvl="0" indent="0" algn="l" rtl="0">
+              <a:spcBef>
+                <a:spcPts val="0"/>
+              </a:spcBef>
+              <a:spcAft>
+                <a:spcPts val="0"/>
+              </a:spcAft>
+              <a:buNone/>
+            </a:pPr>
+            <a:endParaRPr sz="2000">
+              <a:solidFill>
+                <a:schemeClr val="dk1"/>
+              </a:solidFill>
+              <a:latin typeface="Arimo"/>
+              <a:ea typeface="Arimo"/>
+              <a:cs typeface="Arimo"/>
+              <a:sym typeface="Arimo"/>
+            </a:endParaRPr>
+          </a:p>
+        </p:txBody>
+      </p:sp>
+      <p:sp>
+        <p:nvSpPr>
+          <p:cNvPr id="2" name="Google Shape;141;p4">
+            <a:extLst>
+              <a:ext uri="{FF2B5EF4-FFF2-40B4-BE49-F238E27FC236}">
+                <a16:creationId xmlns:a16="http://schemas.microsoft.com/office/drawing/2014/main" id="{8B06E7CF-C43C-7C4B-A7B6-8CE05D935D85}"/>
+              </a:ext>
+            </a:extLst>
+          </p:cNvPr>
+          <p:cNvSpPr txBox="1"/>
+          <p:nvPr/>
+        </p:nvSpPr>
+        <p:spPr>
+          <a:xfrm>
+            <a:off x="66675" y="1100512"/>
+            <a:ext cx="9077325" cy="3416279"/>
+          </a:xfrm>
+          <a:prstGeom prst="rect">
+            <a:avLst/>
+          </a:prstGeom>
+          <a:noFill/>
+          <a:ln>
+            <a:noFill/>
+          </a:ln>
+        </p:spPr>
+        <p:txBody>
+          <a:bodyPr spcFirstLastPara="1" wrap="square" lIns="91425" tIns="45700" rIns="91425" bIns="45700" anchor="t" anchorCtr="0">
+            <a:spAutoFit/>
+          </a:bodyPr>
+          <a:lstStyle/>
+          <a:p>
+            <a:r>
+              <a:rPr lang="en-US" sz="1800" dirty="0">
+                <a:solidFill>
+                  <a:schemeClr val="dk1"/>
+                </a:solidFill>
+                <a:latin typeface="Montserrat"/>
+                <a:sym typeface="Montserrat"/>
+              </a:rPr>
+              <a:t>The difference between RANK(), ROW_NUMBER(), and DENSE_RANK() is mainly how they handle ties:</a:t>
+            </a:r>
+          </a:p>
+          <a:p>
+            <a:pPr marL="285750" indent="-285750">
+              <a:buFont typeface="Arial" panose="020B0604020202020204" pitchFamily="34" charset="0"/>
+              <a:buChar char="•"/>
+            </a:pPr>
+            <a:r>
+              <a:rPr lang="en-US" sz="1800" b="1" dirty="0">
+                <a:solidFill>
+                  <a:srgbClr val="7030A0"/>
+                </a:solidFill>
+                <a:latin typeface="Montserrat"/>
+                <a:sym typeface="Montserrat"/>
+              </a:rPr>
+              <a:t>ROW_NUMBER(): </a:t>
+            </a:r>
+            <a:r>
+              <a:rPr lang="en-US" sz="1800" dirty="0">
+                <a:solidFill>
+                  <a:schemeClr val="dk1"/>
+                </a:solidFill>
+                <a:latin typeface="Montserrat"/>
+                <a:sym typeface="Montserrat"/>
+              </a:rPr>
+              <a:t>No ties</a:t>
+            </a:r>
+          </a:p>
+          <a:p>
+            <a:pPr marL="285750" indent="-285750">
+              <a:buFont typeface="Arial" panose="020B0604020202020204" pitchFamily="34" charset="0"/>
+              <a:buChar char="•"/>
+            </a:pPr>
+            <a:r>
+              <a:rPr lang="en-US" sz="1800" b="1" dirty="0">
+                <a:solidFill>
+                  <a:srgbClr val="7030A0"/>
+                </a:solidFill>
+                <a:latin typeface="Montserrat"/>
+                <a:sym typeface="Montserrat"/>
+              </a:rPr>
+              <a:t>RANK(): </a:t>
+            </a:r>
+            <a:r>
+              <a:rPr lang="en-US" sz="1800" dirty="0">
+                <a:solidFill>
+                  <a:schemeClr val="dk1"/>
+                </a:solidFill>
+                <a:latin typeface="Montserrat"/>
+                <a:sym typeface="Montserrat"/>
+              </a:rPr>
+              <a:t>Ties get the same rank, gaps in numbers after a tie</a:t>
+            </a:r>
+          </a:p>
+          <a:p>
+            <a:pPr marL="285750" indent="-285750">
+              <a:buFont typeface="Arial" panose="020B0604020202020204" pitchFamily="34" charset="0"/>
+              <a:buChar char="•"/>
+            </a:pPr>
+            <a:r>
+              <a:rPr lang="en-US" sz="1800" b="1" dirty="0">
+                <a:solidFill>
+                  <a:srgbClr val="7030A0"/>
+                </a:solidFill>
+                <a:latin typeface="Montserrat"/>
+                <a:sym typeface="Montserrat"/>
+              </a:rPr>
+              <a:t>DENSE_RANK(): </a:t>
+            </a:r>
+            <a:r>
+              <a:rPr lang="en-US" sz="1800" dirty="0">
+                <a:solidFill>
+                  <a:schemeClr val="dk1"/>
+                </a:solidFill>
+                <a:latin typeface="Montserrat"/>
+                <a:sym typeface="Montserrat"/>
+              </a:rPr>
+              <a:t>Ties get the same rank, no gap in rank after a tie</a:t>
+            </a:r>
+          </a:p>
+          <a:p>
+            <a:pPr marL="285750" indent="-285750">
+              <a:buFont typeface="Arial" panose="020B0604020202020204" pitchFamily="34" charset="0"/>
+              <a:buChar char="•"/>
+            </a:pPr>
+            <a:r>
+              <a:rPr lang="en-US" sz="1800" b="1" dirty="0">
+                <a:solidFill>
+                  <a:srgbClr val="7030A0"/>
+                </a:solidFill>
+                <a:latin typeface="Montserrat"/>
+                <a:sym typeface="Montserrat"/>
+              </a:rPr>
+              <a:t>NTILE(n): </a:t>
+            </a:r>
+            <a:r>
+              <a:rPr lang="en-US" sz="1800" dirty="0">
+                <a:solidFill>
+                  <a:schemeClr val="dk1"/>
+                </a:solidFill>
+                <a:latin typeface="Montserrat"/>
+                <a:sym typeface="Montserrat"/>
+              </a:rPr>
+              <a:t>Create n ranked buckets and assign each value to a bucket</a:t>
+            </a:r>
+          </a:p>
+          <a:p>
+            <a:pPr marL="285750" indent="-285750">
+              <a:buFont typeface="Arial" panose="020B0604020202020204" pitchFamily="34" charset="0"/>
+              <a:buChar char="•"/>
+            </a:pPr>
+            <a:r>
+              <a:rPr lang="en-US" sz="1800" b="1" dirty="0">
+                <a:solidFill>
+                  <a:srgbClr val="7030A0"/>
+                </a:solidFill>
+                <a:latin typeface="Montserrat"/>
+                <a:sym typeface="Montserrat"/>
+              </a:rPr>
+              <a:t>PERCENT_RANK(): </a:t>
+            </a:r>
+            <a:r>
+              <a:rPr lang="en-US" sz="1800" dirty="0">
+                <a:solidFill>
+                  <a:schemeClr val="dk1"/>
+                </a:solidFill>
+                <a:latin typeface="Montserrat"/>
+                <a:sym typeface="Montserrat"/>
+              </a:rPr>
+              <a:t>Percentile score, a normalized value from 0 to 1, with 0 to the highest ranked element, 1 to the lowest rank.</a:t>
+            </a:r>
+          </a:p>
+          <a:p>
+            <a:pPr marL="285750" indent="-285750">
+              <a:buFont typeface="Arial" panose="020B0604020202020204" pitchFamily="34" charset="0"/>
+              <a:buChar char="•"/>
+            </a:pPr>
+            <a:endParaRPr lang="en-US" sz="1800" dirty="0">
+              <a:solidFill>
+                <a:schemeClr val="dk1"/>
+              </a:solidFill>
+              <a:latin typeface="Montserrat"/>
+              <a:sym typeface="Montserrat"/>
+            </a:endParaRPr>
+          </a:p>
+          <a:p>
+            <a:r>
+              <a:rPr lang="en-US" sz="1800" dirty="0">
+                <a:solidFill>
+                  <a:schemeClr val="dk1"/>
+                </a:solidFill>
+                <a:latin typeface="Montserrat"/>
+                <a:sym typeface="Montserrat"/>
+              </a:rPr>
+              <a:t>Run the following query and scroll down to see the differences</a:t>
+            </a:r>
+          </a:p>
+          <a:p>
+            <a:pPr marR="0" lvl="0" algn="l" rtl="0">
+              <a:spcBef>
+                <a:spcPts val="0"/>
+              </a:spcBef>
+              <a:spcAft>
+                <a:spcPts val="0"/>
+              </a:spcAft>
+              <a:buClr>
+                <a:schemeClr val="dk1"/>
+              </a:buClr>
+              <a:buSzPts val="1800"/>
+            </a:pPr>
+            <a:endParaRPr lang="en-US" sz="1800" dirty="0">
+              <a:solidFill>
+                <a:schemeClr val="dk1"/>
+              </a:solidFill>
+              <a:latin typeface="Montserrat"/>
+              <a:ea typeface="Montserrat"/>
+              <a:cs typeface="Montserrat"/>
+              <a:sym typeface="Montserrat"/>
+            </a:endParaRPr>
+          </a:p>
+          <a:p>
+            <a:pPr marL="0" marR="0" lvl="0" indent="0" algn="l" rtl="0">
+              <a:spcBef>
+                <a:spcPts val="0"/>
+              </a:spcBef>
+              <a:spcAft>
+                <a:spcPts val="0"/>
+              </a:spcAft>
+              <a:buNone/>
+            </a:pPr>
+            <a:endParaRPr sz="1800" dirty="0">
+              <a:solidFill>
+                <a:schemeClr val="dk1"/>
+              </a:solidFill>
+              <a:latin typeface="Montserrat"/>
+              <a:ea typeface="Montserrat"/>
+              <a:cs typeface="Montserrat"/>
+              <a:sym typeface="Montserrat"/>
+            </a:endParaRPr>
+          </a:p>
+        </p:txBody>
+      </p:sp>
+      <p:sp>
+        <p:nvSpPr>
+          <p:cNvPr id="6" name="TextBox 5">
+            <a:extLst>
+              <a:ext uri="{FF2B5EF4-FFF2-40B4-BE49-F238E27FC236}">
+                <a16:creationId xmlns:a16="http://schemas.microsoft.com/office/drawing/2014/main" id="{63DDF3B6-0964-E9B2-106D-B942D8C96D27}"/>
+              </a:ext>
+            </a:extLst>
+          </p:cNvPr>
+          <p:cNvSpPr txBox="1"/>
+          <p:nvPr/>
+        </p:nvSpPr>
+        <p:spPr>
+          <a:xfrm>
+            <a:off x="160318" y="4127633"/>
+            <a:ext cx="8983682" cy="2062103"/>
+          </a:xfrm>
+          <a:prstGeom prst="rect">
+            <a:avLst/>
+          </a:prstGeom>
+          <a:noFill/>
+        </p:spPr>
+        <p:txBody>
+          <a:bodyPr wrap="square">
+            <a:spAutoFit/>
+          </a:bodyPr>
+          <a:lstStyle/>
+          <a:p>
+            <a:r>
+              <a:rPr lang="en-US" sz="1600" dirty="0">
+                <a:latin typeface="Montserrat" panose="00000500000000000000" pitchFamily="2" charset="0"/>
+              </a:rPr>
+              <a:t>SELECT music, </a:t>
+            </a:r>
+            <a:r>
+              <a:rPr lang="en-US" sz="1600" dirty="0" err="1">
+                <a:latin typeface="Montserrat" panose="00000500000000000000" pitchFamily="2" charset="0"/>
+              </a:rPr>
+              <a:t>cnt</a:t>
+            </a:r>
+            <a:endParaRPr lang="en-US" sz="1600" dirty="0">
+              <a:latin typeface="Montserrat" panose="00000500000000000000" pitchFamily="2" charset="0"/>
+            </a:endParaRPr>
+          </a:p>
+          <a:p>
+            <a:pPr lvl="1"/>
+            <a:r>
+              <a:rPr lang="en-US" sz="1600" dirty="0">
+                <a:latin typeface="Montserrat" panose="00000500000000000000" pitchFamily="2" charset="0"/>
+              </a:rPr>
+              <a:t>	, </a:t>
+            </a:r>
+            <a:r>
+              <a:rPr lang="en-US" sz="1600" b="1" dirty="0">
+                <a:latin typeface="Montserrat" panose="00000500000000000000" pitchFamily="2" charset="0"/>
+              </a:rPr>
+              <a:t>RANK() </a:t>
+            </a:r>
+            <a:r>
+              <a:rPr lang="en-US" sz="1600" dirty="0">
+                <a:latin typeface="Montserrat" panose="00000500000000000000" pitchFamily="2" charset="0"/>
+              </a:rPr>
+              <a:t>OVER (ORDER BY </a:t>
+            </a:r>
+            <a:r>
+              <a:rPr lang="en-US" sz="1600" dirty="0" err="1">
+                <a:latin typeface="Montserrat" panose="00000500000000000000" pitchFamily="2" charset="0"/>
+              </a:rPr>
+              <a:t>cnt</a:t>
+            </a:r>
+            <a:r>
+              <a:rPr lang="en-US" sz="1600" dirty="0">
+                <a:latin typeface="Montserrat" panose="00000500000000000000" pitchFamily="2" charset="0"/>
+              </a:rPr>
+              <a:t> DESC) AS </a:t>
+            </a:r>
+            <a:r>
+              <a:rPr lang="en-US" sz="1600" dirty="0" err="1">
+                <a:latin typeface="Montserrat" panose="00000500000000000000" pitchFamily="2" charset="0"/>
+              </a:rPr>
+              <a:t>music_rank</a:t>
+            </a:r>
+            <a:endParaRPr lang="en-US" sz="1600" dirty="0">
+              <a:latin typeface="Montserrat" panose="00000500000000000000" pitchFamily="2" charset="0"/>
+            </a:endParaRPr>
+          </a:p>
+          <a:p>
+            <a:pPr lvl="1"/>
+            <a:r>
+              <a:rPr lang="en-US" sz="1600" dirty="0">
+                <a:latin typeface="Montserrat" panose="00000500000000000000" pitchFamily="2" charset="0"/>
+              </a:rPr>
+              <a:t>	, </a:t>
+            </a:r>
+            <a:r>
+              <a:rPr lang="en-US" sz="1600" b="1" dirty="0">
+                <a:latin typeface="Montserrat" panose="00000500000000000000" pitchFamily="2" charset="0"/>
+              </a:rPr>
+              <a:t>DENSE_RANK() </a:t>
+            </a:r>
+            <a:r>
+              <a:rPr lang="en-US" sz="1600" dirty="0">
+                <a:latin typeface="Montserrat" panose="00000500000000000000" pitchFamily="2" charset="0"/>
+              </a:rPr>
+              <a:t>OVER (ORDER BY </a:t>
+            </a:r>
+            <a:r>
+              <a:rPr lang="en-US" sz="1600" dirty="0" err="1">
+                <a:latin typeface="Montserrat" panose="00000500000000000000" pitchFamily="2" charset="0"/>
+              </a:rPr>
+              <a:t>cnt</a:t>
+            </a:r>
+            <a:r>
+              <a:rPr lang="en-US" sz="1600" dirty="0">
+                <a:latin typeface="Montserrat" panose="00000500000000000000" pitchFamily="2" charset="0"/>
+              </a:rPr>
+              <a:t> DESC) AS </a:t>
+            </a:r>
+            <a:r>
+              <a:rPr lang="en-US" sz="1600" dirty="0" err="1">
+                <a:latin typeface="Montserrat" panose="00000500000000000000" pitchFamily="2" charset="0"/>
+              </a:rPr>
+              <a:t>music_dense_rank</a:t>
+            </a:r>
+            <a:endParaRPr lang="en-US" sz="1600" dirty="0">
+              <a:latin typeface="Montserrat" panose="00000500000000000000" pitchFamily="2" charset="0"/>
+            </a:endParaRPr>
+          </a:p>
+          <a:p>
+            <a:pPr lvl="1"/>
+            <a:r>
+              <a:rPr lang="en-US" sz="1600" dirty="0">
+                <a:latin typeface="Montserrat" panose="00000500000000000000" pitchFamily="2" charset="0"/>
+              </a:rPr>
+              <a:t>	, </a:t>
+            </a:r>
+            <a:r>
+              <a:rPr lang="en-US" sz="1600" b="1" dirty="0">
+                <a:latin typeface="Montserrat" panose="00000500000000000000" pitchFamily="2" charset="0"/>
+              </a:rPr>
+              <a:t>ROW_NUMBER() </a:t>
+            </a:r>
+            <a:r>
+              <a:rPr lang="en-US" sz="1600" dirty="0">
+                <a:latin typeface="Montserrat" panose="00000500000000000000" pitchFamily="2" charset="0"/>
+              </a:rPr>
+              <a:t>OVER (ORDER BY </a:t>
+            </a:r>
+            <a:r>
+              <a:rPr lang="en-US" sz="1600" dirty="0" err="1">
+                <a:latin typeface="Montserrat" panose="00000500000000000000" pitchFamily="2" charset="0"/>
+              </a:rPr>
+              <a:t>cnt</a:t>
+            </a:r>
+            <a:r>
+              <a:rPr lang="en-US" sz="1600" dirty="0">
+                <a:latin typeface="Montserrat" panose="00000500000000000000" pitchFamily="2" charset="0"/>
+              </a:rPr>
+              <a:t> DESC) AS </a:t>
+            </a:r>
+            <a:r>
+              <a:rPr lang="en-US" sz="1600" dirty="0" err="1">
+                <a:latin typeface="Montserrat" panose="00000500000000000000" pitchFamily="2" charset="0"/>
+              </a:rPr>
+              <a:t>music_row_number</a:t>
+            </a:r>
+            <a:endParaRPr lang="en-US" sz="1600" dirty="0">
+              <a:latin typeface="Montserrat" panose="00000500000000000000" pitchFamily="2" charset="0"/>
+            </a:endParaRPr>
+          </a:p>
+          <a:p>
+            <a:pPr lvl="1"/>
+            <a:r>
+              <a:rPr lang="en-US" sz="1600" dirty="0">
+                <a:latin typeface="Montserrat" panose="00000500000000000000" pitchFamily="2" charset="0"/>
+              </a:rPr>
+              <a:t>	, </a:t>
+            </a:r>
+            <a:r>
+              <a:rPr lang="en-US" sz="1600" b="1" dirty="0">
+                <a:latin typeface="Montserrat" panose="00000500000000000000" pitchFamily="2" charset="0"/>
+              </a:rPr>
+              <a:t>NTILE(20) </a:t>
+            </a:r>
+            <a:r>
+              <a:rPr lang="en-US" sz="1600" dirty="0">
+                <a:latin typeface="Montserrat" panose="00000500000000000000" pitchFamily="2" charset="0"/>
+              </a:rPr>
+              <a:t>OVER (ORDER BY </a:t>
+            </a:r>
+            <a:r>
+              <a:rPr lang="en-US" sz="1600" dirty="0" err="1">
+                <a:latin typeface="Montserrat" panose="00000500000000000000" pitchFamily="2" charset="0"/>
+              </a:rPr>
+              <a:t>cnt</a:t>
+            </a:r>
+            <a:r>
+              <a:rPr lang="en-US" sz="1600" dirty="0">
+                <a:latin typeface="Montserrat" panose="00000500000000000000" pitchFamily="2" charset="0"/>
+              </a:rPr>
+              <a:t> DESC) AS music_row_20_buckets</a:t>
+            </a:r>
+          </a:p>
+          <a:p>
+            <a:pPr lvl="1"/>
+            <a:r>
+              <a:rPr lang="en-US" sz="1600" dirty="0">
+                <a:latin typeface="Montserrat" panose="00000500000000000000" pitchFamily="2" charset="0"/>
+              </a:rPr>
+              <a:t>	, </a:t>
+            </a:r>
+            <a:r>
+              <a:rPr lang="en-US" sz="1600" b="1" dirty="0">
+                <a:latin typeface="Montserrat" panose="00000500000000000000" pitchFamily="2" charset="0"/>
+              </a:rPr>
+              <a:t>NTILE(100) </a:t>
+            </a:r>
+            <a:r>
+              <a:rPr lang="en-US" sz="1600" dirty="0">
+                <a:latin typeface="Montserrat" panose="00000500000000000000" pitchFamily="2" charset="0"/>
+              </a:rPr>
+              <a:t>OVER (ORDER BY </a:t>
+            </a:r>
+            <a:r>
+              <a:rPr lang="en-US" sz="1600" dirty="0" err="1">
+                <a:latin typeface="Montserrat" panose="00000500000000000000" pitchFamily="2" charset="0"/>
+              </a:rPr>
+              <a:t>cnt</a:t>
+            </a:r>
+            <a:r>
+              <a:rPr lang="en-US" sz="1600" dirty="0">
+                <a:latin typeface="Montserrat" panose="00000500000000000000" pitchFamily="2" charset="0"/>
+              </a:rPr>
+              <a:t> DESC) AS music_row_100_buckets</a:t>
+            </a:r>
+          </a:p>
+          <a:p>
+            <a:pPr lvl="1"/>
+            <a:r>
+              <a:rPr lang="en-US" sz="1600" dirty="0">
+                <a:latin typeface="Montserrat" panose="00000500000000000000" pitchFamily="2" charset="0"/>
+              </a:rPr>
+              <a:t>	, </a:t>
+            </a:r>
+            <a:r>
+              <a:rPr lang="en-US" sz="1600" b="1" dirty="0">
+                <a:latin typeface="Montserrat" panose="00000500000000000000" pitchFamily="2" charset="0"/>
+              </a:rPr>
+              <a:t>PERCENT_RANK() </a:t>
+            </a:r>
+            <a:r>
+              <a:rPr lang="en-US" sz="1600" dirty="0">
+                <a:latin typeface="Montserrat" panose="00000500000000000000" pitchFamily="2" charset="0"/>
+              </a:rPr>
+              <a:t>OVER (ORDER BY </a:t>
+            </a:r>
+            <a:r>
+              <a:rPr lang="en-US" sz="1600" dirty="0" err="1">
+                <a:latin typeface="Montserrat" panose="00000500000000000000" pitchFamily="2" charset="0"/>
+              </a:rPr>
+              <a:t>cnt</a:t>
+            </a:r>
+            <a:r>
+              <a:rPr lang="en-US" sz="1600" dirty="0">
+                <a:latin typeface="Montserrat" panose="00000500000000000000" pitchFamily="2" charset="0"/>
+              </a:rPr>
+              <a:t> DESC) AS </a:t>
+            </a:r>
+            <a:r>
+              <a:rPr lang="en-US" sz="1600" dirty="0" err="1">
+                <a:latin typeface="Montserrat" panose="00000500000000000000" pitchFamily="2" charset="0"/>
+              </a:rPr>
+              <a:t>music_row_percentile</a:t>
+            </a:r>
+            <a:endParaRPr lang="en-US" sz="1600" dirty="0">
+              <a:latin typeface="Montserrat" panose="00000500000000000000" pitchFamily="2" charset="0"/>
+            </a:endParaRPr>
+          </a:p>
+          <a:p>
+            <a:r>
+              <a:rPr lang="en-US" sz="1600" dirty="0">
+                <a:latin typeface="Montserrat" panose="00000500000000000000" pitchFamily="2" charset="0"/>
+              </a:rPr>
+              <a:t>FROM </a:t>
+            </a:r>
+            <a:r>
+              <a:rPr lang="en-US" sz="1600" dirty="0" err="1">
+                <a:latin typeface="Montserrat" panose="00000500000000000000" pitchFamily="2" charset="0"/>
+              </a:rPr>
+              <a:t>popular_music</a:t>
+            </a:r>
+            <a:r>
+              <a:rPr lang="en-US" sz="1600" dirty="0">
+                <a:latin typeface="Montserrat" panose="00000500000000000000" pitchFamily="2" charset="0"/>
+              </a:rPr>
+              <a:t>;</a:t>
+            </a:r>
+          </a:p>
+        </p:txBody>
+      </p:sp>
+    </p:spTree>
+    <p:extLst>
+      <p:ext uri="{BB962C8B-B14F-4D97-AF65-F5344CB8AC3E}">
+        <p14:creationId xmlns:p14="http://schemas.microsoft.com/office/powerpoint/2010/main" val="4114665237"/>
+      </p:ext>
+    </p:extLst>
+  </p:cSld>
+  <p:clrMapOvr>
+    <a:masterClrMapping/>
+  </p:clrMapOvr>
+</p:sld>
+</file>
+
+<file path=ppt/slides/slide8.xml><?xml version="1.0" encoding="utf-8"?>
+<p:sld xmlns:a="http://schemas.openxmlformats.org/drawingml/2006/main" xmlns:r="http://schemas.openxmlformats.org/officeDocument/2006/relationships" xmlns:p="http://schemas.openxmlformats.org/presentationml/2006/main">
+  <p:cSld>
+    <p:spTree>
+      <p:nvGrpSpPr>
+        <p:cNvPr id="1" name="Shape 105"/>
+        <p:cNvGrpSpPr/>
+        <p:nvPr/>
+      </p:nvGrpSpPr>
+      <p:grpSpPr>
+        <a:xfrm>
+          <a:off x="0" y="0"/>
+          <a:ext cx="0" cy="0"/>
+          <a:chOff x="0" y="0"/>
+          <a:chExt cx="0" cy="0"/>
+        </a:xfrm>
+      </p:grpSpPr>
+      <p:sp>
+        <p:nvSpPr>
+          <p:cNvPr id="106" name="Google Shape;106;g12c30a3ea24_0_12"/>
+          <p:cNvSpPr/>
+          <p:nvPr/>
+        </p:nvSpPr>
+        <p:spPr>
+          <a:xfrm>
+            <a:off x="373148" y="194997"/>
+            <a:ext cx="8300852" cy="554100"/>
+          </a:xfrm>
+          <a:prstGeom prst="rect">
+            <a:avLst/>
+          </a:prstGeom>
+          <a:noFill/>
+          <a:ln>
+            <a:noFill/>
+          </a:ln>
+        </p:spPr>
+        <p:txBody>
+          <a:bodyPr spcFirstLastPara="1" wrap="square" lIns="45700" tIns="45700" rIns="45700" bIns="45700" anchor="t" anchorCtr="0">
+            <a:noAutofit/>
+          </a:bodyPr>
+          <a:lstStyle/>
+          <a:p>
+            <a:pPr marL="0" marR="0" lvl="0" indent="0" algn="l" rtl="0">
+              <a:spcBef>
+                <a:spcPts val="0"/>
+              </a:spcBef>
+              <a:spcAft>
+                <a:spcPts val="0"/>
+              </a:spcAft>
+              <a:buNone/>
+            </a:pPr>
+            <a:r>
+              <a:rPr lang="en-US" sz="3000" b="1" dirty="0">
+                <a:solidFill>
+                  <a:srgbClr val="57068C"/>
+                </a:solidFill>
+                <a:latin typeface="Montserrat"/>
+                <a:ea typeface="Montserrat"/>
+                <a:cs typeface="Montserrat"/>
+                <a:sym typeface="Montserrat"/>
+              </a:rPr>
+              <a:t>WINDOW clause: Named Windows</a:t>
+            </a:r>
+            <a:endParaRPr lang="en-US" sz="1800" b="1" i="1" dirty="0">
+              <a:solidFill>
+                <a:srgbClr val="57068C"/>
+              </a:solidFill>
+              <a:latin typeface="Montserrat"/>
+              <a:ea typeface="Montserrat"/>
+              <a:cs typeface="Montserrat"/>
+              <a:sym typeface="Montserrat"/>
+            </a:endParaRPr>
+          </a:p>
+        </p:txBody>
+      </p:sp>
+      <p:sp>
+        <p:nvSpPr>
+          <p:cNvPr id="107" name="Google Shape;107;g12c30a3ea24_0_12"/>
+          <p:cNvSpPr/>
+          <p:nvPr/>
+        </p:nvSpPr>
+        <p:spPr>
+          <a:xfrm>
+            <a:off x="469900" y="1282700"/>
+            <a:ext cx="8204100" cy="307800"/>
+          </a:xfrm>
+          <a:prstGeom prst="rect">
+            <a:avLst/>
+          </a:prstGeom>
+          <a:noFill/>
+          <a:ln>
+            <a:noFill/>
+          </a:ln>
+        </p:spPr>
+        <p:txBody>
+          <a:bodyPr spcFirstLastPara="1" wrap="square" lIns="0" tIns="0" rIns="0" bIns="0" anchor="t" anchorCtr="0">
+            <a:noAutofit/>
+          </a:bodyPr>
+          <a:lstStyle/>
+          <a:p>
+            <a:pPr marL="0" marR="0" lvl="0" indent="0" algn="l" rtl="0">
+              <a:spcBef>
+                <a:spcPts val="0"/>
+              </a:spcBef>
+              <a:spcAft>
+                <a:spcPts val="0"/>
+              </a:spcAft>
+              <a:buNone/>
+            </a:pPr>
+            <a:endParaRPr sz="2000">
+              <a:solidFill>
+                <a:schemeClr val="dk1"/>
+              </a:solidFill>
+              <a:latin typeface="Arimo"/>
+              <a:ea typeface="Arimo"/>
+              <a:cs typeface="Arimo"/>
+              <a:sym typeface="Arimo"/>
+            </a:endParaRPr>
+          </a:p>
+        </p:txBody>
+      </p:sp>
+      <p:sp>
+        <p:nvSpPr>
+          <p:cNvPr id="2" name="Google Shape;141;p4">
+            <a:extLst>
+              <a:ext uri="{FF2B5EF4-FFF2-40B4-BE49-F238E27FC236}">
+                <a16:creationId xmlns:a16="http://schemas.microsoft.com/office/drawing/2014/main" id="{8B06E7CF-C43C-7C4B-A7B6-8CE05D935D85}"/>
+              </a:ext>
+            </a:extLst>
+          </p:cNvPr>
+          <p:cNvSpPr txBox="1"/>
+          <p:nvPr/>
+        </p:nvSpPr>
+        <p:spPr>
+          <a:xfrm>
+            <a:off x="469900" y="1187840"/>
+            <a:ext cx="8492333" cy="2862282"/>
+          </a:xfrm>
+          <a:prstGeom prst="rect">
+            <a:avLst/>
+          </a:prstGeom>
+          <a:noFill/>
+          <a:ln>
+            <a:noFill/>
+          </a:ln>
+        </p:spPr>
+        <p:txBody>
+          <a:bodyPr spcFirstLastPara="1" wrap="square" lIns="91425" tIns="45700" rIns="91425" bIns="45700" anchor="t" anchorCtr="0">
+            <a:spAutoFit/>
+          </a:bodyPr>
+          <a:lstStyle/>
+          <a:p>
+            <a:pPr marL="0" marR="0" lvl="0" indent="0" algn="l" rtl="0">
+              <a:spcBef>
+                <a:spcPts val="0"/>
+              </a:spcBef>
+              <a:spcAft>
+                <a:spcPts val="0"/>
+              </a:spcAft>
+              <a:buNone/>
+            </a:pPr>
+            <a:r>
+              <a:rPr lang="en-US" sz="1800" dirty="0">
+                <a:solidFill>
+                  <a:schemeClr val="dk1"/>
+                </a:solidFill>
+                <a:latin typeface="Montserrat"/>
+                <a:ea typeface="Montserrat"/>
+                <a:cs typeface="Montserrat"/>
+                <a:sym typeface="Montserrat"/>
+              </a:rPr>
+              <a:t>Sometimes, we may want to define a window once and use it multiple tines. </a:t>
+            </a:r>
+          </a:p>
+          <a:p>
+            <a:pPr marL="0" marR="0" lvl="0" indent="0" algn="l" rtl="0">
+              <a:spcBef>
+                <a:spcPts val="0"/>
+              </a:spcBef>
+              <a:spcAft>
+                <a:spcPts val="0"/>
+              </a:spcAft>
+              <a:buNone/>
+            </a:pPr>
+            <a:endParaRPr lang="en-US" sz="1800" dirty="0">
+              <a:solidFill>
+                <a:schemeClr val="dk1"/>
+              </a:solidFill>
+              <a:latin typeface="Montserrat"/>
+              <a:ea typeface="Montserrat"/>
+              <a:cs typeface="Montserrat"/>
+              <a:sym typeface="Montserrat"/>
+            </a:endParaRPr>
+          </a:p>
+          <a:p>
+            <a:pPr marL="0" marR="0" lvl="0" indent="0" algn="l" rtl="0">
+              <a:spcBef>
+                <a:spcPts val="0"/>
+              </a:spcBef>
+              <a:spcAft>
+                <a:spcPts val="0"/>
+              </a:spcAft>
+              <a:buNone/>
+            </a:pPr>
+            <a:r>
+              <a:rPr lang="en-US" sz="1800" dirty="0">
+                <a:solidFill>
+                  <a:schemeClr val="dk1"/>
+                </a:solidFill>
+                <a:latin typeface="Montserrat"/>
+                <a:ea typeface="Montserrat"/>
+                <a:cs typeface="Montserrat"/>
+                <a:sym typeface="Montserrat"/>
+              </a:rPr>
+              <a:t>To do this, we use a </a:t>
+            </a:r>
+            <a:r>
+              <a:rPr lang="en-US" sz="1800" b="1" dirty="0">
+                <a:solidFill>
+                  <a:schemeClr val="dk1"/>
+                </a:solidFill>
+                <a:latin typeface="Montserrat"/>
+                <a:ea typeface="Montserrat"/>
+                <a:cs typeface="Montserrat"/>
+                <a:sym typeface="Montserrat"/>
+              </a:rPr>
+              <a:t>WINDOW clause</a:t>
+            </a:r>
+            <a:r>
+              <a:rPr lang="en-US" sz="1800" dirty="0">
+                <a:solidFill>
+                  <a:schemeClr val="dk1"/>
+                </a:solidFill>
+                <a:latin typeface="Montserrat"/>
+                <a:ea typeface="Montserrat"/>
+                <a:cs typeface="Montserrat"/>
+                <a:sym typeface="Montserrat"/>
+              </a:rPr>
+              <a:t>. </a:t>
+            </a:r>
+          </a:p>
+          <a:p>
+            <a:pPr marL="0" marR="0" lvl="0" indent="0" algn="l" rtl="0">
+              <a:spcBef>
+                <a:spcPts val="0"/>
+              </a:spcBef>
+              <a:spcAft>
+                <a:spcPts val="0"/>
+              </a:spcAft>
+              <a:buNone/>
+            </a:pPr>
+            <a:endParaRPr lang="en-US" sz="1800" dirty="0">
+              <a:solidFill>
+                <a:schemeClr val="dk1"/>
+              </a:solidFill>
+              <a:latin typeface="Montserrat"/>
+              <a:ea typeface="Montserrat"/>
+              <a:cs typeface="Montserrat"/>
+              <a:sym typeface="Montserrat"/>
+            </a:endParaRPr>
+          </a:p>
+          <a:p>
+            <a:pPr marL="0" marR="0" lvl="0" indent="0" algn="l" rtl="0">
+              <a:spcBef>
+                <a:spcPts val="0"/>
+              </a:spcBef>
+              <a:spcAft>
+                <a:spcPts val="0"/>
+              </a:spcAft>
+              <a:buNone/>
+            </a:pPr>
+            <a:r>
+              <a:rPr lang="en-US" sz="1800" dirty="0">
+                <a:solidFill>
+                  <a:schemeClr val="dk1"/>
+                </a:solidFill>
+                <a:latin typeface="Montserrat"/>
+                <a:ea typeface="Montserrat"/>
+                <a:cs typeface="Montserrat"/>
+                <a:sym typeface="Montserrat"/>
+              </a:rPr>
+              <a:t>The WINDOW clause falls </a:t>
+            </a:r>
+            <a:r>
+              <a:rPr lang="en-US" sz="1800" b="1" dirty="0">
+                <a:solidFill>
+                  <a:schemeClr val="dk1"/>
+                </a:solidFill>
+                <a:latin typeface="Montserrat"/>
+                <a:ea typeface="Montserrat"/>
+                <a:cs typeface="Montserrat"/>
+                <a:sym typeface="Montserrat"/>
+              </a:rPr>
+              <a:t>between the positions of the HAVING and ORDER BY clauses</a:t>
+            </a:r>
+            <a:r>
+              <a:rPr lang="en-US" sz="1800" dirty="0">
+                <a:solidFill>
+                  <a:schemeClr val="dk1"/>
+                </a:solidFill>
+                <a:latin typeface="Montserrat"/>
+                <a:ea typeface="Montserrat"/>
+                <a:cs typeface="Montserrat"/>
+                <a:sym typeface="Montserrat"/>
+              </a:rPr>
+              <a:t>.</a:t>
+            </a:r>
+          </a:p>
+          <a:p>
+            <a:pPr marL="0" marR="0" lvl="0" indent="0" algn="l" rtl="0">
+              <a:spcBef>
+                <a:spcPts val="0"/>
+              </a:spcBef>
+              <a:spcAft>
+                <a:spcPts val="0"/>
+              </a:spcAft>
+              <a:buNone/>
+            </a:pPr>
+            <a:endParaRPr lang="en-US" sz="1800" dirty="0">
+              <a:solidFill>
+                <a:schemeClr val="dk1"/>
+              </a:solidFill>
+              <a:latin typeface="Montserrat"/>
+              <a:ea typeface="Montserrat"/>
+              <a:cs typeface="Montserrat"/>
+              <a:sym typeface="Montserrat"/>
+            </a:endParaRPr>
+          </a:p>
+          <a:p>
+            <a:pPr marL="0" marR="0" lvl="0" indent="0" algn="l" rtl="0">
+              <a:spcBef>
+                <a:spcPts val="0"/>
+              </a:spcBef>
+              <a:spcAft>
+                <a:spcPts val="0"/>
+              </a:spcAft>
+              <a:buNone/>
+            </a:pPr>
+            <a:r>
+              <a:rPr lang="en-US" sz="1800" dirty="0">
+                <a:solidFill>
+                  <a:schemeClr val="dk1"/>
+                </a:solidFill>
+                <a:latin typeface="Montserrat"/>
+                <a:ea typeface="Montserrat"/>
+                <a:cs typeface="Montserrat"/>
+                <a:sym typeface="Montserrat"/>
+              </a:rPr>
+              <a:t>Consider this query, which defines the same window multiple times:</a:t>
+            </a:r>
+          </a:p>
+          <a:p>
+            <a:endParaRPr sz="1800" i="1" dirty="0">
+              <a:solidFill>
+                <a:schemeClr val="dk1"/>
+              </a:solidFill>
+              <a:latin typeface="Montserrat"/>
+              <a:ea typeface="Montserrat"/>
+              <a:cs typeface="Montserrat"/>
+              <a:sym typeface="Montserrat"/>
+            </a:endParaRPr>
+          </a:p>
+        </p:txBody>
+      </p:sp>
+      <p:sp>
+        <p:nvSpPr>
+          <p:cNvPr id="5" name="TextBox 4">
+            <a:extLst>
+              <a:ext uri="{FF2B5EF4-FFF2-40B4-BE49-F238E27FC236}">
+                <a16:creationId xmlns:a16="http://schemas.microsoft.com/office/drawing/2014/main" id="{DC9F06E4-5A4A-36CA-EADD-1DFE6BF3320D}"/>
+              </a:ext>
+            </a:extLst>
+          </p:cNvPr>
+          <p:cNvSpPr txBox="1"/>
+          <p:nvPr/>
+        </p:nvSpPr>
+        <p:spPr>
+          <a:xfrm>
+            <a:off x="1039040" y="4239019"/>
+            <a:ext cx="7065819" cy="2554545"/>
+          </a:xfrm>
+          <a:prstGeom prst="rect">
+            <a:avLst/>
+          </a:prstGeom>
+          <a:noFill/>
+        </p:spPr>
+        <p:txBody>
+          <a:bodyPr wrap="square">
+            <a:spAutoFit/>
+          </a:bodyPr>
+          <a:lstStyle/>
+          <a:p>
+            <a:r>
+              <a:rPr lang="en-US" sz="1600" dirty="0">
+                <a:latin typeface="Montserrat" panose="00000500000000000000" pitchFamily="2" charset="0"/>
+              </a:rPr>
+              <a:t>SELECT music, </a:t>
+            </a:r>
+            <a:r>
+              <a:rPr lang="en-US" sz="1600" dirty="0" err="1">
+                <a:latin typeface="Montserrat" panose="00000500000000000000" pitchFamily="2" charset="0"/>
+              </a:rPr>
+              <a:t>cnt</a:t>
+            </a:r>
+            <a:endParaRPr lang="en-US" sz="1600" dirty="0">
+              <a:latin typeface="Montserrat" panose="00000500000000000000" pitchFamily="2" charset="0"/>
+            </a:endParaRPr>
+          </a:p>
+          <a:p>
+            <a:pPr lvl="1"/>
+            <a:r>
+              <a:rPr lang="en-US" sz="1600" dirty="0">
+                <a:latin typeface="Montserrat" panose="00000500000000000000" pitchFamily="2" charset="0"/>
+              </a:rPr>
+              <a:t>	, RANK() </a:t>
+            </a:r>
+            <a:r>
+              <a:rPr lang="en-US" sz="1600" b="1" dirty="0">
+                <a:latin typeface="Montserrat" panose="00000500000000000000" pitchFamily="2" charset="0"/>
+              </a:rPr>
+              <a:t>OVER w</a:t>
+            </a:r>
+            <a:r>
+              <a:rPr lang="en-US" sz="1600" dirty="0">
+                <a:latin typeface="Montserrat" panose="00000500000000000000" pitchFamily="2" charset="0"/>
+              </a:rPr>
+              <a:t> AS </a:t>
+            </a:r>
+            <a:r>
+              <a:rPr lang="en-US" sz="1600" dirty="0" err="1">
+                <a:latin typeface="Montserrat" panose="00000500000000000000" pitchFamily="2" charset="0"/>
+              </a:rPr>
+              <a:t>music_rank</a:t>
+            </a:r>
+            <a:endParaRPr lang="en-US" sz="1600" dirty="0">
+              <a:latin typeface="Montserrat" panose="00000500000000000000" pitchFamily="2" charset="0"/>
+            </a:endParaRPr>
+          </a:p>
+          <a:p>
+            <a:pPr lvl="1"/>
+            <a:r>
+              <a:rPr lang="en-US" sz="1600" dirty="0">
+                <a:latin typeface="Montserrat" panose="00000500000000000000" pitchFamily="2" charset="0"/>
+              </a:rPr>
+              <a:t>	, DENSE_RANK() </a:t>
+            </a:r>
+            <a:r>
+              <a:rPr lang="en-US" sz="1600" b="1" dirty="0">
+                <a:latin typeface="Montserrat" panose="00000500000000000000" pitchFamily="2" charset="0"/>
+              </a:rPr>
+              <a:t>OVER w </a:t>
+            </a:r>
+            <a:r>
+              <a:rPr lang="en-US" sz="1600" dirty="0">
+                <a:latin typeface="Montserrat" panose="00000500000000000000" pitchFamily="2" charset="0"/>
+              </a:rPr>
+              <a:t>AS </a:t>
+            </a:r>
+            <a:r>
+              <a:rPr lang="en-US" sz="1600" dirty="0" err="1">
+                <a:latin typeface="Montserrat" panose="00000500000000000000" pitchFamily="2" charset="0"/>
+              </a:rPr>
+              <a:t>music_dense_rank</a:t>
+            </a:r>
+            <a:endParaRPr lang="en-US" sz="1600" dirty="0">
+              <a:latin typeface="Montserrat" panose="00000500000000000000" pitchFamily="2" charset="0"/>
+            </a:endParaRPr>
+          </a:p>
+          <a:p>
+            <a:pPr lvl="1"/>
+            <a:r>
+              <a:rPr lang="en-US" sz="1600" dirty="0">
+                <a:latin typeface="Montserrat" panose="00000500000000000000" pitchFamily="2" charset="0"/>
+              </a:rPr>
+              <a:t>	, ROW_NUMBER() </a:t>
+            </a:r>
+            <a:r>
+              <a:rPr lang="en-US" sz="1600" b="1" dirty="0">
+                <a:latin typeface="Montserrat" panose="00000500000000000000" pitchFamily="2" charset="0"/>
+              </a:rPr>
+              <a:t>OVER w </a:t>
+            </a:r>
+            <a:r>
+              <a:rPr lang="en-US" sz="1600" dirty="0">
+                <a:latin typeface="Montserrat" panose="00000500000000000000" pitchFamily="2" charset="0"/>
+              </a:rPr>
+              <a:t>AS </a:t>
+            </a:r>
+            <a:r>
+              <a:rPr lang="en-US" sz="1600" dirty="0" err="1">
+                <a:latin typeface="Montserrat" panose="00000500000000000000" pitchFamily="2" charset="0"/>
+              </a:rPr>
+              <a:t>music_row_number</a:t>
+            </a:r>
+            <a:endParaRPr lang="en-US" sz="1600" dirty="0">
+              <a:latin typeface="Montserrat" panose="00000500000000000000" pitchFamily="2" charset="0"/>
+            </a:endParaRPr>
+          </a:p>
+          <a:p>
+            <a:pPr lvl="1"/>
+            <a:r>
+              <a:rPr lang="en-US" sz="1600" dirty="0">
+                <a:latin typeface="Montserrat" panose="00000500000000000000" pitchFamily="2" charset="0"/>
+              </a:rPr>
+              <a:t>	, NTILE(20) </a:t>
+            </a:r>
+            <a:r>
+              <a:rPr lang="en-US" sz="1600" b="1" dirty="0">
+                <a:latin typeface="Montserrat" panose="00000500000000000000" pitchFamily="2" charset="0"/>
+              </a:rPr>
+              <a:t>OVER w</a:t>
+            </a:r>
+            <a:r>
+              <a:rPr lang="en-US" sz="1600" dirty="0">
+                <a:latin typeface="Montserrat" panose="00000500000000000000" pitchFamily="2" charset="0"/>
+              </a:rPr>
+              <a:t> AS music_row_20_buckets</a:t>
+            </a:r>
+          </a:p>
+          <a:p>
+            <a:pPr lvl="1"/>
+            <a:r>
+              <a:rPr lang="en-US" sz="1600" dirty="0">
+                <a:latin typeface="Montserrat" panose="00000500000000000000" pitchFamily="2" charset="0"/>
+              </a:rPr>
+              <a:t>	, NTILE(100) </a:t>
+            </a:r>
+            <a:r>
+              <a:rPr lang="en-US" sz="1600" b="1" dirty="0">
+                <a:latin typeface="Montserrat" panose="00000500000000000000" pitchFamily="2" charset="0"/>
+              </a:rPr>
+              <a:t>OVER w</a:t>
+            </a:r>
+            <a:r>
+              <a:rPr lang="en-US" sz="1600" dirty="0">
+                <a:latin typeface="Montserrat" panose="00000500000000000000" pitchFamily="2" charset="0"/>
+              </a:rPr>
+              <a:t> AS music_row_100_buckets</a:t>
+            </a:r>
+          </a:p>
+          <a:p>
+            <a:pPr lvl="1"/>
+            <a:r>
+              <a:rPr lang="en-US" sz="1600" dirty="0">
+                <a:latin typeface="Montserrat" panose="00000500000000000000" pitchFamily="2" charset="0"/>
+              </a:rPr>
+              <a:t>	, PERCENT_RANK() </a:t>
+            </a:r>
+            <a:r>
+              <a:rPr lang="en-US" sz="1600" b="1" dirty="0">
+                <a:latin typeface="Montserrat" panose="00000500000000000000" pitchFamily="2" charset="0"/>
+              </a:rPr>
+              <a:t>OVER </a:t>
+            </a:r>
+            <a:r>
+              <a:rPr lang="en-US" sz="1600" b="1" dirty="0">
+                <a:solidFill>
+                  <a:srgbClr val="7030A0"/>
+                </a:solidFill>
+                <a:latin typeface="Montserrat" panose="00000500000000000000" pitchFamily="2" charset="0"/>
+              </a:rPr>
+              <a:t>w2</a:t>
+            </a:r>
+            <a:r>
+              <a:rPr lang="en-US" sz="1600" b="1" dirty="0">
+                <a:latin typeface="Montserrat" panose="00000500000000000000" pitchFamily="2" charset="0"/>
+              </a:rPr>
+              <a:t> </a:t>
+            </a:r>
+            <a:r>
+              <a:rPr lang="en-US" sz="1600" dirty="0">
+                <a:latin typeface="Montserrat" panose="00000500000000000000" pitchFamily="2" charset="0"/>
+              </a:rPr>
+              <a:t>AS </a:t>
+            </a:r>
+            <a:r>
+              <a:rPr lang="en-US" sz="1600" dirty="0" err="1">
+                <a:latin typeface="Montserrat" panose="00000500000000000000" pitchFamily="2" charset="0"/>
+              </a:rPr>
+              <a:t>music_row_percentile</a:t>
+            </a:r>
+            <a:endParaRPr lang="en-US" sz="1600" dirty="0">
+              <a:latin typeface="Montserrat" panose="00000500000000000000" pitchFamily="2" charset="0"/>
+            </a:endParaRPr>
+          </a:p>
+          <a:p>
+            <a:r>
+              <a:rPr lang="en-US" sz="1600" dirty="0">
+                <a:latin typeface="Montserrat" panose="00000500000000000000" pitchFamily="2" charset="0"/>
+              </a:rPr>
+              <a:t>FROM </a:t>
+            </a:r>
+            <a:r>
+              <a:rPr lang="en-US" sz="1600" dirty="0" err="1">
+                <a:latin typeface="Montserrat" panose="00000500000000000000" pitchFamily="2" charset="0"/>
+              </a:rPr>
+              <a:t>popular_music</a:t>
+            </a:r>
+            <a:endParaRPr lang="en-US" sz="1600" dirty="0">
+              <a:latin typeface="Montserrat" panose="00000500000000000000" pitchFamily="2" charset="0"/>
+            </a:endParaRPr>
+          </a:p>
+          <a:p>
+            <a:r>
+              <a:rPr lang="en-US" sz="1600" b="1" dirty="0">
+                <a:latin typeface="Montserrat" panose="00000500000000000000" pitchFamily="2" charset="0"/>
+              </a:rPr>
+              <a:t>WINDOW w AS (ORDER BY </a:t>
+            </a:r>
+            <a:r>
+              <a:rPr lang="en-US" sz="1600" b="1" dirty="0" err="1">
+                <a:latin typeface="Montserrat" panose="00000500000000000000" pitchFamily="2" charset="0"/>
+              </a:rPr>
+              <a:t>cnt</a:t>
+            </a:r>
+            <a:r>
+              <a:rPr lang="en-US" sz="1600" b="1" dirty="0">
+                <a:latin typeface="Montserrat" panose="00000500000000000000" pitchFamily="2" charset="0"/>
+              </a:rPr>
+              <a:t> DESC)</a:t>
+            </a:r>
+          </a:p>
+          <a:p>
+            <a:r>
+              <a:rPr lang="en-US" sz="1600" b="1" dirty="0">
+                <a:latin typeface="Montserrat" panose="00000500000000000000" pitchFamily="2" charset="0"/>
+              </a:rPr>
+              <a:t>                 , </a:t>
+            </a:r>
+            <a:r>
+              <a:rPr lang="en-US" sz="1600" b="1" dirty="0">
+                <a:solidFill>
+                  <a:srgbClr val="7030A0"/>
+                </a:solidFill>
+                <a:latin typeface="Montserrat" panose="00000500000000000000" pitchFamily="2" charset="0"/>
+              </a:rPr>
+              <a:t>w2</a:t>
+            </a:r>
+            <a:r>
+              <a:rPr lang="en-US" sz="1600" b="1" dirty="0">
+                <a:latin typeface="Montserrat" panose="00000500000000000000" pitchFamily="2" charset="0"/>
+              </a:rPr>
+              <a:t> AS (ORDER BY </a:t>
+            </a:r>
+            <a:r>
+              <a:rPr lang="en-US" sz="1600" b="1" dirty="0" err="1">
+                <a:latin typeface="Montserrat" panose="00000500000000000000" pitchFamily="2" charset="0"/>
+              </a:rPr>
+              <a:t>cnt</a:t>
+            </a:r>
+            <a:r>
+              <a:rPr lang="en-US" sz="1600" b="1" dirty="0">
+                <a:latin typeface="Montserrat" panose="00000500000000000000" pitchFamily="2" charset="0"/>
+              </a:rPr>
+              <a:t>)</a:t>
+            </a:r>
+          </a:p>
+        </p:txBody>
+      </p:sp>
+    </p:spTree>
+    <p:extLst>
+      <p:ext uri="{BB962C8B-B14F-4D97-AF65-F5344CB8AC3E}">
+        <p14:creationId xmlns:p14="http://schemas.microsoft.com/office/powerpoint/2010/main" val="2210257447"/>
+      </p:ext>
+    </p:extLst>
+  </p:cSld>
+  <p:clrMapOvr>
+    <a:masterClrMapping/>
+  </p:clrMapOvr>
+</p:sld>
+</file>
+
+<file path=ppt/slides/slide9.xml><?xml version="1.0" encoding="utf-8"?>
+<p:sld xmlns:a="http://schemas.openxmlformats.org/drawingml/2006/main" xmlns:r="http://schemas.openxmlformats.org/officeDocument/2006/relationships" xmlns:p="http://schemas.openxmlformats.org/presentationml/2006/main">
+  <p:cSld>
+    <p:spTree>
+      <p:nvGrpSpPr>
+        <p:cNvPr id="1" name="Shape 105"/>
+        <p:cNvGrpSpPr/>
+        <p:nvPr/>
+      </p:nvGrpSpPr>
+      <p:grpSpPr>
+        <a:xfrm>
+          <a:off x="0" y="0"/>
+          <a:ext cx="0" cy="0"/>
+          <a:chOff x="0" y="0"/>
+          <a:chExt cx="0" cy="0"/>
+        </a:xfrm>
+      </p:grpSpPr>
+      <p:sp>
+        <p:nvSpPr>
+          <p:cNvPr id="106" name="Google Shape;106;g12c30a3ea24_0_12"/>
+          <p:cNvSpPr/>
+          <p:nvPr/>
+        </p:nvSpPr>
+        <p:spPr>
+          <a:xfrm>
+            <a:off x="386308" y="147496"/>
+            <a:ext cx="7757400" cy="554100"/>
+          </a:xfrm>
+          <a:prstGeom prst="rect">
+            <a:avLst/>
+          </a:prstGeom>
+          <a:noFill/>
+          <a:ln>
+            <a:noFill/>
+          </a:ln>
+        </p:spPr>
+        <p:txBody>
+          <a:bodyPr spcFirstLastPara="1" wrap="square" lIns="45700" tIns="45700" rIns="45700" bIns="45700" anchor="t" anchorCtr="0">
+            <a:noAutofit/>
+          </a:bodyPr>
+          <a:lstStyle/>
+          <a:p>
+            <a:pPr marL="0" marR="0" lvl="0" indent="0" algn="l" rtl="0">
+              <a:spcBef>
+                <a:spcPts val="0"/>
+              </a:spcBef>
+              <a:spcAft>
+                <a:spcPts val="0"/>
+              </a:spcAft>
+              <a:buNone/>
+            </a:pPr>
+            <a:r>
+              <a:rPr lang="en-US" sz="3000" b="1" dirty="0">
+                <a:solidFill>
+                  <a:srgbClr val="57068C"/>
+                </a:solidFill>
+                <a:latin typeface="Montserrat"/>
+                <a:ea typeface="Montserrat"/>
+                <a:cs typeface="Montserrat"/>
+                <a:sym typeface="Montserrat"/>
+              </a:rPr>
+              <a:t>Partitioning Example: RANK()</a:t>
+            </a:r>
+            <a:endParaRPr dirty="0">
+              <a:solidFill>
+                <a:srgbClr val="57068C"/>
+              </a:solidFill>
+              <a:latin typeface="Montserrat"/>
+              <a:ea typeface="Montserrat"/>
+              <a:cs typeface="Montserrat"/>
+              <a:sym typeface="Montserrat"/>
+            </a:endParaRPr>
+          </a:p>
+        </p:txBody>
+      </p:sp>
+      <p:sp>
+        <p:nvSpPr>
+          <p:cNvPr id="107" name="Google Shape;107;g12c30a3ea24_0_12"/>
+          <p:cNvSpPr/>
+          <p:nvPr/>
+        </p:nvSpPr>
+        <p:spPr>
+          <a:xfrm>
+            <a:off x="469900" y="1282700"/>
+            <a:ext cx="8204100" cy="307800"/>
+          </a:xfrm>
+          <a:prstGeom prst="rect">
+            <a:avLst/>
+          </a:prstGeom>
+          <a:noFill/>
+          <a:ln>
+            <a:noFill/>
+          </a:ln>
+        </p:spPr>
+        <p:txBody>
+          <a:bodyPr spcFirstLastPara="1" wrap="square" lIns="0" tIns="0" rIns="0" bIns="0" anchor="t" anchorCtr="0">
+            <a:noAutofit/>
+          </a:bodyPr>
+          <a:lstStyle/>
+          <a:p>
+            <a:pPr marL="0" marR="0" lvl="0" indent="0" algn="l" rtl="0">
+              <a:spcBef>
+                <a:spcPts val="0"/>
+              </a:spcBef>
+              <a:spcAft>
+                <a:spcPts val="0"/>
+              </a:spcAft>
+              <a:buNone/>
+            </a:pPr>
+            <a:endParaRPr sz="2000">
+              <a:solidFill>
+                <a:schemeClr val="dk1"/>
+              </a:solidFill>
+              <a:latin typeface="Arimo"/>
+              <a:ea typeface="Arimo"/>
+              <a:cs typeface="Arimo"/>
+              <a:sym typeface="Arimo"/>
+            </a:endParaRPr>
+          </a:p>
+        </p:txBody>
+      </p:sp>
+      <p:sp>
+        <p:nvSpPr>
+          <p:cNvPr id="2" name="Google Shape;141;p4">
+            <a:extLst>
+              <a:ext uri="{FF2B5EF4-FFF2-40B4-BE49-F238E27FC236}">
+                <a16:creationId xmlns:a16="http://schemas.microsoft.com/office/drawing/2014/main" id="{8B06E7CF-C43C-7C4B-A7B6-8CE05D935D85}"/>
+              </a:ext>
+            </a:extLst>
+          </p:cNvPr>
+          <p:cNvSpPr txBox="1"/>
+          <p:nvPr/>
+        </p:nvSpPr>
+        <p:spPr>
+          <a:xfrm>
+            <a:off x="93785" y="1376737"/>
+            <a:ext cx="9050215" cy="5355272"/>
+          </a:xfrm>
+          <a:prstGeom prst="rect">
+            <a:avLst/>
+          </a:prstGeom>
+          <a:noFill/>
+          <a:ln>
+            <a:noFill/>
+          </a:ln>
+        </p:spPr>
+        <p:txBody>
+          <a:bodyPr spcFirstLastPara="1" wrap="square" lIns="91425" tIns="45700" rIns="91425" bIns="45700" anchor="t" anchorCtr="0">
+            <a:spAutoFit/>
+          </a:bodyPr>
+          <a:lstStyle/>
+          <a:p>
+            <a:pPr marR="0" lvl="0" algn="l" rtl="0">
+              <a:spcBef>
+                <a:spcPts val="0"/>
+              </a:spcBef>
+              <a:spcAft>
+                <a:spcPts val="0"/>
+              </a:spcAft>
+              <a:buClr>
+                <a:schemeClr val="dk1"/>
+              </a:buClr>
+              <a:buSzPts val="1800"/>
+            </a:pPr>
+            <a:r>
+              <a:rPr lang="en-US" sz="1800" dirty="0">
+                <a:solidFill>
+                  <a:schemeClr val="dk1"/>
+                </a:solidFill>
+                <a:latin typeface="Montserrat"/>
+                <a:ea typeface="Montserrat"/>
+                <a:cs typeface="Montserrat"/>
+                <a:sym typeface="Montserrat"/>
+              </a:rPr>
+              <a:t>Create a (temporary) table with the most popular music on Facebook:</a:t>
+            </a:r>
+          </a:p>
+          <a:p>
+            <a:pPr marR="0" lvl="0" algn="l" rtl="0">
+              <a:spcBef>
+                <a:spcPts val="0"/>
+              </a:spcBef>
+              <a:spcAft>
+                <a:spcPts val="0"/>
+              </a:spcAft>
+              <a:buClr>
+                <a:schemeClr val="dk1"/>
+              </a:buClr>
+              <a:buSzPts val="1800"/>
+            </a:pPr>
+            <a:endParaRPr lang="en-US" sz="1800" dirty="0">
+              <a:solidFill>
+                <a:schemeClr val="dk1"/>
+              </a:solidFill>
+              <a:latin typeface="Montserrat"/>
+              <a:ea typeface="Montserrat"/>
+              <a:cs typeface="Montserrat"/>
+              <a:sym typeface="Montserrat"/>
+            </a:endParaRPr>
+          </a:p>
+          <a:p>
+            <a:pPr marR="0" lvl="0" algn="l" rtl="0">
+              <a:spcBef>
+                <a:spcPts val="0"/>
+              </a:spcBef>
+              <a:spcAft>
+                <a:spcPts val="0"/>
+              </a:spcAft>
+              <a:buClr>
+                <a:schemeClr val="dk1"/>
+              </a:buClr>
+              <a:buSzPts val="1800"/>
+            </a:pPr>
+            <a:r>
+              <a:rPr lang="en-US" sz="1800" b="1" dirty="0">
+                <a:solidFill>
+                  <a:schemeClr val="bg1">
+                    <a:lumMod val="50000"/>
+                  </a:schemeClr>
+                </a:solidFill>
+                <a:latin typeface="Montserrat"/>
+                <a:ea typeface="Montserrat"/>
+                <a:cs typeface="Montserrat"/>
+                <a:sym typeface="Montserrat"/>
+              </a:rPr>
+              <a:t>CREATE TEMPORARY TABLE </a:t>
+            </a:r>
+            <a:r>
+              <a:rPr lang="en-US" sz="1800" dirty="0" err="1">
+                <a:solidFill>
+                  <a:schemeClr val="bg1">
+                    <a:lumMod val="50000"/>
+                  </a:schemeClr>
+                </a:solidFill>
+                <a:latin typeface="Montserrat"/>
+                <a:ea typeface="Montserrat"/>
+                <a:cs typeface="Montserrat"/>
+                <a:sym typeface="Montserrat"/>
+              </a:rPr>
+              <a:t>popular_music_and_gender</a:t>
+            </a:r>
+            <a:r>
+              <a:rPr lang="en-US" sz="1800" dirty="0">
+                <a:solidFill>
+                  <a:schemeClr val="bg1">
+                    <a:lumMod val="50000"/>
+                  </a:schemeClr>
+                </a:solidFill>
+                <a:latin typeface="Montserrat"/>
+                <a:ea typeface="Montserrat"/>
+                <a:cs typeface="Montserrat"/>
+                <a:sym typeface="Montserrat"/>
+              </a:rPr>
+              <a:t> </a:t>
+            </a:r>
+            <a:r>
+              <a:rPr lang="en-US" sz="1800" b="1" dirty="0">
+                <a:solidFill>
+                  <a:schemeClr val="bg1">
+                    <a:lumMod val="50000"/>
+                  </a:schemeClr>
+                </a:solidFill>
+                <a:latin typeface="Montserrat"/>
+                <a:ea typeface="Montserrat"/>
+                <a:cs typeface="Montserrat"/>
+                <a:sym typeface="Montserrat"/>
+              </a:rPr>
+              <a:t>AS</a:t>
+            </a:r>
+            <a:r>
+              <a:rPr lang="en-US" sz="1800" dirty="0">
+                <a:solidFill>
+                  <a:schemeClr val="bg1">
+                    <a:lumMod val="50000"/>
+                  </a:schemeClr>
+                </a:solidFill>
+                <a:latin typeface="Montserrat"/>
+                <a:ea typeface="Montserrat"/>
+                <a:cs typeface="Montserrat"/>
+                <a:sym typeface="Montserrat"/>
+              </a:rPr>
+              <a:t>	</a:t>
+            </a:r>
+          </a:p>
+          <a:p>
+            <a:pPr lvl="4">
+              <a:buClr>
+                <a:schemeClr val="dk1"/>
+              </a:buClr>
+              <a:buSzPts val="1800"/>
+            </a:pPr>
+            <a:r>
+              <a:rPr lang="en-US" sz="1600" b="1" dirty="0">
+                <a:solidFill>
+                  <a:schemeClr val="bg1">
+                    <a:lumMod val="50000"/>
+                  </a:schemeClr>
+                </a:solidFill>
+                <a:latin typeface="Montserrat"/>
+                <a:ea typeface="Montserrat"/>
+                <a:cs typeface="Montserrat"/>
+                <a:sym typeface="Montserrat"/>
+              </a:rPr>
+              <a:t>	SELECT</a:t>
+            </a:r>
+            <a:r>
+              <a:rPr lang="en-US" sz="1600" dirty="0">
+                <a:solidFill>
+                  <a:schemeClr val="bg1">
+                    <a:lumMod val="50000"/>
+                  </a:schemeClr>
+                </a:solidFill>
+                <a:latin typeface="Montserrat"/>
+                <a:ea typeface="Montserrat"/>
+                <a:cs typeface="Montserrat"/>
+                <a:sym typeface="Montserrat"/>
+              </a:rPr>
+              <a:t> </a:t>
+            </a:r>
+            <a:r>
+              <a:rPr lang="en-US" sz="1600" dirty="0" err="1">
+                <a:solidFill>
+                  <a:schemeClr val="bg1">
+                    <a:lumMod val="50000"/>
+                  </a:schemeClr>
+                </a:solidFill>
+                <a:latin typeface="Montserrat"/>
+                <a:ea typeface="Montserrat"/>
+                <a:cs typeface="Montserrat"/>
+                <a:sym typeface="Montserrat"/>
+              </a:rPr>
+              <a:t>M.Music</a:t>
+            </a:r>
+            <a:r>
+              <a:rPr lang="en-US" sz="1600" dirty="0">
+                <a:solidFill>
+                  <a:schemeClr val="bg1">
+                    <a:lumMod val="50000"/>
+                  </a:schemeClr>
+                </a:solidFill>
+                <a:latin typeface="Montserrat"/>
+                <a:ea typeface="Montserrat"/>
+                <a:cs typeface="Montserrat"/>
+                <a:sym typeface="Montserrat"/>
+              </a:rPr>
+              <a:t>, </a:t>
+            </a:r>
+            <a:r>
+              <a:rPr lang="en-US" sz="1600" dirty="0" err="1">
+                <a:solidFill>
+                  <a:schemeClr val="bg1">
+                    <a:lumMod val="50000"/>
+                  </a:schemeClr>
+                </a:solidFill>
+                <a:latin typeface="Montserrat"/>
+                <a:ea typeface="Montserrat"/>
+                <a:cs typeface="Montserrat"/>
+                <a:sym typeface="Montserrat"/>
+              </a:rPr>
+              <a:t>P.Sex</a:t>
+            </a:r>
+            <a:r>
+              <a:rPr lang="en-US" sz="1600" dirty="0">
+                <a:solidFill>
+                  <a:schemeClr val="bg1">
+                    <a:lumMod val="50000"/>
+                  </a:schemeClr>
+                </a:solidFill>
+                <a:latin typeface="Montserrat"/>
+                <a:ea typeface="Montserrat"/>
+                <a:cs typeface="Montserrat"/>
+                <a:sym typeface="Montserrat"/>
+              </a:rPr>
+              <a:t>, COUNT(</a:t>
+            </a:r>
+            <a:r>
+              <a:rPr lang="en-US" sz="1600" dirty="0" err="1">
+                <a:solidFill>
+                  <a:schemeClr val="bg1">
+                    <a:lumMod val="50000"/>
+                  </a:schemeClr>
+                </a:solidFill>
+                <a:latin typeface="Montserrat"/>
+                <a:ea typeface="Montserrat"/>
+                <a:cs typeface="Montserrat"/>
+                <a:sym typeface="Montserrat"/>
+              </a:rPr>
+              <a:t>P.ProfileID</a:t>
+            </a:r>
+            <a:r>
+              <a:rPr lang="en-US" sz="1600" dirty="0">
+                <a:solidFill>
+                  <a:schemeClr val="bg1">
+                    <a:lumMod val="50000"/>
+                  </a:schemeClr>
+                </a:solidFill>
+                <a:latin typeface="Montserrat"/>
+                <a:ea typeface="Montserrat"/>
+                <a:cs typeface="Montserrat"/>
+                <a:sym typeface="Montserrat"/>
+              </a:rPr>
+              <a:t>) AS </a:t>
+            </a:r>
+            <a:r>
+              <a:rPr lang="en-US" sz="1600" dirty="0" err="1">
+                <a:solidFill>
+                  <a:schemeClr val="bg1">
+                    <a:lumMod val="50000"/>
+                  </a:schemeClr>
+                </a:solidFill>
+                <a:latin typeface="Montserrat"/>
+                <a:ea typeface="Montserrat"/>
+                <a:cs typeface="Montserrat"/>
+                <a:sym typeface="Montserrat"/>
+              </a:rPr>
+              <a:t>cnt</a:t>
+            </a:r>
+            <a:r>
+              <a:rPr lang="en-US" sz="1600" dirty="0">
+                <a:solidFill>
+                  <a:schemeClr val="bg1">
+                    <a:lumMod val="50000"/>
+                  </a:schemeClr>
+                </a:solidFill>
+                <a:latin typeface="Montserrat"/>
+                <a:ea typeface="Montserrat"/>
+                <a:cs typeface="Montserrat"/>
+                <a:sym typeface="Montserrat"/>
+              </a:rPr>
+              <a:t>    </a:t>
+            </a:r>
+          </a:p>
+          <a:p>
+            <a:pPr lvl="4">
+              <a:buClr>
+                <a:schemeClr val="dk1"/>
+              </a:buClr>
+              <a:buSzPts val="1800"/>
+            </a:pPr>
+            <a:r>
+              <a:rPr lang="en-US" sz="1600" b="1" dirty="0">
+                <a:solidFill>
+                  <a:schemeClr val="bg1">
+                    <a:lumMod val="50000"/>
+                  </a:schemeClr>
+                </a:solidFill>
+                <a:latin typeface="Montserrat"/>
+                <a:ea typeface="Montserrat"/>
+                <a:cs typeface="Montserrat"/>
+                <a:sym typeface="Montserrat"/>
+              </a:rPr>
+              <a:t>	FROM</a:t>
+            </a:r>
+            <a:r>
+              <a:rPr lang="en-US" sz="1600" dirty="0">
+                <a:solidFill>
+                  <a:schemeClr val="bg1">
+                    <a:lumMod val="50000"/>
+                  </a:schemeClr>
+                </a:solidFill>
+                <a:latin typeface="Montserrat"/>
+                <a:ea typeface="Montserrat"/>
+                <a:cs typeface="Montserrat"/>
+                <a:sym typeface="Montserrat"/>
+              </a:rPr>
+              <a:t> </a:t>
+            </a:r>
+            <a:r>
+              <a:rPr lang="en-US" sz="1600" dirty="0" err="1">
+                <a:solidFill>
+                  <a:schemeClr val="bg1">
+                    <a:lumMod val="50000"/>
+                  </a:schemeClr>
+                </a:solidFill>
+                <a:latin typeface="Montserrat"/>
+                <a:ea typeface="Montserrat"/>
+                <a:cs typeface="Montserrat"/>
+                <a:sym typeface="Montserrat"/>
+              </a:rPr>
+              <a:t>FavoriteMusic</a:t>
+            </a:r>
+            <a:r>
+              <a:rPr lang="en-US" sz="1600" dirty="0">
+                <a:solidFill>
+                  <a:schemeClr val="bg1">
+                    <a:lumMod val="50000"/>
+                  </a:schemeClr>
+                </a:solidFill>
+                <a:latin typeface="Montserrat"/>
+                <a:ea typeface="Montserrat"/>
+                <a:cs typeface="Montserrat"/>
+                <a:sym typeface="Montserrat"/>
+              </a:rPr>
+              <a:t> M </a:t>
+            </a:r>
+            <a:r>
+              <a:rPr lang="en-US" sz="1600" b="1" dirty="0">
+                <a:solidFill>
+                  <a:schemeClr val="bg1">
+                    <a:lumMod val="50000"/>
+                  </a:schemeClr>
+                </a:solidFill>
+                <a:latin typeface="Montserrat"/>
+                <a:ea typeface="Montserrat"/>
+                <a:cs typeface="Montserrat"/>
+                <a:sym typeface="Montserrat"/>
+              </a:rPr>
+              <a:t>JOIN</a:t>
+            </a:r>
+            <a:r>
+              <a:rPr lang="en-US" sz="1600" dirty="0">
+                <a:solidFill>
+                  <a:schemeClr val="bg1">
+                    <a:lumMod val="50000"/>
+                  </a:schemeClr>
+                </a:solidFill>
+                <a:latin typeface="Montserrat"/>
+                <a:ea typeface="Montserrat"/>
+                <a:cs typeface="Montserrat"/>
+                <a:sym typeface="Montserrat"/>
+              </a:rPr>
+              <a:t> Profiles P </a:t>
+            </a:r>
+            <a:r>
+              <a:rPr lang="en-US" sz="1600" b="1" dirty="0">
+                <a:solidFill>
+                  <a:schemeClr val="bg1">
+                    <a:lumMod val="50000"/>
+                  </a:schemeClr>
+                </a:solidFill>
+                <a:latin typeface="Montserrat"/>
+                <a:ea typeface="Montserrat"/>
+                <a:cs typeface="Montserrat"/>
+                <a:sym typeface="Montserrat"/>
+              </a:rPr>
+              <a:t>ON</a:t>
+            </a:r>
+            <a:r>
+              <a:rPr lang="en-US" sz="1600" dirty="0">
+                <a:solidFill>
+                  <a:schemeClr val="bg1">
+                    <a:lumMod val="50000"/>
+                  </a:schemeClr>
+                </a:solidFill>
+                <a:latin typeface="Montserrat"/>
+                <a:ea typeface="Montserrat"/>
+                <a:cs typeface="Montserrat"/>
+                <a:sym typeface="Montserrat"/>
+              </a:rPr>
+              <a:t> </a:t>
+            </a:r>
+            <a:r>
+              <a:rPr lang="en-US" sz="1600" dirty="0" err="1">
+                <a:solidFill>
+                  <a:schemeClr val="bg1">
+                    <a:lumMod val="50000"/>
+                  </a:schemeClr>
+                </a:solidFill>
+                <a:latin typeface="Montserrat"/>
+                <a:ea typeface="Montserrat"/>
+                <a:cs typeface="Montserrat"/>
+                <a:sym typeface="Montserrat"/>
+              </a:rPr>
+              <a:t>P.ProfileID</a:t>
+            </a:r>
+            <a:r>
+              <a:rPr lang="en-US" sz="1600" dirty="0">
+                <a:solidFill>
+                  <a:schemeClr val="bg1">
+                    <a:lumMod val="50000"/>
+                  </a:schemeClr>
+                </a:solidFill>
+                <a:latin typeface="Montserrat"/>
+                <a:ea typeface="Montserrat"/>
+                <a:cs typeface="Montserrat"/>
+                <a:sym typeface="Montserrat"/>
+              </a:rPr>
+              <a:t> = </a:t>
+            </a:r>
+            <a:r>
+              <a:rPr lang="en-US" sz="1600" dirty="0" err="1">
+                <a:solidFill>
+                  <a:schemeClr val="bg1">
+                    <a:lumMod val="50000"/>
+                  </a:schemeClr>
+                </a:solidFill>
+                <a:latin typeface="Montserrat"/>
+                <a:ea typeface="Montserrat"/>
+                <a:cs typeface="Montserrat"/>
+                <a:sym typeface="Montserrat"/>
+              </a:rPr>
+              <a:t>M.ProfileID</a:t>
+            </a:r>
+            <a:r>
+              <a:rPr lang="en-US" sz="1600" dirty="0">
+                <a:solidFill>
+                  <a:schemeClr val="bg1">
+                    <a:lumMod val="50000"/>
+                  </a:schemeClr>
+                </a:solidFill>
+                <a:latin typeface="Montserrat"/>
+                <a:ea typeface="Montserrat"/>
+                <a:cs typeface="Montserrat"/>
+                <a:sym typeface="Montserrat"/>
+              </a:rPr>
+              <a:t>    </a:t>
+            </a:r>
+          </a:p>
+          <a:p>
+            <a:pPr lvl="4">
+              <a:buClr>
+                <a:schemeClr val="dk1"/>
+              </a:buClr>
+              <a:buSzPts val="1800"/>
+            </a:pPr>
+            <a:r>
+              <a:rPr lang="en-US" sz="1600" b="1" dirty="0">
+                <a:solidFill>
+                  <a:schemeClr val="bg1">
+                    <a:lumMod val="50000"/>
+                  </a:schemeClr>
+                </a:solidFill>
+                <a:latin typeface="Montserrat"/>
+                <a:ea typeface="Montserrat"/>
+                <a:cs typeface="Montserrat"/>
+                <a:sym typeface="Montserrat"/>
+              </a:rPr>
+              <a:t>	WHERE</a:t>
+            </a:r>
+            <a:r>
+              <a:rPr lang="en-US" sz="1600" dirty="0">
+                <a:solidFill>
+                  <a:schemeClr val="bg1">
+                    <a:lumMod val="50000"/>
+                  </a:schemeClr>
+                </a:solidFill>
+                <a:latin typeface="Montserrat"/>
+                <a:ea typeface="Montserrat"/>
+                <a:cs typeface="Montserrat"/>
+                <a:sym typeface="Montserrat"/>
+              </a:rPr>
+              <a:t> </a:t>
+            </a:r>
+            <a:r>
+              <a:rPr lang="en-US" sz="1600" dirty="0" err="1">
+                <a:solidFill>
+                  <a:schemeClr val="bg1">
+                    <a:lumMod val="50000"/>
+                  </a:schemeClr>
+                </a:solidFill>
+                <a:latin typeface="Montserrat"/>
+                <a:ea typeface="Montserrat"/>
+                <a:cs typeface="Montserrat"/>
+                <a:sym typeface="Montserrat"/>
+              </a:rPr>
+              <a:t>P.Sex</a:t>
+            </a:r>
+            <a:r>
+              <a:rPr lang="en-US" sz="1600" dirty="0">
+                <a:solidFill>
+                  <a:schemeClr val="bg1">
+                    <a:lumMod val="50000"/>
+                  </a:schemeClr>
+                </a:solidFill>
+                <a:latin typeface="Montserrat"/>
+                <a:ea typeface="Montserrat"/>
+                <a:cs typeface="Montserrat"/>
+                <a:sym typeface="Montserrat"/>
+              </a:rPr>
+              <a:t> IS NOT NULL</a:t>
+            </a:r>
+          </a:p>
+          <a:p>
+            <a:pPr lvl="4">
+              <a:buClr>
+                <a:schemeClr val="dk1"/>
+              </a:buClr>
+              <a:buSzPts val="1800"/>
+            </a:pPr>
+            <a:r>
+              <a:rPr lang="en-US" sz="1600" b="1" dirty="0">
+                <a:solidFill>
+                  <a:schemeClr val="bg1">
+                    <a:lumMod val="50000"/>
+                  </a:schemeClr>
+                </a:solidFill>
+                <a:latin typeface="Montserrat"/>
+                <a:ea typeface="Montserrat"/>
+                <a:cs typeface="Montserrat"/>
+                <a:sym typeface="Montserrat"/>
+              </a:rPr>
+              <a:t>	GROUP</a:t>
+            </a:r>
+            <a:r>
+              <a:rPr lang="en-US" sz="1600" dirty="0">
+                <a:solidFill>
+                  <a:schemeClr val="bg1">
+                    <a:lumMod val="50000"/>
+                  </a:schemeClr>
+                </a:solidFill>
+                <a:latin typeface="Montserrat"/>
+                <a:ea typeface="Montserrat"/>
+                <a:cs typeface="Montserrat"/>
+                <a:sym typeface="Montserrat"/>
+              </a:rPr>
+              <a:t> BY </a:t>
+            </a:r>
+            <a:r>
+              <a:rPr lang="en-US" sz="1600" dirty="0" err="1">
+                <a:solidFill>
+                  <a:schemeClr val="bg1">
+                    <a:lumMod val="50000"/>
+                  </a:schemeClr>
+                </a:solidFill>
+                <a:latin typeface="Montserrat"/>
+                <a:ea typeface="Montserrat"/>
+                <a:cs typeface="Montserrat"/>
+                <a:sym typeface="Montserrat"/>
+              </a:rPr>
+              <a:t>M.Music</a:t>
+            </a:r>
+            <a:r>
+              <a:rPr lang="en-US" sz="1600" dirty="0">
+                <a:solidFill>
+                  <a:schemeClr val="bg1">
+                    <a:lumMod val="50000"/>
+                  </a:schemeClr>
+                </a:solidFill>
+                <a:latin typeface="Montserrat"/>
+                <a:ea typeface="Montserrat"/>
+                <a:cs typeface="Montserrat"/>
+                <a:sym typeface="Montserrat"/>
+              </a:rPr>
+              <a:t>, </a:t>
+            </a:r>
+            <a:r>
+              <a:rPr lang="en-US" sz="1600" dirty="0" err="1">
+                <a:solidFill>
+                  <a:schemeClr val="bg1">
+                    <a:lumMod val="50000"/>
+                  </a:schemeClr>
+                </a:solidFill>
+                <a:latin typeface="Montserrat"/>
+                <a:ea typeface="Montserrat"/>
+                <a:cs typeface="Montserrat"/>
+                <a:sym typeface="Montserrat"/>
+              </a:rPr>
+              <a:t>P.Sex</a:t>
+            </a:r>
+            <a:r>
+              <a:rPr lang="en-US" sz="1600" dirty="0">
+                <a:solidFill>
+                  <a:schemeClr val="bg1">
+                    <a:lumMod val="50000"/>
+                  </a:schemeClr>
+                </a:solidFill>
+                <a:latin typeface="Montserrat"/>
+                <a:ea typeface="Montserrat"/>
+                <a:cs typeface="Montserrat"/>
+                <a:sym typeface="Montserrat"/>
+              </a:rPr>
+              <a:t> 	</a:t>
+            </a:r>
+          </a:p>
+          <a:p>
+            <a:pPr lvl="4">
+              <a:buClr>
+                <a:schemeClr val="dk1"/>
+              </a:buClr>
+              <a:buSzPts val="1800"/>
+            </a:pPr>
+            <a:r>
+              <a:rPr lang="en-US" sz="1600" b="1" dirty="0">
+                <a:solidFill>
+                  <a:schemeClr val="bg1">
+                    <a:lumMod val="50000"/>
+                  </a:schemeClr>
+                </a:solidFill>
+                <a:latin typeface="Montserrat"/>
+                <a:ea typeface="Montserrat"/>
+                <a:cs typeface="Montserrat"/>
+                <a:sym typeface="Montserrat"/>
+              </a:rPr>
+              <a:t>	ORDER BY </a:t>
+            </a:r>
+            <a:r>
+              <a:rPr lang="en-US" sz="1600" dirty="0" err="1">
+                <a:solidFill>
+                  <a:schemeClr val="bg1">
+                    <a:lumMod val="50000"/>
+                  </a:schemeClr>
+                </a:solidFill>
+                <a:latin typeface="Montserrat"/>
+                <a:ea typeface="Montserrat"/>
+                <a:cs typeface="Montserrat"/>
+                <a:sym typeface="Montserrat"/>
+              </a:rPr>
+              <a:t>cnt</a:t>
+            </a:r>
+            <a:r>
+              <a:rPr lang="en-US" sz="1600" dirty="0">
+                <a:solidFill>
+                  <a:schemeClr val="bg1">
+                    <a:lumMod val="50000"/>
+                  </a:schemeClr>
+                </a:solidFill>
+                <a:latin typeface="Montserrat"/>
+                <a:ea typeface="Montserrat"/>
+                <a:cs typeface="Montserrat"/>
+                <a:sym typeface="Montserrat"/>
+              </a:rPr>
+              <a:t> DESC;</a:t>
+            </a:r>
+          </a:p>
+          <a:p>
+            <a:pPr marL="0" marR="0" lvl="0" indent="0" algn="l" rtl="0">
+              <a:spcBef>
+                <a:spcPts val="0"/>
+              </a:spcBef>
+              <a:spcAft>
+                <a:spcPts val="0"/>
+              </a:spcAft>
+              <a:buNone/>
+            </a:pPr>
+            <a:endParaRPr sz="1800" dirty="0">
+              <a:solidFill>
+                <a:schemeClr val="dk1"/>
+              </a:solidFill>
+              <a:latin typeface="Montserrat"/>
+              <a:ea typeface="Montserrat"/>
+              <a:cs typeface="Montserrat"/>
+              <a:sym typeface="Montserrat"/>
+            </a:endParaRPr>
+          </a:p>
+          <a:p>
             <a:endParaRPr lang="en-US" sz="1800" b="1" dirty="0">
               <a:solidFill>
                 <a:schemeClr val="tx1">
@@ -15930,15 +20315,207 @@
             </a:endParaRPr>
           </a:p>
           <a:p>
-            <a:pPr marL="457200" marR="0" lvl="1" indent="0" algn="l" rtl="0">
-              <a:spcBef>
-                <a:spcPts val="0"/>
-              </a:spcBef>
-              <a:spcAft>
-                <a:spcPts val="0"/>
-              </a:spcAft>
-              <a:buNone/>
-            </a:pPr>
+            <a:r>
+              <a:rPr lang="en-US" sz="1800" b="1" dirty="0">
+                <a:solidFill>
+                  <a:schemeClr val="tx1">
+                    <a:lumMod val="95000"/>
+                    <a:lumOff val="5000"/>
+                  </a:schemeClr>
+                </a:solidFill>
+                <a:latin typeface="Montserrat"/>
+                <a:ea typeface="Montserrat"/>
+                <a:cs typeface="Montserrat"/>
+                <a:sym typeface="Montserrat"/>
+              </a:rPr>
+              <a:t>SELECT </a:t>
+            </a:r>
+            <a:r>
+              <a:rPr lang="en-US" sz="1800" dirty="0">
+                <a:solidFill>
+                  <a:schemeClr val="tx1">
+                    <a:lumMod val="95000"/>
+                    <a:lumOff val="5000"/>
+                  </a:schemeClr>
+                </a:solidFill>
+                <a:latin typeface="Montserrat"/>
+                <a:ea typeface="Montserrat"/>
+                <a:cs typeface="Montserrat"/>
+                <a:sym typeface="Montserrat"/>
+              </a:rPr>
+              <a:t>Music, Sex,</a:t>
+            </a:r>
+          </a:p>
+          <a:p>
+            <a:r>
+              <a:rPr lang="en-US" sz="1800" b="1" dirty="0">
+                <a:solidFill>
+                  <a:srgbClr val="C00000"/>
+                </a:solidFill>
+                <a:latin typeface="Montserrat"/>
+                <a:ea typeface="Montserrat"/>
+                <a:cs typeface="Montserrat"/>
+                <a:sym typeface="Montserrat"/>
+              </a:rPr>
+              <a:t>	RANK() </a:t>
+            </a:r>
+          </a:p>
+          <a:p>
+            <a:r>
+              <a:rPr lang="en-US" sz="1800" b="1" dirty="0">
+                <a:solidFill>
+                  <a:srgbClr val="C00000"/>
+                </a:solidFill>
+                <a:latin typeface="Montserrat"/>
+                <a:ea typeface="Montserrat"/>
+                <a:cs typeface="Montserrat"/>
+                <a:sym typeface="Montserrat"/>
+              </a:rPr>
+              <a:t>	</a:t>
+            </a:r>
+            <a:r>
+              <a:rPr lang="en-US" sz="1800" b="1" dirty="0">
+                <a:solidFill>
+                  <a:srgbClr val="7030A0"/>
+                </a:solidFill>
+                <a:latin typeface="Montserrat"/>
+                <a:ea typeface="Montserrat"/>
+                <a:cs typeface="Montserrat"/>
+                <a:sym typeface="Montserrat"/>
+              </a:rPr>
+              <a:t>OVER (PARTITION BY Sex ORDER BY </a:t>
+            </a:r>
+            <a:r>
+              <a:rPr lang="en-US" sz="1800" b="1" dirty="0" err="1">
+                <a:solidFill>
+                  <a:srgbClr val="7030A0"/>
+                </a:solidFill>
+                <a:latin typeface="Montserrat"/>
+                <a:ea typeface="Montserrat"/>
+                <a:cs typeface="Montserrat"/>
+                <a:sym typeface="Montserrat"/>
+              </a:rPr>
+              <a:t>cnt</a:t>
+            </a:r>
+            <a:r>
+              <a:rPr lang="en-US" sz="1800" b="1" dirty="0">
+                <a:solidFill>
+                  <a:srgbClr val="7030A0"/>
+                </a:solidFill>
+                <a:latin typeface="Montserrat"/>
+                <a:ea typeface="Montserrat"/>
+                <a:cs typeface="Montserrat"/>
+                <a:sym typeface="Montserrat"/>
+              </a:rPr>
+              <a:t> DESC) </a:t>
+            </a:r>
+            <a:r>
+              <a:rPr lang="en-US" sz="1800" b="1" dirty="0">
+                <a:solidFill>
+                  <a:schemeClr val="tx1">
+                    <a:lumMod val="95000"/>
+                    <a:lumOff val="5000"/>
+                  </a:schemeClr>
+                </a:solidFill>
+                <a:latin typeface="Montserrat"/>
+                <a:ea typeface="Montserrat"/>
+                <a:cs typeface="Montserrat"/>
+                <a:sym typeface="Montserrat"/>
+              </a:rPr>
+              <a:t>AS </a:t>
+            </a:r>
+            <a:r>
+              <a:rPr lang="en-US" sz="1800" b="1" dirty="0" err="1">
+                <a:solidFill>
+                  <a:schemeClr val="tx1">
+                    <a:lumMod val="95000"/>
+                    <a:lumOff val="5000"/>
+                  </a:schemeClr>
+                </a:solidFill>
+                <a:latin typeface="Montserrat"/>
+                <a:ea typeface="Montserrat"/>
+                <a:cs typeface="Montserrat"/>
+                <a:sym typeface="Montserrat"/>
+              </a:rPr>
+              <a:t>music_rank</a:t>
+            </a:r>
+            <a:r>
+              <a:rPr lang="en-US" sz="1800" b="1" dirty="0">
+                <a:solidFill>
+                  <a:schemeClr val="tx1">
+                    <a:lumMod val="95000"/>
+                    <a:lumOff val="5000"/>
+                  </a:schemeClr>
+                </a:solidFill>
+                <a:latin typeface="Montserrat"/>
+                <a:ea typeface="Montserrat"/>
+                <a:cs typeface="Montserrat"/>
+                <a:sym typeface="Montserrat"/>
+              </a:rPr>
+              <a:t> </a:t>
+            </a:r>
+          </a:p>
+          <a:p>
+            <a:r>
+              <a:rPr lang="en-US" sz="1800" b="1" dirty="0">
+                <a:solidFill>
+                  <a:schemeClr val="tx1">
+                    <a:lumMod val="95000"/>
+                    <a:lumOff val="5000"/>
+                  </a:schemeClr>
+                </a:solidFill>
+                <a:latin typeface="Montserrat"/>
+                <a:ea typeface="Montserrat"/>
+                <a:cs typeface="Montserrat"/>
+                <a:sym typeface="Montserrat"/>
+              </a:rPr>
+              <a:t>FROM </a:t>
+            </a:r>
+            <a:r>
+              <a:rPr lang="en-US" sz="1800" dirty="0" err="1">
+                <a:solidFill>
+                  <a:schemeClr val="tx1">
+                    <a:lumMod val="95000"/>
+                    <a:lumOff val="5000"/>
+                  </a:schemeClr>
+                </a:solidFill>
+                <a:latin typeface="Montserrat"/>
+                <a:ea typeface="Montserrat"/>
+                <a:cs typeface="Montserrat"/>
+                <a:sym typeface="Montserrat"/>
+              </a:rPr>
+              <a:t>popular_music_and_gender</a:t>
+            </a:r>
+            <a:r>
+              <a:rPr lang="en-US" sz="1800" dirty="0">
+                <a:solidFill>
+                  <a:schemeClr val="tx1">
+                    <a:lumMod val="95000"/>
+                    <a:lumOff val="5000"/>
+                  </a:schemeClr>
+                </a:solidFill>
+                <a:latin typeface="Montserrat"/>
+                <a:ea typeface="Montserrat"/>
+                <a:cs typeface="Montserrat"/>
+                <a:sym typeface="Montserrat"/>
+              </a:rPr>
+              <a:t>;</a:t>
+            </a:r>
+          </a:p>
+          <a:p>
+            <a:pPr lvl="1"/>
+            <a:endParaRPr lang="en-US" sz="1800" i="0" u="none" strike="noStrike" cap="none" dirty="0">
+              <a:solidFill>
+                <a:schemeClr val="dk1"/>
+              </a:solidFill>
+              <a:latin typeface="Montserrat"/>
+              <a:ea typeface="Montserrat"/>
+              <a:cs typeface="Montserrat"/>
+              <a:sym typeface="Montserrat"/>
+            </a:endParaRPr>
+          </a:p>
+          <a:p>
+            <a:pPr lvl="1"/>
             <a:endParaRPr sz="1800" i="0" u="none" strike="noStrike" cap="none" dirty="0">
               <a:solidFill>
                 <a:schemeClr val="dk1"/>
@@ -15969,10 +20546,10 @@
                 <a:cs typeface="Montserrat"/>
                 <a:sym typeface="Montserrat"/>
               </a:rPr>
-              <a:t>AVG(</a:t>
-            </a:r>
-            <a:r>
-              <a:rPr lang="en-US" sz="1800" b="1" dirty="0" err="1">
+              <a:t>RANK(): </a:t>
+            </a:r>
+            <a:r>
+              <a:rPr lang="en-US" sz="1800" i="1" dirty="0">
                 <a:solidFill>
                   <a:srgbClr val="C00000"/>
                 </a:solidFill>
@@ -15981,45 +20558,57 @@
                 <a:cs typeface="Montserrat"/>
                 <a:sym typeface="Montserrat"/>
               </a:rPr>
-              <a:t>fare_per_mile</a:t>
-            </a:r>
+              <a:t>the function applied to each row in the window</a:t>
+            </a:r>
+          </a:p>
+          <a:p>
+            <a:pPr marL="0" marR="0" lvl="0" indent="0" algn="l" rtl="0">
+              <a:spcBef>
+                <a:spcPts val="0"/>
+              </a:spcBef>
+              <a:spcAft>
+                <a:spcPts val="0"/>
+              </a:spcAft>
+              <a:buNone/>
+            </a:pPr>
             <a:r>
               <a:rPr lang="en-US" sz="1800" b="1" dirty="0">
                 <a:solidFill>
-                  <a:srgbClr val="C00000"/>
+                  <a:srgbClr val="7030A0"/>
                 </a:solidFill>
                 <a:latin typeface="Montserrat"/>
                 <a:ea typeface="Montserrat"/>
                 <a:cs typeface="Montserrat"/>
                 <a:sym typeface="Montserrat"/>
               </a:rPr>
-              <a:t>): </a:t>
-            </a:r>
-            <a:r>
-              <a:rPr lang="en-US" sz="1800" i="1" dirty="0">
-                <a:solidFill>
-                  <a:srgbClr val="C00000"/>
+              <a:t>OVER (PARTITION BY Sex ORDER BY </a:t>
+            </a:r>
+            <a:r>
+              <a:rPr lang="en-US" sz="1800" b="1" dirty="0" err="1">
+                <a:solidFill>
+                  <a:srgbClr val="7030A0"/>
                 </a:solidFill>
                 <a:latin typeface="Montserrat"/>
                 <a:ea typeface="Montserrat"/>
                 <a:cs typeface="Montserrat"/>
                 <a:sym typeface="Montserrat"/>
               </a:rPr>
-              <a:t>the function calculated</a:t>
-            </a:r>
-            <a:br>
-              <a:rPr lang="en-US" sz="1800" i="1" dirty="0">
-                <a:solidFill>
-                  <a:srgbClr val="C00000"/>
+              <a:t>cnt</a:t>
+            </a:r>
+            <a:r>
+              <a:rPr lang="en-US" sz="1800" b="1" dirty="0">
+                <a:solidFill>
+                  <a:srgbClr val="7030A0"/>
                 </a:solidFill>
                 <a:latin typeface="Montserrat"/>
                 <a:ea typeface="Montserrat"/>
                 <a:cs typeface="Montserrat"/>
                 <a:sym typeface="Montserrat"/>
               </a:rPr>
-            </a:br>
-            <a:r>
-              <a:rPr lang="en-US" sz="1800" b="1" dirty="0">
+              <a:t> DESC): </a:t>
+            </a:r>
+            <a:r>
+              <a:rPr lang="en-US" sz="1800" i="1" dirty="0">
                 <a:solidFill>
                   <a:srgbClr val="7030A0"/>
                 </a:solidFill>
@@ -16028,10 +20617,10 @@
                 <a:cs typeface="Montserrat"/>
                 <a:sym typeface="Montserrat"/>
               </a:rPr>
-              <a:t>OVER (): </a:t>
-            </a:r>
-            <a:r>
-              <a:rPr lang="en-US" sz="1800" i="1" dirty="0">
+              <a:t>the window (in this case, music counts </a:t>
+            </a:r>
+            <a:r>
+              <a:rPr lang="en-US" sz="1800" b="1" i="1" dirty="0">
                 <a:solidFill>
                   <a:srgbClr val="7030A0"/>
                 </a:solidFill>
@@ -16040,21 +20629,10 @@
                 <a:cs typeface="Montserrat"/>
                 <a:sym typeface="Montserrat"/>
               </a:rPr>
-              <a:t>the window (in this case, the avg fare over all entries)</a:t>
-            </a:r>
-          </a:p>
-          <a:p>
-            <a:pPr marL="0" marR="0" lvl="0" indent="0" algn="l" rtl="0">
-              <a:spcBef>
-                <a:spcPts val="0"/>
-              </a:spcBef>
-              <a:spcAft>
-                <a:spcPts val="0"/>
-              </a:spcAft>
-              <a:buNone/>
-            </a:pPr>
-            <a:r>
-              <a:rPr lang="en-US" sz="1800" b="1" dirty="0">
+              <a:t>grouped by “Sex”</a:t>
+            </a:r>
+            <a:r>
+              <a:rPr lang="en-US" sz="1800" i="1" dirty="0">
                 <a:solidFill>
                   <a:srgbClr val="7030A0"/>
                 </a:solidFill>
@@ -16063,207 +20641,8 @@
                 <a:cs typeface="Montserrat"/>
                 <a:sym typeface="Montserrat"/>
               </a:rPr>
-              <a:t>OVER (PARTITION BY origin):</a:t>
-            </a:r>
-            <a:r>
-              <a:rPr lang="en-US" sz="1800" b="1" i="1" dirty="0">
-                <a:solidFill>
-                  <a:srgbClr val="7030A0"/>
-                </a:solidFill>
-                <a:latin typeface="Montserrat"/>
-                <a:ea typeface="Montserrat"/>
-                <a:cs typeface="Montserrat"/>
-                <a:sym typeface="Montserrat"/>
-              </a:rPr>
-              <a:t> </a:t>
-            </a:r>
-            <a:r>
-              <a:rPr lang="en-US" sz="1800" i="1" dirty="0">
-                <a:solidFill>
-                  <a:srgbClr val="7030A0"/>
-                </a:solidFill>
-                <a:latin typeface="Montserrat"/>
-                <a:ea typeface="Montserrat"/>
-                <a:cs typeface="Montserrat"/>
-                <a:sym typeface="Montserrat"/>
-              </a:rPr>
-              <a:t>calculate average fare across all flights leaving from the origin airport</a:t>
-            </a:r>
-          </a:p>
-          <a:p>
-            <a:r>
-              <a:rPr lang="en-US" sz="1800" b="1" dirty="0">
-                <a:solidFill>
-                  <a:srgbClr val="7030A0"/>
-                </a:solidFill>
-                <a:latin typeface="Montserrat"/>
-                <a:ea typeface="Montserrat"/>
-                <a:cs typeface="Montserrat"/>
-                <a:sym typeface="Montserrat"/>
-              </a:rPr>
-              <a:t>OVER (PARTITION BY </a:t>
-            </a:r>
-            <a:r>
-              <a:rPr lang="en-US" sz="1800" b="1" dirty="0" err="1">
-                <a:solidFill>
-                  <a:srgbClr val="7030A0"/>
-                </a:solidFill>
-                <a:latin typeface="Montserrat"/>
-                <a:ea typeface="Montserrat"/>
-                <a:cs typeface="Montserrat"/>
-                <a:sym typeface="Montserrat"/>
-              </a:rPr>
-              <a:t>dest</a:t>
-            </a:r>
-            <a:r>
-              <a:rPr lang="en-US" sz="1800" b="1" dirty="0">
-                <a:solidFill>
-                  <a:srgbClr val="7030A0"/>
-                </a:solidFill>
-                <a:latin typeface="Montserrat"/>
-                <a:ea typeface="Montserrat"/>
-                <a:cs typeface="Montserrat"/>
-                <a:sym typeface="Montserrat"/>
-              </a:rPr>
-              <a:t>):</a:t>
-            </a:r>
-            <a:r>
-              <a:rPr lang="en-US" sz="1800" b="1" i="1" dirty="0">
-                <a:solidFill>
-                  <a:srgbClr val="7030A0"/>
-                </a:solidFill>
-                <a:latin typeface="Montserrat"/>
-                <a:ea typeface="Montserrat"/>
-                <a:cs typeface="Montserrat"/>
-                <a:sym typeface="Montserrat"/>
-              </a:rPr>
-              <a:t> </a:t>
-            </a:r>
-            <a:r>
-              <a:rPr lang="en-US" sz="1800" i="1" dirty="0">
-                <a:solidFill>
-                  <a:srgbClr val="7030A0"/>
-                </a:solidFill>
-                <a:latin typeface="Montserrat"/>
-                <a:ea typeface="Montserrat"/>
-                <a:cs typeface="Montserrat"/>
-                <a:sym typeface="Montserrat"/>
-              </a:rPr>
-              <a:t>calculate average fare across all flights arriving to the </a:t>
-            </a:r>
-            <a:r>
-              <a:rPr lang="en-US" sz="1800" i="1" dirty="0" err="1">
-                <a:solidFill>
-                  <a:srgbClr val="7030A0"/>
-                </a:solidFill>
-                <a:latin typeface="Montserrat"/>
-                <a:ea typeface="Montserrat"/>
-                <a:cs typeface="Montserrat"/>
-                <a:sym typeface="Montserrat"/>
-              </a:rPr>
-              <a:t>dest</a:t>
-            </a:r>
-            <a:r>
-              <a:rPr lang="en-US" sz="1800" i="1" dirty="0">
-                <a:solidFill>
-                  <a:srgbClr val="7030A0"/>
-                </a:solidFill>
-                <a:latin typeface="Montserrat"/>
-                <a:ea typeface="Montserrat"/>
-                <a:cs typeface="Montserrat"/>
-                <a:sym typeface="Montserrat"/>
-              </a:rPr>
-              <a:t> airport</a:t>
-            </a:r>
-          </a:p>
-          <a:p>
-            <a:r>
-              <a:rPr lang="en-US" sz="1800" b="1" dirty="0">
-                <a:solidFill>
-                  <a:srgbClr val="7030A0"/>
-                </a:solidFill>
-                <a:latin typeface="Montserrat"/>
-                <a:ea typeface="Montserrat"/>
-                <a:cs typeface="Montserrat"/>
-                <a:sym typeface="Montserrat"/>
-              </a:rPr>
-              <a:t>OVER (PARTITION BY carrier):</a:t>
-            </a:r>
-            <a:r>
-              <a:rPr lang="en-US" sz="1800" b="1" i="1" dirty="0">
-                <a:solidFill>
-                  <a:srgbClr val="7030A0"/>
-                </a:solidFill>
-                <a:latin typeface="Montserrat"/>
-                <a:ea typeface="Montserrat"/>
-                <a:cs typeface="Montserrat"/>
-                <a:sym typeface="Montserrat"/>
-              </a:rPr>
-              <a:t> </a:t>
-            </a:r>
-            <a:r>
-              <a:rPr lang="en-US" sz="1800" i="1" dirty="0">
-                <a:solidFill>
-                  <a:srgbClr val="7030A0"/>
-                </a:solidFill>
-                <a:latin typeface="Montserrat"/>
-                <a:ea typeface="Montserrat"/>
-                <a:cs typeface="Montserrat"/>
-                <a:sym typeface="Montserrat"/>
-              </a:rPr>
-              <a:t>calculate average fare across all flights of the carrier in general</a:t>
-            </a:r>
-          </a:p>
-          <a:p>
-            <a:endParaRPr lang="en-US" sz="1800" i="1" dirty="0">
-              <a:solidFill>
-                <a:srgbClr val="7030A0"/>
-              </a:solidFill>
-              <a:latin typeface="Montserrat"/>
-              <a:ea typeface="Montserrat"/>
-              <a:cs typeface="Montserrat"/>
-              <a:sym typeface="Montserrat"/>
-            </a:endParaRPr>
-          </a:p>
-          <a:p>
-            <a:r>
-              <a:rPr lang="en-US" sz="1800" i="1" dirty="0">
-                <a:solidFill>
-                  <a:srgbClr val="7030A0"/>
-                </a:solidFill>
-                <a:latin typeface="Montserrat"/>
-                <a:ea typeface="Montserrat"/>
-                <a:cs typeface="Montserrat"/>
-                <a:sym typeface="Montserrat"/>
-              </a:rPr>
-              <a:t>Question: How can we add the average for the origin-</a:t>
-            </a:r>
-            <a:r>
-              <a:rPr lang="en-US" sz="1800" i="1" dirty="0" err="1">
-                <a:solidFill>
-                  <a:srgbClr val="7030A0"/>
-                </a:solidFill>
-                <a:latin typeface="Montserrat"/>
-                <a:ea typeface="Montserrat"/>
-                <a:cs typeface="Montserrat"/>
-                <a:sym typeface="Montserrat"/>
-              </a:rPr>
-              <a:t>dest</a:t>
-            </a:r>
-            <a:r>
-              <a:rPr lang="en-US" sz="1800" i="1" dirty="0">
-                <a:solidFill>
-                  <a:srgbClr val="7030A0"/>
-                </a:solidFill>
-                <a:latin typeface="Montserrat"/>
-                <a:ea typeface="Montserrat"/>
-                <a:cs typeface="Montserrat"/>
-                <a:sym typeface="Montserrat"/>
-              </a:rPr>
-              <a:t> pair?</a:t>
-            </a:r>
-          </a:p>
-          <a:p>
+              <a:t>, ordered by descending counts)</a:t>
+            </a:r>
             <a:endParaRPr sz="1800" i="1" dirty="0">
               <a:solidFill>
                 <a:schemeClr val="dk1"/>
@@ -16279,7 +20658,7 @@
     </p:spTree>
     <p:extLst>
       <p:ext uri="{BB962C8B-B14F-4D97-AF65-F5344CB8AC3E}">
-        <p14:creationId xmlns:p14="http://schemas.microsoft.com/office/powerpoint/2010/main" val="553478783"/>
+        <p14:creationId xmlns:p14="http://schemas.microsoft.com/office/powerpoint/2010/main" val="1686612521"/>
       </p:ext>
     </p:extLst>
   </p:cSld>

--- a/session7/G-Window_queries.pptx
+++ b/session7/G-Window_queries.pptx
@@ -17699,7 +17699,7 @@
         <p:spPr>
           <a:xfrm>
             <a:off x="109470" y="788529"/>
-            <a:ext cx="9144000" cy="2862282"/>
+            <a:ext cx="8678251" cy="923289"/>
           </a:xfrm>
           <a:prstGeom prst="rect">
             <a:avLst/>
@@ -17728,7 +17728,7 @@
               <a:buSzPts val="1800"/>
             </a:pPr>
             <a:r>
-              <a:rPr lang="en-US" sz="2000" dirty="0">
+              <a:rPr lang="en-US" sz="1800" dirty="0">
                 <a:solidFill>
                   <a:schemeClr val="dk1"/>
                 </a:solidFill>
@@ -17737,11 +17737,35 @@
                 <a:cs typeface="Montserrat"/>
                 <a:sym typeface="Montserrat"/>
               </a:rPr>
-              <a:t>In the flights database:</a:t>
-            </a:r>
-          </a:p>
-          <a:p>
-            <a:pPr marL="342900" marR="0" lvl="0" indent="-342900" algn="l" rtl="0">
+              <a:t>In </a:t>
+            </a:r>
+            <a:r>
+              <a:rPr lang="en-US" sz="1800" dirty="0" err="1">
+                <a:solidFill>
+                  <a:schemeClr val="dk1"/>
+                </a:solidFill>
+                <a:latin typeface="Montserrat"/>
+                <a:ea typeface="Montserrat"/>
+                <a:cs typeface="Montserrat"/>
+                <a:sym typeface="Montserrat"/>
+              </a:rPr>
+              <a:t>imdb</a:t>
+            </a:r>
+            <a:r>
+              <a:rPr lang="en-US" sz="1800" dirty="0">
+                <a:solidFill>
+                  <a:schemeClr val="dk1"/>
+                </a:solidFill>
+                <a:latin typeface="Montserrat"/>
+                <a:ea typeface="Montserrat"/>
+                <a:cs typeface="Montserrat"/>
+                <a:sym typeface="Montserrat"/>
+              </a:rPr>
+              <a:t> database:</a:t>
+            </a:r>
+          </a:p>
+          <a:p>
+            <a:pPr marL="285750" marR="0" lvl="0" indent="-285750" algn="l" rtl="0">
               <a:spcBef>
                 <a:spcPts val="0"/>
               </a:spcBef>
@@ -17756,7 +17780,7 @@
               <a:buChar char="•"/>
             </a:pPr>
             <a:r>
-              <a:rPr lang="en-US" sz="2000" dirty="0">
+              <a:rPr lang="en-US" sz="1800" dirty="0">
                 <a:solidFill>
                   <a:schemeClr val="dk1"/>
                 </a:solidFill>
@@ -17765,11 +17789,11 @@
                 <a:cs typeface="Montserrat"/>
                 <a:sym typeface="Montserrat"/>
               </a:rPr>
-              <a:t>For each airline, list the top airports in terms of passengers and in terms of revenue</a:t>
-            </a:r>
-          </a:p>
-          <a:p>
-            <a:pPr marL="342900" marR="0" lvl="0" indent="-342900" algn="l" rtl="0">
+              <a:t>Return the top-3 movies from each year.</a:t>
+            </a:r>
+          </a:p>
+          <a:p>
+            <a:pPr marL="285750" marR="0" lvl="0" indent="-285750" algn="l" rtl="0">
               <a:spcBef>
                 <a:spcPts val="0"/>
               </a:spcBef>
@@ -17784,7 +17808,7 @@
               <a:buChar char="•"/>
             </a:pPr>
             <a:r>
-              <a:rPr lang="en-US" sz="2000" dirty="0">
+              <a:rPr lang="en-US" sz="1800" dirty="0">
                 <a:solidFill>
                   <a:schemeClr val="dk1"/>
                 </a:solidFill>
@@ -17793,83 +17817,8 @@
                 <a:cs typeface="Montserrat"/>
                 <a:sym typeface="Montserrat"/>
               </a:rPr>
-              <a:t>For each origin airport, show the top-3 the destinations in terms of total number of passengers (note: you need a subquery to filter based on the outcome of a window query)</a:t>
-            </a:r>
-          </a:p>
-          <a:p>
-            <a:pPr marL="342900" marR="0" lvl="0" indent="-342900" algn="l" rtl="0">
-              <a:spcBef>
-                <a:spcPts val="0"/>
-              </a:spcBef>
-              <a:spcAft>
-                <a:spcPts val="0"/>
-              </a:spcAft>
-              <a:buClr>
-                <a:schemeClr val="dk1"/>
-              </a:buClr>
-              <a:buSzPts val="1800"/>
-              <a:buFont typeface="Arial" panose="020B0604020202020204" pitchFamily="34" charset="0"/>
-              <a:buChar char="•"/>
-            </a:pPr>
-            <a:endParaRPr lang="en-US" sz="2000" dirty="0">
-              <a:solidFill>
-                <a:schemeClr val="dk1"/>
-              </a:solidFill>
-              <a:latin typeface="Montserrat"/>
-              <a:ea typeface="Montserrat"/>
-              <a:cs typeface="Montserrat"/>
-              <a:sym typeface="Montserrat"/>
-            </a:endParaRPr>
-          </a:p>
-          <a:p>
-            <a:pPr marL="342900" marR="0" lvl="0" indent="-342900" algn="l" rtl="0">
-              <a:spcBef>
-                <a:spcPts val="0"/>
-              </a:spcBef>
-              <a:spcAft>
-                <a:spcPts val="0"/>
-              </a:spcAft>
-              <a:buClr>
-                <a:schemeClr val="dk1"/>
-              </a:buClr>
-              <a:buSzPts val="1800"/>
-              <a:buFont typeface="Arial" panose="020B0604020202020204" pitchFamily="34" charset="0"/>
-              <a:buChar char="•"/>
-            </a:pPr>
-            <a:endParaRPr lang="en-US" sz="2000" dirty="0">
-              <a:solidFill>
-                <a:schemeClr val="dk1"/>
-              </a:solidFill>
-              <a:latin typeface="Montserrat"/>
-              <a:ea typeface="Montserrat"/>
-              <a:cs typeface="Montserrat"/>
-              <a:sym typeface="Montserrat"/>
-            </a:endParaRPr>
-          </a:p>
-          <a:p>
-            <a:pPr marL="342900" marR="0" lvl="0" indent="-342900" algn="l" rtl="0">
-              <a:spcBef>
-                <a:spcPts val="0"/>
-              </a:spcBef>
-              <a:spcAft>
-                <a:spcPts val="0"/>
-              </a:spcAft>
-              <a:buClr>
-                <a:schemeClr val="dk1"/>
-              </a:buClr>
-              <a:buSzPts val="1800"/>
-              <a:buFont typeface="Arial" panose="020B0604020202020204" pitchFamily="34" charset="0"/>
-              <a:buChar char="•"/>
-            </a:pPr>
-            <a:endParaRPr lang="en-US" sz="2000" dirty="0">
-              <a:solidFill>
-                <a:schemeClr val="dk1"/>
-              </a:solidFill>
-              <a:latin typeface="Montserrat"/>
-              <a:ea typeface="Montserrat"/>
-              <a:cs typeface="Montserrat"/>
-              <a:sym typeface="Montserrat"/>
-            </a:endParaRPr>
+              <a:t>Return the best actor from each year. Try using the FIRST_VALUE()</a:t>
+            </a:r>
           </a:p>
         </p:txBody>
       </p:sp>
@@ -17887,8 +17836,8 @@
         </p:nvSpPr>
         <p:spPr>
           <a:xfrm>
-            <a:off x="237151" y="3335894"/>
-            <a:ext cx="8287692" cy="2585323"/>
+            <a:off x="109470" y="4450133"/>
+            <a:ext cx="8678249" cy="2308324"/>
           </a:xfrm>
           <a:prstGeom prst="rect">
             <a:avLst/>
@@ -17983,26 +17932,146 @@
                 <a:latin typeface="Montserrat"/>
                 <a:sym typeface="Montserrat"/>
               </a:rPr>
-              <a:t>Note 2: Given the original price p1, new price p2, and years y between the two, the average yearly appreciation is </a:t>
-            </a:r>
-            <a:br>
-              <a:rPr lang="en-US" sz="1800" i="1" dirty="0">
+              <a:t>Note 2: Given the original price p1, new price p2, and years y between the two, the average yearly appreciation is a = ( p2/p1 )^ (1/y) - 1</a:t>
+            </a:r>
+          </a:p>
+        </p:txBody>
+      </p:sp>
+      <p:sp>
+        <p:nvSpPr>
+          <p:cNvPr id="6" name="TextBox 5">
+            <a:extLst>
+              <a:ext uri="{FF2B5EF4-FFF2-40B4-BE49-F238E27FC236}">
+                <a16:creationId xmlns:a16="http://schemas.microsoft.com/office/drawing/2014/main" id="{9A967F96-1387-E60E-B742-D04B5B95B203}"/>
+              </a:ext>
+            </a:extLst>
+          </p:cNvPr>
+          <p:cNvSpPr txBox="1"/>
+          <p:nvPr/>
+        </p:nvSpPr>
+        <p:spPr>
+          <a:xfrm>
+            <a:off x="109470" y="1926813"/>
+            <a:ext cx="8678250" cy="2308324"/>
+          </a:xfrm>
+          <a:prstGeom prst="rect">
+            <a:avLst/>
+          </a:prstGeom>
+          <a:noFill/>
+        </p:spPr>
+        <p:txBody>
+          <a:bodyPr wrap="square">
+            <a:spAutoFit/>
+          </a:bodyPr>
+          <a:lstStyle/>
+          <a:p>
+            <a:pPr marR="0" lvl="0" algn="l" rtl="0">
+              <a:spcBef>
+                <a:spcPts val="0"/>
+              </a:spcBef>
+              <a:spcAft>
+                <a:spcPts val="0"/>
+              </a:spcAft>
+              <a:buClr>
+                <a:schemeClr val="dk1"/>
+              </a:buClr>
+              <a:buSzPts val="1800"/>
+            </a:pPr>
+            <a:r>
+              <a:rPr lang="en-US" sz="1800" dirty="0">
                 <a:solidFill>
                   <a:schemeClr val="dk1"/>
                 </a:solidFill>
                 <a:latin typeface="Montserrat"/>
-                <a:sym typeface="Montserrat"/>
-              </a:rPr>
-            </a:br>
-            <a:r>
-              <a:rPr lang="en-US" sz="1800" i="1" dirty="0">
+                <a:ea typeface="Montserrat"/>
+                <a:cs typeface="Montserrat"/>
+                <a:sym typeface="Montserrat"/>
+              </a:rPr>
+              <a:t>In the flights database:</a:t>
+            </a:r>
+          </a:p>
+          <a:p>
+            <a:pPr marL="342900" marR="0" lvl="0" indent="-342900" algn="l" rtl="0">
+              <a:spcBef>
+                <a:spcPts val="0"/>
+              </a:spcBef>
+              <a:spcAft>
+                <a:spcPts val="0"/>
+              </a:spcAft>
+              <a:buClr>
+                <a:schemeClr val="dk1"/>
+              </a:buClr>
+              <a:buSzPts val="1800"/>
+              <a:buFont typeface="Arial" panose="020B0604020202020204" pitchFamily="34" charset="0"/>
+              <a:buChar char="•"/>
+            </a:pPr>
+            <a:r>
+              <a:rPr lang="en-US" sz="1800" dirty="0">
                 <a:solidFill>
                   <a:schemeClr val="dk1"/>
                 </a:solidFill>
                 <a:latin typeface="Montserrat"/>
-                <a:sym typeface="Montserrat"/>
-              </a:rPr>
-              <a:t>		a = ( p2/p1 )^ (1/y) - 1</a:t>
+                <a:ea typeface="Montserrat"/>
+                <a:cs typeface="Montserrat"/>
+                <a:sym typeface="Montserrat"/>
+              </a:rPr>
+              <a:t>For each airline, list the top airports in terms of passengers and in terms of revenue</a:t>
+            </a:r>
+          </a:p>
+          <a:p>
+            <a:pPr marL="342900" marR="0" lvl="0" indent="-342900" algn="l" rtl="0">
+              <a:spcBef>
+                <a:spcPts val="0"/>
+              </a:spcBef>
+              <a:spcAft>
+                <a:spcPts val="0"/>
+              </a:spcAft>
+              <a:buClr>
+                <a:schemeClr val="dk1"/>
+              </a:buClr>
+              <a:buSzPts val="1800"/>
+              <a:buFont typeface="Arial" panose="020B0604020202020204" pitchFamily="34" charset="0"/>
+              <a:buChar char="•"/>
+            </a:pPr>
+            <a:r>
+              <a:rPr lang="en-US" sz="1800" dirty="0">
+                <a:solidFill>
+                  <a:schemeClr val="dk1"/>
+                </a:solidFill>
+                <a:latin typeface="Montserrat"/>
+                <a:ea typeface="Montserrat"/>
+                <a:cs typeface="Montserrat"/>
+                <a:sym typeface="Montserrat"/>
+              </a:rPr>
+              <a:t>For each origin airport, show the top-3 the destinations in terms of total number of passengers (note: you need a subquery to filter based on the outcome of a window query)</a:t>
+            </a:r>
+          </a:p>
+          <a:p>
+            <a:pPr marL="342900" marR="0" lvl="0" indent="-342900" algn="l" rtl="0">
+              <a:spcBef>
+                <a:spcPts val="0"/>
+              </a:spcBef>
+              <a:spcAft>
+                <a:spcPts val="0"/>
+              </a:spcAft>
+              <a:buClr>
+                <a:schemeClr val="dk1"/>
+              </a:buClr>
+              <a:buSzPts val="1800"/>
+              <a:buFont typeface="Arial" panose="020B0604020202020204" pitchFamily="34" charset="0"/>
+              <a:buChar char="•"/>
+            </a:pPr>
+            <a:r>
+              <a:rPr lang="en-US" sz="1800" dirty="0">
+                <a:solidFill>
+                  <a:schemeClr val="dk1"/>
+                </a:solidFill>
+                <a:latin typeface="Montserrat"/>
+                <a:ea typeface="Montserrat"/>
+                <a:cs typeface="Montserrat"/>
+                <a:sym typeface="Montserrat"/>
+              </a:rPr>
+              <a:t>Bonus: Use the NTH_VALUE() to arrange the first, second, and third in different columns</a:t>
             </a:r>
           </a:p>
         </p:txBody>
@@ -20588,7 +20657,7 @@
         <p:spPr>
           <a:xfrm>
             <a:off x="497283" y="701596"/>
-            <a:ext cx="8492333" cy="5786159"/>
+            <a:ext cx="8492333" cy="5663048"/>
           </a:xfrm>
           <a:prstGeom prst="rect">
             <a:avLst/>
@@ -20618,7 +20687,7 @@
                 <a:solidFill>
                   <a:schemeClr val="dk1"/>
                 </a:solidFill>
-                <a:latin typeface="Montserrat"/>
+                <a:latin typeface="Montserrat" panose="00000500000000000000" pitchFamily="2" charset="0"/>
                 <a:ea typeface="Montserrat"/>
                 <a:cs typeface="Montserrat"/>
                 <a:sym typeface="Montserrat"/>
@@ -20640,7 +20709,7 @@
               <a:solidFill>
                 <a:schemeClr val="dk1"/>
               </a:solidFill>
-              <a:latin typeface="Montserrat"/>
+              <a:latin typeface="Montserrat" panose="00000500000000000000" pitchFamily="2" charset="0"/>
               <a:ea typeface="Montserrat"/>
               <a:cs typeface="Montserrat"/>
               <a:sym typeface="Montserrat"/>
@@ -20661,7 +20730,7 @@
                 <a:solidFill>
                   <a:schemeClr val="dk1"/>
                 </a:solidFill>
-                <a:latin typeface="Montserrat"/>
+                <a:latin typeface="Montserrat" panose="00000500000000000000" pitchFamily="2" charset="0"/>
                 <a:ea typeface="Montserrat"/>
                 <a:cs typeface="Montserrat"/>
                 <a:sym typeface="Montserrat"/>
@@ -20673,7 +20742,7 @@
                 <a:solidFill>
                   <a:schemeClr val="dk1"/>
                 </a:solidFill>
-                <a:latin typeface="Montserrat"/>
+                <a:latin typeface="Montserrat" panose="00000500000000000000" pitchFamily="2" charset="0"/>
                 <a:ea typeface="Montserrat"/>
                 <a:cs typeface="Montserrat"/>
                 <a:sym typeface="Montserrat"/>
@@ -20798,7 +20867,7 @@
               <a:solidFill>
                 <a:schemeClr val="dk1"/>
               </a:solidFill>
-              <a:latin typeface="Montserrat"/>
+              <a:latin typeface="Montserrat" panose="00000500000000000000" pitchFamily="2" charset="0"/>
               <a:ea typeface="Montserrat"/>
               <a:cs typeface="Montserrat"/>
               <a:sym typeface="Montserrat"/>
@@ -20820,7 +20889,7 @@
                 <a:solidFill>
                   <a:schemeClr val="dk1"/>
                 </a:solidFill>
-                <a:latin typeface="Montserrat"/>
+                <a:latin typeface="Montserrat" panose="00000500000000000000" pitchFamily="2" charset="0"/>
                 <a:ea typeface="Montserrat"/>
                 <a:cs typeface="Montserrat"/>
                 <a:sym typeface="Montserrat"/>
@@ -20843,7 +20912,7 @@
               <a:solidFill>
                 <a:schemeClr val="dk1"/>
               </a:solidFill>
-              <a:latin typeface="Montserrat"/>
+              <a:latin typeface="Montserrat" panose="00000500000000000000" pitchFamily="2" charset="0"/>
               <a:ea typeface="Montserrat"/>
               <a:cs typeface="Montserrat"/>
               <a:sym typeface="Montserrat"/>
@@ -20865,7 +20934,7 @@
                 <a:solidFill>
                   <a:schemeClr val="dk1"/>
                 </a:solidFill>
-                <a:latin typeface="Montserrat"/>
+                <a:latin typeface="Montserrat" panose="00000500000000000000" pitchFamily="2" charset="0"/>
                 <a:ea typeface="Montserrat"/>
                 <a:cs typeface="Montserrat"/>
                 <a:sym typeface="Montserrat"/>
@@ -20888,7 +20957,7 @@
               <a:solidFill>
                 <a:schemeClr val="dk1"/>
               </a:solidFill>
-              <a:latin typeface="Montserrat"/>
+              <a:latin typeface="Montserrat" panose="00000500000000000000" pitchFamily="2" charset="0"/>
               <a:ea typeface="Montserrat"/>
               <a:cs typeface="Montserrat"/>
               <a:sym typeface="Montserrat"/>
@@ -21377,136 +21446,136 @@
               </a:spcAft>
             </a:pPr>
             <a:r>
-              <a:rPr lang="en-US" sz="1600" b="0" i="0" dirty="0">
+              <a:rPr lang="en-US" sz="1200" b="0" i="0" dirty="0">
                 <a:solidFill>
                   <a:srgbClr val="0077AA"/>
                 </a:solidFill>
                 <a:effectLst/>
-                <a:latin typeface="Liberation Mono"/>
+                <a:latin typeface="Montserrat" panose="00000500000000000000" pitchFamily="2" charset="0"/>
               </a:rPr>
               <a:t>With ORDER BY: RANGE</a:t>
             </a:r>
             <a:r>
-              <a:rPr lang="en-US" sz="1600" b="0" i="0" dirty="0">
+              <a:rPr lang="en-US" sz="1200" b="0" i="0" dirty="0">
                 <a:solidFill>
                   <a:srgbClr val="000000"/>
                 </a:solidFill>
                 <a:effectLst/>
-                <a:latin typeface="Liberation Mono"/>
+                <a:latin typeface="Montserrat" panose="00000500000000000000" pitchFamily="2" charset="0"/>
               </a:rPr>
               <a:t> </a:t>
             </a:r>
             <a:r>
-              <a:rPr lang="en-US" sz="1600" b="0" i="0" dirty="0">
+              <a:rPr lang="en-US" sz="1200" b="0" i="0" dirty="0">
                 <a:solidFill>
                   <a:srgbClr val="A67F59"/>
                 </a:solidFill>
                 <a:effectLst/>
-                <a:latin typeface="Liberation Mono"/>
+                <a:latin typeface="Montserrat" panose="00000500000000000000" pitchFamily="2" charset="0"/>
               </a:rPr>
               <a:t>BETWEEN</a:t>
             </a:r>
             <a:r>
-              <a:rPr lang="en-US" sz="1600" b="0" i="0" dirty="0">
+              <a:rPr lang="en-US" sz="1200" b="0" i="0" dirty="0">
                 <a:solidFill>
                   <a:srgbClr val="000000"/>
                 </a:solidFill>
                 <a:effectLst/>
-                <a:latin typeface="Liberation Mono"/>
+                <a:latin typeface="Montserrat" panose="00000500000000000000" pitchFamily="2" charset="0"/>
               </a:rPr>
               <a:t> </a:t>
             </a:r>
             <a:r>
-              <a:rPr lang="en-US" sz="1600" b="0" i="0" dirty="0">
+              <a:rPr lang="en-US" sz="1200" b="0" i="0" dirty="0">
                 <a:solidFill>
                   <a:srgbClr val="0077AA"/>
                 </a:solidFill>
                 <a:effectLst/>
-                <a:latin typeface="Liberation Mono"/>
+                <a:latin typeface="Montserrat" panose="00000500000000000000" pitchFamily="2" charset="0"/>
               </a:rPr>
               <a:t>UNBOUNDED</a:t>
             </a:r>
             <a:r>
-              <a:rPr lang="en-US" sz="1600" b="0" i="0" dirty="0">
+              <a:rPr lang="en-US" sz="1200" b="0" i="0" dirty="0">
                 <a:solidFill>
                   <a:srgbClr val="000000"/>
                 </a:solidFill>
                 <a:effectLst/>
-                <a:latin typeface="Liberation Mono"/>
+                <a:latin typeface="Montserrat" panose="00000500000000000000" pitchFamily="2" charset="0"/>
               </a:rPr>
               <a:t> </a:t>
             </a:r>
             <a:r>
-              <a:rPr lang="en-US" sz="1600" b="0" i="0" dirty="0">
+              <a:rPr lang="en-US" sz="1200" b="0" i="0" dirty="0">
                 <a:solidFill>
                   <a:srgbClr val="0077AA"/>
                 </a:solidFill>
                 <a:effectLst/>
-                <a:latin typeface="Liberation Mono"/>
+                <a:latin typeface="Montserrat" panose="00000500000000000000" pitchFamily="2" charset="0"/>
               </a:rPr>
               <a:t>PRECEDING</a:t>
             </a:r>
             <a:r>
-              <a:rPr lang="en-US" sz="1600" b="0" i="0" dirty="0">
+              <a:rPr lang="en-US" sz="1200" b="0" i="0" dirty="0">
                 <a:solidFill>
                   <a:srgbClr val="000000"/>
                 </a:solidFill>
                 <a:effectLst/>
-                <a:latin typeface="Liberation Mono"/>
+                <a:latin typeface="Montserrat" panose="00000500000000000000" pitchFamily="2" charset="0"/>
               </a:rPr>
               <a:t> </a:t>
             </a:r>
             <a:r>
-              <a:rPr lang="en-US" sz="1600" b="0" i="0" dirty="0">
+              <a:rPr lang="en-US" sz="1200" b="0" i="0" dirty="0">
                 <a:solidFill>
                   <a:srgbClr val="A67F59"/>
                 </a:solidFill>
                 <a:effectLst/>
-                <a:latin typeface="Liberation Mono"/>
+                <a:latin typeface="Montserrat" panose="00000500000000000000" pitchFamily="2" charset="0"/>
               </a:rPr>
               <a:t>AND</a:t>
             </a:r>
             <a:r>
-              <a:rPr lang="en-US" sz="1600" b="0" i="0" dirty="0">
+              <a:rPr lang="en-US" sz="1200" b="0" i="0" dirty="0">
                 <a:solidFill>
                   <a:srgbClr val="000000"/>
                 </a:solidFill>
                 <a:effectLst/>
-                <a:latin typeface="Liberation Mono"/>
+                <a:latin typeface="Montserrat" panose="00000500000000000000" pitchFamily="2" charset="0"/>
               </a:rPr>
               <a:t> </a:t>
             </a:r>
             <a:r>
-              <a:rPr lang="en-US" sz="1600" b="0" i="0" dirty="0">
+              <a:rPr lang="en-US" sz="1200" b="0" i="0" dirty="0">
                 <a:solidFill>
                   <a:srgbClr val="0077AA"/>
                 </a:solidFill>
                 <a:effectLst/>
-                <a:latin typeface="Liberation Mono"/>
+                <a:latin typeface="Montserrat" panose="00000500000000000000" pitchFamily="2" charset="0"/>
               </a:rPr>
               <a:t>CURRENT</a:t>
             </a:r>
             <a:r>
-              <a:rPr lang="en-US" sz="1600" b="0" i="0" dirty="0">
+              <a:rPr lang="en-US" sz="1200" b="0" i="0" dirty="0">
                 <a:solidFill>
                   <a:srgbClr val="000000"/>
                 </a:solidFill>
                 <a:effectLst/>
-                <a:latin typeface="Liberation Mono"/>
+                <a:latin typeface="Montserrat" panose="00000500000000000000" pitchFamily="2" charset="0"/>
               </a:rPr>
               <a:t> </a:t>
             </a:r>
             <a:r>
-              <a:rPr lang="en-US" sz="1600" b="0" i="0" dirty="0">
+              <a:rPr lang="en-US" sz="1200" b="0" i="0" dirty="0">
                 <a:solidFill>
                   <a:srgbClr val="0077AA"/>
                 </a:solidFill>
                 <a:effectLst/>
-                <a:latin typeface="Liberation Mono"/>
+                <a:latin typeface="Montserrat" panose="00000500000000000000" pitchFamily="2" charset="0"/>
               </a:rPr>
               <a:t>ROW</a:t>
             </a:r>
-            <a:endParaRPr lang="en-US" sz="1200" b="0" i="1" dirty="0">
+            <a:endParaRPr lang="en-US" sz="1050" b="0" i="1" dirty="0">
               <a:solidFill>
                 <a:schemeClr val="dk1"/>
               </a:solidFill>
@@ -21525,136 +21594,136 @@
               </a:spcAft>
             </a:pPr>
             <a:r>
-              <a:rPr lang="en-US" sz="1600" b="0" i="0" dirty="0">
+              <a:rPr lang="en-US" sz="1200" b="0" i="0" dirty="0">
                 <a:solidFill>
                   <a:srgbClr val="0077AA"/>
                 </a:solidFill>
                 <a:effectLst/>
-                <a:latin typeface="Liberation Mono"/>
+                <a:latin typeface="Montserrat" panose="00000500000000000000" pitchFamily="2" charset="0"/>
               </a:rPr>
               <a:t>Without ORDER BY: RANGE</a:t>
             </a:r>
             <a:r>
-              <a:rPr lang="en-US" sz="1600" b="0" i="0" dirty="0">
+              <a:rPr lang="en-US" sz="1200" b="0" i="0" dirty="0">
                 <a:solidFill>
                   <a:srgbClr val="000000"/>
                 </a:solidFill>
                 <a:effectLst/>
-                <a:latin typeface="Liberation Mono"/>
+                <a:latin typeface="Montserrat" panose="00000500000000000000" pitchFamily="2" charset="0"/>
               </a:rPr>
               <a:t> </a:t>
             </a:r>
             <a:r>
-              <a:rPr lang="en-US" sz="1600" b="0" i="0" dirty="0">
+              <a:rPr lang="en-US" sz="1200" b="0" i="0" dirty="0">
                 <a:solidFill>
                   <a:srgbClr val="A67F59"/>
                 </a:solidFill>
                 <a:effectLst/>
-                <a:latin typeface="Liberation Mono"/>
+                <a:latin typeface="Montserrat" panose="00000500000000000000" pitchFamily="2" charset="0"/>
               </a:rPr>
               <a:t>BETWEEN</a:t>
             </a:r>
             <a:r>
-              <a:rPr lang="en-US" sz="1600" b="0" i="0" dirty="0">
+              <a:rPr lang="en-US" sz="1200" b="0" i="0" dirty="0">
                 <a:solidFill>
                   <a:srgbClr val="000000"/>
                 </a:solidFill>
                 <a:effectLst/>
-                <a:latin typeface="Liberation Mono"/>
+                <a:latin typeface="Montserrat" panose="00000500000000000000" pitchFamily="2" charset="0"/>
               </a:rPr>
               <a:t> </a:t>
             </a:r>
             <a:r>
-              <a:rPr lang="en-US" sz="1600" b="0" i="0" dirty="0">
+              <a:rPr lang="en-US" sz="1200" b="0" i="0" dirty="0">
                 <a:solidFill>
                   <a:srgbClr val="0077AA"/>
                 </a:solidFill>
                 <a:effectLst/>
-                <a:latin typeface="Liberation Mono"/>
+                <a:latin typeface="Montserrat" panose="00000500000000000000" pitchFamily="2" charset="0"/>
               </a:rPr>
               <a:t>UNBOUNDED</a:t>
             </a:r>
             <a:r>
-              <a:rPr lang="en-US" sz="1600" b="0" i="0" dirty="0">
+              <a:rPr lang="en-US" sz="1200" b="0" i="0" dirty="0">
                 <a:solidFill>
                   <a:srgbClr val="000000"/>
                 </a:solidFill>
                 <a:effectLst/>
-                <a:latin typeface="Liberation Mono"/>
+                <a:latin typeface="Montserrat" panose="00000500000000000000" pitchFamily="2" charset="0"/>
               </a:rPr>
               <a:t> </a:t>
             </a:r>
             <a:r>
-              <a:rPr lang="en-US" sz="1600" b="0" i="0" dirty="0">
+              <a:rPr lang="en-US" sz="1200" b="0" i="0" dirty="0">
                 <a:solidFill>
                   <a:srgbClr val="0077AA"/>
                 </a:solidFill>
                 <a:effectLst/>
-                <a:latin typeface="Liberation Mono"/>
+                <a:latin typeface="Montserrat" panose="00000500000000000000" pitchFamily="2" charset="0"/>
               </a:rPr>
               <a:t>PRECEDING</a:t>
             </a:r>
             <a:r>
-              <a:rPr lang="en-US" sz="1600" b="0" i="0" dirty="0">
+              <a:rPr lang="en-US" sz="1200" b="0" i="0" dirty="0">
                 <a:solidFill>
                   <a:srgbClr val="000000"/>
                 </a:solidFill>
                 <a:effectLst/>
-                <a:latin typeface="Liberation Mono"/>
+                <a:latin typeface="Montserrat" panose="00000500000000000000" pitchFamily="2" charset="0"/>
               </a:rPr>
               <a:t> </a:t>
             </a:r>
             <a:r>
-              <a:rPr lang="en-US" sz="1600" b="0" i="0" dirty="0">
+              <a:rPr lang="en-US" sz="1200" b="0" i="0" dirty="0">
                 <a:solidFill>
                   <a:srgbClr val="A67F59"/>
                 </a:solidFill>
                 <a:effectLst/>
-                <a:latin typeface="Liberation Mono"/>
+                <a:latin typeface="Montserrat" panose="00000500000000000000" pitchFamily="2" charset="0"/>
               </a:rPr>
               <a:t>AND</a:t>
             </a:r>
             <a:r>
-              <a:rPr lang="en-US" sz="1600" b="0" i="0" dirty="0">
+              <a:rPr lang="en-US" sz="1200" b="0" i="0" dirty="0">
                 <a:solidFill>
                   <a:srgbClr val="000000"/>
                 </a:solidFill>
                 <a:effectLst/>
-                <a:latin typeface="Liberation Mono"/>
+                <a:latin typeface="Montserrat" panose="00000500000000000000" pitchFamily="2" charset="0"/>
               </a:rPr>
               <a:t> </a:t>
             </a:r>
             <a:r>
-              <a:rPr lang="en-US" sz="1600" b="0" i="0" dirty="0">
+              <a:rPr lang="en-US" sz="1200" b="0" i="0" dirty="0">
                 <a:solidFill>
                   <a:srgbClr val="0077AA"/>
                 </a:solidFill>
                 <a:effectLst/>
-                <a:latin typeface="Liberation Mono"/>
+                <a:latin typeface="Montserrat" panose="00000500000000000000" pitchFamily="2" charset="0"/>
               </a:rPr>
               <a:t>UNBOUNDED</a:t>
             </a:r>
             <a:r>
-              <a:rPr lang="en-US" sz="1600" b="0" i="0" dirty="0">
+              <a:rPr lang="en-US" sz="1200" b="0" i="0" dirty="0">
                 <a:solidFill>
                   <a:srgbClr val="000000"/>
                 </a:solidFill>
                 <a:effectLst/>
-                <a:latin typeface="Liberation Mono"/>
+                <a:latin typeface="Montserrat" panose="00000500000000000000" pitchFamily="2" charset="0"/>
               </a:rPr>
               <a:t> </a:t>
             </a:r>
             <a:r>
-              <a:rPr lang="en-US" sz="1600" b="0" i="0" dirty="0">
+              <a:rPr lang="en-US" sz="1200" b="0" i="0" dirty="0">
                 <a:solidFill>
                   <a:srgbClr val="0077AA"/>
                 </a:solidFill>
                 <a:effectLst/>
-                <a:latin typeface="Liberation Mono"/>
+                <a:latin typeface="Montserrat" panose="00000500000000000000" pitchFamily="2" charset="0"/>
               </a:rPr>
               <a:t>FOLLOWING</a:t>
             </a:r>
-            <a:endParaRPr sz="1200" i="1" dirty="0">
+            <a:endParaRPr sz="1050" i="1" dirty="0">
               <a:solidFill>
                 <a:schemeClr val="dk1"/>
               </a:solidFill>
